--- a/Rabbitmq lecture.pptx
+++ b/Rabbitmq lecture.pptx
@@ -5,7 +5,7 @@
     <p:sldMasterId id="2147483702" r:id="rId1"/>
   </p:sldMasterIdLst>
   <p:notesMasterIdLst>
-    <p:notesMasterId r:id="rId32"/>
+    <p:notesMasterId r:id="rId39"/>
   </p:notesMasterIdLst>
   <p:sldIdLst>
     <p:sldId id="256" r:id="rId2"/>
@@ -19,25 +19,32 @@
     <p:sldId id="288" r:id="rId10"/>
     <p:sldId id="284" r:id="rId11"/>
     <p:sldId id="289" r:id="rId12"/>
-    <p:sldId id="273" r:id="rId13"/>
-    <p:sldId id="274" r:id="rId14"/>
-    <p:sldId id="290" r:id="rId15"/>
-    <p:sldId id="291" r:id="rId16"/>
-    <p:sldId id="270" r:id="rId17"/>
-    <p:sldId id="292" r:id="rId18"/>
-    <p:sldId id="286" r:id="rId19"/>
-    <p:sldId id="278" r:id="rId20"/>
-    <p:sldId id="279" r:id="rId21"/>
-    <p:sldId id="276" r:id="rId22"/>
-    <p:sldId id="280" r:id="rId23"/>
-    <p:sldId id="277" r:id="rId24"/>
-    <p:sldId id="264" r:id="rId25"/>
-    <p:sldId id="266" r:id="rId26"/>
-    <p:sldId id="285" r:id="rId27"/>
-    <p:sldId id="267" r:id="rId28"/>
-    <p:sldId id="268" r:id="rId29"/>
-    <p:sldId id="272" r:id="rId30"/>
-    <p:sldId id="271" r:id="rId31"/>
+    <p:sldId id="297" r:id="rId13"/>
+    <p:sldId id="273" r:id="rId14"/>
+    <p:sldId id="294" r:id="rId15"/>
+    <p:sldId id="293" r:id="rId16"/>
+    <p:sldId id="295" r:id="rId17"/>
+    <p:sldId id="274" r:id="rId18"/>
+    <p:sldId id="296" r:id="rId19"/>
+    <p:sldId id="290" r:id="rId20"/>
+    <p:sldId id="291" r:id="rId21"/>
+    <p:sldId id="270" r:id="rId22"/>
+    <p:sldId id="298" r:id="rId23"/>
+    <p:sldId id="299" r:id="rId24"/>
+    <p:sldId id="292" r:id="rId25"/>
+    <p:sldId id="286" r:id="rId26"/>
+    <p:sldId id="278" r:id="rId27"/>
+    <p:sldId id="279" r:id="rId28"/>
+    <p:sldId id="276" r:id="rId29"/>
+    <p:sldId id="280" r:id="rId30"/>
+    <p:sldId id="277" r:id="rId31"/>
+    <p:sldId id="264" r:id="rId32"/>
+    <p:sldId id="266" r:id="rId33"/>
+    <p:sldId id="285" r:id="rId34"/>
+    <p:sldId id="267" r:id="rId35"/>
+    <p:sldId id="268" r:id="rId36"/>
+    <p:sldId id="272" r:id="rId37"/>
+    <p:sldId id="271" r:id="rId38"/>
   </p:sldIdLst>
   <p:sldSz cx="12192000" cy="6858000"/>
   <p:notesSz cx="6858000" cy="9144000"/>
@@ -226,7 +233,7 @@
           <a:p>
             <a:fld id="{8B0400A7-9789-452B-BC01-AD390C398DAD}" type="datetimeFigureOut">
               <a:rPr lang="en-US" smtClean="0"/>
-              <a:t>2/4/2019</a:t>
+              <a:t>2/5/2019</a:t>
             </a:fld>
             <a:endParaRPr lang="en-US"/>
           </a:p>
@@ -722,42 +729,40 @@
           <a:bodyPr/>
           <a:lstStyle/>
           <a:p>
-            <a:pPr marL="0" marR="0" lvl="0" indent="0" algn="l" defTabSz="914400" rtl="0" eaLnBrk="1" fontAlgn="auto" latinLnBrk="0" hangingPunct="1">
-              <a:lnSpc>
-                <a:spcPct val="100000"/>
-              </a:lnSpc>
-              <a:spcBef>
-                <a:spcPts val="0"/>
-              </a:spcBef>
-              <a:spcAft>
-                <a:spcPts val="0"/>
-              </a:spcAft>
-              <a:buClrTx/>
-              <a:buSzTx/>
+            <a:pPr marL="171450" indent="-171450">
               <a:buFontTx/>
-              <a:buNone/>
-              <a:tabLst/>
-              <a:defRPr/>
+              <a:buChar char="-"/>
             </a:pPr>
             <a:r>
               <a:rPr lang="en-US" dirty="0" smtClean="0"/>
-              <a:t>- </a:t>
-            </a:r>
-            <a:r>
-              <a:rPr lang="en-US" dirty="0" smtClean="0"/>
-              <a:t>Consumers that make queues will only get newest messages after conception of queue</a:t>
-            </a:r>
-          </a:p>
-          <a:p>
-            <a:r>
-              <a:rPr lang="en-US" dirty="0" smtClean="0"/>
-              <a:t>- Inherently flawed,</a:t>
-            </a:r>
+              <a:t>True to its name, it is queue as a data structure</a:t>
+            </a:r>
+          </a:p>
+          <a:p>
+            <a:pPr marL="628650" lvl="1" indent="-171450">
+              <a:buFontTx/>
+              <a:buChar char="-"/>
+            </a:pPr>
             <a:r>
               <a:rPr lang="en-US" baseline="0" dirty="0" smtClean="0"/>
-              <a:t> as DC will remove any benefits of pre-queueing</a:t>
-            </a:r>
-            <a:endParaRPr lang="en-US" dirty="0"/>
+              <a:t>Once consume a message in queue, it is </a:t>
+            </a:r>
+            <a:r>
+              <a:rPr lang="en-US" baseline="0" dirty="0" err="1" smtClean="0"/>
+              <a:t>ack</a:t>
+            </a:r>
+            <a:r>
+              <a:rPr lang="en-US" baseline="0" dirty="0" smtClean="0"/>
+              <a:t> and is removed from queue</a:t>
+            </a:r>
+            <a:endParaRPr lang="en-US" baseline="0" dirty="0"/>
+          </a:p>
+          <a:p>
+            <a:pPr marL="628650" lvl="1" indent="-171450">
+              <a:buFontTx/>
+              <a:buChar char="-"/>
+            </a:pPr>
+            <a:endParaRPr lang="en-US" baseline="0" dirty="0" smtClean="0"/>
           </a:p>
         </p:txBody>
       </p:sp>
@@ -778,7 +783,7 @@
           <a:p>
             <a:fld id="{5206DCD0-0D67-4BF5-951B-363C0E1A0885}" type="slidenum">
               <a:rPr lang="en-US" smtClean="0"/>
-              <a:t>18</a:t>
+              <a:t>22</a:t>
             </a:fld>
             <a:endParaRPr lang="en-US"/>
           </a:p>
@@ -787,7 +792,7 @@
     </p:spTree>
     <p:extLst>
       <p:ext uri="{BB962C8B-B14F-4D97-AF65-F5344CB8AC3E}">
-        <p14:creationId xmlns:p14="http://schemas.microsoft.com/office/powerpoint/2010/main" val="3029668924"/>
+        <p14:creationId xmlns:p14="http://schemas.microsoft.com/office/powerpoint/2010/main" val="866921332"/>
       </p:ext>
     </p:extLst>
   </p:cSld>
@@ -847,6 +852,237 @@
             </a:pPr>
             <a:r>
               <a:rPr lang="en-US" dirty="0" smtClean="0"/>
+              <a:t>Queue has to be bound to an</a:t>
+            </a:r>
+            <a:r>
+              <a:rPr lang="en-US" baseline="0" dirty="0" smtClean="0"/>
+              <a:t> exchange </a:t>
+            </a:r>
+          </a:p>
+          <a:p>
+            <a:pPr marL="628650" lvl="1" indent="-171450">
+              <a:buFontTx/>
+              <a:buChar char="-"/>
+            </a:pPr>
+            <a:r>
+              <a:rPr lang="en-US" baseline="0" dirty="0" smtClean="0"/>
+              <a:t>has binding key if direct</a:t>
+            </a:r>
+          </a:p>
+          <a:p>
+            <a:pPr marL="628650" lvl="1" indent="-171450">
+              <a:buFontTx/>
+              <a:buChar char="-"/>
+            </a:pPr>
+            <a:r>
+              <a:rPr lang="en-US" baseline="0" dirty="0" smtClean="0"/>
+              <a:t>Has binding pattern if topics</a:t>
+            </a:r>
+            <a:endParaRPr lang="en-US" dirty="0"/>
+          </a:p>
+        </p:txBody>
+      </p:sp>
+      <p:sp>
+        <p:nvSpPr>
+          <p:cNvPr id="4" name="Slide Number Placeholder 3"/>
+          <p:cNvSpPr>
+            <a:spLocks noGrp="1"/>
+          </p:cNvSpPr>
+          <p:nvPr>
+            <p:ph type="sldNum" sz="quarter" idx="10"/>
+          </p:nvPr>
+        </p:nvSpPr>
+        <p:spPr/>
+        <p:txBody>
+          <a:bodyPr/>
+          <a:lstStyle/>
+          <a:p>
+            <a:fld id="{5206DCD0-0D67-4BF5-951B-363C0E1A0885}" type="slidenum">
+              <a:rPr lang="en-US" smtClean="0"/>
+              <a:t>23</a:t>
+            </a:fld>
+            <a:endParaRPr lang="en-US"/>
+          </a:p>
+        </p:txBody>
+      </p:sp>
+    </p:spTree>
+    <p:extLst>
+      <p:ext uri="{BB962C8B-B14F-4D97-AF65-F5344CB8AC3E}">
+        <p14:creationId xmlns:p14="http://schemas.microsoft.com/office/powerpoint/2010/main" val="81693304"/>
+      </p:ext>
+    </p:extLst>
+  </p:cSld>
+  <p:clrMapOvr>
+    <a:masterClrMapping/>
+  </p:clrMapOvr>
+</p:notes>
+</file>
+
+<file path=ppt/notesSlides/notesSlide12.xml><?xml version="1.0" encoding="utf-8"?>
+<p:notes xmlns:a="http://schemas.openxmlformats.org/drawingml/2006/main" xmlns:r="http://schemas.openxmlformats.org/officeDocument/2006/relationships" xmlns:p="http://schemas.openxmlformats.org/presentationml/2006/main">
+  <p:cSld>
+    <p:spTree>
+      <p:nvGrpSpPr>
+        <p:cNvPr id="1" name=""/>
+        <p:cNvGrpSpPr/>
+        <p:nvPr/>
+      </p:nvGrpSpPr>
+      <p:grpSpPr>
+        <a:xfrm>
+          <a:off x="0" y="0"/>
+          <a:ext cx="0" cy="0"/>
+          <a:chOff x="0" y="0"/>
+          <a:chExt cx="0" cy="0"/>
+        </a:xfrm>
+      </p:grpSpPr>
+      <p:sp>
+        <p:nvSpPr>
+          <p:cNvPr id="2" name="Slide Image Placeholder 1"/>
+          <p:cNvSpPr>
+            <a:spLocks noGrp="1" noRot="1" noChangeAspect="1"/>
+          </p:cNvSpPr>
+          <p:nvPr>
+            <p:ph type="sldImg"/>
+          </p:nvPr>
+        </p:nvSpPr>
+        <p:spPr/>
+      </p:sp>
+      <p:sp>
+        <p:nvSpPr>
+          <p:cNvPr id="3" name="Notes Placeholder 2"/>
+          <p:cNvSpPr>
+            <a:spLocks noGrp="1"/>
+          </p:cNvSpPr>
+          <p:nvPr>
+            <p:ph type="body" idx="1"/>
+          </p:nvPr>
+        </p:nvSpPr>
+        <p:spPr/>
+        <p:txBody>
+          <a:bodyPr/>
+          <a:lstStyle/>
+          <a:p>
+            <a:pPr marL="0" marR="0" lvl="0" indent="0" algn="l" defTabSz="914400" rtl="0" eaLnBrk="1" fontAlgn="auto" latinLnBrk="0" hangingPunct="1">
+              <a:lnSpc>
+                <a:spcPct val="100000"/>
+              </a:lnSpc>
+              <a:spcBef>
+                <a:spcPts val="0"/>
+              </a:spcBef>
+              <a:spcAft>
+                <a:spcPts val="0"/>
+              </a:spcAft>
+              <a:buClrTx/>
+              <a:buSzTx/>
+              <a:buFontTx/>
+              <a:buNone/>
+              <a:tabLst/>
+              <a:defRPr/>
+            </a:pPr>
+            <a:r>
+              <a:rPr lang="en-US" dirty="0" smtClean="0"/>
+              <a:t>- Consumers that make queues will only get newest messages after conception of queue</a:t>
+            </a:r>
+          </a:p>
+          <a:p>
+            <a:r>
+              <a:rPr lang="en-US" dirty="0" smtClean="0"/>
+              <a:t>- Inherently flawed,</a:t>
+            </a:r>
+            <a:r>
+              <a:rPr lang="en-US" baseline="0" dirty="0" smtClean="0"/>
+              <a:t> as DC will remove any benefits of pre-queueing</a:t>
+            </a:r>
+            <a:endParaRPr lang="en-US" dirty="0"/>
+          </a:p>
+        </p:txBody>
+      </p:sp>
+      <p:sp>
+        <p:nvSpPr>
+          <p:cNvPr id="4" name="Slide Number Placeholder 3"/>
+          <p:cNvSpPr>
+            <a:spLocks noGrp="1"/>
+          </p:cNvSpPr>
+          <p:nvPr>
+            <p:ph type="sldNum" sz="quarter" idx="10"/>
+          </p:nvPr>
+        </p:nvSpPr>
+        <p:spPr/>
+        <p:txBody>
+          <a:bodyPr/>
+          <a:lstStyle/>
+          <a:p>
+            <a:fld id="{5206DCD0-0D67-4BF5-951B-363C0E1A0885}" type="slidenum">
+              <a:rPr lang="en-US" smtClean="0"/>
+              <a:t>25</a:t>
+            </a:fld>
+            <a:endParaRPr lang="en-US"/>
+          </a:p>
+        </p:txBody>
+      </p:sp>
+    </p:spTree>
+    <p:extLst>
+      <p:ext uri="{BB962C8B-B14F-4D97-AF65-F5344CB8AC3E}">
+        <p14:creationId xmlns:p14="http://schemas.microsoft.com/office/powerpoint/2010/main" val="3029668924"/>
+      </p:ext>
+    </p:extLst>
+  </p:cSld>
+  <p:clrMapOvr>
+    <a:masterClrMapping/>
+  </p:clrMapOvr>
+</p:notes>
+</file>
+
+<file path=ppt/notesSlides/notesSlide13.xml><?xml version="1.0" encoding="utf-8"?>
+<p:notes xmlns:a="http://schemas.openxmlformats.org/drawingml/2006/main" xmlns:r="http://schemas.openxmlformats.org/officeDocument/2006/relationships" xmlns:p="http://schemas.openxmlformats.org/presentationml/2006/main">
+  <p:cSld>
+    <p:spTree>
+      <p:nvGrpSpPr>
+        <p:cNvPr id="1" name=""/>
+        <p:cNvGrpSpPr/>
+        <p:nvPr/>
+      </p:nvGrpSpPr>
+      <p:grpSpPr>
+        <a:xfrm>
+          <a:off x="0" y="0"/>
+          <a:ext cx="0" cy="0"/>
+          <a:chOff x="0" y="0"/>
+          <a:chExt cx="0" cy="0"/>
+        </a:xfrm>
+      </p:grpSpPr>
+      <p:sp>
+        <p:nvSpPr>
+          <p:cNvPr id="2" name="Slide Image Placeholder 1"/>
+          <p:cNvSpPr>
+            <a:spLocks noGrp="1" noRot="1" noChangeAspect="1"/>
+          </p:cNvSpPr>
+          <p:nvPr>
+            <p:ph type="sldImg"/>
+          </p:nvPr>
+        </p:nvSpPr>
+        <p:spPr/>
+      </p:sp>
+      <p:sp>
+        <p:nvSpPr>
+          <p:cNvPr id="3" name="Notes Placeholder 2"/>
+          <p:cNvSpPr>
+            <a:spLocks noGrp="1"/>
+          </p:cNvSpPr>
+          <p:nvPr>
+            <p:ph type="body" idx="1"/>
+          </p:nvPr>
+        </p:nvSpPr>
+        <p:spPr/>
+        <p:txBody>
+          <a:bodyPr/>
+          <a:lstStyle/>
+          <a:p>
+            <a:pPr marL="171450" indent="-171450">
+              <a:buFontTx/>
+              <a:buChar char="-"/>
+            </a:pPr>
+            <a:r>
+              <a:rPr lang="en-US" dirty="0" smtClean="0"/>
               <a:t>Hard</a:t>
             </a:r>
             <a:r>
@@ -880,7 +1116,7 @@
           <a:p>
             <a:fld id="{5206DCD0-0D67-4BF5-951B-363C0E1A0885}" type="slidenum">
               <a:rPr lang="en-US" smtClean="0"/>
-              <a:t>20</a:t>
+              <a:t>27</a:t>
             </a:fld>
             <a:endParaRPr lang="en-US"/>
           </a:p>
@@ -1795,7 +2031,7 @@
           <a:p>
             <a:fld id="{5206DCD0-0D67-4BF5-951B-363C0E1A0885}" type="slidenum">
               <a:rPr lang="en-US" smtClean="0"/>
-              <a:t>16</a:t>
+              <a:t>21</a:t>
             </a:fld>
             <a:endParaRPr lang="en-US"/>
           </a:p>
@@ -2000,7 +2236,7 @@
           <a:p>
             <a:fld id="{E170E938-8157-4FE8-A5D6-416C20B9A92B}" type="datetimeFigureOut">
               <a:rPr lang="en-US" smtClean="0"/>
-              <a:t>2/4/2019</a:t>
+              <a:t>2/5/2019</a:t>
             </a:fld>
             <a:endParaRPr lang="en-US"/>
           </a:p>
@@ -2275,7 +2511,7 @@
           <a:p>
             <a:fld id="{E170E938-8157-4FE8-A5D6-416C20B9A92B}" type="datetimeFigureOut">
               <a:rPr lang="en-US" smtClean="0"/>
-              <a:t>2/4/2019</a:t>
+              <a:t>2/5/2019</a:t>
             </a:fld>
             <a:endParaRPr lang="en-US"/>
           </a:p>
@@ -2469,7 +2705,7 @@
           <a:p>
             <a:fld id="{E170E938-8157-4FE8-A5D6-416C20B9A92B}" type="datetimeFigureOut">
               <a:rPr lang="en-US" smtClean="0"/>
-              <a:t>2/4/2019</a:t>
+              <a:t>2/5/2019</a:t>
             </a:fld>
             <a:endParaRPr lang="en-US"/>
           </a:p>
@@ -2740,7 +2976,7 @@
           <a:p>
             <a:fld id="{E170E938-8157-4FE8-A5D6-416C20B9A92B}" type="datetimeFigureOut">
               <a:rPr lang="en-US" smtClean="0"/>
-              <a:t>2/4/2019</a:t>
+              <a:t>2/5/2019</a:t>
             </a:fld>
             <a:endParaRPr lang="en-US"/>
           </a:p>
@@ -3067,7 +3303,7 @@
           <a:p>
             <a:fld id="{E170E938-8157-4FE8-A5D6-416C20B9A92B}" type="datetimeFigureOut">
               <a:rPr lang="en-US" smtClean="0"/>
-              <a:t>2/4/2019</a:t>
+              <a:t>2/5/2019</a:t>
             </a:fld>
             <a:endParaRPr lang="en-US"/>
           </a:p>
@@ -3686,7 +3922,7 @@
           <a:p>
             <a:fld id="{E170E938-8157-4FE8-A5D6-416C20B9A92B}" type="datetimeFigureOut">
               <a:rPr lang="en-US" smtClean="0"/>
-              <a:t>2/4/2019</a:t>
+              <a:t>2/5/2019</a:t>
             </a:fld>
             <a:endParaRPr lang="en-US"/>
           </a:p>
@@ -4533,7 +4769,7 @@
           <a:p>
             <a:fld id="{E170E938-8157-4FE8-A5D6-416C20B9A92B}" type="datetimeFigureOut">
               <a:rPr lang="en-US" smtClean="0"/>
-              <a:t>2/4/2019</a:t>
+              <a:t>2/5/2019</a:t>
             </a:fld>
             <a:endParaRPr lang="en-US"/>
           </a:p>
@@ -4703,7 +4939,7 @@
           <a:p>
             <a:fld id="{E170E938-8157-4FE8-A5D6-416C20B9A92B}" type="datetimeFigureOut">
               <a:rPr lang="en-US" smtClean="0"/>
-              <a:t>2/4/2019</a:t>
+              <a:t>2/5/2019</a:t>
             </a:fld>
             <a:endParaRPr lang="en-US"/>
           </a:p>
@@ -4883,7 +5119,7 @@
           <a:p>
             <a:fld id="{E170E938-8157-4FE8-A5D6-416C20B9A92B}" type="datetimeFigureOut">
               <a:rPr lang="en-US" smtClean="0"/>
-              <a:t>2/4/2019</a:t>
+              <a:t>2/5/2019</a:t>
             </a:fld>
             <a:endParaRPr lang="en-US"/>
           </a:p>
@@ -5053,7 +5289,7 @@
           <a:p>
             <a:fld id="{E170E938-8157-4FE8-A5D6-416C20B9A92B}" type="datetimeFigureOut">
               <a:rPr lang="en-US" smtClean="0"/>
-              <a:t>2/4/2019</a:t>
+              <a:t>2/5/2019</a:t>
             </a:fld>
             <a:endParaRPr lang="en-US"/>
           </a:p>
@@ -5300,7 +5536,7 @@
           <a:p>
             <a:fld id="{E170E938-8157-4FE8-A5D6-416C20B9A92B}" type="datetimeFigureOut">
               <a:rPr lang="en-US" smtClean="0"/>
-              <a:t>2/4/2019</a:t>
+              <a:t>2/5/2019</a:t>
             </a:fld>
             <a:endParaRPr lang="en-US"/>
           </a:p>
@@ -5592,7 +5828,7 @@
           <a:p>
             <a:fld id="{E170E938-8157-4FE8-A5D6-416C20B9A92B}" type="datetimeFigureOut">
               <a:rPr lang="en-US" smtClean="0"/>
-              <a:t>2/4/2019</a:t>
+              <a:t>2/5/2019</a:t>
             </a:fld>
             <a:endParaRPr lang="en-US"/>
           </a:p>
@@ -6036,7 +6272,7 @@
           <a:p>
             <a:fld id="{E170E938-8157-4FE8-A5D6-416C20B9A92B}" type="datetimeFigureOut">
               <a:rPr lang="en-US" smtClean="0"/>
-              <a:t>2/4/2019</a:t>
+              <a:t>2/5/2019</a:t>
             </a:fld>
             <a:endParaRPr lang="en-US"/>
           </a:p>
@@ -6154,7 +6390,7 @@
           <a:p>
             <a:fld id="{E170E938-8157-4FE8-A5D6-416C20B9A92B}" type="datetimeFigureOut">
               <a:rPr lang="en-US" smtClean="0"/>
-              <a:t>2/4/2019</a:t>
+              <a:t>2/5/2019</a:t>
             </a:fld>
             <a:endParaRPr lang="en-US"/>
           </a:p>
@@ -6249,7 +6485,7 @@
           <a:p>
             <a:fld id="{E170E938-8157-4FE8-A5D6-416C20B9A92B}" type="datetimeFigureOut">
               <a:rPr lang="en-US" smtClean="0"/>
-              <a:t>2/4/2019</a:t>
+              <a:t>2/5/2019</a:t>
             </a:fld>
             <a:endParaRPr lang="en-US"/>
           </a:p>
@@ -6528,7 +6764,7 @@
           <a:p>
             <a:fld id="{E170E938-8157-4FE8-A5D6-416C20B9A92B}" type="datetimeFigureOut">
               <a:rPr lang="en-US" smtClean="0"/>
-              <a:t>2/4/2019</a:t>
+              <a:t>2/5/2019</a:t>
             </a:fld>
             <a:endParaRPr lang="en-US"/>
           </a:p>
@@ -6803,7 +7039,7 @@
           <a:p>
             <a:fld id="{E170E938-8157-4FE8-A5D6-416C20B9A92B}" type="datetimeFigureOut">
               <a:rPr lang="en-US" smtClean="0"/>
-              <a:t>2/4/2019</a:t>
+              <a:t>2/5/2019</a:t>
             </a:fld>
             <a:endParaRPr lang="en-US"/>
           </a:p>
@@ -7226,7 +7462,7 @@
           <a:p>
             <a:fld id="{E170E938-8157-4FE8-A5D6-416C20B9A92B}" type="datetimeFigureOut">
               <a:rPr lang="en-US" smtClean="0"/>
-              <a:t>2/4/2019</a:t>
+              <a:t>2/5/2019</a:t>
             </a:fld>
             <a:endParaRPr lang="en-US"/>
           </a:p>
@@ -7841,14 +8077,24 @@
           </a:p>
           <a:p>
             <a:r>
-              <a:rPr lang="en-US" dirty="0" smtClean="0">
+              <a:rPr lang="en-US" smtClean="0">
                 <a:solidFill>
                   <a:schemeClr val="tx1">
                     <a:lumMod val="95000"/>
                   </a:schemeClr>
                 </a:solidFill>
               </a:rPr>
-              <a:t>Randy Van</a:t>
+              <a:t>Randy </a:t>
+            </a:r>
+            <a:r>
+              <a:rPr lang="en-US" smtClean="0">
+                <a:solidFill>
+                  <a:schemeClr val="tx1">
+                    <a:lumMod val="95000"/>
+                  </a:schemeClr>
+                </a:solidFill>
+              </a:rPr>
+              <a:t>Van</a:t>
             </a:r>
             <a:endParaRPr lang="en-US" dirty="0">
               <a:solidFill>
@@ -8445,7 +8691,7 @@
           <p:nvPr>
             <p:extLst>
               <p:ext uri="{D42A27DB-BD31-4B8C-83A1-F6EECF244321}">
-                <p14:modId xmlns:p14="http://schemas.microsoft.com/office/powerpoint/2010/main" val="1008624106"/>
+                <p14:modId xmlns:p14="http://schemas.microsoft.com/office/powerpoint/2010/main" val="238855055"/>
               </p:ext>
             </p:extLst>
           </p:nvPr>
@@ -8641,7 +8887,7 @@
                   </a:txBody>
                   <a:tcPr anchor="ctr">
                     <a:solidFill>
-                      <a:srgbClr val="FFFF00"/>
+                      <a:srgbClr val="00B0F0"/>
                     </a:solidFill>
                   </a:tcPr>
                 </a:tc>
@@ -8660,7 +8906,7 @@
                   </a:txBody>
                   <a:tcPr anchor="ctr">
                     <a:solidFill>
-                      <a:srgbClr val="FFFF00"/>
+                      <a:srgbClr val="00B0F0"/>
                     </a:solidFill>
                   </a:tcPr>
                 </a:tc>
@@ -8683,7 +8929,7 @@
                   </a:txBody>
                   <a:tcPr anchor="ctr">
                     <a:solidFill>
-                      <a:srgbClr val="FFFF00"/>
+                      <a:srgbClr val="00B0F0"/>
                     </a:solidFill>
                   </a:tcPr>
                 </a:tc>
@@ -8702,7 +8948,7 @@
                   </a:txBody>
                   <a:tcPr anchor="ctr">
                     <a:solidFill>
-                      <a:srgbClr val="FFFF00"/>
+                      <a:srgbClr val="00B0F0"/>
                     </a:solidFill>
                   </a:tcPr>
                 </a:tc>
@@ -9031,58 +9277,22 @@
           <a:p>
             <a:r>
               <a:rPr lang="en-US" dirty="0" smtClean="0"/>
-              <a:t>Example Architecture 1</a:t>
+              <a:t>Pop Quiz Time</a:t>
             </a:r>
             <a:endParaRPr lang="en-US" dirty="0"/>
           </a:p>
         </p:txBody>
       </p:sp>
-      <p:pic>
-        <p:nvPicPr>
-          <p:cNvPr id="4" name="Picture 3"/>
-          <p:cNvPicPr>
-            <a:picLocks noChangeAspect="1"/>
-          </p:cNvPicPr>
-          <p:nvPr/>
-        </p:nvPicPr>
-        <p:blipFill rotWithShape="1">
-          <a:blip r:embed="rId2">
-            <a:extLst>
-              <a:ext uri="{28A0092B-C50C-407E-A947-70E740481C1C}">
-                <a14:useLocalDpi xmlns:a14="http://schemas.microsoft.com/office/drawing/2010/main" val="0"/>
-              </a:ext>
-            </a:extLst>
-          </a:blip>
-          <a:srcRect l="10670" t="-66328" r="21792" b="67737"/>
-          <a:stretch/>
-        </p:blipFill>
-        <p:spPr>
-          <a:xfrm>
-            <a:off x="787079" y="-6414535"/>
-            <a:ext cx="10636642" cy="12290621"/>
-          </a:xfrm>
-          <a:prstGeom prst="rect">
-            <a:avLst/>
-          </a:prstGeom>
-        </p:spPr>
-      </p:pic>
     </p:spTree>
     <p:extLst>
       <p:ext uri="{BB962C8B-B14F-4D97-AF65-F5344CB8AC3E}">
-        <p14:creationId xmlns:p14="http://schemas.microsoft.com/office/powerpoint/2010/main" val="2318409084"/>
+        <p14:creationId xmlns:p14="http://schemas.microsoft.com/office/powerpoint/2010/main" val="4151590846"/>
       </p:ext>
     </p:extLst>
   </p:cSld>
   <p:clrMapOvr>
     <a:masterClrMapping/>
   </p:clrMapOvr>
-  <p:timing>
-    <p:tnLst>
-      <p:par>
-        <p:cTn id="1" dur="indefinite" restart="never" nodeType="tmRoot"/>
-      </p:par>
-    </p:tnLst>
-  </p:timing>
 </p:sld>
 </file>
 
@@ -9120,7 +9330,7 @@
           <a:p>
             <a:r>
               <a:rPr lang="en-US" dirty="0" smtClean="0"/>
-              <a:t>Example Architecture 2</a:t>
+              <a:t>Quiz Architecture 1</a:t>
             </a:r>
             <a:endParaRPr lang="en-US" dirty="0"/>
           </a:p>
@@ -9128,27 +9338,27 @@
       </p:sp>
       <p:pic>
         <p:nvPicPr>
-          <p:cNvPr id="4" name="Picture 3"/>
+          <p:cNvPr id="3" name="Picture 2"/>
           <p:cNvPicPr>
             <a:picLocks noChangeAspect="1"/>
           </p:cNvPicPr>
           <p:nvPr/>
         </p:nvPicPr>
         <p:blipFill rotWithShape="1">
-          <a:blip r:embed="rId2">
+          <a:blip r:embed="rId2" cstate="print">
             <a:extLst>
               <a:ext uri="{28A0092B-C50C-407E-A947-70E740481C1C}">
                 <a14:useLocalDpi xmlns:a14="http://schemas.microsoft.com/office/drawing/2010/main" val="0"/>
               </a:ext>
             </a:extLst>
           </a:blip>
-          <a:srcRect t="36962" r="46"/>
+          <a:srcRect l="538" t="46599" r="63783" b="34007"/>
           <a:stretch/>
         </p:blipFill>
         <p:spPr>
           <a:xfrm>
-            <a:off x="646111" y="1152983"/>
-            <a:ext cx="11037000" cy="5509806"/>
+            <a:off x="646111" y="1403927"/>
+            <a:ext cx="10802157" cy="4845831"/>
           </a:xfrm>
           <a:prstGeom prst="rect">
             <a:avLst/>
@@ -9158,7 +9368,7 @@
     </p:spTree>
     <p:extLst>
       <p:ext uri="{BB962C8B-B14F-4D97-AF65-F5344CB8AC3E}">
-        <p14:creationId xmlns:p14="http://schemas.microsoft.com/office/powerpoint/2010/main" val="53128957"/>
+        <p14:creationId xmlns:p14="http://schemas.microsoft.com/office/powerpoint/2010/main" val="2318409084"/>
       </p:ext>
     </p:extLst>
   </p:cSld>
@@ -9209,6 +9419,443 @@
           <a:p>
             <a:r>
               <a:rPr lang="en-US" dirty="0" smtClean="0"/>
+              <a:t>Quiz Architecture 1</a:t>
+            </a:r>
+            <a:endParaRPr lang="en-US" dirty="0"/>
+          </a:p>
+        </p:txBody>
+      </p:sp>
+      <p:pic>
+        <p:nvPicPr>
+          <p:cNvPr id="3" name="Picture 2"/>
+          <p:cNvPicPr>
+            <a:picLocks noChangeAspect="1"/>
+          </p:cNvPicPr>
+          <p:nvPr/>
+        </p:nvPicPr>
+        <p:blipFill rotWithShape="1">
+          <a:blip r:embed="rId2" cstate="print">
+            <a:extLst>
+              <a:ext uri="{28A0092B-C50C-407E-A947-70E740481C1C}">
+                <a14:useLocalDpi xmlns:a14="http://schemas.microsoft.com/office/drawing/2010/main" val="0"/>
+              </a:ext>
+            </a:extLst>
+          </a:blip>
+          <a:srcRect l="49175" t="48314" r="15146" b="32292"/>
+          <a:stretch/>
+        </p:blipFill>
+        <p:spPr>
+          <a:xfrm>
+            <a:off x="646111" y="1403927"/>
+            <a:ext cx="10802157" cy="4845831"/>
+          </a:xfrm>
+          <a:prstGeom prst="rect">
+            <a:avLst/>
+          </a:prstGeom>
+        </p:spPr>
+      </p:pic>
+    </p:spTree>
+    <p:extLst>
+      <p:ext uri="{BB962C8B-B14F-4D97-AF65-F5344CB8AC3E}">
+        <p14:creationId xmlns:p14="http://schemas.microsoft.com/office/powerpoint/2010/main" val="409859789"/>
+      </p:ext>
+    </p:extLst>
+  </p:cSld>
+  <p:clrMapOvr>
+    <a:masterClrMapping/>
+  </p:clrMapOvr>
+  <p:timing>
+    <p:tnLst>
+      <p:par>
+        <p:cTn id="1" dur="indefinite" restart="never" nodeType="tmRoot"/>
+      </p:par>
+    </p:tnLst>
+  </p:timing>
+</p:sld>
+</file>
+
+<file path=ppt/slides/slide15.xml><?xml version="1.0" encoding="utf-8"?>
+<p:sld xmlns:a="http://schemas.openxmlformats.org/drawingml/2006/main" xmlns:r="http://schemas.openxmlformats.org/officeDocument/2006/relationships" xmlns:p="http://schemas.openxmlformats.org/presentationml/2006/main">
+  <p:cSld>
+    <p:spTree>
+      <p:nvGrpSpPr>
+        <p:cNvPr id="1" name=""/>
+        <p:cNvGrpSpPr/>
+        <p:nvPr/>
+      </p:nvGrpSpPr>
+      <p:grpSpPr>
+        <a:xfrm>
+          <a:off x="0" y="0"/>
+          <a:ext cx="0" cy="0"/>
+          <a:chOff x="0" y="0"/>
+          <a:chExt cx="0" cy="0"/>
+        </a:xfrm>
+      </p:grpSpPr>
+      <p:sp>
+        <p:nvSpPr>
+          <p:cNvPr id="2" name="Title 1"/>
+          <p:cNvSpPr>
+            <a:spLocks noGrp="1"/>
+          </p:cNvSpPr>
+          <p:nvPr>
+            <p:ph type="title"/>
+          </p:nvPr>
+        </p:nvSpPr>
+        <p:spPr/>
+        <p:txBody>
+          <a:bodyPr/>
+          <a:lstStyle/>
+          <a:p>
+            <a:r>
+              <a:rPr lang="en-US" dirty="0" smtClean="0"/>
+              <a:t>Quiz Architecture </a:t>
+            </a:r>
+            <a:r>
+              <a:rPr lang="en-US" dirty="0"/>
+              <a:t>2</a:t>
+            </a:r>
+          </a:p>
+        </p:txBody>
+      </p:sp>
+      <p:pic>
+        <p:nvPicPr>
+          <p:cNvPr id="4" name="Picture 3"/>
+          <p:cNvPicPr>
+            <a:picLocks noChangeAspect="1"/>
+          </p:cNvPicPr>
+          <p:nvPr/>
+        </p:nvPicPr>
+        <p:blipFill rotWithShape="1">
+          <a:blip r:embed="rId2" cstate="print">
+            <a:extLst>
+              <a:ext uri="{28A0092B-C50C-407E-A947-70E740481C1C}">
+                <a14:useLocalDpi xmlns:a14="http://schemas.microsoft.com/office/drawing/2010/main" val="0"/>
+              </a:ext>
+            </a:extLst>
+          </a:blip>
+          <a:srcRect l="86" t="17690" r="66013" b="54837"/>
+          <a:stretch/>
+        </p:blipFill>
+        <p:spPr>
+          <a:xfrm>
+            <a:off x="1930400" y="1226854"/>
+            <a:ext cx="7943273" cy="5312492"/>
+          </a:xfrm>
+          <a:prstGeom prst="rect">
+            <a:avLst/>
+          </a:prstGeom>
+        </p:spPr>
+      </p:pic>
+    </p:spTree>
+    <p:extLst>
+      <p:ext uri="{BB962C8B-B14F-4D97-AF65-F5344CB8AC3E}">
+        <p14:creationId xmlns:p14="http://schemas.microsoft.com/office/powerpoint/2010/main" val="870100457"/>
+      </p:ext>
+    </p:extLst>
+  </p:cSld>
+  <p:clrMapOvr>
+    <a:masterClrMapping/>
+  </p:clrMapOvr>
+</p:sld>
+</file>
+
+<file path=ppt/slides/slide16.xml><?xml version="1.0" encoding="utf-8"?>
+<p:sld xmlns:a="http://schemas.openxmlformats.org/drawingml/2006/main" xmlns:r="http://schemas.openxmlformats.org/officeDocument/2006/relationships" xmlns:p="http://schemas.openxmlformats.org/presentationml/2006/main">
+  <p:cSld>
+    <p:spTree>
+      <p:nvGrpSpPr>
+        <p:cNvPr id="1" name=""/>
+        <p:cNvGrpSpPr/>
+        <p:nvPr/>
+      </p:nvGrpSpPr>
+      <p:grpSpPr>
+        <a:xfrm>
+          <a:off x="0" y="0"/>
+          <a:ext cx="0" cy="0"/>
+          <a:chOff x="0" y="0"/>
+          <a:chExt cx="0" cy="0"/>
+        </a:xfrm>
+      </p:grpSpPr>
+      <p:sp>
+        <p:nvSpPr>
+          <p:cNvPr id="2" name="Title 1"/>
+          <p:cNvSpPr>
+            <a:spLocks noGrp="1"/>
+          </p:cNvSpPr>
+          <p:nvPr>
+            <p:ph type="title"/>
+          </p:nvPr>
+        </p:nvSpPr>
+        <p:spPr/>
+        <p:txBody>
+          <a:bodyPr/>
+          <a:lstStyle/>
+          <a:p>
+            <a:r>
+              <a:rPr lang="en-US" dirty="0" smtClean="0"/>
+              <a:t>Quiz Architecture </a:t>
+            </a:r>
+            <a:r>
+              <a:rPr lang="en-US" dirty="0"/>
+              <a:t>2</a:t>
+            </a:r>
+          </a:p>
+        </p:txBody>
+      </p:sp>
+      <p:pic>
+        <p:nvPicPr>
+          <p:cNvPr id="4" name="Picture 3"/>
+          <p:cNvPicPr>
+            <a:picLocks noChangeAspect="1"/>
+          </p:cNvPicPr>
+          <p:nvPr/>
+        </p:nvPicPr>
+        <p:blipFill rotWithShape="1">
+          <a:blip r:embed="rId2" cstate="print">
+            <a:extLst>
+              <a:ext uri="{28A0092B-C50C-407E-A947-70E740481C1C}">
+                <a14:useLocalDpi xmlns:a14="http://schemas.microsoft.com/office/drawing/2010/main" val="0"/>
+              </a:ext>
+            </a:extLst>
+          </a:blip>
+          <a:srcRect l="48299" t="18773" r="17800" b="53754"/>
+          <a:stretch/>
+        </p:blipFill>
+        <p:spPr>
+          <a:xfrm>
+            <a:off x="1930400" y="1226854"/>
+            <a:ext cx="7943273" cy="5312492"/>
+          </a:xfrm>
+          <a:prstGeom prst="rect">
+            <a:avLst/>
+          </a:prstGeom>
+        </p:spPr>
+      </p:pic>
+    </p:spTree>
+    <p:extLst>
+      <p:ext uri="{BB962C8B-B14F-4D97-AF65-F5344CB8AC3E}">
+        <p14:creationId xmlns:p14="http://schemas.microsoft.com/office/powerpoint/2010/main" val="4011880942"/>
+      </p:ext>
+    </p:extLst>
+  </p:cSld>
+  <p:clrMapOvr>
+    <a:masterClrMapping/>
+  </p:clrMapOvr>
+</p:sld>
+</file>
+
+<file path=ppt/slides/slide17.xml><?xml version="1.0" encoding="utf-8"?>
+<p:sld xmlns:a="http://schemas.openxmlformats.org/drawingml/2006/main" xmlns:r="http://schemas.openxmlformats.org/officeDocument/2006/relationships" xmlns:p="http://schemas.openxmlformats.org/presentationml/2006/main">
+  <p:cSld>
+    <p:spTree>
+      <p:nvGrpSpPr>
+        <p:cNvPr id="1" name=""/>
+        <p:cNvGrpSpPr/>
+        <p:nvPr/>
+      </p:nvGrpSpPr>
+      <p:grpSpPr>
+        <a:xfrm>
+          <a:off x="0" y="0"/>
+          <a:ext cx="0" cy="0"/>
+          <a:chOff x="0" y="0"/>
+          <a:chExt cx="0" cy="0"/>
+        </a:xfrm>
+      </p:grpSpPr>
+      <p:sp>
+        <p:nvSpPr>
+          <p:cNvPr id="2" name="Title 1"/>
+          <p:cNvSpPr>
+            <a:spLocks noGrp="1"/>
+          </p:cNvSpPr>
+          <p:nvPr>
+            <p:ph type="title"/>
+          </p:nvPr>
+        </p:nvSpPr>
+        <p:spPr/>
+        <p:txBody>
+          <a:bodyPr/>
+          <a:lstStyle/>
+          <a:p>
+            <a:r>
+              <a:rPr lang="en-US" dirty="0" smtClean="0"/>
+              <a:t>Quiz Architecture 3</a:t>
+            </a:r>
+            <a:endParaRPr lang="en-US" dirty="0"/>
+          </a:p>
+        </p:txBody>
+      </p:sp>
+      <p:pic>
+        <p:nvPicPr>
+          <p:cNvPr id="5" name="Picture 4"/>
+          <p:cNvPicPr>
+            <a:picLocks noChangeAspect="1"/>
+          </p:cNvPicPr>
+          <p:nvPr/>
+        </p:nvPicPr>
+        <p:blipFill rotWithShape="1">
+          <a:blip r:embed="rId2" cstate="print">
+            <a:extLst>
+              <a:ext uri="{28A0092B-C50C-407E-A947-70E740481C1C}">
+                <a14:useLocalDpi xmlns:a14="http://schemas.microsoft.com/office/drawing/2010/main" val="0"/>
+              </a:ext>
+            </a:extLst>
+          </a:blip>
+          <a:srcRect t="67071" r="50594"/>
+          <a:stretch/>
+        </p:blipFill>
+        <p:spPr>
+          <a:xfrm>
+            <a:off x="1069755" y="1225960"/>
+            <a:ext cx="9903045" cy="5447313"/>
+          </a:xfrm>
+          <a:prstGeom prst="rect">
+            <a:avLst/>
+          </a:prstGeom>
+        </p:spPr>
+      </p:pic>
+    </p:spTree>
+    <p:extLst>
+      <p:ext uri="{BB962C8B-B14F-4D97-AF65-F5344CB8AC3E}">
+        <p14:creationId xmlns:p14="http://schemas.microsoft.com/office/powerpoint/2010/main" val="53128957"/>
+      </p:ext>
+    </p:extLst>
+  </p:cSld>
+  <p:clrMapOvr>
+    <a:masterClrMapping/>
+  </p:clrMapOvr>
+  <p:timing>
+    <p:tnLst>
+      <p:par>
+        <p:cTn id="1" dur="indefinite" restart="never" nodeType="tmRoot"/>
+      </p:par>
+    </p:tnLst>
+  </p:timing>
+</p:sld>
+</file>
+
+<file path=ppt/slides/slide18.xml><?xml version="1.0" encoding="utf-8"?>
+<p:sld xmlns:a="http://schemas.openxmlformats.org/drawingml/2006/main" xmlns:r="http://schemas.openxmlformats.org/officeDocument/2006/relationships" xmlns:p="http://schemas.openxmlformats.org/presentationml/2006/main">
+  <p:cSld>
+    <p:spTree>
+      <p:nvGrpSpPr>
+        <p:cNvPr id="1" name=""/>
+        <p:cNvGrpSpPr/>
+        <p:nvPr/>
+      </p:nvGrpSpPr>
+      <p:grpSpPr>
+        <a:xfrm>
+          <a:off x="0" y="0"/>
+          <a:ext cx="0" cy="0"/>
+          <a:chOff x="0" y="0"/>
+          <a:chExt cx="0" cy="0"/>
+        </a:xfrm>
+      </p:grpSpPr>
+      <p:sp>
+        <p:nvSpPr>
+          <p:cNvPr id="2" name="Title 1"/>
+          <p:cNvSpPr>
+            <a:spLocks noGrp="1"/>
+          </p:cNvSpPr>
+          <p:nvPr>
+            <p:ph type="title"/>
+          </p:nvPr>
+        </p:nvSpPr>
+        <p:spPr/>
+        <p:txBody>
+          <a:bodyPr/>
+          <a:lstStyle/>
+          <a:p>
+            <a:r>
+              <a:rPr lang="en-US" dirty="0" smtClean="0"/>
+              <a:t>Quiz Architecture 3</a:t>
+            </a:r>
+            <a:endParaRPr lang="en-US" dirty="0"/>
+          </a:p>
+        </p:txBody>
+      </p:sp>
+      <p:pic>
+        <p:nvPicPr>
+          <p:cNvPr id="5" name="Picture 4"/>
+          <p:cNvPicPr>
+            <a:picLocks noChangeAspect="1"/>
+          </p:cNvPicPr>
+          <p:nvPr/>
+        </p:nvPicPr>
+        <p:blipFill rotWithShape="1">
+          <a:blip r:embed="rId2" cstate="print">
+            <a:extLst>
+              <a:ext uri="{28A0092B-C50C-407E-A947-70E740481C1C}">
+                <a14:useLocalDpi xmlns:a14="http://schemas.microsoft.com/office/drawing/2010/main" val="0"/>
+              </a:ext>
+            </a:extLst>
+          </a:blip>
+          <a:srcRect l="53290" t="69827" r="-2064" b="123"/>
+          <a:stretch/>
+        </p:blipFill>
+        <p:spPr>
+          <a:xfrm>
+            <a:off x="1338838" y="1376218"/>
+            <a:ext cx="9776402" cy="4970896"/>
+          </a:xfrm>
+          <a:prstGeom prst="rect">
+            <a:avLst/>
+          </a:prstGeom>
+        </p:spPr>
+      </p:pic>
+    </p:spTree>
+    <p:extLst>
+      <p:ext uri="{BB962C8B-B14F-4D97-AF65-F5344CB8AC3E}">
+        <p14:creationId xmlns:p14="http://schemas.microsoft.com/office/powerpoint/2010/main" val="46042203"/>
+      </p:ext>
+    </p:extLst>
+  </p:cSld>
+  <p:clrMapOvr>
+    <a:masterClrMapping/>
+  </p:clrMapOvr>
+  <p:timing>
+    <p:tnLst>
+      <p:par>
+        <p:cTn id="1" dur="indefinite" restart="never" nodeType="tmRoot"/>
+      </p:par>
+    </p:tnLst>
+  </p:timing>
+</p:sld>
+</file>
+
+<file path=ppt/slides/slide19.xml><?xml version="1.0" encoding="utf-8"?>
+<p:sld xmlns:a="http://schemas.openxmlformats.org/drawingml/2006/main" xmlns:r="http://schemas.openxmlformats.org/officeDocument/2006/relationships" xmlns:p="http://schemas.openxmlformats.org/presentationml/2006/main">
+  <p:cSld>
+    <p:spTree>
+      <p:nvGrpSpPr>
+        <p:cNvPr id="1" name=""/>
+        <p:cNvGrpSpPr/>
+        <p:nvPr/>
+      </p:nvGrpSpPr>
+      <p:grpSpPr>
+        <a:xfrm>
+          <a:off x="0" y="0"/>
+          <a:ext cx="0" cy="0"/>
+          <a:chOff x="0" y="0"/>
+          <a:chExt cx="0" cy="0"/>
+        </a:xfrm>
+      </p:grpSpPr>
+      <p:sp>
+        <p:nvSpPr>
+          <p:cNvPr id="2" name="Title 1"/>
+          <p:cNvSpPr>
+            <a:spLocks noGrp="1"/>
+          </p:cNvSpPr>
+          <p:nvPr>
+            <p:ph type="title"/>
+          </p:nvPr>
+        </p:nvSpPr>
+        <p:spPr/>
+        <p:txBody>
+          <a:bodyPr/>
+          <a:lstStyle/>
+          <a:p>
+            <a:r>
+              <a:rPr lang="en-US" dirty="0" smtClean="0"/>
               <a:t>When to Use Which?</a:t>
             </a:r>
             <a:endParaRPr lang="en-US" dirty="0"/>
@@ -9323,7 +9970,120 @@
 </p:sld>
 </file>
 
-<file path=ppt/slides/slide15.xml><?xml version="1.0" encoding="utf-8"?>
+<file path=ppt/slides/slide2.xml><?xml version="1.0" encoding="utf-8"?>
+<p:sld xmlns:a="http://schemas.openxmlformats.org/drawingml/2006/main" xmlns:r="http://schemas.openxmlformats.org/officeDocument/2006/relationships" xmlns:p="http://schemas.openxmlformats.org/presentationml/2006/main">
+  <p:cSld>
+    <p:spTree>
+      <p:nvGrpSpPr>
+        <p:cNvPr id="1" name=""/>
+        <p:cNvGrpSpPr/>
+        <p:nvPr/>
+      </p:nvGrpSpPr>
+      <p:grpSpPr>
+        <a:xfrm>
+          <a:off x="0" y="0"/>
+          <a:ext cx="0" cy="0"/>
+          <a:chOff x="0" y="0"/>
+          <a:chExt cx="0" cy="0"/>
+        </a:xfrm>
+      </p:grpSpPr>
+      <p:sp>
+        <p:nvSpPr>
+          <p:cNvPr id="3" name="Content Placeholder 2"/>
+          <p:cNvSpPr>
+            <a:spLocks noGrp="1"/>
+          </p:cNvSpPr>
+          <p:nvPr>
+            <p:ph idx="1"/>
+          </p:nvPr>
+        </p:nvSpPr>
+        <p:spPr/>
+        <p:txBody>
+          <a:bodyPr/>
+          <a:lstStyle/>
+          <a:p>
+            <a:pPr marL="0" indent="0">
+              <a:buNone/>
+            </a:pPr>
+            <a:endParaRPr lang="en-US" dirty="0" smtClean="0"/>
+          </a:p>
+          <a:p>
+            <a:pPr marL="0" indent="0" algn="ctr">
+              <a:buNone/>
+            </a:pPr>
+            <a:r>
+              <a:rPr lang="en-US" sz="7200" b="1" dirty="0"/>
+              <a:t>Disclaimer</a:t>
+            </a:r>
+            <a:endParaRPr lang="en-US" dirty="0" smtClean="0"/>
+          </a:p>
+          <a:p>
+            <a:pPr marL="2171700" lvl="5" indent="0">
+              <a:buNone/>
+            </a:pPr>
+            <a:endParaRPr lang="en-US" dirty="0" smtClean="0"/>
+          </a:p>
+          <a:p>
+            <a:pPr lvl="4"/>
+            <a:r>
+              <a:rPr lang="en-US" sz="1800" dirty="0" smtClean="0"/>
+              <a:t>~ 1 month of experience</a:t>
+            </a:r>
+          </a:p>
+          <a:p>
+            <a:pPr lvl="4"/>
+            <a:r>
+              <a:rPr lang="en-US" sz="1800" dirty="0" smtClean="0"/>
+              <a:t>Using AMPQ </a:t>
+            </a:r>
+            <a:r>
+              <a:rPr lang="en-US" sz="1800" dirty="0"/>
+              <a:t>(</a:t>
+            </a:r>
+            <a:r>
+              <a:rPr lang="en-US" sz="1800" dirty="0" smtClean="0"/>
+              <a:t>default) </a:t>
+            </a:r>
+            <a:r>
+              <a:rPr lang="en-US" sz="1800" dirty="0" smtClean="0"/>
+              <a:t>not MQTT / STOMP </a:t>
+            </a:r>
+          </a:p>
+          <a:p>
+            <a:pPr lvl="4"/>
+            <a:r>
+              <a:rPr lang="en-US" sz="1800" dirty="0" smtClean="0"/>
+              <a:t>General </a:t>
+            </a:r>
+            <a:r>
+              <a:rPr lang="en-US" sz="1800" dirty="0" smtClean="0"/>
+              <a:t>overview, some things may be obvious</a:t>
+            </a:r>
+            <a:endParaRPr lang="en-US" sz="1800" dirty="0"/>
+          </a:p>
+        </p:txBody>
+      </p:sp>
+    </p:spTree>
+    <p:extLst>
+      <p:ext uri="{BB962C8B-B14F-4D97-AF65-F5344CB8AC3E}">
+        <p14:creationId xmlns:p14="http://schemas.microsoft.com/office/powerpoint/2010/main" val="2040239641"/>
+      </p:ext>
+    </p:extLst>
+  </p:cSld>
+  <p:clrMapOvr>
+    <a:masterClrMapping/>
+  </p:clrMapOvr>
+  <p:timing>
+    <p:tnLst>
+      <p:par>
+        <p:cTn id="1" dur="indefinite" restart="never" nodeType="tmRoot"/>
+      </p:par>
+    </p:tnLst>
+  </p:timing>
+</p:sld>
+</file>
+
+<file path=ppt/slides/slide20.xml><?xml version="1.0" encoding="utf-8"?>
 <p:sld xmlns:a="http://schemas.openxmlformats.org/drawingml/2006/main" xmlns:r="http://schemas.openxmlformats.org/officeDocument/2006/relationships" xmlns:p="http://schemas.openxmlformats.org/presentationml/2006/main">
   <p:cSld>
     <p:spTree>
@@ -9406,7 +10166,7 @@
 </p:sld>
 </file>
 
-<file path=ppt/slides/slide16.xml><?xml version="1.0" encoding="utf-8"?>
+<file path=ppt/slides/slide21.xml><?xml version="1.0" encoding="utf-8"?>
 <p:sld xmlns:a="http://schemas.openxmlformats.org/drawingml/2006/main" xmlns:r="http://schemas.openxmlformats.org/officeDocument/2006/relationships" xmlns:p="http://schemas.openxmlformats.org/presentationml/2006/main">
   <p:cSld>
     <p:spTree>
@@ -9456,69 +10216,43 @@
             <p:ph idx="1"/>
           </p:nvPr>
         </p:nvSpPr>
-        <p:spPr/>
-        <p:txBody>
-          <a:bodyPr/>
-          <a:lstStyle/>
-          <a:p>
-            <a:r>
-              <a:rPr lang="en-US" sz="2400" dirty="0" smtClean="0"/>
+        <p:spPr>
+          <a:xfrm>
+            <a:off x="741680" y="1544320"/>
+            <a:ext cx="9044013" cy="4693919"/>
+          </a:xfrm>
+        </p:spPr>
+        <p:txBody>
+          <a:bodyPr>
+            <a:normAutofit/>
+          </a:bodyPr>
+          <a:lstStyle/>
+          <a:p>
+            <a:r>
+              <a:rPr lang="en-US" sz="2400" dirty="0"/>
               <a:t>Bind queue to exchange</a:t>
             </a:r>
           </a:p>
           <a:p>
             <a:pPr lvl="1"/>
             <a:r>
-              <a:rPr lang="en-US" sz="2400" dirty="0" smtClean="0"/>
+              <a:rPr lang="en-US" sz="2200" dirty="0" smtClean="0"/>
+              <a:t>1 (ex) to many (q) relationship</a:t>
+            </a:r>
+            <a:endParaRPr lang="en-US" sz="2200" dirty="0"/>
+          </a:p>
+          <a:p>
+            <a:pPr lvl="1"/>
+            <a:r>
+              <a:rPr lang="en-US" sz="2400" dirty="0"/>
               <a:t>Follows exchange type</a:t>
             </a:r>
-            <a:endParaRPr lang="en-US" sz="2400" dirty="0" smtClean="0"/>
           </a:p>
           <a:p>
             <a:pPr lvl="1"/>
             <a:r>
-              <a:rPr lang="en-US" sz="2400" dirty="0" smtClean="0"/>
+              <a:rPr lang="en-US" sz="2400" dirty="0"/>
               <a:t>Often Consumer-side</a:t>
-            </a:r>
-            <a:endParaRPr lang="en-US" sz="2400" dirty="0" smtClean="0"/>
-          </a:p>
-          <a:p>
-            <a:r>
-              <a:rPr lang="en-US" sz="2400" dirty="0" smtClean="0"/>
-              <a:t>One </a:t>
-            </a:r>
-            <a:r>
-              <a:rPr lang="en-US" sz="2400" dirty="0" smtClean="0"/>
-              <a:t>Consumer per queue </a:t>
-            </a:r>
-            <a:endParaRPr lang="en-US" sz="2400" dirty="0" smtClean="0"/>
-          </a:p>
-          <a:p>
-            <a:pPr lvl="1"/>
-            <a:r>
-              <a:rPr lang="en-US" sz="2400" dirty="0" smtClean="0"/>
-              <a:t>FIFO</a:t>
-            </a:r>
-            <a:endParaRPr lang="en-US" sz="2400" dirty="0" smtClean="0"/>
-          </a:p>
-          <a:p>
-            <a:pPr lvl="1"/>
-            <a:r>
-              <a:rPr lang="en-US" sz="2400" dirty="0" smtClean="0"/>
-              <a:t>Auto-load balancing</a:t>
-            </a:r>
-          </a:p>
-          <a:p>
-            <a:r>
-              <a:rPr lang="en-US" sz="2400" dirty="0" smtClean="0"/>
-              <a:t>No message replay</a:t>
-            </a:r>
-          </a:p>
-          <a:p>
-            <a:pPr lvl="1"/>
-            <a:r>
-              <a:rPr lang="en-US" sz="2400" dirty="0"/>
-              <a:t>Pre-defined queues</a:t>
             </a:r>
           </a:p>
           <a:p>
@@ -9620,7 +10354,478 @@
 </p:sld>
 </file>
 
-<file path=ppt/slides/slide17.xml><?xml version="1.0" encoding="utf-8"?>
+<file path=ppt/slides/slide22.xml><?xml version="1.0" encoding="utf-8"?>
+<p:sld xmlns:a="http://schemas.openxmlformats.org/drawingml/2006/main" xmlns:r="http://schemas.openxmlformats.org/officeDocument/2006/relationships" xmlns:p="http://schemas.openxmlformats.org/presentationml/2006/main">
+  <p:cSld>
+    <p:spTree>
+      <p:nvGrpSpPr>
+        <p:cNvPr id="1" name=""/>
+        <p:cNvGrpSpPr/>
+        <p:nvPr/>
+      </p:nvGrpSpPr>
+      <p:grpSpPr>
+        <a:xfrm>
+          <a:off x="0" y="0"/>
+          <a:ext cx="0" cy="0"/>
+          <a:chOff x="0" y="0"/>
+          <a:chExt cx="0" cy="0"/>
+        </a:xfrm>
+      </p:grpSpPr>
+      <p:sp>
+        <p:nvSpPr>
+          <p:cNvPr id="2" name="Title 1"/>
+          <p:cNvSpPr>
+            <a:spLocks noGrp="1"/>
+          </p:cNvSpPr>
+          <p:nvPr>
+            <p:ph type="title"/>
+          </p:nvPr>
+        </p:nvSpPr>
+        <p:spPr/>
+        <p:txBody>
+          <a:bodyPr/>
+          <a:lstStyle/>
+          <a:p>
+            <a:r>
+              <a:rPr lang="en-US" dirty="0" smtClean="0"/>
+              <a:t>Queue</a:t>
+            </a:r>
+            <a:endParaRPr lang="en-US" dirty="0"/>
+          </a:p>
+        </p:txBody>
+      </p:sp>
+      <p:sp>
+        <p:nvSpPr>
+          <p:cNvPr id="3" name="Content Placeholder 2"/>
+          <p:cNvSpPr>
+            <a:spLocks noGrp="1"/>
+          </p:cNvSpPr>
+          <p:nvPr>
+            <p:ph idx="1"/>
+          </p:nvPr>
+        </p:nvSpPr>
+        <p:spPr>
+          <a:xfrm>
+            <a:off x="741680" y="1544320"/>
+            <a:ext cx="9044013" cy="4693919"/>
+          </a:xfrm>
+        </p:spPr>
+        <p:txBody>
+          <a:bodyPr>
+            <a:normAutofit/>
+          </a:bodyPr>
+          <a:lstStyle/>
+          <a:p>
+            <a:r>
+              <a:rPr lang="en-US" sz="2400" dirty="0"/>
+              <a:t>Bind queue to exchange</a:t>
+            </a:r>
+          </a:p>
+          <a:p>
+            <a:pPr lvl="1"/>
+            <a:r>
+              <a:rPr lang="en-US" sz="2200" dirty="0"/>
+              <a:t>1 (ex) to many (q) relationship</a:t>
+            </a:r>
+          </a:p>
+          <a:p>
+            <a:pPr lvl="1"/>
+            <a:r>
+              <a:rPr lang="en-US" sz="2400" dirty="0" smtClean="0"/>
+              <a:t>Follows </a:t>
+            </a:r>
+            <a:r>
+              <a:rPr lang="en-US" sz="2400" dirty="0"/>
+              <a:t>exchange type</a:t>
+            </a:r>
+          </a:p>
+          <a:p>
+            <a:pPr lvl="1"/>
+            <a:r>
+              <a:rPr lang="en-US" sz="2400" dirty="0"/>
+              <a:t>Often Consumer-side</a:t>
+            </a:r>
+          </a:p>
+          <a:p>
+            <a:r>
+              <a:rPr lang="en-US" sz="2400" b="1" i="1" dirty="0" smtClean="0"/>
+              <a:t>One </a:t>
+            </a:r>
+            <a:r>
+              <a:rPr lang="en-US" sz="2400" b="1" i="1" dirty="0"/>
+              <a:t>Consumer per queue </a:t>
+            </a:r>
+          </a:p>
+          <a:p>
+            <a:pPr lvl="1"/>
+            <a:r>
+              <a:rPr lang="en-US" sz="2400" dirty="0"/>
+              <a:t>FIFO</a:t>
+            </a:r>
+          </a:p>
+          <a:p>
+            <a:pPr lvl="1"/>
+            <a:r>
+              <a:rPr lang="en-US" sz="2400" dirty="0"/>
+              <a:t>Auto-load </a:t>
+            </a:r>
+            <a:r>
+              <a:rPr lang="en-US" sz="2400" dirty="0" smtClean="0"/>
+              <a:t>balancing</a:t>
+            </a:r>
+          </a:p>
+          <a:p>
+            <a:pPr lvl="1"/>
+            <a:r>
+              <a:rPr lang="en-US" sz="2400" dirty="0" smtClean="0"/>
+              <a:t>Consuming is destructive</a:t>
+            </a:r>
+            <a:endParaRPr lang="en-US" sz="2400" dirty="0" smtClean="0"/>
+          </a:p>
+          <a:p>
+            <a:pPr lvl="1"/>
+            <a:endParaRPr lang="en-US" sz="2200" dirty="0" smtClean="0"/>
+          </a:p>
+          <a:p>
+            <a:endParaRPr lang="en-US" b="1" dirty="0"/>
+          </a:p>
+        </p:txBody>
+      </p:sp>
+      <p:pic>
+        <p:nvPicPr>
+          <p:cNvPr id="4" name="Picture 3"/>
+          <p:cNvPicPr>
+            <a:picLocks noChangeAspect="1"/>
+          </p:cNvPicPr>
+          <p:nvPr/>
+        </p:nvPicPr>
+        <p:blipFill rotWithShape="1">
+          <a:blip r:embed="rId3"/>
+          <a:srcRect l="2955" t="3981" r="2796" b="4444"/>
+          <a:stretch/>
+        </p:blipFill>
+        <p:spPr>
+          <a:xfrm>
+            <a:off x="6096000" y="1690688"/>
+            <a:ext cx="5392565" cy="3243966"/>
+          </a:xfrm>
+          <a:prstGeom prst="rect">
+            <a:avLst/>
+          </a:prstGeom>
+        </p:spPr>
+      </p:pic>
+      <p:sp>
+        <p:nvSpPr>
+          <p:cNvPr id="6" name="Rectangle 5"/>
+          <p:cNvSpPr/>
+          <p:nvPr/>
+        </p:nvSpPr>
+        <p:spPr>
+          <a:xfrm>
+            <a:off x="5971521" y="3322864"/>
+            <a:ext cx="5641521" cy="1811460"/>
+          </a:xfrm>
+          <a:prstGeom prst="rect">
+            <a:avLst/>
+          </a:prstGeom>
+          <a:noFill/>
+          <a:ln w="76200">
+            <a:solidFill>
+              <a:srgbClr val="FF0000"/>
+            </a:solidFill>
+            <a:prstDash val="lgDash"/>
+          </a:ln>
+        </p:spPr>
+        <p:style>
+          <a:lnRef idx="2">
+            <a:schemeClr val="accent1">
+              <a:shade val="50000"/>
+            </a:schemeClr>
+          </a:lnRef>
+          <a:fillRef idx="1">
+            <a:schemeClr val="accent1"/>
+          </a:fillRef>
+          <a:effectRef idx="0">
+            <a:schemeClr val="accent1"/>
+          </a:effectRef>
+          <a:fontRef idx="minor">
+            <a:schemeClr val="lt1"/>
+          </a:fontRef>
+        </p:style>
+        <p:txBody>
+          <a:bodyPr rtlCol="0" anchor="ctr"/>
+          <a:lstStyle/>
+          <a:p>
+            <a:pPr algn="ctr"/>
+            <a:endParaRPr lang="en-US"/>
+          </a:p>
+        </p:txBody>
+      </p:sp>
+    </p:spTree>
+    <p:extLst>
+      <p:ext uri="{BB962C8B-B14F-4D97-AF65-F5344CB8AC3E}">
+        <p14:creationId xmlns:p14="http://schemas.microsoft.com/office/powerpoint/2010/main" val="3966625548"/>
+      </p:ext>
+    </p:extLst>
+  </p:cSld>
+  <p:clrMapOvr>
+    <a:masterClrMapping/>
+  </p:clrMapOvr>
+  <p:timing>
+    <p:tnLst>
+      <p:par>
+        <p:cTn id="1" dur="indefinite" restart="never" nodeType="tmRoot"/>
+      </p:par>
+    </p:tnLst>
+  </p:timing>
+</p:sld>
+</file>
+
+<file path=ppt/slides/slide23.xml><?xml version="1.0" encoding="utf-8"?>
+<p:sld xmlns:a="http://schemas.openxmlformats.org/drawingml/2006/main" xmlns:r="http://schemas.openxmlformats.org/officeDocument/2006/relationships" xmlns:p="http://schemas.openxmlformats.org/presentationml/2006/main">
+  <p:cSld>
+    <p:spTree>
+      <p:nvGrpSpPr>
+        <p:cNvPr id="1" name=""/>
+        <p:cNvGrpSpPr/>
+        <p:nvPr/>
+      </p:nvGrpSpPr>
+      <p:grpSpPr>
+        <a:xfrm>
+          <a:off x="0" y="0"/>
+          <a:ext cx="0" cy="0"/>
+          <a:chOff x="0" y="0"/>
+          <a:chExt cx="0" cy="0"/>
+        </a:xfrm>
+      </p:grpSpPr>
+      <p:sp>
+        <p:nvSpPr>
+          <p:cNvPr id="2" name="Title 1"/>
+          <p:cNvSpPr>
+            <a:spLocks noGrp="1"/>
+          </p:cNvSpPr>
+          <p:nvPr>
+            <p:ph type="title"/>
+          </p:nvPr>
+        </p:nvSpPr>
+        <p:spPr/>
+        <p:txBody>
+          <a:bodyPr/>
+          <a:lstStyle/>
+          <a:p>
+            <a:r>
+              <a:rPr lang="en-US" dirty="0" smtClean="0"/>
+              <a:t>Queue</a:t>
+            </a:r>
+            <a:endParaRPr lang="en-US" dirty="0"/>
+          </a:p>
+        </p:txBody>
+      </p:sp>
+      <p:sp>
+        <p:nvSpPr>
+          <p:cNvPr id="3" name="Content Placeholder 2"/>
+          <p:cNvSpPr>
+            <a:spLocks noGrp="1"/>
+          </p:cNvSpPr>
+          <p:nvPr>
+            <p:ph idx="1"/>
+          </p:nvPr>
+        </p:nvSpPr>
+        <p:spPr>
+          <a:xfrm>
+            <a:off x="741680" y="1544320"/>
+            <a:ext cx="9044013" cy="4693919"/>
+          </a:xfrm>
+        </p:spPr>
+        <p:txBody>
+          <a:bodyPr>
+            <a:normAutofit lnSpcReduction="10000"/>
+          </a:bodyPr>
+          <a:lstStyle/>
+          <a:p>
+            <a:r>
+              <a:rPr lang="en-US" sz="2400" dirty="0"/>
+              <a:t>Bind queue to exchange</a:t>
+            </a:r>
+          </a:p>
+          <a:p>
+            <a:pPr lvl="1"/>
+            <a:r>
+              <a:rPr lang="en-US" sz="2200" dirty="0"/>
+              <a:t>1 (ex) to many (q) relationship</a:t>
+            </a:r>
+          </a:p>
+          <a:p>
+            <a:pPr lvl="1"/>
+            <a:r>
+              <a:rPr lang="en-US" sz="2400" dirty="0" smtClean="0"/>
+              <a:t>Follows </a:t>
+            </a:r>
+            <a:r>
+              <a:rPr lang="en-US" sz="2400" dirty="0"/>
+              <a:t>exchange type</a:t>
+            </a:r>
+          </a:p>
+          <a:p>
+            <a:pPr lvl="1"/>
+            <a:r>
+              <a:rPr lang="en-US" sz="2400" dirty="0"/>
+              <a:t>Often Consumer-side</a:t>
+            </a:r>
+          </a:p>
+          <a:p>
+            <a:r>
+              <a:rPr lang="en-US" sz="2400" b="1" i="1" dirty="0" smtClean="0"/>
+              <a:t>One </a:t>
+            </a:r>
+            <a:r>
+              <a:rPr lang="en-US" sz="2400" b="1" i="1" dirty="0"/>
+              <a:t>Consumer per queue </a:t>
+            </a:r>
+          </a:p>
+          <a:p>
+            <a:pPr lvl="1"/>
+            <a:r>
+              <a:rPr lang="en-US" sz="2400" dirty="0"/>
+              <a:t>FIFO</a:t>
+            </a:r>
+          </a:p>
+          <a:p>
+            <a:pPr lvl="1"/>
+            <a:r>
+              <a:rPr lang="en-US" sz="2400" dirty="0"/>
+              <a:t>Auto-load </a:t>
+            </a:r>
+            <a:r>
+              <a:rPr lang="en-US" sz="2400" dirty="0" smtClean="0"/>
+              <a:t>balancing</a:t>
+            </a:r>
+          </a:p>
+          <a:p>
+            <a:pPr lvl="1"/>
+            <a:r>
+              <a:rPr lang="en-US" sz="2400" dirty="0" smtClean="0"/>
+              <a:t>Consuming is destructive</a:t>
+            </a:r>
+            <a:endParaRPr lang="en-US" sz="2400" dirty="0" smtClean="0"/>
+          </a:p>
+          <a:p>
+            <a:r>
+              <a:rPr lang="en-US" sz="2400" b="1" i="1" dirty="0" smtClean="0"/>
+              <a:t>No </a:t>
+            </a:r>
+            <a:r>
+              <a:rPr lang="en-US" sz="2400" b="1" i="1" dirty="0" smtClean="0"/>
+              <a:t>message replay</a:t>
+            </a:r>
+          </a:p>
+          <a:p>
+            <a:pPr lvl="1"/>
+            <a:r>
+              <a:rPr lang="en-US" sz="2400" dirty="0"/>
+              <a:t>Pre-defined queues</a:t>
+            </a:r>
+          </a:p>
+          <a:p>
+            <a:pPr lvl="1"/>
+            <a:endParaRPr lang="en-US" sz="2200" dirty="0" smtClean="0"/>
+          </a:p>
+          <a:p>
+            <a:endParaRPr lang="en-US" b="1" dirty="0"/>
+          </a:p>
+        </p:txBody>
+      </p:sp>
+      <p:pic>
+        <p:nvPicPr>
+          <p:cNvPr id="4" name="Picture 3"/>
+          <p:cNvPicPr>
+            <a:picLocks noChangeAspect="1"/>
+          </p:cNvPicPr>
+          <p:nvPr/>
+        </p:nvPicPr>
+        <p:blipFill rotWithShape="1">
+          <a:blip r:embed="rId3"/>
+          <a:srcRect l="2955" t="3981" r="2796" b="4444"/>
+          <a:stretch/>
+        </p:blipFill>
+        <p:spPr>
+          <a:xfrm>
+            <a:off x="6096000" y="1690688"/>
+            <a:ext cx="5392565" cy="3243966"/>
+          </a:xfrm>
+          <a:prstGeom prst="rect">
+            <a:avLst/>
+          </a:prstGeom>
+        </p:spPr>
+      </p:pic>
+      <p:sp>
+        <p:nvSpPr>
+          <p:cNvPr id="6" name="Rectangle 5"/>
+          <p:cNvSpPr/>
+          <p:nvPr/>
+        </p:nvSpPr>
+        <p:spPr>
+          <a:xfrm>
+            <a:off x="5971521" y="3322864"/>
+            <a:ext cx="5641521" cy="1811460"/>
+          </a:xfrm>
+          <a:prstGeom prst="rect">
+            <a:avLst/>
+          </a:prstGeom>
+          <a:noFill/>
+          <a:ln w="76200">
+            <a:solidFill>
+              <a:srgbClr val="FF0000"/>
+            </a:solidFill>
+            <a:prstDash val="lgDash"/>
+          </a:ln>
+        </p:spPr>
+        <p:style>
+          <a:lnRef idx="2">
+            <a:schemeClr val="accent1">
+              <a:shade val="50000"/>
+            </a:schemeClr>
+          </a:lnRef>
+          <a:fillRef idx="1">
+            <a:schemeClr val="accent1"/>
+          </a:fillRef>
+          <a:effectRef idx="0">
+            <a:schemeClr val="accent1"/>
+          </a:effectRef>
+          <a:fontRef idx="minor">
+            <a:schemeClr val="lt1"/>
+          </a:fontRef>
+        </p:style>
+        <p:txBody>
+          <a:bodyPr rtlCol="0" anchor="ctr"/>
+          <a:lstStyle/>
+          <a:p>
+            <a:pPr algn="ctr"/>
+            <a:endParaRPr lang="en-US"/>
+          </a:p>
+        </p:txBody>
+      </p:sp>
+    </p:spTree>
+    <p:extLst>
+      <p:ext uri="{BB962C8B-B14F-4D97-AF65-F5344CB8AC3E}">
+        <p14:creationId xmlns:p14="http://schemas.microsoft.com/office/powerpoint/2010/main" val="2222110082"/>
+      </p:ext>
+    </p:extLst>
+  </p:cSld>
+  <p:clrMapOvr>
+    <a:masterClrMapping/>
+  </p:clrMapOvr>
+  <p:timing>
+    <p:tnLst>
+      <p:par>
+        <p:cTn id="1" dur="indefinite" restart="never" nodeType="tmRoot"/>
+      </p:par>
+    </p:tnLst>
+  </p:timing>
+</p:sld>
+</file>
+
+<file path=ppt/slides/slide24.xml><?xml version="1.0" encoding="utf-8"?>
 <p:sld xmlns:a="http://schemas.openxmlformats.org/drawingml/2006/main" xmlns:r="http://schemas.openxmlformats.org/officeDocument/2006/relationships" xmlns:p="http://schemas.openxmlformats.org/presentationml/2006/main">
   <p:cSld>
     <p:spTree>
@@ -9709,958 +10914,6 @@
 </p:sld>
 </file>
 
-<file path=ppt/slides/slide18.xml><?xml version="1.0" encoding="utf-8"?>
-<p:sld xmlns:a="http://schemas.openxmlformats.org/drawingml/2006/main" xmlns:r="http://schemas.openxmlformats.org/officeDocument/2006/relationships" xmlns:p="http://schemas.openxmlformats.org/presentationml/2006/main">
-  <p:cSld>
-    <p:spTree>
-      <p:nvGrpSpPr>
-        <p:cNvPr id="1" name=""/>
-        <p:cNvGrpSpPr/>
-        <p:nvPr/>
-      </p:nvGrpSpPr>
-      <p:grpSpPr>
-        <a:xfrm>
-          <a:off x="0" y="0"/>
-          <a:ext cx="0" cy="0"/>
-          <a:chOff x="0" y="0"/>
-          <a:chExt cx="0" cy="0"/>
-        </a:xfrm>
-      </p:grpSpPr>
-      <p:sp>
-        <p:nvSpPr>
-          <p:cNvPr id="2" name="Title 1"/>
-          <p:cNvSpPr>
-            <a:spLocks noGrp="1"/>
-          </p:cNvSpPr>
-          <p:nvPr>
-            <p:ph type="title"/>
-          </p:nvPr>
-        </p:nvSpPr>
-        <p:spPr/>
-        <p:txBody>
-          <a:bodyPr/>
-          <a:lstStyle/>
-          <a:p>
-            <a:r>
-              <a:rPr lang="en-US" dirty="0" smtClean="0"/>
-              <a:t>No Message Replay? </a:t>
-            </a:r>
-            <a:endParaRPr lang="en-US" dirty="0"/>
-          </a:p>
-        </p:txBody>
-      </p:sp>
-      <p:sp>
-        <p:nvSpPr>
-          <p:cNvPr id="3" name="Content Placeholder 2"/>
-          <p:cNvSpPr>
-            <a:spLocks noGrp="1"/>
-          </p:cNvSpPr>
-          <p:nvPr>
-            <p:ph idx="1"/>
-          </p:nvPr>
-        </p:nvSpPr>
-        <p:spPr/>
-        <p:txBody>
-          <a:bodyPr/>
-          <a:lstStyle/>
-          <a:p>
-            <a:r>
-              <a:rPr lang="en-US" dirty="0" smtClean="0"/>
-              <a:t>Consumer-made queues only get new messages</a:t>
-            </a:r>
-          </a:p>
-          <a:p>
-            <a:r>
-              <a:rPr lang="en-US" dirty="0" smtClean="0"/>
-              <a:t>Cannot query for previous messages </a:t>
-            </a:r>
-          </a:p>
-          <a:p>
-            <a:endParaRPr lang="en-US" dirty="0" smtClean="0"/>
-          </a:p>
-          <a:p>
-            <a:r>
-              <a:rPr lang="en-US" sz="2800" dirty="0" smtClean="0"/>
-              <a:t>Producer Pre-Queueing</a:t>
-            </a:r>
-          </a:p>
-          <a:p>
-            <a:pPr lvl="1"/>
-            <a:r>
-              <a:rPr lang="en-US" sz="2000" dirty="0" smtClean="0"/>
-              <a:t>Consumer has less flexibility</a:t>
-            </a:r>
-          </a:p>
-          <a:p>
-            <a:pPr lvl="1"/>
-            <a:r>
-              <a:rPr lang="en-US" sz="2000" dirty="0" smtClean="0"/>
-              <a:t>No failure tolerance</a:t>
-            </a:r>
-          </a:p>
-          <a:p>
-            <a:pPr lvl="1"/>
-            <a:r>
-              <a:rPr lang="en-US" sz="2000" dirty="0" smtClean="0"/>
-              <a:t>Against the design principal of </a:t>
-            </a:r>
-            <a:r>
-              <a:rPr lang="en-US" sz="2000" dirty="0" err="1" smtClean="0"/>
-              <a:t>RabbitMQ</a:t>
-            </a:r>
-            <a:endParaRPr lang="en-US" sz="1400" dirty="0" smtClean="0"/>
-          </a:p>
-          <a:p>
-            <a:pPr lvl="1"/>
-            <a:endParaRPr lang="en-US" dirty="0" smtClean="0"/>
-          </a:p>
-          <a:p>
-            <a:pPr lvl="1"/>
-            <a:endParaRPr lang="en-US" dirty="0" smtClean="0"/>
-          </a:p>
-          <a:p>
-            <a:pPr lvl="1"/>
-            <a:endParaRPr lang="en-US" dirty="0" smtClean="0"/>
-          </a:p>
-          <a:p>
-            <a:pPr lvl="1"/>
-            <a:endParaRPr lang="en-US" dirty="0" smtClean="0"/>
-          </a:p>
-          <a:p>
-            <a:pPr lvl="1"/>
-            <a:endParaRPr lang="en-US" dirty="0" smtClean="0"/>
-          </a:p>
-          <a:p>
-            <a:pPr lvl="1"/>
-            <a:endParaRPr lang="en-US" dirty="0"/>
-          </a:p>
-        </p:txBody>
-      </p:sp>
-    </p:spTree>
-    <p:extLst>
-      <p:ext uri="{BB962C8B-B14F-4D97-AF65-F5344CB8AC3E}">
-        <p14:creationId xmlns:p14="http://schemas.microsoft.com/office/powerpoint/2010/main" val="1302362522"/>
-      </p:ext>
-    </p:extLst>
-  </p:cSld>
-  <p:clrMapOvr>
-    <a:masterClrMapping/>
-  </p:clrMapOvr>
-  <p:timing>
-    <p:tnLst>
-      <p:par>
-        <p:cTn id="1" dur="indefinite" restart="never" nodeType="tmRoot"/>
-      </p:par>
-    </p:tnLst>
-  </p:timing>
-</p:sld>
-</file>
-
-<file path=ppt/slides/slide19.xml><?xml version="1.0" encoding="utf-8"?>
-<p:sld xmlns:a="http://schemas.openxmlformats.org/drawingml/2006/main" xmlns:r="http://schemas.openxmlformats.org/officeDocument/2006/relationships" xmlns:p="http://schemas.openxmlformats.org/presentationml/2006/main">
-  <p:cSld>
-    <p:spTree>
-      <p:nvGrpSpPr>
-        <p:cNvPr id="1" name=""/>
-        <p:cNvGrpSpPr/>
-        <p:nvPr/>
-      </p:nvGrpSpPr>
-      <p:grpSpPr>
-        <a:xfrm>
-          <a:off x="0" y="0"/>
-          <a:ext cx="0" cy="0"/>
-          <a:chOff x="0" y="0"/>
-          <a:chExt cx="0" cy="0"/>
-        </a:xfrm>
-      </p:grpSpPr>
-      <p:sp>
-        <p:nvSpPr>
-          <p:cNvPr id="2" name="Title 1"/>
-          <p:cNvSpPr>
-            <a:spLocks noGrp="1"/>
-          </p:cNvSpPr>
-          <p:nvPr>
-            <p:ph type="title"/>
-          </p:nvPr>
-        </p:nvSpPr>
-        <p:spPr/>
-        <p:txBody>
-          <a:bodyPr/>
-          <a:lstStyle/>
-          <a:p>
-            <a:r>
-              <a:rPr lang="en-US" dirty="0" err="1" smtClean="0"/>
-              <a:t>RabbitMQ</a:t>
-            </a:r>
-            <a:r>
-              <a:rPr lang="en-US" dirty="0" smtClean="0"/>
-              <a:t> vs. Kafka</a:t>
-            </a:r>
-            <a:endParaRPr lang="en-US" dirty="0"/>
-          </a:p>
-        </p:txBody>
-      </p:sp>
-      <p:sp>
-        <p:nvSpPr>
-          <p:cNvPr id="3" name="Content Placeholder 2"/>
-          <p:cNvSpPr>
-            <a:spLocks noGrp="1"/>
-          </p:cNvSpPr>
-          <p:nvPr>
-            <p:ph idx="1"/>
-          </p:nvPr>
-        </p:nvSpPr>
-        <p:spPr/>
-        <p:txBody>
-          <a:bodyPr/>
-          <a:lstStyle/>
-          <a:p>
-            <a:r>
-              <a:rPr lang="en-US" dirty="0"/>
-              <a:t>Easier to start</a:t>
-            </a:r>
-          </a:p>
-          <a:p>
-            <a:r>
-              <a:rPr lang="en-US" dirty="0"/>
-              <a:t>Flexibility in apps making queues / exchanges, not centralized</a:t>
-            </a:r>
-          </a:p>
-          <a:p>
-            <a:pPr marL="0" indent="0">
-              <a:buNone/>
-            </a:pPr>
-            <a:endParaRPr lang="en-US" dirty="0"/>
-          </a:p>
-        </p:txBody>
-      </p:sp>
-    </p:spTree>
-    <p:extLst>
-      <p:ext uri="{BB962C8B-B14F-4D97-AF65-F5344CB8AC3E}">
-        <p14:creationId xmlns:p14="http://schemas.microsoft.com/office/powerpoint/2010/main" val="2585628577"/>
-      </p:ext>
-    </p:extLst>
-  </p:cSld>
-  <p:clrMapOvr>
-    <a:masterClrMapping/>
-  </p:clrMapOvr>
-  <p:timing>
-    <p:tnLst>
-      <p:par>
-        <p:cTn id="1" dur="indefinite" restart="never" nodeType="tmRoot"/>
-      </p:par>
-    </p:tnLst>
-  </p:timing>
-</p:sld>
-</file>
-
-<file path=ppt/slides/slide2.xml><?xml version="1.0" encoding="utf-8"?>
-<p:sld xmlns:a="http://schemas.openxmlformats.org/drawingml/2006/main" xmlns:r="http://schemas.openxmlformats.org/officeDocument/2006/relationships" xmlns:p="http://schemas.openxmlformats.org/presentationml/2006/main">
-  <p:cSld>
-    <p:spTree>
-      <p:nvGrpSpPr>
-        <p:cNvPr id="1" name=""/>
-        <p:cNvGrpSpPr/>
-        <p:nvPr/>
-      </p:nvGrpSpPr>
-      <p:grpSpPr>
-        <a:xfrm>
-          <a:off x="0" y="0"/>
-          <a:ext cx="0" cy="0"/>
-          <a:chOff x="0" y="0"/>
-          <a:chExt cx="0" cy="0"/>
-        </a:xfrm>
-      </p:grpSpPr>
-      <p:sp>
-        <p:nvSpPr>
-          <p:cNvPr id="3" name="Content Placeholder 2"/>
-          <p:cNvSpPr>
-            <a:spLocks noGrp="1"/>
-          </p:cNvSpPr>
-          <p:nvPr>
-            <p:ph idx="1"/>
-          </p:nvPr>
-        </p:nvSpPr>
-        <p:spPr/>
-        <p:txBody>
-          <a:bodyPr/>
-          <a:lstStyle/>
-          <a:p>
-            <a:pPr marL="0" indent="0">
-              <a:buNone/>
-            </a:pPr>
-            <a:endParaRPr lang="en-US" dirty="0" smtClean="0"/>
-          </a:p>
-          <a:p>
-            <a:pPr marL="0" indent="0" algn="ctr">
-              <a:buNone/>
-            </a:pPr>
-            <a:r>
-              <a:rPr lang="en-US" sz="7200" b="1" dirty="0"/>
-              <a:t>Disclaimer</a:t>
-            </a:r>
-            <a:endParaRPr lang="en-US" dirty="0" smtClean="0"/>
-          </a:p>
-          <a:p>
-            <a:pPr marL="2171700" lvl="5" indent="0">
-              <a:buNone/>
-            </a:pPr>
-            <a:endParaRPr lang="en-US" dirty="0" smtClean="0"/>
-          </a:p>
-          <a:p>
-            <a:pPr lvl="4"/>
-            <a:r>
-              <a:rPr lang="en-US" sz="1800" dirty="0" smtClean="0"/>
-              <a:t>~ 1 month of experience</a:t>
-            </a:r>
-          </a:p>
-          <a:p>
-            <a:pPr lvl="4"/>
-            <a:r>
-              <a:rPr lang="en-US" sz="1800" dirty="0" smtClean="0"/>
-              <a:t>General overview, some things may be obvious</a:t>
-            </a:r>
-            <a:endParaRPr lang="en-US" sz="1800" dirty="0"/>
-          </a:p>
-        </p:txBody>
-      </p:sp>
-    </p:spTree>
-    <p:extLst>
-      <p:ext uri="{BB962C8B-B14F-4D97-AF65-F5344CB8AC3E}">
-        <p14:creationId xmlns:p14="http://schemas.microsoft.com/office/powerpoint/2010/main" val="2040239641"/>
-      </p:ext>
-    </p:extLst>
-  </p:cSld>
-  <p:clrMapOvr>
-    <a:masterClrMapping/>
-  </p:clrMapOvr>
-  <p:timing>
-    <p:tnLst>
-      <p:par>
-        <p:cTn id="1" dur="indefinite" restart="never" nodeType="tmRoot"/>
-      </p:par>
-    </p:tnLst>
-  </p:timing>
-</p:sld>
-</file>
-
-<file path=ppt/slides/slide20.xml><?xml version="1.0" encoding="utf-8"?>
-<p:sld xmlns:a="http://schemas.openxmlformats.org/drawingml/2006/main" xmlns:r="http://schemas.openxmlformats.org/officeDocument/2006/relationships" xmlns:p="http://schemas.openxmlformats.org/presentationml/2006/main">
-  <p:cSld>
-    <p:spTree>
-      <p:nvGrpSpPr>
-        <p:cNvPr id="1" name=""/>
-        <p:cNvGrpSpPr/>
-        <p:nvPr/>
-      </p:nvGrpSpPr>
-      <p:grpSpPr>
-        <a:xfrm>
-          <a:off x="0" y="0"/>
-          <a:ext cx="0" cy="0"/>
-          <a:chOff x="0" y="0"/>
-          <a:chExt cx="0" cy="0"/>
-        </a:xfrm>
-      </p:grpSpPr>
-      <p:sp>
-        <p:nvSpPr>
-          <p:cNvPr id="2" name="Title 1"/>
-          <p:cNvSpPr>
-            <a:spLocks noGrp="1"/>
-          </p:cNvSpPr>
-          <p:nvPr>
-            <p:ph type="title"/>
-          </p:nvPr>
-        </p:nvSpPr>
-        <p:spPr/>
-        <p:txBody>
-          <a:bodyPr/>
-          <a:lstStyle/>
-          <a:p>
-            <a:r>
-              <a:rPr lang="en-US" dirty="0" smtClean="0"/>
-              <a:t>Lessons Learned</a:t>
-            </a:r>
-            <a:endParaRPr lang="en-US" dirty="0"/>
-          </a:p>
-        </p:txBody>
-      </p:sp>
-      <p:sp>
-        <p:nvSpPr>
-          <p:cNvPr id="3" name="Content Placeholder 2"/>
-          <p:cNvSpPr>
-            <a:spLocks noGrp="1"/>
-          </p:cNvSpPr>
-          <p:nvPr>
-            <p:ph idx="1"/>
-          </p:nvPr>
-        </p:nvSpPr>
-        <p:spPr/>
-        <p:txBody>
-          <a:bodyPr/>
-          <a:lstStyle/>
-          <a:p>
-            <a:r>
-              <a:rPr lang="en-US" dirty="0" smtClean="0"/>
-              <a:t>Use exchanges with limited scope</a:t>
-            </a:r>
-          </a:p>
-          <a:p>
-            <a:r>
-              <a:rPr lang="en-US" dirty="0" smtClean="0"/>
-              <a:t>Use more exchanges instead of complex </a:t>
-            </a:r>
-            <a:r>
-              <a:rPr lang="en-US" dirty="0"/>
-              <a:t>topics / direct </a:t>
-            </a:r>
-            <a:r>
-              <a:rPr lang="en-US" dirty="0" smtClean="0"/>
-              <a:t>messages</a:t>
-            </a:r>
-          </a:p>
-          <a:p>
-            <a:r>
-              <a:rPr lang="en-US" dirty="0" err="1" smtClean="0"/>
-              <a:t>Fanout</a:t>
-            </a:r>
-            <a:r>
-              <a:rPr lang="en-US" dirty="0" smtClean="0"/>
-              <a:t> is a lot easier to configure</a:t>
-            </a:r>
-          </a:p>
-          <a:p>
-            <a:r>
-              <a:rPr lang="en-US" dirty="0" smtClean="0"/>
-              <a:t>Boot order can matter without pre-queueing</a:t>
-            </a:r>
-          </a:p>
-          <a:p>
-            <a:r>
-              <a:rPr lang="en-US" dirty="0" smtClean="0"/>
-              <a:t>Architecture matters, but </a:t>
-            </a:r>
-            <a:r>
-              <a:rPr lang="en-US" dirty="0" err="1" smtClean="0"/>
-              <a:t>RabbitMQ</a:t>
-            </a:r>
-            <a:r>
-              <a:rPr lang="en-US" dirty="0" smtClean="0"/>
-              <a:t> can only do so much</a:t>
-            </a:r>
-          </a:p>
-          <a:p>
-            <a:pPr lvl="1"/>
-            <a:r>
-              <a:rPr lang="en-US" sz="2000" dirty="0" smtClean="0"/>
-              <a:t>What it does, it does well. </a:t>
-            </a:r>
-            <a:endParaRPr lang="en-US" sz="2000" dirty="0"/>
-          </a:p>
-        </p:txBody>
-      </p:sp>
-    </p:spTree>
-    <p:extLst>
-      <p:ext uri="{BB962C8B-B14F-4D97-AF65-F5344CB8AC3E}">
-        <p14:creationId xmlns:p14="http://schemas.microsoft.com/office/powerpoint/2010/main" val="1676916155"/>
-      </p:ext>
-    </p:extLst>
-  </p:cSld>
-  <p:clrMapOvr>
-    <a:masterClrMapping/>
-  </p:clrMapOvr>
-  <p:timing>
-    <p:tnLst>
-      <p:par>
-        <p:cTn id="1" dur="indefinite" restart="never" nodeType="tmRoot"/>
-      </p:par>
-    </p:tnLst>
-  </p:timing>
-</p:sld>
-</file>
-
-<file path=ppt/slides/slide21.xml><?xml version="1.0" encoding="utf-8"?>
-<p:sld xmlns:a="http://schemas.openxmlformats.org/drawingml/2006/main" xmlns:r="http://schemas.openxmlformats.org/officeDocument/2006/relationships" xmlns:p="http://schemas.openxmlformats.org/presentationml/2006/main">
-  <p:cSld>
-    <p:spTree>
-      <p:nvGrpSpPr>
-        <p:cNvPr id="1" name=""/>
-        <p:cNvGrpSpPr/>
-        <p:nvPr/>
-      </p:nvGrpSpPr>
-      <p:grpSpPr>
-        <a:xfrm>
-          <a:off x="0" y="0"/>
-          <a:ext cx="0" cy="0"/>
-          <a:chOff x="0" y="0"/>
-          <a:chExt cx="0" cy="0"/>
-        </a:xfrm>
-      </p:grpSpPr>
-      <p:sp>
-        <p:nvSpPr>
-          <p:cNvPr id="2" name="Title 1"/>
-          <p:cNvSpPr>
-            <a:spLocks noGrp="1"/>
-          </p:cNvSpPr>
-          <p:nvPr>
-            <p:ph type="title"/>
-          </p:nvPr>
-        </p:nvSpPr>
-        <p:spPr/>
-        <p:txBody>
-          <a:bodyPr/>
-          <a:lstStyle/>
-          <a:p>
-            <a:r>
-              <a:rPr lang="en-US" dirty="0" smtClean="0"/>
-              <a:t>Further Learning</a:t>
-            </a:r>
-            <a:endParaRPr lang="en-US" dirty="0"/>
-          </a:p>
-        </p:txBody>
-      </p:sp>
-      <p:sp>
-        <p:nvSpPr>
-          <p:cNvPr id="3" name="Content Placeholder 2"/>
-          <p:cNvSpPr>
-            <a:spLocks noGrp="1"/>
-          </p:cNvSpPr>
-          <p:nvPr>
-            <p:ph idx="1"/>
-          </p:nvPr>
-        </p:nvSpPr>
-        <p:spPr/>
-        <p:txBody>
-          <a:bodyPr/>
-          <a:lstStyle/>
-          <a:p>
-            <a:pPr marL="0" indent="0">
-              <a:buNone/>
-            </a:pPr>
-            <a:r>
-              <a:rPr lang="en-US" dirty="0" smtClean="0">
-                <a:solidFill>
-                  <a:schemeClr val="accent5">
-                    <a:lumMod val="75000"/>
-                  </a:schemeClr>
-                </a:solidFill>
-                <a:hlinkClick r:id="rId2"/>
-              </a:rPr>
-              <a:t>https://jack-vanlightly.com/blog/2017/12/5/rabbitmq-vs-kafka-part-2-rabbitmq-messaging-patterns-and-topologies</a:t>
-            </a:r>
-            <a:endParaRPr lang="en-US" dirty="0" smtClean="0">
-              <a:solidFill>
-                <a:schemeClr val="accent5">
-                  <a:lumMod val="75000"/>
-                </a:schemeClr>
-              </a:solidFill>
-            </a:endParaRPr>
-          </a:p>
-          <a:p>
-            <a:pPr marL="0" indent="0">
-              <a:buNone/>
-            </a:pPr>
-            <a:endParaRPr lang="en-US" dirty="0" smtClean="0">
-              <a:solidFill>
-                <a:schemeClr val="accent5">
-                  <a:lumMod val="75000"/>
-                </a:schemeClr>
-              </a:solidFill>
-            </a:endParaRPr>
-          </a:p>
-          <a:p>
-            <a:pPr marL="0" indent="0">
-              <a:buNone/>
-            </a:pPr>
-            <a:r>
-              <a:rPr lang="en-US" dirty="0" smtClean="0">
-                <a:solidFill>
-                  <a:schemeClr val="accent5">
-                    <a:lumMod val="75000"/>
-                  </a:schemeClr>
-                </a:solidFill>
-                <a:hlinkClick r:id="rId3"/>
-              </a:rPr>
-              <a:t>https://www.cloudamqp.com/blog/2017-12-29-part1-rabbitmq-best-practice.html</a:t>
-            </a:r>
-            <a:endParaRPr lang="en-US" dirty="0" smtClean="0">
-              <a:solidFill>
-                <a:schemeClr val="accent5">
-                  <a:lumMod val="75000"/>
-                </a:schemeClr>
-              </a:solidFill>
-            </a:endParaRPr>
-          </a:p>
-          <a:p>
-            <a:pPr marL="0" indent="0">
-              <a:buNone/>
-            </a:pPr>
-            <a:endParaRPr lang="en-US" dirty="0">
-              <a:solidFill>
-                <a:schemeClr val="accent5">
-                  <a:lumMod val="75000"/>
-                </a:schemeClr>
-              </a:solidFill>
-            </a:endParaRPr>
-          </a:p>
-          <a:p>
-            <a:pPr marL="0" indent="0">
-              <a:buNone/>
-            </a:pPr>
-            <a:r>
-              <a:rPr lang="en-US" dirty="0" smtClean="0">
-                <a:solidFill>
-                  <a:schemeClr val="accent5">
-                    <a:lumMod val="75000"/>
-                  </a:schemeClr>
-                </a:solidFill>
-                <a:hlinkClick r:id="rId4"/>
-              </a:rPr>
-              <a:t>https://www.cloudamqp.com/blog/2018-01-19-part4-rabbitmq-13-common-errors.html</a:t>
-            </a:r>
-            <a:endParaRPr lang="en-US" dirty="0" smtClean="0">
-              <a:solidFill>
-                <a:schemeClr val="accent5">
-                  <a:lumMod val="75000"/>
-                </a:schemeClr>
-              </a:solidFill>
-            </a:endParaRPr>
-          </a:p>
-          <a:p>
-            <a:pPr marL="0" indent="0">
-              <a:buNone/>
-            </a:pPr>
-            <a:endParaRPr lang="en-US" dirty="0"/>
-          </a:p>
-          <a:p>
-            <a:pPr marL="0" indent="0">
-              <a:buNone/>
-            </a:pPr>
-            <a:endParaRPr lang="en-US" dirty="0"/>
-          </a:p>
-        </p:txBody>
-      </p:sp>
-    </p:spTree>
-    <p:extLst>
-      <p:ext uri="{BB962C8B-B14F-4D97-AF65-F5344CB8AC3E}">
-        <p14:creationId xmlns:p14="http://schemas.microsoft.com/office/powerpoint/2010/main" val="2982117526"/>
-      </p:ext>
-    </p:extLst>
-  </p:cSld>
-  <p:clrMapOvr>
-    <a:masterClrMapping/>
-  </p:clrMapOvr>
-  <p:timing>
-    <p:tnLst>
-      <p:par>
-        <p:cTn id="1" dur="indefinite" restart="never" nodeType="tmRoot"/>
-      </p:par>
-    </p:tnLst>
-  </p:timing>
-</p:sld>
-</file>
-
-<file path=ppt/slides/slide22.xml><?xml version="1.0" encoding="utf-8"?>
-<p:sld xmlns:a="http://schemas.openxmlformats.org/drawingml/2006/main" xmlns:r="http://schemas.openxmlformats.org/officeDocument/2006/relationships" xmlns:p="http://schemas.openxmlformats.org/presentationml/2006/main">
-  <p:cSld>
-    <p:spTree>
-      <p:nvGrpSpPr>
-        <p:cNvPr id="1" name=""/>
-        <p:cNvGrpSpPr/>
-        <p:nvPr/>
-      </p:nvGrpSpPr>
-      <p:grpSpPr>
-        <a:xfrm>
-          <a:off x="0" y="0"/>
-          <a:ext cx="0" cy="0"/>
-          <a:chOff x="0" y="0"/>
-          <a:chExt cx="0" cy="0"/>
-        </a:xfrm>
-      </p:grpSpPr>
-      <p:sp>
-        <p:nvSpPr>
-          <p:cNvPr id="2" name="Title 1"/>
-          <p:cNvSpPr>
-            <a:spLocks noGrp="1"/>
-          </p:cNvSpPr>
-          <p:nvPr>
-            <p:ph type="title"/>
-          </p:nvPr>
-        </p:nvSpPr>
-        <p:spPr>
-          <a:xfrm>
-            <a:off x="3308288" y="2617184"/>
-            <a:ext cx="9404723" cy="1400530"/>
-          </a:xfrm>
-        </p:spPr>
-        <p:txBody>
-          <a:bodyPr/>
-          <a:lstStyle/>
-          <a:p>
-            <a:r>
-              <a:rPr lang="en-US" sz="8000" dirty="0" smtClean="0"/>
-              <a:t>Questions?</a:t>
-            </a:r>
-            <a:endParaRPr lang="en-US" sz="8000" dirty="0"/>
-          </a:p>
-        </p:txBody>
-      </p:sp>
-    </p:spTree>
-    <p:extLst>
-      <p:ext uri="{BB962C8B-B14F-4D97-AF65-F5344CB8AC3E}">
-        <p14:creationId xmlns:p14="http://schemas.microsoft.com/office/powerpoint/2010/main" val="946314006"/>
-      </p:ext>
-    </p:extLst>
-  </p:cSld>
-  <p:clrMapOvr>
-    <a:masterClrMapping/>
-  </p:clrMapOvr>
-  <p:timing>
-    <p:tnLst>
-      <p:par>
-        <p:cTn id="1" dur="indefinite" restart="never" nodeType="tmRoot"/>
-      </p:par>
-    </p:tnLst>
-  </p:timing>
-</p:sld>
-</file>
-
-<file path=ppt/slides/slide23.xml><?xml version="1.0" encoding="utf-8"?>
-<p:sld xmlns:a="http://schemas.openxmlformats.org/drawingml/2006/main" xmlns:r="http://schemas.openxmlformats.org/officeDocument/2006/relationships" xmlns:p="http://schemas.openxmlformats.org/presentationml/2006/main">
-  <p:cSld>
-    <p:spTree>
-      <p:nvGrpSpPr>
-        <p:cNvPr id="1" name=""/>
-        <p:cNvGrpSpPr/>
-        <p:nvPr/>
-      </p:nvGrpSpPr>
-      <p:grpSpPr>
-        <a:xfrm>
-          <a:off x="0" y="0"/>
-          <a:ext cx="0" cy="0"/>
-          <a:chOff x="0" y="0"/>
-          <a:chExt cx="0" cy="0"/>
-        </a:xfrm>
-      </p:grpSpPr>
-      <p:sp>
-        <p:nvSpPr>
-          <p:cNvPr id="3" name="Content Placeholder 2"/>
-          <p:cNvSpPr>
-            <a:spLocks noGrp="1"/>
-          </p:cNvSpPr>
-          <p:nvPr>
-            <p:ph idx="1"/>
-          </p:nvPr>
-        </p:nvSpPr>
-        <p:spPr>
-          <a:xfrm>
-            <a:off x="838200" y="1025525"/>
-            <a:ext cx="10515600" cy="4351338"/>
-          </a:xfrm>
-        </p:spPr>
-        <p:txBody>
-          <a:bodyPr anchor="ctr"/>
-          <a:lstStyle/>
-          <a:p>
-            <a:pPr marL="0" indent="0" algn="ctr">
-              <a:buNone/>
-            </a:pPr>
-            <a:r>
-              <a:rPr lang="en-US" sz="7200" dirty="0" smtClean="0"/>
-              <a:t>CODING</a:t>
-            </a:r>
-            <a:endParaRPr lang="en-US" sz="7200" dirty="0"/>
-          </a:p>
-        </p:txBody>
-      </p:sp>
-    </p:spTree>
-    <p:extLst>
-      <p:ext uri="{BB962C8B-B14F-4D97-AF65-F5344CB8AC3E}">
-        <p14:creationId xmlns:p14="http://schemas.microsoft.com/office/powerpoint/2010/main" val="364976418"/>
-      </p:ext>
-    </p:extLst>
-  </p:cSld>
-  <p:clrMapOvr>
-    <a:masterClrMapping/>
-  </p:clrMapOvr>
-  <p:timing>
-    <p:tnLst>
-      <p:par>
-        <p:cTn id="1" dur="indefinite" restart="never" nodeType="tmRoot"/>
-      </p:par>
-    </p:tnLst>
-  </p:timing>
-</p:sld>
-</file>
-
-<file path=ppt/slides/slide24.xml><?xml version="1.0" encoding="utf-8"?>
-<p:sld xmlns:a="http://schemas.openxmlformats.org/drawingml/2006/main" xmlns:r="http://schemas.openxmlformats.org/officeDocument/2006/relationships" xmlns:p="http://schemas.openxmlformats.org/presentationml/2006/main">
-  <p:cSld>
-    <p:spTree>
-      <p:nvGrpSpPr>
-        <p:cNvPr id="1" name=""/>
-        <p:cNvGrpSpPr/>
-        <p:nvPr/>
-      </p:nvGrpSpPr>
-      <p:grpSpPr>
-        <a:xfrm>
-          <a:off x="0" y="0"/>
-          <a:ext cx="0" cy="0"/>
-          <a:chOff x="0" y="0"/>
-          <a:chExt cx="0" cy="0"/>
-        </a:xfrm>
-      </p:grpSpPr>
-      <p:sp>
-        <p:nvSpPr>
-          <p:cNvPr id="2" name="Title 1"/>
-          <p:cNvSpPr>
-            <a:spLocks noGrp="1"/>
-          </p:cNvSpPr>
-          <p:nvPr>
-            <p:ph type="title"/>
-          </p:nvPr>
-        </p:nvSpPr>
-        <p:spPr/>
-        <p:txBody>
-          <a:bodyPr/>
-          <a:lstStyle/>
-          <a:p>
-            <a:r>
-              <a:rPr lang="en-US" dirty="0" smtClean="0"/>
-              <a:t>Docker and </a:t>
-            </a:r>
-            <a:r>
-              <a:rPr lang="en-US" dirty="0" err="1" smtClean="0"/>
-              <a:t>RabbitMQ</a:t>
-            </a:r>
-            <a:r>
-              <a:rPr lang="en-US" dirty="0" smtClean="0"/>
-              <a:t> </a:t>
-            </a:r>
-            <a:r>
-              <a:rPr lang="en-US" dirty="0" smtClean="0"/>
-              <a:t>Setup</a:t>
-            </a:r>
-            <a:endParaRPr lang="en-US" dirty="0"/>
-          </a:p>
-        </p:txBody>
-      </p:sp>
-      <p:sp>
-        <p:nvSpPr>
-          <p:cNvPr id="3" name="Content Placeholder 2"/>
-          <p:cNvSpPr>
-            <a:spLocks noGrp="1"/>
-          </p:cNvSpPr>
-          <p:nvPr>
-            <p:ph idx="1"/>
-          </p:nvPr>
-        </p:nvSpPr>
-        <p:spPr/>
-        <p:txBody>
-          <a:bodyPr/>
-          <a:lstStyle/>
-          <a:p>
-            <a:r>
-              <a:rPr lang="en-US" dirty="0" smtClean="0"/>
-              <a:t>Docker: </a:t>
-            </a:r>
-          </a:p>
-          <a:p>
-            <a:pPr lvl="1"/>
-            <a:r>
-              <a:rPr lang="en-US" dirty="0">
-                <a:hlinkClick r:id="rId2"/>
-              </a:rPr>
-              <a:t>https://</a:t>
-            </a:r>
-            <a:r>
-              <a:rPr lang="en-US" dirty="0" smtClean="0">
-                <a:hlinkClick r:id="rId2"/>
-              </a:rPr>
-              <a:t>www.docker.com/products/docker-desktop</a:t>
-            </a:r>
-            <a:endParaRPr lang="en-US" dirty="0" smtClean="0"/>
-          </a:p>
-          <a:p>
-            <a:pPr lvl="1"/>
-            <a:r>
-              <a:rPr lang="en-US" dirty="0">
-                <a:hlinkClick r:id="rId3"/>
-              </a:rPr>
-              <a:t>https://hub.docker.com/_/</a:t>
-            </a:r>
-            <a:r>
-              <a:rPr lang="en-US" dirty="0" smtClean="0">
-                <a:hlinkClick r:id="rId3"/>
-              </a:rPr>
-              <a:t>rabbitmq</a:t>
-            </a:r>
-            <a:endParaRPr lang="en-US" dirty="0" smtClean="0"/>
-          </a:p>
-          <a:p>
-            <a:r>
-              <a:rPr lang="en-US" dirty="0" smtClean="0"/>
-              <a:t>Visual Studio Code</a:t>
-            </a:r>
-          </a:p>
-          <a:p>
-            <a:pPr lvl="1"/>
-            <a:r>
-              <a:rPr lang="en-US" dirty="0">
-                <a:hlinkClick r:id="rId4"/>
-              </a:rPr>
-              <a:t>https://code.visualstudio.com</a:t>
-            </a:r>
-            <a:r>
-              <a:rPr lang="en-US" dirty="0" smtClean="0">
-                <a:hlinkClick r:id="rId4"/>
-              </a:rPr>
-              <a:t>/</a:t>
-            </a:r>
-            <a:endParaRPr lang="en-US" dirty="0" smtClean="0"/>
-          </a:p>
-          <a:p>
-            <a:endParaRPr lang="en-US" dirty="0"/>
-          </a:p>
-          <a:p>
-            <a:r>
-              <a:rPr lang="en-US" dirty="0" smtClean="0"/>
-              <a:t>Docker-</a:t>
-            </a:r>
-            <a:r>
-              <a:rPr lang="en-US" dirty="0" err="1" smtClean="0"/>
-              <a:t>compose.yml</a:t>
-            </a:r>
-            <a:endParaRPr lang="en-US" dirty="0" smtClean="0"/>
-          </a:p>
-          <a:p>
-            <a:pPr lvl="1"/>
-            <a:r>
-              <a:rPr lang="en-US" dirty="0" smtClean="0"/>
-              <a:t>Combined service</a:t>
-            </a:r>
-          </a:p>
-        </p:txBody>
-      </p:sp>
-    </p:spTree>
-    <p:extLst>
-      <p:ext uri="{BB962C8B-B14F-4D97-AF65-F5344CB8AC3E}">
-        <p14:creationId xmlns:p14="http://schemas.microsoft.com/office/powerpoint/2010/main" val="2089456189"/>
-      </p:ext>
-    </p:extLst>
-  </p:cSld>
-  <p:clrMapOvr>
-    <a:masterClrMapping/>
-  </p:clrMapOvr>
-  <p:timing>
-    <p:tnLst>
-      <p:par>
-        <p:cTn id="1" dur="indefinite" restart="never" nodeType="tmRoot"/>
-      </p:par>
-    </p:tnLst>
-  </p:timing>
-</p:sld>
-</file>
-
 <file path=ppt/slides/slide25.xml><?xml version="1.0" encoding="utf-8"?>
 <p:sld xmlns:a="http://schemas.openxmlformats.org/drawingml/2006/main" xmlns:r="http://schemas.openxmlformats.org/officeDocument/2006/relationships" xmlns:p="http://schemas.openxmlformats.org/presentationml/2006/main">
   <p:cSld>
@@ -10695,7 +10948,7 @@
           <a:p>
             <a:r>
               <a:rPr lang="en-US" dirty="0" smtClean="0"/>
-              <a:t>Coding Example 1</a:t>
+              <a:t>No Message Replay? </a:t>
             </a:r>
             <a:endParaRPr lang="en-US" dirty="0"/>
           </a:p>
@@ -10716,6 +10969,108 @@
           <a:bodyPr/>
           <a:lstStyle/>
           <a:p>
+            <a:r>
+              <a:rPr lang="en-US" dirty="0" smtClean="0"/>
+              <a:t>Consumer-made queues only get new messages</a:t>
+            </a:r>
+          </a:p>
+          <a:p>
+            <a:r>
+              <a:rPr lang="en-US" dirty="0" smtClean="0"/>
+              <a:t>Cannot query for previous </a:t>
+            </a:r>
+            <a:r>
+              <a:rPr lang="en-US" dirty="0" smtClean="0"/>
+              <a:t>messages*</a:t>
+            </a:r>
+            <a:endParaRPr lang="en-US" dirty="0" smtClean="0"/>
+          </a:p>
+          <a:p>
+            <a:endParaRPr lang="en-US" dirty="0" smtClean="0"/>
+          </a:p>
+          <a:p>
+            <a:r>
+              <a:rPr lang="en-US" sz="2800" dirty="0" smtClean="0"/>
+              <a:t>Producer </a:t>
+            </a:r>
+            <a:r>
+              <a:rPr lang="en-US" sz="2800" dirty="0" smtClean="0"/>
+              <a:t>Pre-Queueing</a:t>
+            </a:r>
+            <a:endParaRPr lang="en-US" sz="2800" dirty="0" smtClean="0"/>
+          </a:p>
+          <a:p>
+            <a:pPr lvl="1"/>
+            <a:r>
+              <a:rPr lang="en-US" sz="2000" dirty="0" smtClean="0"/>
+              <a:t>Consumer has less flexibility</a:t>
+            </a:r>
+          </a:p>
+          <a:p>
+            <a:pPr lvl="1"/>
+            <a:r>
+              <a:rPr lang="en-US" sz="2000" dirty="0" smtClean="0"/>
+              <a:t>No failure tolerance</a:t>
+            </a:r>
+          </a:p>
+          <a:p>
+            <a:pPr lvl="1"/>
+            <a:r>
+              <a:rPr lang="en-US" sz="2000" dirty="0" smtClean="0"/>
+              <a:t>Against the design principal of </a:t>
+            </a:r>
+            <a:r>
+              <a:rPr lang="en-US" sz="2000" dirty="0" err="1" smtClean="0"/>
+              <a:t>RabbitMQ</a:t>
+            </a:r>
+            <a:endParaRPr lang="en-US" sz="2000" dirty="0" smtClean="0"/>
+          </a:p>
+          <a:p>
+            <a:pPr marL="0" indent="0">
+              <a:buNone/>
+            </a:pPr>
+            <a:endParaRPr lang="en-US" dirty="0"/>
+          </a:p>
+          <a:p>
+            <a:pPr marL="0" indent="0">
+              <a:buNone/>
+            </a:pPr>
+            <a:r>
+              <a:rPr lang="en-US" sz="1600" dirty="0" smtClean="0"/>
+              <a:t>*May be limitation of AMPQ, not </a:t>
+            </a:r>
+            <a:r>
+              <a:rPr lang="en-US" sz="1600" dirty="0" err="1" smtClean="0"/>
+              <a:t>RabbitMQ</a:t>
+            </a:r>
+            <a:r>
+              <a:rPr lang="en-US" sz="1600" dirty="0" smtClean="0"/>
+              <a:t> </a:t>
+            </a:r>
+            <a:endParaRPr lang="en-US" sz="1600" dirty="0" smtClean="0"/>
+          </a:p>
+          <a:p>
+            <a:pPr lvl="1"/>
+            <a:endParaRPr lang="en-US" dirty="0" smtClean="0"/>
+          </a:p>
+          <a:p>
+            <a:pPr lvl="1"/>
+            <a:endParaRPr lang="en-US" dirty="0" smtClean="0"/>
+          </a:p>
+          <a:p>
+            <a:pPr lvl="1"/>
+            <a:endParaRPr lang="en-US" dirty="0" smtClean="0"/>
+          </a:p>
+          <a:p>
+            <a:pPr lvl="1"/>
+            <a:endParaRPr lang="en-US" dirty="0" smtClean="0"/>
+          </a:p>
+          <a:p>
+            <a:pPr lvl="1"/>
+            <a:endParaRPr lang="en-US" dirty="0" smtClean="0"/>
+          </a:p>
+          <a:p>
+            <a:pPr lvl="1"/>
             <a:endParaRPr lang="en-US" dirty="0"/>
           </a:p>
         </p:txBody>
@@ -10723,7 +11078,7 @@
     </p:spTree>
     <p:extLst>
       <p:ext uri="{BB962C8B-B14F-4D97-AF65-F5344CB8AC3E}">
-        <p14:creationId xmlns:p14="http://schemas.microsoft.com/office/powerpoint/2010/main" val="3271044931"/>
+        <p14:creationId xmlns:p14="http://schemas.microsoft.com/office/powerpoint/2010/main" val="1302362522"/>
       </p:ext>
     </p:extLst>
   </p:cSld>
@@ -10773,8 +11128,12 @@
           <a:lstStyle/>
           <a:p>
             <a:r>
+              <a:rPr lang="en-US" dirty="0" err="1" smtClean="0"/>
+              <a:t>RabbitMQ</a:t>
+            </a:r>
+            <a:r>
               <a:rPr lang="en-US" dirty="0" smtClean="0"/>
-              <a:t>Management Console</a:t>
+              <a:t> vs. Kafka</a:t>
             </a:r>
             <a:endParaRPr lang="en-US" dirty="0"/>
           </a:p>
@@ -10795,14 +11154,29 @@
           <a:bodyPr/>
           <a:lstStyle/>
           <a:p>
-            <a:endParaRPr lang="en-US"/>
+            <a:r>
+              <a:rPr lang="en-US" dirty="0"/>
+              <a:t>Easier to start</a:t>
+            </a:r>
+          </a:p>
+          <a:p>
+            <a:r>
+              <a:rPr lang="en-US" dirty="0"/>
+              <a:t>Flexibility in apps making queues / exchanges, not centralized</a:t>
+            </a:r>
+          </a:p>
+          <a:p>
+            <a:pPr marL="0" indent="0">
+              <a:buNone/>
+            </a:pPr>
+            <a:endParaRPr lang="en-US" dirty="0"/>
           </a:p>
         </p:txBody>
       </p:sp>
     </p:spTree>
     <p:extLst>
       <p:ext uri="{BB962C8B-B14F-4D97-AF65-F5344CB8AC3E}">
-        <p14:creationId xmlns:p14="http://schemas.microsoft.com/office/powerpoint/2010/main" val="3345745992"/>
+        <p14:creationId xmlns:p14="http://schemas.microsoft.com/office/powerpoint/2010/main" val="2585628577"/>
       </p:ext>
     </p:extLst>
   </p:cSld>
@@ -10853,7 +11227,7 @@
           <a:p>
             <a:r>
               <a:rPr lang="en-US" dirty="0" smtClean="0"/>
-              <a:t>Coding Example 2</a:t>
+              <a:t>Lessons Learned</a:t>
             </a:r>
             <a:endParaRPr lang="en-US" dirty="0"/>
           </a:p>
@@ -10874,14 +11248,69 @@
           <a:bodyPr/>
           <a:lstStyle/>
           <a:p>
-            <a:endParaRPr lang="en-US"/>
+            <a:r>
+              <a:rPr lang="en-US" dirty="0" smtClean="0"/>
+              <a:t>Use exchanges with limited scope</a:t>
+            </a:r>
+          </a:p>
+          <a:p>
+            <a:r>
+              <a:rPr lang="en-US" dirty="0" smtClean="0"/>
+              <a:t>Use more exchanges instead of complex </a:t>
+            </a:r>
+            <a:r>
+              <a:rPr lang="en-US" dirty="0"/>
+              <a:t>topics / direct </a:t>
+            </a:r>
+            <a:r>
+              <a:rPr lang="en-US" dirty="0" smtClean="0"/>
+              <a:t>messages</a:t>
+            </a:r>
+          </a:p>
+          <a:p>
+            <a:r>
+              <a:rPr lang="en-US" dirty="0" err="1" smtClean="0"/>
+              <a:t>Fanout</a:t>
+            </a:r>
+            <a:r>
+              <a:rPr lang="en-US" dirty="0" smtClean="0"/>
+              <a:t> is a lot easier to configure</a:t>
+            </a:r>
+          </a:p>
+          <a:p>
+            <a:r>
+              <a:rPr lang="en-US" dirty="0" smtClean="0"/>
+              <a:t>Boot order can matter without pre-queueing</a:t>
+            </a:r>
+          </a:p>
+          <a:p>
+            <a:r>
+              <a:rPr lang="en-US" dirty="0" smtClean="0"/>
+              <a:t>Architecture matters, but </a:t>
+            </a:r>
+            <a:r>
+              <a:rPr lang="en-US" dirty="0" err="1" smtClean="0"/>
+              <a:t>RabbitMQ</a:t>
+            </a:r>
+            <a:r>
+              <a:rPr lang="en-US" dirty="0" smtClean="0"/>
+              <a:t> can only do so much</a:t>
+            </a:r>
+          </a:p>
+          <a:p>
+            <a:pPr lvl="1"/>
+            <a:r>
+              <a:rPr lang="en-US" sz="2000" dirty="0" smtClean="0"/>
+              <a:t>What it does, it does well. </a:t>
+            </a:r>
+            <a:endParaRPr lang="en-US" sz="2000" dirty="0"/>
           </a:p>
         </p:txBody>
       </p:sp>
     </p:spTree>
     <p:extLst>
       <p:ext uri="{BB962C8B-B14F-4D97-AF65-F5344CB8AC3E}">
-        <p14:creationId xmlns:p14="http://schemas.microsoft.com/office/powerpoint/2010/main" val="4165332422"/>
+        <p14:creationId xmlns:p14="http://schemas.microsoft.com/office/powerpoint/2010/main" val="1676916155"/>
       </p:ext>
     </p:extLst>
   </p:cSld>
@@ -10932,7 +11361,7 @@
           <a:p>
             <a:r>
               <a:rPr lang="en-US" dirty="0" smtClean="0"/>
-              <a:t>Coding Example 3</a:t>
+              <a:t>Further Learning</a:t>
             </a:r>
             <a:endParaRPr lang="en-US" dirty="0"/>
           </a:p>
@@ -10953,14 +11382,116 @@
           <a:bodyPr/>
           <a:lstStyle/>
           <a:p>
-            <a:endParaRPr lang="en-US"/>
+            <a:pPr marL="0" indent="0">
+              <a:buNone/>
+            </a:pPr>
+            <a:r>
+              <a:rPr lang="en-US" dirty="0" smtClean="0">
+                <a:solidFill>
+                  <a:schemeClr val="accent5">
+                    <a:lumMod val="75000"/>
+                  </a:schemeClr>
+                </a:solidFill>
+                <a:hlinkClick r:id="rId2"/>
+              </a:rPr>
+              <a:t>https://jack-vanlightly.com/blog/2017/12/5/rabbitmq-vs-kafka-part-2-rabbitmq-messaging-patterns-and-topologies</a:t>
+            </a:r>
+            <a:endParaRPr lang="en-US" dirty="0" smtClean="0">
+              <a:solidFill>
+                <a:schemeClr val="accent5">
+                  <a:lumMod val="75000"/>
+                </a:schemeClr>
+              </a:solidFill>
+            </a:endParaRPr>
+          </a:p>
+          <a:p>
+            <a:pPr marL="0" indent="0">
+              <a:buNone/>
+            </a:pPr>
+            <a:endParaRPr lang="en-US" dirty="0" smtClean="0">
+              <a:solidFill>
+                <a:schemeClr val="accent5">
+                  <a:lumMod val="75000"/>
+                </a:schemeClr>
+              </a:solidFill>
+            </a:endParaRPr>
+          </a:p>
+          <a:p>
+            <a:pPr marL="0" indent="0">
+              <a:buNone/>
+            </a:pPr>
+            <a:r>
+              <a:rPr lang="en-US" dirty="0" smtClean="0">
+                <a:solidFill>
+                  <a:schemeClr val="accent5">
+                    <a:lumMod val="75000"/>
+                  </a:schemeClr>
+                </a:solidFill>
+                <a:hlinkClick r:id="rId3"/>
+              </a:rPr>
+              <a:t>https://www.cloudamqp.com/blog/2017-12-29-part1-rabbitmq-best-practice.html</a:t>
+            </a:r>
+            <a:endParaRPr lang="en-US" dirty="0" smtClean="0">
+              <a:solidFill>
+                <a:schemeClr val="accent5">
+                  <a:lumMod val="75000"/>
+                </a:schemeClr>
+              </a:solidFill>
+            </a:endParaRPr>
+          </a:p>
+          <a:p>
+            <a:pPr marL="0" indent="0">
+              <a:buNone/>
+            </a:pPr>
+            <a:endParaRPr lang="en-US" dirty="0">
+              <a:solidFill>
+                <a:schemeClr val="accent5">
+                  <a:lumMod val="75000"/>
+                </a:schemeClr>
+              </a:solidFill>
+            </a:endParaRPr>
+          </a:p>
+          <a:p>
+            <a:pPr marL="0" indent="0">
+              <a:buNone/>
+            </a:pPr>
+            <a:r>
+              <a:rPr lang="en-US" dirty="0" smtClean="0">
+                <a:solidFill>
+                  <a:schemeClr val="accent5">
+                    <a:lumMod val="75000"/>
+                  </a:schemeClr>
+                </a:solidFill>
+                <a:hlinkClick r:id="rId4"/>
+              </a:rPr>
+              <a:t>https://www.cloudamqp.com/blog/2018-01-19-part4-rabbitmq-13-common-errors.html</a:t>
+            </a:r>
+            <a:endParaRPr lang="en-US" dirty="0" smtClean="0">
+              <a:solidFill>
+                <a:schemeClr val="accent5">
+                  <a:lumMod val="75000"/>
+                </a:schemeClr>
+              </a:solidFill>
+            </a:endParaRPr>
+          </a:p>
+          <a:p>
+            <a:pPr marL="0" indent="0">
+              <a:buNone/>
+            </a:pPr>
+            <a:endParaRPr lang="en-US" dirty="0"/>
+          </a:p>
+          <a:p>
+            <a:pPr marL="0" indent="0">
+              <a:buNone/>
+            </a:pPr>
+            <a:endParaRPr lang="en-US" dirty="0"/>
           </a:p>
         </p:txBody>
       </p:sp>
     </p:spTree>
     <p:extLst>
       <p:ext uri="{BB962C8B-B14F-4D97-AF65-F5344CB8AC3E}">
-        <p14:creationId xmlns:p14="http://schemas.microsoft.com/office/powerpoint/2010/main" val="2069127843"/>
+        <p14:creationId xmlns:p14="http://schemas.microsoft.com/office/powerpoint/2010/main" val="2982117526"/>
       </p:ext>
     </p:extLst>
   </p:cSld>
@@ -11004,113 +11535,28 @@
             <p:ph type="title"/>
           </p:nvPr>
         </p:nvSpPr>
-        <p:spPr/>
+        <p:spPr>
+          <a:xfrm>
+            <a:off x="4720529" y="2688304"/>
+            <a:ext cx="2523552" cy="1400530"/>
+          </a:xfrm>
+        </p:spPr>
         <p:txBody>
           <a:bodyPr/>
           <a:lstStyle/>
           <a:p>
             <a:r>
-              <a:rPr lang="en-US" dirty="0" smtClean="0"/>
-              <a:t>Configuring </a:t>
-            </a:r>
-            <a:r>
-              <a:rPr lang="en-US" dirty="0" err="1" smtClean="0"/>
-              <a:t>Rabbitmq</a:t>
-            </a:r>
-            <a:endParaRPr lang="en-US" dirty="0"/>
-          </a:p>
-        </p:txBody>
-      </p:sp>
-      <p:sp>
-        <p:nvSpPr>
-          <p:cNvPr id="3" name="Content Placeholder 2"/>
-          <p:cNvSpPr>
-            <a:spLocks noGrp="1"/>
-          </p:cNvSpPr>
-          <p:nvPr>
-            <p:ph idx="1"/>
-          </p:nvPr>
-        </p:nvSpPr>
-        <p:spPr/>
-        <p:txBody>
-          <a:bodyPr/>
-          <a:lstStyle/>
-          <a:p>
-            <a:r>
-              <a:rPr lang="en-US" dirty="0" err="1" smtClean="0"/>
-              <a:t>Vhost</a:t>
-            </a:r>
-            <a:r>
-              <a:rPr lang="en-US" dirty="0" smtClean="0"/>
-              <a:t> – contain exchanges and queues</a:t>
-            </a:r>
-          </a:p>
-          <a:p>
-            <a:r>
-              <a:rPr lang="en-US" dirty="0" smtClean="0"/>
-              <a:t>Reliability / failure</a:t>
-            </a:r>
-          </a:p>
-          <a:p>
-            <a:r>
-              <a:rPr lang="en-US" dirty="0" err="1" smtClean="0"/>
-              <a:t>Prefetch</a:t>
-            </a:r>
-            <a:r>
-              <a:rPr lang="en-US" dirty="0" smtClean="0"/>
-              <a:t> – number of messages consumer can take at </a:t>
-            </a:r>
-            <a:r>
-              <a:rPr lang="en-US" dirty="0" smtClean="0"/>
-              <a:t>once</a:t>
-            </a:r>
-          </a:p>
-          <a:p>
-            <a:r>
-              <a:rPr lang="en-US" dirty="0" smtClean="0"/>
-              <a:t>One connection, many channels</a:t>
-            </a:r>
-          </a:p>
-          <a:p>
-            <a:pPr lvl="1"/>
-            <a:r>
-              <a:rPr lang="en-US" dirty="0" smtClean="0"/>
-              <a:t>Connections take up a TCP/IP port</a:t>
-            </a:r>
-          </a:p>
-          <a:p>
-            <a:r>
-              <a:rPr lang="en-US" dirty="0" smtClean="0"/>
-              <a:t>Queue:</a:t>
-            </a:r>
-            <a:endParaRPr lang="en-US" dirty="0"/>
-          </a:p>
-          <a:p>
-            <a:pPr lvl="1"/>
-            <a:r>
-              <a:rPr lang="en-US" dirty="0"/>
-              <a:t>Depth limits</a:t>
-            </a:r>
-          </a:p>
-          <a:p>
-            <a:pPr lvl="1"/>
-            <a:r>
-              <a:rPr lang="en-US" dirty="0"/>
-              <a:t>Priority queues: high priority message</a:t>
-            </a:r>
-          </a:p>
-          <a:p>
-            <a:endParaRPr lang="en-US" dirty="0" smtClean="0"/>
-          </a:p>
-          <a:p>
-            <a:endParaRPr lang="en-US" dirty="0"/>
+              <a:rPr lang="en-US" sz="8000" dirty="0" smtClean="0"/>
+              <a:t>Q/A</a:t>
+            </a:r>
+            <a:endParaRPr lang="en-US" sz="8000" dirty="0"/>
           </a:p>
         </p:txBody>
       </p:sp>
     </p:spTree>
     <p:extLst>
       <p:ext uri="{BB962C8B-B14F-4D97-AF65-F5344CB8AC3E}">
-        <p14:creationId xmlns:p14="http://schemas.microsoft.com/office/powerpoint/2010/main" val="4122487529"/>
+        <p14:creationId xmlns:p14="http://schemas.microsoft.com/office/powerpoint/2010/main" val="946314006"/>
       </p:ext>
     </p:extLst>
   </p:cSld>
@@ -11272,6 +11718,701 @@
 </file>
 
 <file path=ppt/slides/slide30.xml><?xml version="1.0" encoding="utf-8"?>
+<p:sld xmlns:a="http://schemas.openxmlformats.org/drawingml/2006/main" xmlns:r="http://schemas.openxmlformats.org/officeDocument/2006/relationships" xmlns:p="http://schemas.openxmlformats.org/presentationml/2006/main">
+  <p:cSld>
+    <p:spTree>
+      <p:nvGrpSpPr>
+        <p:cNvPr id="1" name=""/>
+        <p:cNvGrpSpPr/>
+        <p:nvPr/>
+      </p:nvGrpSpPr>
+      <p:grpSpPr>
+        <a:xfrm>
+          <a:off x="0" y="0"/>
+          <a:ext cx="0" cy="0"/>
+          <a:chOff x="0" y="0"/>
+          <a:chExt cx="0" cy="0"/>
+        </a:xfrm>
+      </p:grpSpPr>
+      <p:sp>
+        <p:nvSpPr>
+          <p:cNvPr id="3" name="Content Placeholder 2"/>
+          <p:cNvSpPr>
+            <a:spLocks noGrp="1"/>
+          </p:cNvSpPr>
+          <p:nvPr>
+            <p:ph idx="1"/>
+          </p:nvPr>
+        </p:nvSpPr>
+        <p:spPr>
+          <a:xfrm>
+            <a:off x="838200" y="1025525"/>
+            <a:ext cx="10515600" cy="4351338"/>
+          </a:xfrm>
+        </p:spPr>
+        <p:txBody>
+          <a:bodyPr anchor="ctr"/>
+          <a:lstStyle/>
+          <a:p>
+            <a:pPr marL="0" indent="0" algn="ctr">
+              <a:buNone/>
+            </a:pPr>
+            <a:r>
+              <a:rPr lang="en-US" sz="7200" dirty="0" smtClean="0"/>
+              <a:t>CODING</a:t>
+            </a:r>
+            <a:endParaRPr lang="en-US" sz="7200" dirty="0"/>
+          </a:p>
+        </p:txBody>
+      </p:sp>
+    </p:spTree>
+    <p:extLst>
+      <p:ext uri="{BB962C8B-B14F-4D97-AF65-F5344CB8AC3E}">
+        <p14:creationId xmlns:p14="http://schemas.microsoft.com/office/powerpoint/2010/main" val="364976418"/>
+      </p:ext>
+    </p:extLst>
+  </p:cSld>
+  <p:clrMapOvr>
+    <a:masterClrMapping/>
+  </p:clrMapOvr>
+  <p:timing>
+    <p:tnLst>
+      <p:par>
+        <p:cTn id="1" dur="indefinite" restart="never" nodeType="tmRoot"/>
+      </p:par>
+    </p:tnLst>
+  </p:timing>
+</p:sld>
+</file>
+
+<file path=ppt/slides/slide31.xml><?xml version="1.0" encoding="utf-8"?>
+<p:sld xmlns:a="http://schemas.openxmlformats.org/drawingml/2006/main" xmlns:r="http://schemas.openxmlformats.org/officeDocument/2006/relationships" xmlns:p="http://schemas.openxmlformats.org/presentationml/2006/main">
+  <p:cSld>
+    <p:spTree>
+      <p:nvGrpSpPr>
+        <p:cNvPr id="1" name=""/>
+        <p:cNvGrpSpPr/>
+        <p:nvPr/>
+      </p:nvGrpSpPr>
+      <p:grpSpPr>
+        <a:xfrm>
+          <a:off x="0" y="0"/>
+          <a:ext cx="0" cy="0"/>
+          <a:chOff x="0" y="0"/>
+          <a:chExt cx="0" cy="0"/>
+        </a:xfrm>
+      </p:grpSpPr>
+      <p:sp>
+        <p:nvSpPr>
+          <p:cNvPr id="2" name="Title 1"/>
+          <p:cNvSpPr>
+            <a:spLocks noGrp="1"/>
+          </p:cNvSpPr>
+          <p:nvPr>
+            <p:ph type="title"/>
+          </p:nvPr>
+        </p:nvSpPr>
+        <p:spPr/>
+        <p:txBody>
+          <a:bodyPr/>
+          <a:lstStyle/>
+          <a:p>
+            <a:r>
+              <a:rPr lang="en-US" dirty="0" smtClean="0"/>
+              <a:t>Docker and </a:t>
+            </a:r>
+            <a:r>
+              <a:rPr lang="en-US" dirty="0" err="1" smtClean="0"/>
+              <a:t>RabbitMQ</a:t>
+            </a:r>
+            <a:r>
+              <a:rPr lang="en-US" dirty="0" smtClean="0"/>
+              <a:t> Setup</a:t>
+            </a:r>
+            <a:endParaRPr lang="en-US" dirty="0"/>
+          </a:p>
+        </p:txBody>
+      </p:sp>
+      <p:sp>
+        <p:nvSpPr>
+          <p:cNvPr id="3" name="Content Placeholder 2"/>
+          <p:cNvSpPr>
+            <a:spLocks noGrp="1"/>
+          </p:cNvSpPr>
+          <p:nvPr>
+            <p:ph idx="1"/>
+          </p:nvPr>
+        </p:nvSpPr>
+        <p:spPr/>
+        <p:txBody>
+          <a:bodyPr/>
+          <a:lstStyle/>
+          <a:p>
+            <a:r>
+              <a:rPr lang="en-US" dirty="0" smtClean="0"/>
+              <a:t>Docker: </a:t>
+            </a:r>
+          </a:p>
+          <a:p>
+            <a:pPr lvl="1"/>
+            <a:r>
+              <a:rPr lang="en-US" dirty="0">
+                <a:hlinkClick r:id="rId2"/>
+              </a:rPr>
+              <a:t>https://</a:t>
+            </a:r>
+            <a:r>
+              <a:rPr lang="en-US" dirty="0" smtClean="0">
+                <a:hlinkClick r:id="rId2"/>
+              </a:rPr>
+              <a:t>www.docker.com/products/docker-desktop</a:t>
+            </a:r>
+            <a:endParaRPr lang="en-US" dirty="0" smtClean="0"/>
+          </a:p>
+          <a:p>
+            <a:pPr lvl="1"/>
+            <a:r>
+              <a:rPr lang="en-US" dirty="0">
+                <a:hlinkClick r:id="rId3"/>
+              </a:rPr>
+              <a:t>https://hub.docker.com/_/</a:t>
+            </a:r>
+            <a:r>
+              <a:rPr lang="en-US" dirty="0" smtClean="0">
+                <a:hlinkClick r:id="rId3"/>
+              </a:rPr>
+              <a:t>rabbitmq</a:t>
+            </a:r>
+            <a:endParaRPr lang="en-US" dirty="0" smtClean="0"/>
+          </a:p>
+          <a:p>
+            <a:r>
+              <a:rPr lang="en-US" dirty="0" smtClean="0"/>
+              <a:t>Visual Studio Code</a:t>
+            </a:r>
+          </a:p>
+          <a:p>
+            <a:pPr lvl="1"/>
+            <a:r>
+              <a:rPr lang="en-US" dirty="0">
+                <a:hlinkClick r:id="rId4"/>
+              </a:rPr>
+              <a:t>https://code.visualstudio.com</a:t>
+            </a:r>
+            <a:r>
+              <a:rPr lang="en-US" dirty="0" smtClean="0">
+                <a:hlinkClick r:id="rId4"/>
+              </a:rPr>
+              <a:t>/</a:t>
+            </a:r>
+            <a:endParaRPr lang="en-US" dirty="0" smtClean="0"/>
+          </a:p>
+          <a:p>
+            <a:endParaRPr lang="en-US" dirty="0"/>
+          </a:p>
+          <a:p>
+            <a:r>
+              <a:rPr lang="en-US" dirty="0" smtClean="0"/>
+              <a:t>Docker-</a:t>
+            </a:r>
+            <a:r>
+              <a:rPr lang="en-US" dirty="0" err="1" smtClean="0"/>
+              <a:t>compose.yml</a:t>
+            </a:r>
+            <a:endParaRPr lang="en-US" dirty="0" smtClean="0"/>
+          </a:p>
+          <a:p>
+            <a:pPr lvl="1"/>
+            <a:r>
+              <a:rPr lang="en-US" dirty="0" smtClean="0"/>
+              <a:t>Combined service</a:t>
+            </a:r>
+          </a:p>
+        </p:txBody>
+      </p:sp>
+    </p:spTree>
+    <p:extLst>
+      <p:ext uri="{BB962C8B-B14F-4D97-AF65-F5344CB8AC3E}">
+        <p14:creationId xmlns:p14="http://schemas.microsoft.com/office/powerpoint/2010/main" val="2089456189"/>
+      </p:ext>
+    </p:extLst>
+  </p:cSld>
+  <p:clrMapOvr>
+    <a:masterClrMapping/>
+  </p:clrMapOvr>
+  <p:timing>
+    <p:tnLst>
+      <p:par>
+        <p:cTn id="1" dur="indefinite" restart="never" nodeType="tmRoot"/>
+      </p:par>
+    </p:tnLst>
+  </p:timing>
+</p:sld>
+</file>
+
+<file path=ppt/slides/slide32.xml><?xml version="1.0" encoding="utf-8"?>
+<p:sld xmlns:a="http://schemas.openxmlformats.org/drawingml/2006/main" xmlns:r="http://schemas.openxmlformats.org/officeDocument/2006/relationships" xmlns:p="http://schemas.openxmlformats.org/presentationml/2006/main">
+  <p:cSld>
+    <p:spTree>
+      <p:nvGrpSpPr>
+        <p:cNvPr id="1" name=""/>
+        <p:cNvGrpSpPr/>
+        <p:nvPr/>
+      </p:nvGrpSpPr>
+      <p:grpSpPr>
+        <a:xfrm>
+          <a:off x="0" y="0"/>
+          <a:ext cx="0" cy="0"/>
+          <a:chOff x="0" y="0"/>
+          <a:chExt cx="0" cy="0"/>
+        </a:xfrm>
+      </p:grpSpPr>
+      <p:sp>
+        <p:nvSpPr>
+          <p:cNvPr id="2" name="Title 1"/>
+          <p:cNvSpPr>
+            <a:spLocks noGrp="1"/>
+          </p:cNvSpPr>
+          <p:nvPr>
+            <p:ph type="title"/>
+          </p:nvPr>
+        </p:nvSpPr>
+        <p:spPr/>
+        <p:txBody>
+          <a:bodyPr/>
+          <a:lstStyle/>
+          <a:p>
+            <a:r>
+              <a:rPr lang="en-US" dirty="0" smtClean="0"/>
+              <a:t>Coding Example 1</a:t>
+            </a:r>
+            <a:endParaRPr lang="en-US" dirty="0"/>
+          </a:p>
+        </p:txBody>
+      </p:sp>
+      <p:sp>
+        <p:nvSpPr>
+          <p:cNvPr id="3" name="Content Placeholder 2"/>
+          <p:cNvSpPr>
+            <a:spLocks noGrp="1"/>
+          </p:cNvSpPr>
+          <p:nvPr>
+            <p:ph idx="1"/>
+          </p:nvPr>
+        </p:nvSpPr>
+        <p:spPr/>
+        <p:txBody>
+          <a:bodyPr/>
+          <a:lstStyle/>
+          <a:p>
+            <a:endParaRPr lang="en-US" dirty="0"/>
+          </a:p>
+        </p:txBody>
+      </p:sp>
+    </p:spTree>
+    <p:extLst>
+      <p:ext uri="{BB962C8B-B14F-4D97-AF65-F5344CB8AC3E}">
+        <p14:creationId xmlns:p14="http://schemas.microsoft.com/office/powerpoint/2010/main" val="3271044931"/>
+      </p:ext>
+    </p:extLst>
+  </p:cSld>
+  <p:clrMapOvr>
+    <a:masterClrMapping/>
+  </p:clrMapOvr>
+  <p:timing>
+    <p:tnLst>
+      <p:par>
+        <p:cTn id="1" dur="indefinite" restart="never" nodeType="tmRoot"/>
+      </p:par>
+    </p:tnLst>
+  </p:timing>
+</p:sld>
+</file>
+
+<file path=ppt/slides/slide33.xml><?xml version="1.0" encoding="utf-8"?>
+<p:sld xmlns:a="http://schemas.openxmlformats.org/drawingml/2006/main" xmlns:r="http://schemas.openxmlformats.org/officeDocument/2006/relationships" xmlns:p="http://schemas.openxmlformats.org/presentationml/2006/main">
+  <p:cSld>
+    <p:spTree>
+      <p:nvGrpSpPr>
+        <p:cNvPr id="1" name=""/>
+        <p:cNvGrpSpPr/>
+        <p:nvPr/>
+      </p:nvGrpSpPr>
+      <p:grpSpPr>
+        <a:xfrm>
+          <a:off x="0" y="0"/>
+          <a:ext cx="0" cy="0"/>
+          <a:chOff x="0" y="0"/>
+          <a:chExt cx="0" cy="0"/>
+        </a:xfrm>
+      </p:grpSpPr>
+      <p:sp>
+        <p:nvSpPr>
+          <p:cNvPr id="2" name="Title 1"/>
+          <p:cNvSpPr>
+            <a:spLocks noGrp="1"/>
+          </p:cNvSpPr>
+          <p:nvPr>
+            <p:ph type="title"/>
+          </p:nvPr>
+        </p:nvSpPr>
+        <p:spPr/>
+        <p:txBody>
+          <a:bodyPr/>
+          <a:lstStyle/>
+          <a:p>
+            <a:r>
+              <a:rPr lang="en-US" dirty="0" smtClean="0"/>
+              <a:t>Management Console</a:t>
+            </a:r>
+            <a:endParaRPr lang="en-US" dirty="0"/>
+          </a:p>
+        </p:txBody>
+      </p:sp>
+      <p:sp>
+        <p:nvSpPr>
+          <p:cNvPr id="3" name="Content Placeholder 2"/>
+          <p:cNvSpPr>
+            <a:spLocks noGrp="1"/>
+          </p:cNvSpPr>
+          <p:nvPr>
+            <p:ph idx="1"/>
+          </p:nvPr>
+        </p:nvSpPr>
+        <p:spPr/>
+        <p:txBody>
+          <a:bodyPr/>
+          <a:lstStyle/>
+          <a:p>
+            <a:endParaRPr lang="en-US"/>
+          </a:p>
+        </p:txBody>
+      </p:sp>
+    </p:spTree>
+    <p:extLst>
+      <p:ext uri="{BB962C8B-B14F-4D97-AF65-F5344CB8AC3E}">
+        <p14:creationId xmlns:p14="http://schemas.microsoft.com/office/powerpoint/2010/main" val="3345745992"/>
+      </p:ext>
+    </p:extLst>
+  </p:cSld>
+  <p:clrMapOvr>
+    <a:masterClrMapping/>
+  </p:clrMapOvr>
+  <p:timing>
+    <p:tnLst>
+      <p:par>
+        <p:cTn id="1" dur="indefinite" restart="never" nodeType="tmRoot"/>
+      </p:par>
+    </p:tnLst>
+  </p:timing>
+</p:sld>
+</file>
+
+<file path=ppt/slides/slide34.xml><?xml version="1.0" encoding="utf-8"?>
+<p:sld xmlns:a="http://schemas.openxmlformats.org/drawingml/2006/main" xmlns:r="http://schemas.openxmlformats.org/officeDocument/2006/relationships" xmlns:p="http://schemas.openxmlformats.org/presentationml/2006/main">
+  <p:cSld>
+    <p:spTree>
+      <p:nvGrpSpPr>
+        <p:cNvPr id="1" name=""/>
+        <p:cNvGrpSpPr/>
+        <p:nvPr/>
+      </p:nvGrpSpPr>
+      <p:grpSpPr>
+        <a:xfrm>
+          <a:off x="0" y="0"/>
+          <a:ext cx="0" cy="0"/>
+          <a:chOff x="0" y="0"/>
+          <a:chExt cx="0" cy="0"/>
+        </a:xfrm>
+      </p:grpSpPr>
+      <p:sp>
+        <p:nvSpPr>
+          <p:cNvPr id="2" name="Title 1"/>
+          <p:cNvSpPr>
+            <a:spLocks noGrp="1"/>
+          </p:cNvSpPr>
+          <p:nvPr>
+            <p:ph type="title"/>
+          </p:nvPr>
+        </p:nvSpPr>
+        <p:spPr/>
+        <p:txBody>
+          <a:bodyPr/>
+          <a:lstStyle/>
+          <a:p>
+            <a:r>
+              <a:rPr lang="en-US" dirty="0" smtClean="0"/>
+              <a:t>Coding Example 2</a:t>
+            </a:r>
+            <a:endParaRPr lang="en-US" dirty="0"/>
+          </a:p>
+        </p:txBody>
+      </p:sp>
+      <p:sp>
+        <p:nvSpPr>
+          <p:cNvPr id="3" name="Content Placeholder 2"/>
+          <p:cNvSpPr>
+            <a:spLocks noGrp="1"/>
+          </p:cNvSpPr>
+          <p:nvPr>
+            <p:ph idx="1"/>
+          </p:nvPr>
+        </p:nvSpPr>
+        <p:spPr/>
+        <p:txBody>
+          <a:bodyPr/>
+          <a:lstStyle/>
+          <a:p>
+            <a:endParaRPr lang="en-US"/>
+          </a:p>
+        </p:txBody>
+      </p:sp>
+    </p:spTree>
+    <p:extLst>
+      <p:ext uri="{BB962C8B-B14F-4D97-AF65-F5344CB8AC3E}">
+        <p14:creationId xmlns:p14="http://schemas.microsoft.com/office/powerpoint/2010/main" val="4165332422"/>
+      </p:ext>
+    </p:extLst>
+  </p:cSld>
+  <p:clrMapOvr>
+    <a:masterClrMapping/>
+  </p:clrMapOvr>
+  <p:timing>
+    <p:tnLst>
+      <p:par>
+        <p:cTn id="1" dur="indefinite" restart="never" nodeType="tmRoot"/>
+      </p:par>
+    </p:tnLst>
+  </p:timing>
+</p:sld>
+</file>
+
+<file path=ppt/slides/slide35.xml><?xml version="1.0" encoding="utf-8"?>
+<p:sld xmlns:a="http://schemas.openxmlformats.org/drawingml/2006/main" xmlns:r="http://schemas.openxmlformats.org/officeDocument/2006/relationships" xmlns:p="http://schemas.openxmlformats.org/presentationml/2006/main">
+  <p:cSld>
+    <p:spTree>
+      <p:nvGrpSpPr>
+        <p:cNvPr id="1" name=""/>
+        <p:cNvGrpSpPr/>
+        <p:nvPr/>
+      </p:nvGrpSpPr>
+      <p:grpSpPr>
+        <a:xfrm>
+          <a:off x="0" y="0"/>
+          <a:ext cx="0" cy="0"/>
+          <a:chOff x="0" y="0"/>
+          <a:chExt cx="0" cy="0"/>
+        </a:xfrm>
+      </p:grpSpPr>
+      <p:sp>
+        <p:nvSpPr>
+          <p:cNvPr id="2" name="Title 1"/>
+          <p:cNvSpPr>
+            <a:spLocks noGrp="1"/>
+          </p:cNvSpPr>
+          <p:nvPr>
+            <p:ph type="title"/>
+          </p:nvPr>
+        </p:nvSpPr>
+        <p:spPr/>
+        <p:txBody>
+          <a:bodyPr/>
+          <a:lstStyle/>
+          <a:p>
+            <a:r>
+              <a:rPr lang="en-US" dirty="0" smtClean="0"/>
+              <a:t>Coding Example 3</a:t>
+            </a:r>
+            <a:endParaRPr lang="en-US" dirty="0"/>
+          </a:p>
+        </p:txBody>
+      </p:sp>
+      <p:sp>
+        <p:nvSpPr>
+          <p:cNvPr id="3" name="Content Placeholder 2"/>
+          <p:cNvSpPr>
+            <a:spLocks noGrp="1"/>
+          </p:cNvSpPr>
+          <p:nvPr>
+            <p:ph idx="1"/>
+          </p:nvPr>
+        </p:nvSpPr>
+        <p:spPr/>
+        <p:txBody>
+          <a:bodyPr/>
+          <a:lstStyle/>
+          <a:p>
+            <a:endParaRPr lang="en-US"/>
+          </a:p>
+        </p:txBody>
+      </p:sp>
+    </p:spTree>
+    <p:extLst>
+      <p:ext uri="{BB962C8B-B14F-4D97-AF65-F5344CB8AC3E}">
+        <p14:creationId xmlns:p14="http://schemas.microsoft.com/office/powerpoint/2010/main" val="2069127843"/>
+      </p:ext>
+    </p:extLst>
+  </p:cSld>
+  <p:clrMapOvr>
+    <a:masterClrMapping/>
+  </p:clrMapOvr>
+  <p:timing>
+    <p:tnLst>
+      <p:par>
+        <p:cTn id="1" dur="indefinite" restart="never" nodeType="tmRoot"/>
+      </p:par>
+    </p:tnLst>
+  </p:timing>
+</p:sld>
+</file>
+
+<file path=ppt/slides/slide36.xml><?xml version="1.0" encoding="utf-8"?>
+<p:sld xmlns:a="http://schemas.openxmlformats.org/drawingml/2006/main" xmlns:r="http://schemas.openxmlformats.org/officeDocument/2006/relationships" xmlns:p="http://schemas.openxmlformats.org/presentationml/2006/main">
+  <p:cSld>
+    <p:spTree>
+      <p:nvGrpSpPr>
+        <p:cNvPr id="1" name=""/>
+        <p:cNvGrpSpPr/>
+        <p:nvPr/>
+      </p:nvGrpSpPr>
+      <p:grpSpPr>
+        <a:xfrm>
+          <a:off x="0" y="0"/>
+          <a:ext cx="0" cy="0"/>
+          <a:chOff x="0" y="0"/>
+          <a:chExt cx="0" cy="0"/>
+        </a:xfrm>
+      </p:grpSpPr>
+      <p:sp>
+        <p:nvSpPr>
+          <p:cNvPr id="2" name="Title 1"/>
+          <p:cNvSpPr>
+            <a:spLocks noGrp="1"/>
+          </p:cNvSpPr>
+          <p:nvPr>
+            <p:ph type="title"/>
+          </p:nvPr>
+        </p:nvSpPr>
+        <p:spPr/>
+        <p:txBody>
+          <a:bodyPr/>
+          <a:lstStyle/>
+          <a:p>
+            <a:r>
+              <a:rPr lang="en-US" dirty="0" smtClean="0"/>
+              <a:t>Configuring </a:t>
+            </a:r>
+            <a:r>
+              <a:rPr lang="en-US" dirty="0" err="1" smtClean="0"/>
+              <a:t>Rabbitmq</a:t>
+            </a:r>
+            <a:endParaRPr lang="en-US" dirty="0"/>
+          </a:p>
+        </p:txBody>
+      </p:sp>
+      <p:sp>
+        <p:nvSpPr>
+          <p:cNvPr id="3" name="Content Placeholder 2"/>
+          <p:cNvSpPr>
+            <a:spLocks noGrp="1"/>
+          </p:cNvSpPr>
+          <p:nvPr>
+            <p:ph idx="1"/>
+          </p:nvPr>
+        </p:nvSpPr>
+        <p:spPr/>
+        <p:txBody>
+          <a:bodyPr/>
+          <a:lstStyle/>
+          <a:p>
+            <a:r>
+              <a:rPr lang="en-US" dirty="0" err="1" smtClean="0"/>
+              <a:t>Vhost</a:t>
+            </a:r>
+            <a:r>
+              <a:rPr lang="en-US" dirty="0" smtClean="0"/>
+              <a:t> – contain exchanges and queues</a:t>
+            </a:r>
+          </a:p>
+          <a:p>
+            <a:r>
+              <a:rPr lang="en-US" dirty="0" smtClean="0"/>
+              <a:t>Reliability / failure</a:t>
+            </a:r>
+          </a:p>
+          <a:p>
+            <a:r>
+              <a:rPr lang="en-US" dirty="0" err="1" smtClean="0"/>
+              <a:t>Prefetch</a:t>
+            </a:r>
+            <a:r>
+              <a:rPr lang="en-US" dirty="0" smtClean="0"/>
+              <a:t> – number of messages consumer can take at once</a:t>
+            </a:r>
+          </a:p>
+          <a:p>
+            <a:r>
+              <a:rPr lang="en-US" dirty="0" smtClean="0"/>
+              <a:t>One connection, many channels</a:t>
+            </a:r>
+          </a:p>
+          <a:p>
+            <a:pPr lvl="1"/>
+            <a:r>
+              <a:rPr lang="en-US" dirty="0" smtClean="0"/>
+              <a:t>Connections take up a TCP/IP port</a:t>
+            </a:r>
+          </a:p>
+          <a:p>
+            <a:r>
+              <a:rPr lang="en-US" dirty="0" smtClean="0"/>
+              <a:t>Queue:</a:t>
+            </a:r>
+            <a:endParaRPr lang="en-US" dirty="0"/>
+          </a:p>
+          <a:p>
+            <a:pPr lvl="1"/>
+            <a:r>
+              <a:rPr lang="en-US" dirty="0"/>
+              <a:t>Depth limits</a:t>
+            </a:r>
+          </a:p>
+          <a:p>
+            <a:pPr lvl="1"/>
+            <a:r>
+              <a:rPr lang="en-US" dirty="0"/>
+              <a:t>Priority queues: high priority message</a:t>
+            </a:r>
+          </a:p>
+          <a:p>
+            <a:endParaRPr lang="en-US" dirty="0" smtClean="0"/>
+          </a:p>
+          <a:p>
+            <a:endParaRPr lang="en-US" dirty="0"/>
+          </a:p>
+        </p:txBody>
+      </p:sp>
+    </p:spTree>
+    <p:extLst>
+      <p:ext uri="{BB962C8B-B14F-4D97-AF65-F5344CB8AC3E}">
+        <p14:creationId xmlns:p14="http://schemas.microsoft.com/office/powerpoint/2010/main" val="4122487529"/>
+      </p:ext>
+    </p:extLst>
+  </p:cSld>
+  <p:clrMapOvr>
+    <a:masterClrMapping/>
+  </p:clrMapOvr>
+  <p:timing>
+    <p:tnLst>
+      <p:par>
+        <p:cTn id="1" dur="indefinite" restart="never" nodeType="tmRoot"/>
+      </p:par>
+    </p:tnLst>
+  </p:timing>
+</p:sld>
+</file>
+
+<file path=ppt/slides/slide37.xml><?xml version="1.0" encoding="utf-8"?>
 <p:sld xmlns:a="http://schemas.openxmlformats.org/drawingml/2006/main" xmlns:r="http://schemas.openxmlformats.org/officeDocument/2006/relationships" xmlns:p="http://schemas.openxmlformats.org/presentationml/2006/main">
   <p:cSld>
     <p:spTree>

--- a/Rabbitmq lecture.pptx
+++ b/Rabbitmq lecture.pptx
@@ -5,7 +5,7 @@
     <p:sldMasterId id="2147483702" r:id="rId1"/>
   </p:sldMasterIdLst>
   <p:notesMasterIdLst>
-    <p:notesMasterId r:id="rId39"/>
+    <p:notesMasterId r:id="rId43"/>
   </p:notesMasterIdLst>
   <p:sldIdLst>
     <p:sldId id="256" r:id="rId2"/>
@@ -20,8 +20,8 @@
     <p:sldId id="284" r:id="rId11"/>
     <p:sldId id="289" r:id="rId12"/>
     <p:sldId id="297" r:id="rId13"/>
-    <p:sldId id="273" r:id="rId14"/>
-    <p:sldId id="294" r:id="rId15"/>
+    <p:sldId id="294" r:id="rId14"/>
+    <p:sldId id="273" r:id="rId15"/>
     <p:sldId id="293" r:id="rId16"/>
     <p:sldId id="295" r:id="rId17"/>
     <p:sldId id="274" r:id="rId18"/>
@@ -32,19 +32,23 @@
     <p:sldId id="298" r:id="rId23"/>
     <p:sldId id="299" r:id="rId24"/>
     <p:sldId id="292" r:id="rId25"/>
-    <p:sldId id="286" r:id="rId26"/>
-    <p:sldId id="278" r:id="rId27"/>
-    <p:sldId id="279" r:id="rId28"/>
-    <p:sldId id="276" r:id="rId29"/>
-    <p:sldId id="280" r:id="rId30"/>
-    <p:sldId id="277" r:id="rId31"/>
-    <p:sldId id="264" r:id="rId32"/>
-    <p:sldId id="266" r:id="rId33"/>
-    <p:sldId id="285" r:id="rId34"/>
-    <p:sldId id="267" r:id="rId35"/>
-    <p:sldId id="268" r:id="rId36"/>
-    <p:sldId id="272" r:id="rId37"/>
-    <p:sldId id="271" r:id="rId38"/>
+    <p:sldId id="304" r:id="rId26"/>
+    <p:sldId id="286" r:id="rId27"/>
+    <p:sldId id="278" r:id="rId28"/>
+    <p:sldId id="279" r:id="rId29"/>
+    <p:sldId id="300" r:id="rId30"/>
+    <p:sldId id="301" r:id="rId31"/>
+    <p:sldId id="302" r:id="rId32"/>
+    <p:sldId id="303" r:id="rId33"/>
+    <p:sldId id="276" r:id="rId34"/>
+    <p:sldId id="280" r:id="rId35"/>
+    <p:sldId id="277" r:id="rId36"/>
+    <p:sldId id="264" r:id="rId37"/>
+    <p:sldId id="266" r:id="rId38"/>
+    <p:sldId id="285" r:id="rId39"/>
+    <p:sldId id="267" r:id="rId40"/>
+    <p:sldId id="268" r:id="rId41"/>
+    <p:sldId id="272" r:id="rId42"/>
   </p:sldIdLst>
   <p:sldSz cx="12192000" cy="6858000"/>
   <p:notesSz cx="6858000" cy="9144000"/>
@@ -551,21 +555,7 @@
             </a:pPr>
             <a:r>
               <a:rPr lang="en-US" dirty="0" smtClean="0"/>
-              <a:t>Why are we having this conversation</a:t>
-            </a:r>
-            <a:r>
-              <a:rPr lang="en-US" baseline="0" dirty="0" smtClean="0"/>
-              <a:t> in the first place</a:t>
-            </a:r>
-          </a:p>
-          <a:p>
-            <a:pPr marL="171450" indent="-171450">
-              <a:buFontTx/>
-              <a:buChar char="-"/>
-            </a:pPr>
-            <a:r>
-              <a:rPr lang="en-US" baseline="0" dirty="0" smtClean="0"/>
-              <a:t>The existing architecture is somewhat messy</a:t>
+              <a:t>Disclaimer</a:t>
             </a:r>
           </a:p>
           <a:p>
@@ -574,8 +564,12 @@
               <a:buChar char="-"/>
             </a:pPr>
             <a:r>
+              <a:rPr lang="en-US" dirty="0" smtClean="0"/>
+              <a:t>About</a:t>
+            </a:r>
+            <a:r>
               <a:rPr lang="en-US" baseline="0" dirty="0" smtClean="0"/>
-              <a:t>Pre-defined connection points </a:t>
+              <a:t> 1 month experience</a:t>
             </a:r>
           </a:p>
           <a:p>
@@ -584,8 +578,8 @@
               <a:buChar char="-"/>
             </a:pPr>
             <a:r>
-              <a:rPr lang="en-US" baseline="0" dirty="0" smtClean="0"/>
-              <a:t>Memorize who talks to what </a:t>
+              <a:rPr lang="en-US" dirty="0" smtClean="0"/>
+              <a:t>Using AMPQ (default) instead of MQTT or STOMP</a:t>
             </a:r>
           </a:p>
           <a:p>
@@ -594,56 +588,12 @@
               <a:buChar char="-"/>
             </a:pPr>
             <a:r>
+              <a:rPr lang="en-US" dirty="0" smtClean="0"/>
+              <a:t>General</a:t>
+            </a:r>
+            <a:r>
               <a:rPr lang="en-US" baseline="0" dirty="0" smtClean="0"/>
-              <a:t>Debugging nightmare</a:t>
-            </a:r>
-          </a:p>
-          <a:p>
-            <a:pPr marL="171450" indent="-171450">
-              <a:buFontTx/>
-              <a:buChar char="-"/>
-            </a:pPr>
-            <a:r>
-              <a:rPr lang="en-US" baseline="0" dirty="0" smtClean="0"/>
-              <a:t>What we want to do is have a standard for communication between applications that:</a:t>
-            </a:r>
-          </a:p>
-          <a:p>
-            <a:pPr marL="628650" lvl="1" indent="-171450">
-              <a:buFontTx/>
-              <a:buChar char="-"/>
-            </a:pPr>
-            <a:r>
-              <a:rPr lang="en-US" baseline="0" dirty="0" smtClean="0"/>
-              <a:t>provides flexibility in our in-store system</a:t>
-            </a:r>
-          </a:p>
-          <a:p>
-            <a:pPr marL="628650" lvl="1" indent="-171450">
-              <a:buFontTx/>
-              <a:buChar char="-"/>
-            </a:pPr>
-            <a:r>
-              <a:rPr lang="en-US" baseline="0" dirty="0" smtClean="0"/>
-              <a:t>improves app visibility and control </a:t>
-            </a:r>
-          </a:p>
-          <a:p>
-            <a:pPr marL="1085850" lvl="2" indent="-171450">
-              <a:buFontTx/>
-              <a:buChar char="-"/>
-            </a:pPr>
-            <a:r>
-              <a:rPr lang="en-US" baseline="0" dirty="0" smtClean="0"/>
-              <a:t>[identify who sent message, where it goes, make any changes to message, </a:t>
-            </a:r>
-            <a:r>
-              <a:rPr lang="en-US" baseline="0" dirty="0" err="1" smtClean="0"/>
-              <a:t>etc</a:t>
-            </a:r>
-            <a:r>
-              <a:rPr lang="en-US" baseline="0" dirty="0" smtClean="0"/>
-              <a:t>]</a:t>
+              <a:t> overview, some things skimmed over or some obvious </a:t>
             </a:r>
             <a:endParaRPr lang="en-US" dirty="0"/>
           </a:p>
@@ -666,7 +616,7 @@
           <a:p>
             <a:fld id="{5206DCD0-0D67-4BF5-951B-363C0E1A0885}" type="slidenum">
               <a:rPr lang="en-US" smtClean="0"/>
-              <a:t>4</a:t>
+              <a:t>1</a:t>
             </a:fld>
             <a:endParaRPr lang="en-US"/>
           </a:p>
@@ -675,7 +625,7 @@
     </p:spTree>
     <p:extLst>
       <p:ext uri="{BB962C8B-B14F-4D97-AF65-F5344CB8AC3E}">
-        <p14:creationId xmlns:p14="http://schemas.microsoft.com/office/powerpoint/2010/main" val="3711007618"/>
+        <p14:creationId xmlns:p14="http://schemas.microsoft.com/office/powerpoint/2010/main" val="2679360601"/>
       </p:ext>
     </p:extLst>
   </p:cSld>
@@ -735,7 +685,11 @@
             </a:pPr>
             <a:r>
               <a:rPr lang="en-US" dirty="0" smtClean="0"/>
-              <a:t>True to its name, it is queue as a data structure</a:t>
+              <a:t>Queue has to be bound to an</a:t>
+            </a:r>
+            <a:r>
+              <a:rPr lang="en-US" baseline="0" dirty="0" smtClean="0"/>
+              <a:t> exchange </a:t>
             </a:r>
           </a:p>
           <a:p>
@@ -745,24 +699,19 @@
             </a:pPr>
             <a:r>
               <a:rPr lang="en-US" baseline="0" dirty="0" smtClean="0"/>
-              <a:t>Once consume a message in queue, it is </a:t>
-            </a:r>
-            <a:r>
-              <a:rPr lang="en-US" baseline="0" dirty="0" err="1" smtClean="0"/>
-              <a:t>ack</a:t>
-            </a:r>
-            <a:r>
-              <a:rPr lang="en-US" baseline="0" dirty="0" smtClean="0"/>
-              <a:t> and is removed from queue</a:t>
-            </a:r>
-            <a:endParaRPr lang="en-US" baseline="0" dirty="0"/>
+              <a:t>has binding key if direct</a:t>
+            </a:r>
           </a:p>
           <a:p>
             <a:pPr marL="628650" lvl="1" indent="-171450">
               <a:buFontTx/>
               <a:buChar char="-"/>
             </a:pPr>
-            <a:endParaRPr lang="en-US" baseline="0" dirty="0" smtClean="0"/>
+            <a:r>
+              <a:rPr lang="en-US" baseline="0" dirty="0" smtClean="0"/>
+              <a:t>Has binding pattern if topics</a:t>
+            </a:r>
+            <a:endParaRPr lang="en-US" dirty="0"/>
           </a:p>
         </p:txBody>
       </p:sp>
@@ -783,7 +732,7 @@
           <a:p>
             <a:fld id="{5206DCD0-0D67-4BF5-951B-363C0E1A0885}" type="slidenum">
               <a:rPr lang="en-US" smtClean="0"/>
-              <a:t>22</a:t>
+              <a:t>21</a:t>
             </a:fld>
             <a:endParaRPr lang="en-US"/>
           </a:p>
@@ -792,7 +741,7 @@
     </p:spTree>
     <p:extLst>
       <p:ext uri="{BB962C8B-B14F-4D97-AF65-F5344CB8AC3E}">
-        <p14:creationId xmlns:p14="http://schemas.microsoft.com/office/powerpoint/2010/main" val="866921332"/>
+        <p14:creationId xmlns:p14="http://schemas.microsoft.com/office/powerpoint/2010/main" val="3492285254"/>
       </p:ext>
     </p:extLst>
   </p:cSld>
@@ -852,11 +801,7 @@
             </a:pPr>
             <a:r>
               <a:rPr lang="en-US" dirty="0" smtClean="0"/>
-              <a:t>Queue has to be bound to an</a:t>
-            </a:r>
-            <a:r>
-              <a:rPr lang="en-US" baseline="0" dirty="0" smtClean="0"/>
-              <a:t> exchange </a:t>
+              <a:t>True to its name, it is queue as a data structure</a:t>
             </a:r>
           </a:p>
           <a:p>
@@ -866,19 +811,24 @@
             </a:pPr>
             <a:r>
               <a:rPr lang="en-US" baseline="0" dirty="0" smtClean="0"/>
-              <a:t>has binding key if direct</a:t>
-            </a:r>
+              <a:t>Once consume a message in queue, it is </a:t>
+            </a:r>
+            <a:r>
+              <a:rPr lang="en-US" baseline="0" dirty="0" err="1" smtClean="0"/>
+              <a:t>ack</a:t>
+            </a:r>
+            <a:r>
+              <a:rPr lang="en-US" baseline="0" dirty="0" smtClean="0"/>
+              <a:t> and is removed from queue</a:t>
+            </a:r>
+            <a:endParaRPr lang="en-US" baseline="0" dirty="0"/>
           </a:p>
           <a:p>
             <a:pPr marL="628650" lvl="1" indent="-171450">
               <a:buFontTx/>
               <a:buChar char="-"/>
             </a:pPr>
-            <a:r>
-              <a:rPr lang="en-US" baseline="0" dirty="0" smtClean="0"/>
-              <a:t>Has binding pattern if topics</a:t>
-            </a:r>
-            <a:endParaRPr lang="en-US" dirty="0"/>
+            <a:endParaRPr lang="en-US" baseline="0" dirty="0" smtClean="0"/>
           </a:p>
         </p:txBody>
       </p:sp>
@@ -899,7 +849,7 @@
           <a:p>
             <a:fld id="{5206DCD0-0D67-4BF5-951B-363C0E1A0885}" type="slidenum">
               <a:rPr lang="en-US" smtClean="0"/>
-              <a:t>23</a:t>
+              <a:t>22</a:t>
             </a:fld>
             <a:endParaRPr lang="en-US"/>
           </a:p>
@@ -908,7 +858,7 @@
     </p:spTree>
     <p:extLst>
       <p:ext uri="{BB962C8B-B14F-4D97-AF65-F5344CB8AC3E}">
-        <p14:creationId xmlns:p14="http://schemas.microsoft.com/office/powerpoint/2010/main" val="81693304"/>
+        <p14:creationId xmlns:p14="http://schemas.microsoft.com/office/powerpoint/2010/main" val="866921332"/>
       </p:ext>
     </p:extLst>
   </p:cSld>
@@ -962,36 +912,37 @@
           <a:bodyPr/>
           <a:lstStyle/>
           <a:p>
-            <a:pPr marL="0" marR="0" lvl="0" indent="0" algn="l" defTabSz="914400" rtl="0" eaLnBrk="1" fontAlgn="auto" latinLnBrk="0" hangingPunct="1">
-              <a:lnSpc>
-                <a:spcPct val="100000"/>
-              </a:lnSpc>
-              <a:spcBef>
-                <a:spcPts val="0"/>
-              </a:spcBef>
-              <a:spcAft>
-                <a:spcPts val="0"/>
-              </a:spcAft>
-              <a:buClrTx/>
-              <a:buSzTx/>
+            <a:pPr marL="171450" indent="-171450">
               <a:buFontTx/>
-              <a:buNone/>
-              <a:tabLst/>
-              <a:defRPr/>
+              <a:buChar char="-"/>
             </a:pPr>
             <a:r>
               <a:rPr lang="en-US" dirty="0" smtClean="0"/>
-              <a:t>- Consumers that make queues will only get newest messages after conception of queue</a:t>
-            </a:r>
-          </a:p>
-          <a:p>
-            <a:r>
-              <a:rPr lang="en-US" dirty="0" smtClean="0"/>
-              <a:t>- Inherently flawed,</a:t>
+              <a:t>Queue has to be bound to an</a:t>
             </a:r>
             <a:r>
               <a:rPr lang="en-US" baseline="0" dirty="0" smtClean="0"/>
-              <a:t> as DC will remove any benefits of pre-queueing</a:t>
+              <a:t> exchange </a:t>
+            </a:r>
+          </a:p>
+          <a:p>
+            <a:pPr marL="628650" lvl="1" indent="-171450">
+              <a:buFontTx/>
+              <a:buChar char="-"/>
+            </a:pPr>
+            <a:r>
+              <a:rPr lang="en-US" baseline="0" dirty="0" smtClean="0"/>
+              <a:t>has binding key if direct</a:t>
+            </a:r>
+          </a:p>
+          <a:p>
+            <a:pPr marL="628650" lvl="1" indent="-171450">
+              <a:buFontTx/>
+              <a:buChar char="-"/>
+            </a:pPr>
+            <a:r>
+              <a:rPr lang="en-US" baseline="0" dirty="0" smtClean="0"/>
+              <a:t>Has binding pattern if topics</a:t>
             </a:r>
             <a:endParaRPr lang="en-US" dirty="0"/>
           </a:p>
@@ -1014,7 +965,7 @@
           <a:p>
             <a:fld id="{5206DCD0-0D67-4BF5-951B-363C0E1A0885}" type="slidenum">
               <a:rPr lang="en-US" smtClean="0"/>
-              <a:t>25</a:t>
+              <a:t>23</a:t>
             </a:fld>
             <a:endParaRPr lang="en-US"/>
           </a:p>
@@ -1023,7 +974,7 @@
     </p:spTree>
     <p:extLst>
       <p:ext uri="{BB962C8B-B14F-4D97-AF65-F5344CB8AC3E}">
-        <p14:creationId xmlns:p14="http://schemas.microsoft.com/office/powerpoint/2010/main" val="3029668924"/>
+        <p14:creationId xmlns:p14="http://schemas.microsoft.com/office/powerpoint/2010/main" val="81693304"/>
       </p:ext>
     </p:extLst>
   </p:cSld>
@@ -1077,6 +1028,328 @@
           <a:bodyPr/>
           <a:lstStyle/>
           <a:p>
+            <a:r>
+              <a:rPr lang="en-US" dirty="0" smtClean="0"/>
+              <a:t>- Consuming</a:t>
+            </a:r>
+            <a:r>
+              <a:rPr lang="en-US" baseline="0" dirty="0" smtClean="0"/>
+              <a:t> from a shared queue will lead to round-robin auto-load balancing</a:t>
+            </a:r>
+            <a:endParaRPr lang="en-US" dirty="0"/>
+          </a:p>
+        </p:txBody>
+      </p:sp>
+      <p:sp>
+        <p:nvSpPr>
+          <p:cNvPr id="4" name="Slide Number Placeholder 3"/>
+          <p:cNvSpPr>
+            <a:spLocks noGrp="1"/>
+          </p:cNvSpPr>
+          <p:nvPr>
+            <p:ph type="sldNum" sz="quarter" idx="10"/>
+          </p:nvPr>
+        </p:nvSpPr>
+        <p:spPr/>
+        <p:txBody>
+          <a:bodyPr/>
+          <a:lstStyle/>
+          <a:p>
+            <a:fld id="{5206DCD0-0D67-4BF5-951B-363C0E1A0885}" type="slidenum">
+              <a:rPr lang="en-US" smtClean="0"/>
+              <a:t>24</a:t>
+            </a:fld>
+            <a:endParaRPr lang="en-US"/>
+          </a:p>
+        </p:txBody>
+      </p:sp>
+    </p:spTree>
+    <p:extLst>
+      <p:ext uri="{BB962C8B-B14F-4D97-AF65-F5344CB8AC3E}">
+        <p14:creationId xmlns:p14="http://schemas.microsoft.com/office/powerpoint/2010/main" val="975625670"/>
+      </p:ext>
+    </p:extLst>
+  </p:cSld>
+  <p:clrMapOvr>
+    <a:masterClrMapping/>
+  </p:clrMapOvr>
+</p:notes>
+</file>
+
+<file path=ppt/notesSlides/notesSlide14.xml><?xml version="1.0" encoding="utf-8"?>
+<p:notes xmlns:a="http://schemas.openxmlformats.org/drawingml/2006/main" xmlns:r="http://schemas.openxmlformats.org/officeDocument/2006/relationships" xmlns:p="http://schemas.openxmlformats.org/presentationml/2006/main">
+  <p:cSld>
+    <p:spTree>
+      <p:nvGrpSpPr>
+        <p:cNvPr id="1" name=""/>
+        <p:cNvGrpSpPr/>
+        <p:nvPr/>
+      </p:nvGrpSpPr>
+      <p:grpSpPr>
+        <a:xfrm>
+          <a:off x="0" y="0"/>
+          <a:ext cx="0" cy="0"/>
+          <a:chOff x="0" y="0"/>
+          <a:chExt cx="0" cy="0"/>
+        </a:xfrm>
+      </p:grpSpPr>
+      <p:sp>
+        <p:nvSpPr>
+          <p:cNvPr id="2" name="Slide Image Placeholder 1"/>
+          <p:cNvSpPr>
+            <a:spLocks noGrp="1" noRot="1" noChangeAspect="1"/>
+          </p:cNvSpPr>
+          <p:nvPr>
+            <p:ph type="sldImg"/>
+          </p:nvPr>
+        </p:nvSpPr>
+        <p:spPr/>
+      </p:sp>
+      <p:sp>
+        <p:nvSpPr>
+          <p:cNvPr id="3" name="Notes Placeholder 2"/>
+          <p:cNvSpPr>
+            <a:spLocks noGrp="1"/>
+          </p:cNvSpPr>
+          <p:nvPr>
+            <p:ph type="body" idx="1"/>
+          </p:nvPr>
+        </p:nvSpPr>
+        <p:spPr/>
+        <p:txBody>
+          <a:bodyPr/>
+          <a:lstStyle/>
+          <a:p>
+            <a:pPr marL="0" marR="0" lvl="0" indent="0" algn="l" defTabSz="914400" rtl="0" eaLnBrk="1" fontAlgn="auto" latinLnBrk="0" hangingPunct="1">
+              <a:lnSpc>
+                <a:spcPct val="100000"/>
+              </a:lnSpc>
+              <a:spcBef>
+                <a:spcPts val="0"/>
+              </a:spcBef>
+              <a:spcAft>
+                <a:spcPts val="0"/>
+              </a:spcAft>
+              <a:buClrTx/>
+              <a:buSzTx/>
+              <a:buFontTx/>
+              <a:buNone/>
+              <a:tabLst/>
+              <a:defRPr/>
+            </a:pPr>
+            <a:r>
+              <a:rPr lang="en-US" dirty="0" smtClean="0"/>
+              <a:t>- Consumers that make queues will only get newest messages after conception of queue</a:t>
+            </a:r>
+          </a:p>
+          <a:p>
+            <a:r>
+              <a:rPr lang="en-US" dirty="0" smtClean="0"/>
+              <a:t>- Inherently flawed,</a:t>
+            </a:r>
+            <a:r>
+              <a:rPr lang="en-US" baseline="0" dirty="0" smtClean="0"/>
+              <a:t> as DC will remove any benefits of pre-queueing</a:t>
+            </a:r>
+            <a:endParaRPr lang="en-US" dirty="0"/>
+          </a:p>
+        </p:txBody>
+      </p:sp>
+      <p:sp>
+        <p:nvSpPr>
+          <p:cNvPr id="4" name="Slide Number Placeholder 3"/>
+          <p:cNvSpPr>
+            <a:spLocks noGrp="1"/>
+          </p:cNvSpPr>
+          <p:nvPr>
+            <p:ph type="sldNum" sz="quarter" idx="10"/>
+          </p:nvPr>
+        </p:nvSpPr>
+        <p:spPr/>
+        <p:txBody>
+          <a:bodyPr/>
+          <a:lstStyle/>
+          <a:p>
+            <a:fld id="{5206DCD0-0D67-4BF5-951B-363C0E1A0885}" type="slidenum">
+              <a:rPr lang="en-US" smtClean="0"/>
+              <a:t>25</a:t>
+            </a:fld>
+            <a:endParaRPr lang="en-US"/>
+          </a:p>
+        </p:txBody>
+      </p:sp>
+    </p:spTree>
+    <p:extLst>
+      <p:ext uri="{BB962C8B-B14F-4D97-AF65-F5344CB8AC3E}">
+        <p14:creationId xmlns:p14="http://schemas.microsoft.com/office/powerpoint/2010/main" val="3602183842"/>
+      </p:ext>
+    </p:extLst>
+  </p:cSld>
+  <p:clrMapOvr>
+    <a:masterClrMapping/>
+  </p:clrMapOvr>
+</p:notes>
+</file>
+
+<file path=ppt/notesSlides/notesSlide15.xml><?xml version="1.0" encoding="utf-8"?>
+<p:notes xmlns:a="http://schemas.openxmlformats.org/drawingml/2006/main" xmlns:r="http://schemas.openxmlformats.org/officeDocument/2006/relationships" xmlns:p="http://schemas.openxmlformats.org/presentationml/2006/main">
+  <p:cSld>
+    <p:spTree>
+      <p:nvGrpSpPr>
+        <p:cNvPr id="1" name=""/>
+        <p:cNvGrpSpPr/>
+        <p:nvPr/>
+      </p:nvGrpSpPr>
+      <p:grpSpPr>
+        <a:xfrm>
+          <a:off x="0" y="0"/>
+          <a:ext cx="0" cy="0"/>
+          <a:chOff x="0" y="0"/>
+          <a:chExt cx="0" cy="0"/>
+        </a:xfrm>
+      </p:grpSpPr>
+      <p:sp>
+        <p:nvSpPr>
+          <p:cNvPr id="2" name="Slide Image Placeholder 1"/>
+          <p:cNvSpPr>
+            <a:spLocks noGrp="1" noRot="1" noChangeAspect="1"/>
+          </p:cNvSpPr>
+          <p:nvPr>
+            <p:ph type="sldImg"/>
+          </p:nvPr>
+        </p:nvSpPr>
+        <p:spPr/>
+      </p:sp>
+      <p:sp>
+        <p:nvSpPr>
+          <p:cNvPr id="3" name="Notes Placeholder 2"/>
+          <p:cNvSpPr>
+            <a:spLocks noGrp="1"/>
+          </p:cNvSpPr>
+          <p:nvPr>
+            <p:ph type="body" idx="1"/>
+          </p:nvPr>
+        </p:nvSpPr>
+        <p:spPr/>
+        <p:txBody>
+          <a:bodyPr/>
+          <a:lstStyle/>
+          <a:p>
+            <a:pPr marL="0" marR="0" lvl="0" indent="0" algn="l" defTabSz="914400" rtl="0" eaLnBrk="1" fontAlgn="auto" latinLnBrk="0" hangingPunct="1">
+              <a:lnSpc>
+                <a:spcPct val="100000"/>
+              </a:lnSpc>
+              <a:spcBef>
+                <a:spcPts val="0"/>
+              </a:spcBef>
+              <a:spcAft>
+                <a:spcPts val="0"/>
+              </a:spcAft>
+              <a:buClrTx/>
+              <a:buSzTx/>
+              <a:buFontTx/>
+              <a:buNone/>
+              <a:tabLst/>
+              <a:defRPr/>
+            </a:pPr>
+            <a:r>
+              <a:rPr lang="en-US" dirty="0" smtClean="0"/>
+              <a:t>- Consumers that make queues will only get newest messages after conception of queue</a:t>
+            </a:r>
+          </a:p>
+          <a:p>
+            <a:r>
+              <a:rPr lang="en-US" dirty="0" smtClean="0"/>
+              <a:t>- Inherently flawed,</a:t>
+            </a:r>
+            <a:r>
+              <a:rPr lang="en-US" baseline="0" dirty="0" smtClean="0"/>
+              <a:t> as DC will remove any benefits of pre-queueing</a:t>
+            </a:r>
+            <a:endParaRPr lang="en-US" dirty="0"/>
+          </a:p>
+        </p:txBody>
+      </p:sp>
+      <p:sp>
+        <p:nvSpPr>
+          <p:cNvPr id="4" name="Slide Number Placeholder 3"/>
+          <p:cNvSpPr>
+            <a:spLocks noGrp="1"/>
+          </p:cNvSpPr>
+          <p:nvPr>
+            <p:ph type="sldNum" sz="quarter" idx="10"/>
+          </p:nvPr>
+        </p:nvSpPr>
+        <p:spPr/>
+        <p:txBody>
+          <a:bodyPr/>
+          <a:lstStyle/>
+          <a:p>
+            <a:fld id="{5206DCD0-0D67-4BF5-951B-363C0E1A0885}" type="slidenum">
+              <a:rPr lang="en-US" smtClean="0"/>
+              <a:t>26</a:t>
+            </a:fld>
+            <a:endParaRPr lang="en-US"/>
+          </a:p>
+        </p:txBody>
+      </p:sp>
+    </p:spTree>
+    <p:extLst>
+      <p:ext uri="{BB962C8B-B14F-4D97-AF65-F5344CB8AC3E}">
+        <p14:creationId xmlns:p14="http://schemas.microsoft.com/office/powerpoint/2010/main" val="3029668924"/>
+      </p:ext>
+    </p:extLst>
+  </p:cSld>
+  <p:clrMapOvr>
+    <a:masterClrMapping/>
+  </p:clrMapOvr>
+</p:notes>
+</file>
+
+<file path=ppt/notesSlides/notesSlide16.xml><?xml version="1.0" encoding="utf-8"?>
+<p:notes xmlns:a="http://schemas.openxmlformats.org/drawingml/2006/main" xmlns:r="http://schemas.openxmlformats.org/officeDocument/2006/relationships" xmlns:p="http://schemas.openxmlformats.org/presentationml/2006/main">
+  <p:cSld>
+    <p:spTree>
+      <p:nvGrpSpPr>
+        <p:cNvPr id="1" name=""/>
+        <p:cNvGrpSpPr/>
+        <p:nvPr/>
+      </p:nvGrpSpPr>
+      <p:grpSpPr>
+        <a:xfrm>
+          <a:off x="0" y="0"/>
+          <a:ext cx="0" cy="0"/>
+          <a:chOff x="0" y="0"/>
+          <a:chExt cx="0" cy="0"/>
+        </a:xfrm>
+      </p:grpSpPr>
+      <p:sp>
+        <p:nvSpPr>
+          <p:cNvPr id="2" name="Slide Image Placeholder 1"/>
+          <p:cNvSpPr>
+            <a:spLocks noGrp="1" noRot="1" noChangeAspect="1"/>
+          </p:cNvSpPr>
+          <p:nvPr>
+            <p:ph type="sldImg"/>
+          </p:nvPr>
+        </p:nvSpPr>
+        <p:spPr/>
+      </p:sp>
+      <p:sp>
+        <p:nvSpPr>
+          <p:cNvPr id="3" name="Notes Placeholder 2"/>
+          <p:cNvSpPr>
+            <a:spLocks noGrp="1"/>
+          </p:cNvSpPr>
+          <p:nvPr>
+            <p:ph type="body" idx="1"/>
+          </p:nvPr>
+        </p:nvSpPr>
+        <p:spPr/>
+        <p:txBody>
+          <a:bodyPr/>
+          <a:lstStyle/>
+          <a:p>
             <a:pPr marL="171450" indent="-171450">
               <a:buFontTx/>
               <a:buChar char="-"/>
@@ -1116,7 +1389,7 @@
           <a:p>
             <a:fld id="{5206DCD0-0D67-4BF5-951B-363C0E1A0885}" type="slidenum">
               <a:rPr lang="en-US" smtClean="0"/>
-              <a:t>27</a:t>
+              <a:t>28</a:t>
             </a:fld>
             <a:endParaRPr lang="en-US"/>
           </a:p>
@@ -1126,6 +1399,312 @@
     <p:extLst>
       <p:ext uri="{BB962C8B-B14F-4D97-AF65-F5344CB8AC3E}">
         <p14:creationId xmlns:p14="http://schemas.microsoft.com/office/powerpoint/2010/main" val="1646147798"/>
+      </p:ext>
+    </p:extLst>
+  </p:cSld>
+  <p:clrMapOvr>
+    <a:masterClrMapping/>
+  </p:clrMapOvr>
+</p:notes>
+</file>
+
+<file path=ppt/notesSlides/notesSlide17.xml><?xml version="1.0" encoding="utf-8"?>
+<p:notes xmlns:a="http://schemas.openxmlformats.org/drawingml/2006/main" xmlns:r="http://schemas.openxmlformats.org/officeDocument/2006/relationships" xmlns:p="http://schemas.openxmlformats.org/presentationml/2006/main">
+  <p:cSld>
+    <p:spTree>
+      <p:nvGrpSpPr>
+        <p:cNvPr id="1" name=""/>
+        <p:cNvGrpSpPr/>
+        <p:nvPr/>
+      </p:nvGrpSpPr>
+      <p:grpSpPr>
+        <a:xfrm>
+          <a:off x="0" y="0"/>
+          <a:ext cx="0" cy="0"/>
+          <a:chOff x="0" y="0"/>
+          <a:chExt cx="0" cy="0"/>
+        </a:xfrm>
+      </p:grpSpPr>
+      <p:sp>
+        <p:nvSpPr>
+          <p:cNvPr id="2" name="Slide Image Placeholder 1"/>
+          <p:cNvSpPr>
+            <a:spLocks noGrp="1" noRot="1" noChangeAspect="1"/>
+          </p:cNvSpPr>
+          <p:nvPr>
+            <p:ph type="sldImg"/>
+          </p:nvPr>
+        </p:nvSpPr>
+        <p:spPr/>
+      </p:sp>
+      <p:sp>
+        <p:nvSpPr>
+          <p:cNvPr id="3" name="Notes Placeholder 2"/>
+          <p:cNvSpPr>
+            <a:spLocks noGrp="1"/>
+          </p:cNvSpPr>
+          <p:nvPr>
+            <p:ph type="body" idx="1"/>
+          </p:nvPr>
+        </p:nvSpPr>
+        <p:spPr/>
+        <p:txBody>
+          <a:bodyPr/>
+          <a:lstStyle/>
+          <a:p>
+            <a:pPr marL="171450" indent="-171450">
+              <a:buFontTx/>
+              <a:buChar char="-"/>
+            </a:pPr>
+            <a:r>
+              <a:rPr lang="en-US" dirty="0" smtClean="0"/>
+              <a:t>Hard</a:t>
+            </a:r>
+            <a:r>
+              <a:rPr lang="en-US" baseline="0" dirty="0" smtClean="0"/>
+              <a:t> to keep track of exchanges that do too much </a:t>
+            </a:r>
+          </a:p>
+          <a:p>
+            <a:pPr marL="171450" indent="-171450">
+              <a:buFontTx/>
+              <a:buChar char="-"/>
+            </a:pPr>
+            <a:endParaRPr lang="en-US" dirty="0"/>
+          </a:p>
+        </p:txBody>
+      </p:sp>
+      <p:sp>
+        <p:nvSpPr>
+          <p:cNvPr id="4" name="Slide Number Placeholder 3"/>
+          <p:cNvSpPr>
+            <a:spLocks noGrp="1"/>
+          </p:cNvSpPr>
+          <p:nvPr>
+            <p:ph type="sldNum" sz="quarter" idx="10"/>
+          </p:nvPr>
+        </p:nvSpPr>
+        <p:spPr/>
+        <p:txBody>
+          <a:bodyPr/>
+          <a:lstStyle/>
+          <a:p>
+            <a:fld id="{5206DCD0-0D67-4BF5-951B-363C0E1A0885}" type="slidenum">
+              <a:rPr lang="en-US" smtClean="0"/>
+              <a:t>29</a:t>
+            </a:fld>
+            <a:endParaRPr lang="en-US"/>
+          </a:p>
+        </p:txBody>
+      </p:sp>
+    </p:spTree>
+    <p:extLst>
+      <p:ext uri="{BB962C8B-B14F-4D97-AF65-F5344CB8AC3E}">
+        <p14:creationId xmlns:p14="http://schemas.microsoft.com/office/powerpoint/2010/main" val="2150195106"/>
+      </p:ext>
+    </p:extLst>
+  </p:cSld>
+  <p:clrMapOvr>
+    <a:masterClrMapping/>
+  </p:clrMapOvr>
+</p:notes>
+</file>
+
+<file path=ppt/notesSlides/notesSlide18.xml><?xml version="1.0" encoding="utf-8"?>
+<p:notes xmlns:a="http://schemas.openxmlformats.org/drawingml/2006/main" xmlns:r="http://schemas.openxmlformats.org/officeDocument/2006/relationships" xmlns:p="http://schemas.openxmlformats.org/presentationml/2006/main">
+  <p:cSld>
+    <p:spTree>
+      <p:nvGrpSpPr>
+        <p:cNvPr id="1" name=""/>
+        <p:cNvGrpSpPr/>
+        <p:nvPr/>
+      </p:nvGrpSpPr>
+      <p:grpSpPr>
+        <a:xfrm>
+          <a:off x="0" y="0"/>
+          <a:ext cx="0" cy="0"/>
+          <a:chOff x="0" y="0"/>
+          <a:chExt cx="0" cy="0"/>
+        </a:xfrm>
+      </p:grpSpPr>
+      <p:sp>
+        <p:nvSpPr>
+          <p:cNvPr id="2" name="Slide Image Placeholder 1"/>
+          <p:cNvSpPr>
+            <a:spLocks noGrp="1" noRot="1" noChangeAspect="1"/>
+          </p:cNvSpPr>
+          <p:nvPr>
+            <p:ph type="sldImg"/>
+          </p:nvPr>
+        </p:nvSpPr>
+        <p:spPr/>
+      </p:sp>
+      <p:sp>
+        <p:nvSpPr>
+          <p:cNvPr id="3" name="Notes Placeholder 2"/>
+          <p:cNvSpPr>
+            <a:spLocks noGrp="1"/>
+          </p:cNvSpPr>
+          <p:nvPr>
+            <p:ph type="body" idx="1"/>
+          </p:nvPr>
+        </p:nvSpPr>
+        <p:spPr/>
+        <p:txBody>
+          <a:bodyPr/>
+          <a:lstStyle/>
+          <a:p>
+            <a:pPr marL="171450" indent="-171450">
+              <a:buFontTx/>
+              <a:buChar char="-"/>
+            </a:pPr>
+            <a:r>
+              <a:rPr lang="en-US" dirty="0" smtClean="0"/>
+              <a:t>Hard</a:t>
+            </a:r>
+            <a:r>
+              <a:rPr lang="en-US" baseline="0" dirty="0" smtClean="0"/>
+              <a:t> to keep track of exchanges that do too much </a:t>
+            </a:r>
+          </a:p>
+          <a:p>
+            <a:pPr marL="171450" indent="-171450">
+              <a:buFontTx/>
+              <a:buChar char="-"/>
+            </a:pPr>
+            <a:endParaRPr lang="en-US" dirty="0"/>
+          </a:p>
+        </p:txBody>
+      </p:sp>
+      <p:sp>
+        <p:nvSpPr>
+          <p:cNvPr id="4" name="Slide Number Placeholder 3"/>
+          <p:cNvSpPr>
+            <a:spLocks noGrp="1"/>
+          </p:cNvSpPr>
+          <p:nvPr>
+            <p:ph type="sldNum" sz="quarter" idx="10"/>
+          </p:nvPr>
+        </p:nvSpPr>
+        <p:spPr/>
+        <p:txBody>
+          <a:bodyPr/>
+          <a:lstStyle/>
+          <a:p>
+            <a:fld id="{5206DCD0-0D67-4BF5-951B-363C0E1A0885}" type="slidenum">
+              <a:rPr lang="en-US" smtClean="0"/>
+              <a:t>30</a:t>
+            </a:fld>
+            <a:endParaRPr lang="en-US"/>
+          </a:p>
+        </p:txBody>
+      </p:sp>
+    </p:spTree>
+    <p:extLst>
+      <p:ext uri="{BB962C8B-B14F-4D97-AF65-F5344CB8AC3E}">
+        <p14:creationId xmlns:p14="http://schemas.microsoft.com/office/powerpoint/2010/main" val="3542460465"/>
+      </p:ext>
+    </p:extLst>
+  </p:cSld>
+  <p:clrMapOvr>
+    <a:masterClrMapping/>
+  </p:clrMapOvr>
+</p:notes>
+</file>
+
+<file path=ppt/notesSlides/notesSlide19.xml><?xml version="1.0" encoding="utf-8"?>
+<p:notes xmlns:a="http://schemas.openxmlformats.org/drawingml/2006/main" xmlns:r="http://schemas.openxmlformats.org/officeDocument/2006/relationships" xmlns:p="http://schemas.openxmlformats.org/presentationml/2006/main">
+  <p:cSld>
+    <p:spTree>
+      <p:nvGrpSpPr>
+        <p:cNvPr id="1" name=""/>
+        <p:cNvGrpSpPr/>
+        <p:nvPr/>
+      </p:nvGrpSpPr>
+      <p:grpSpPr>
+        <a:xfrm>
+          <a:off x="0" y="0"/>
+          <a:ext cx="0" cy="0"/>
+          <a:chOff x="0" y="0"/>
+          <a:chExt cx="0" cy="0"/>
+        </a:xfrm>
+      </p:grpSpPr>
+      <p:sp>
+        <p:nvSpPr>
+          <p:cNvPr id="2" name="Slide Image Placeholder 1"/>
+          <p:cNvSpPr>
+            <a:spLocks noGrp="1" noRot="1" noChangeAspect="1"/>
+          </p:cNvSpPr>
+          <p:nvPr>
+            <p:ph type="sldImg"/>
+          </p:nvPr>
+        </p:nvSpPr>
+        <p:spPr/>
+      </p:sp>
+      <p:sp>
+        <p:nvSpPr>
+          <p:cNvPr id="3" name="Notes Placeholder 2"/>
+          <p:cNvSpPr>
+            <a:spLocks noGrp="1"/>
+          </p:cNvSpPr>
+          <p:nvPr>
+            <p:ph type="body" idx="1"/>
+          </p:nvPr>
+        </p:nvSpPr>
+        <p:spPr/>
+        <p:txBody>
+          <a:bodyPr/>
+          <a:lstStyle/>
+          <a:p>
+            <a:pPr marL="171450" indent="-171450">
+              <a:buFontTx/>
+              <a:buChar char="-"/>
+            </a:pPr>
+            <a:r>
+              <a:rPr lang="en-US" dirty="0" smtClean="0"/>
+              <a:t>Hard</a:t>
+            </a:r>
+            <a:r>
+              <a:rPr lang="en-US" baseline="0" dirty="0" smtClean="0"/>
+              <a:t> to keep track of exchanges that do too much </a:t>
+            </a:r>
+          </a:p>
+          <a:p>
+            <a:pPr marL="171450" indent="-171450">
+              <a:buFontTx/>
+              <a:buChar char="-"/>
+            </a:pPr>
+            <a:endParaRPr lang="en-US" dirty="0"/>
+          </a:p>
+        </p:txBody>
+      </p:sp>
+      <p:sp>
+        <p:nvSpPr>
+          <p:cNvPr id="4" name="Slide Number Placeholder 3"/>
+          <p:cNvSpPr>
+            <a:spLocks noGrp="1"/>
+          </p:cNvSpPr>
+          <p:nvPr>
+            <p:ph type="sldNum" sz="quarter" idx="10"/>
+          </p:nvPr>
+        </p:nvSpPr>
+        <p:spPr/>
+        <p:txBody>
+          <a:bodyPr/>
+          <a:lstStyle/>
+          <a:p>
+            <a:fld id="{5206DCD0-0D67-4BF5-951B-363C0E1A0885}" type="slidenum">
+              <a:rPr lang="en-US" smtClean="0"/>
+              <a:t>31</a:t>
+            </a:fld>
+            <a:endParaRPr lang="en-US"/>
+          </a:p>
+        </p:txBody>
+      </p:sp>
+    </p:spTree>
+    <p:extLst>
+      <p:ext uri="{BB962C8B-B14F-4D97-AF65-F5344CB8AC3E}">
+        <p14:creationId xmlns:p14="http://schemas.microsoft.com/office/powerpoint/2010/main" val="574184407"/>
       </p:ext>
     </p:extLst>
   </p:cSld>
@@ -1179,70 +1758,18 @@
           <a:bodyPr/>
           <a:lstStyle/>
           <a:p>
-            <a:pPr marL="171450" marR="0" lvl="0" indent="-171450" algn="l" defTabSz="914400" rtl="0" eaLnBrk="1" fontAlgn="auto" latinLnBrk="0" hangingPunct="1">
-              <a:lnSpc>
-                <a:spcPct val="100000"/>
-              </a:lnSpc>
-              <a:spcBef>
-                <a:spcPts val="0"/>
-              </a:spcBef>
-              <a:spcAft>
-                <a:spcPts val="0"/>
-              </a:spcAft>
-              <a:buClrTx/>
-              <a:buSzTx/>
-              <a:buFontTx/>
-              <a:buChar char="-"/>
-              <a:tabLst/>
-              <a:defRPr/>
-            </a:pPr>
-            <a:r>
-              <a:rPr lang="en-US" baseline="0" dirty="0" smtClean="0"/>
-              <a:t>So in comes </a:t>
-            </a:r>
-            <a:r>
-              <a:rPr lang="en-US" baseline="0" dirty="0" err="1" smtClean="0"/>
-              <a:t>RabbitMQ</a:t>
-            </a:r>
-            <a:endParaRPr lang="en-US" baseline="0" dirty="0" smtClean="0"/>
-          </a:p>
-          <a:p>
-            <a:pPr marL="628650" marR="0" lvl="1" indent="-171450" algn="l" defTabSz="914400" rtl="0" eaLnBrk="1" fontAlgn="auto" latinLnBrk="0" hangingPunct="1">
-              <a:lnSpc>
-                <a:spcPct val="100000"/>
-              </a:lnSpc>
-              <a:spcBef>
-                <a:spcPts val="0"/>
-              </a:spcBef>
-              <a:spcAft>
-                <a:spcPts val="0"/>
-              </a:spcAft>
-              <a:buClrTx/>
-              <a:buSzTx/>
-              <a:buFontTx/>
-              <a:buChar char="-"/>
-              <a:tabLst/>
-              <a:defRPr/>
-            </a:pPr>
-            <a:r>
-              <a:rPr lang="en-US" baseline="0" dirty="0" smtClean="0"/>
-              <a:t>We are using it as an in-store enterprise service bus</a:t>
-            </a:r>
-          </a:p>
-          <a:p>
             <a:pPr marL="171450" indent="-171450">
               <a:buFontTx/>
               <a:buChar char="-"/>
             </a:pPr>
             <a:r>
               <a:rPr lang="en-US" dirty="0" smtClean="0"/>
-              <a:t>Central</a:t>
+              <a:t>Why are we having this conversation</a:t>
             </a:r>
             <a:r>
               <a:rPr lang="en-US" baseline="0" dirty="0" smtClean="0"/>
-              <a:t> middleware for connecting different applications</a:t>
-            </a:r>
-            <a:endParaRPr lang="en-US" dirty="0" smtClean="0"/>
+              <a:t> in the first place</a:t>
+            </a:r>
           </a:p>
           <a:p>
             <a:pPr marL="171450" indent="-171450">
@@ -1250,12 +1777,8 @@
               <a:buChar char="-"/>
             </a:pPr>
             <a:r>
-              <a:rPr lang="en-US" dirty="0" smtClean="0"/>
-              <a:t>It uses a producer / consumer model</a:t>
-            </a:r>
-            <a:r>
               <a:rPr lang="en-US" baseline="0" dirty="0" smtClean="0"/>
-              <a:t> </a:t>
+              <a:t>The existing architecture is somewhat messy</a:t>
             </a:r>
           </a:p>
           <a:p>
@@ -1264,12 +1787,8 @@
               <a:buChar char="-"/>
             </a:pPr>
             <a:r>
-              <a:rPr lang="en-US" dirty="0" smtClean="0"/>
-              <a:t>AKA a publish and subscribe</a:t>
-            </a:r>
-            <a:r>
               <a:rPr lang="en-US" baseline="0" dirty="0" smtClean="0"/>
-              <a:t> model</a:t>
+              <a:t>Pre-defined connection points </a:t>
             </a:r>
           </a:p>
           <a:p>
@@ -1279,7 +1798,7 @@
             </a:pPr>
             <a:r>
               <a:rPr lang="en-US" baseline="0" dirty="0" smtClean="0"/>
-              <a:t>Say, POS produce orders and KDS will consume it.</a:t>
+              <a:t>Memorize who talks to what </a:t>
             </a:r>
           </a:p>
           <a:p>
@@ -1289,8 +1808,57 @@
             </a:pPr>
             <a:r>
               <a:rPr lang="en-US" baseline="0" dirty="0" smtClean="0"/>
-              <a:t>Typically, this benefits systems where many applications will consume the same message from one producer</a:t>
-            </a:r>
+              <a:t>Debugging nightmare</a:t>
+            </a:r>
+          </a:p>
+          <a:p>
+            <a:pPr marL="171450" indent="-171450">
+              <a:buFontTx/>
+              <a:buChar char="-"/>
+            </a:pPr>
+            <a:r>
+              <a:rPr lang="en-US" baseline="0" dirty="0" smtClean="0"/>
+              <a:t>What we want to do is have a standard for communication between applications that:</a:t>
+            </a:r>
+          </a:p>
+          <a:p>
+            <a:pPr marL="628650" lvl="1" indent="-171450">
+              <a:buFontTx/>
+              <a:buChar char="-"/>
+            </a:pPr>
+            <a:r>
+              <a:rPr lang="en-US" baseline="0" dirty="0" smtClean="0"/>
+              <a:t>provides flexibility in our in-store system</a:t>
+            </a:r>
+          </a:p>
+          <a:p>
+            <a:pPr marL="628650" lvl="1" indent="-171450">
+              <a:buFontTx/>
+              <a:buChar char="-"/>
+            </a:pPr>
+            <a:r>
+              <a:rPr lang="en-US" baseline="0" dirty="0" smtClean="0"/>
+              <a:t>improves app visibility and control </a:t>
+            </a:r>
+          </a:p>
+          <a:p>
+            <a:pPr marL="1085850" lvl="2" indent="-171450">
+              <a:buFontTx/>
+              <a:buChar char="-"/>
+            </a:pPr>
+            <a:r>
+              <a:rPr lang="en-US" baseline="0" dirty="0" smtClean="0"/>
+              <a:t>[identify who sent message, where it goes, make any changes to message, </a:t>
+            </a:r>
+            <a:r>
+              <a:rPr lang="en-US" baseline="0" dirty="0" err="1" smtClean="0"/>
+              <a:t>etc</a:t>
+            </a:r>
+            <a:r>
+              <a:rPr lang="en-US" baseline="0" dirty="0" smtClean="0"/>
+              <a:t>]</a:t>
+            </a:r>
+            <a:endParaRPr lang="en-US" dirty="0"/>
           </a:p>
         </p:txBody>
       </p:sp>
@@ -1311,7 +1879,7 @@
           <a:p>
             <a:fld id="{5206DCD0-0D67-4BF5-951B-363C0E1A0885}" type="slidenum">
               <a:rPr lang="en-US" smtClean="0"/>
-              <a:t>5</a:t>
+              <a:t>4</a:t>
             </a:fld>
             <a:endParaRPr lang="en-US"/>
           </a:p>
@@ -1320,7 +1888,193 @@
     </p:spTree>
     <p:extLst>
       <p:ext uri="{BB962C8B-B14F-4D97-AF65-F5344CB8AC3E}">
-        <p14:creationId xmlns:p14="http://schemas.microsoft.com/office/powerpoint/2010/main" val="2789245086"/>
+        <p14:creationId xmlns:p14="http://schemas.microsoft.com/office/powerpoint/2010/main" val="3711007618"/>
+      </p:ext>
+    </p:extLst>
+  </p:cSld>
+  <p:clrMapOvr>
+    <a:masterClrMapping/>
+  </p:clrMapOvr>
+</p:notes>
+</file>
+
+<file path=ppt/notesSlides/notesSlide20.xml><?xml version="1.0" encoding="utf-8"?>
+<p:notes xmlns:a="http://schemas.openxmlformats.org/drawingml/2006/main" xmlns:r="http://schemas.openxmlformats.org/officeDocument/2006/relationships" xmlns:p="http://schemas.openxmlformats.org/presentationml/2006/main">
+  <p:cSld>
+    <p:spTree>
+      <p:nvGrpSpPr>
+        <p:cNvPr id="1" name=""/>
+        <p:cNvGrpSpPr/>
+        <p:nvPr/>
+      </p:nvGrpSpPr>
+      <p:grpSpPr>
+        <a:xfrm>
+          <a:off x="0" y="0"/>
+          <a:ext cx="0" cy="0"/>
+          <a:chOff x="0" y="0"/>
+          <a:chExt cx="0" cy="0"/>
+        </a:xfrm>
+      </p:grpSpPr>
+      <p:sp>
+        <p:nvSpPr>
+          <p:cNvPr id="2" name="Slide Image Placeholder 1"/>
+          <p:cNvSpPr>
+            <a:spLocks noGrp="1" noRot="1" noChangeAspect="1"/>
+          </p:cNvSpPr>
+          <p:nvPr>
+            <p:ph type="sldImg"/>
+          </p:nvPr>
+        </p:nvSpPr>
+        <p:spPr/>
+      </p:sp>
+      <p:sp>
+        <p:nvSpPr>
+          <p:cNvPr id="3" name="Notes Placeholder 2"/>
+          <p:cNvSpPr>
+            <a:spLocks noGrp="1"/>
+          </p:cNvSpPr>
+          <p:nvPr>
+            <p:ph type="body" idx="1"/>
+          </p:nvPr>
+        </p:nvSpPr>
+        <p:spPr/>
+        <p:txBody>
+          <a:bodyPr/>
+          <a:lstStyle/>
+          <a:p>
+            <a:pPr marL="171450" indent="-171450">
+              <a:buFontTx/>
+              <a:buChar char="-"/>
+            </a:pPr>
+            <a:r>
+              <a:rPr lang="en-US" baseline="0" dirty="0" smtClean="0"/>
+              <a:t>If need prior data, best to use a server than making lots of pre-queues or backup queues</a:t>
+            </a:r>
+          </a:p>
+          <a:p>
+            <a:pPr marL="171450" indent="-171450">
+              <a:buFontTx/>
+              <a:buChar char="-"/>
+            </a:pPr>
+            <a:endParaRPr lang="en-US" dirty="0"/>
+          </a:p>
+        </p:txBody>
+      </p:sp>
+      <p:sp>
+        <p:nvSpPr>
+          <p:cNvPr id="4" name="Slide Number Placeholder 3"/>
+          <p:cNvSpPr>
+            <a:spLocks noGrp="1"/>
+          </p:cNvSpPr>
+          <p:nvPr>
+            <p:ph type="sldNum" sz="quarter" idx="10"/>
+          </p:nvPr>
+        </p:nvSpPr>
+        <p:spPr/>
+        <p:txBody>
+          <a:bodyPr/>
+          <a:lstStyle/>
+          <a:p>
+            <a:fld id="{5206DCD0-0D67-4BF5-951B-363C0E1A0885}" type="slidenum">
+              <a:rPr lang="en-US" smtClean="0"/>
+              <a:t>32</a:t>
+            </a:fld>
+            <a:endParaRPr lang="en-US"/>
+          </a:p>
+        </p:txBody>
+      </p:sp>
+    </p:spTree>
+    <p:extLst>
+      <p:ext uri="{BB962C8B-B14F-4D97-AF65-F5344CB8AC3E}">
+        <p14:creationId xmlns:p14="http://schemas.microsoft.com/office/powerpoint/2010/main" val="3463581249"/>
+      </p:ext>
+    </p:extLst>
+  </p:cSld>
+  <p:clrMapOvr>
+    <a:masterClrMapping/>
+  </p:clrMapOvr>
+</p:notes>
+</file>
+
+<file path=ppt/notesSlides/notesSlide21.xml><?xml version="1.0" encoding="utf-8"?>
+<p:notes xmlns:a="http://schemas.openxmlformats.org/drawingml/2006/main" xmlns:r="http://schemas.openxmlformats.org/officeDocument/2006/relationships" xmlns:p="http://schemas.openxmlformats.org/presentationml/2006/main">
+  <p:cSld>
+    <p:spTree>
+      <p:nvGrpSpPr>
+        <p:cNvPr id="1" name=""/>
+        <p:cNvGrpSpPr/>
+        <p:nvPr/>
+      </p:nvGrpSpPr>
+      <p:grpSpPr>
+        <a:xfrm>
+          <a:off x="0" y="0"/>
+          <a:ext cx="0" cy="0"/>
+          <a:chOff x="0" y="0"/>
+          <a:chExt cx="0" cy="0"/>
+        </a:xfrm>
+      </p:grpSpPr>
+      <p:sp>
+        <p:nvSpPr>
+          <p:cNvPr id="2" name="Slide Image Placeholder 1"/>
+          <p:cNvSpPr>
+            <a:spLocks noGrp="1" noRot="1" noChangeAspect="1"/>
+          </p:cNvSpPr>
+          <p:nvPr>
+            <p:ph type="sldImg"/>
+          </p:nvPr>
+        </p:nvSpPr>
+        <p:spPr/>
+      </p:sp>
+      <p:sp>
+        <p:nvSpPr>
+          <p:cNvPr id="3" name="Notes Placeholder 2"/>
+          <p:cNvSpPr>
+            <a:spLocks noGrp="1"/>
+          </p:cNvSpPr>
+          <p:nvPr>
+            <p:ph type="body" idx="1"/>
+          </p:nvPr>
+        </p:nvSpPr>
+        <p:spPr/>
+        <p:txBody>
+          <a:bodyPr/>
+          <a:lstStyle/>
+          <a:p>
+            <a:r>
+              <a:rPr lang="en-US" dirty="0" smtClean="0"/>
+              <a:t>One channel per thread</a:t>
+            </a:r>
+            <a:endParaRPr lang="en-US" dirty="0"/>
+          </a:p>
+        </p:txBody>
+      </p:sp>
+      <p:sp>
+        <p:nvSpPr>
+          <p:cNvPr id="4" name="Slide Number Placeholder 3"/>
+          <p:cNvSpPr>
+            <a:spLocks noGrp="1"/>
+          </p:cNvSpPr>
+          <p:nvPr>
+            <p:ph type="sldNum" sz="quarter" idx="10"/>
+          </p:nvPr>
+        </p:nvSpPr>
+        <p:spPr/>
+        <p:txBody>
+          <a:bodyPr/>
+          <a:lstStyle/>
+          <a:p>
+            <a:fld id="{5206DCD0-0D67-4BF5-951B-363C0E1A0885}" type="slidenum">
+              <a:rPr lang="en-US" smtClean="0"/>
+              <a:t>37</a:t>
+            </a:fld>
+            <a:endParaRPr lang="en-US"/>
+          </a:p>
+        </p:txBody>
+      </p:sp>
+    </p:spTree>
+    <p:extLst>
+      <p:ext uri="{BB962C8B-B14F-4D97-AF65-F5344CB8AC3E}">
+        <p14:creationId xmlns:p14="http://schemas.microsoft.com/office/powerpoint/2010/main" val="1194829173"/>
       </p:ext>
     </p:extLst>
   </p:cSld>
@@ -1374,13 +2128,83 @@
           <a:bodyPr/>
           <a:lstStyle/>
           <a:p>
+            <a:pPr marL="171450" marR="0" lvl="0" indent="-171450" algn="l" defTabSz="914400" rtl="0" eaLnBrk="1" fontAlgn="auto" latinLnBrk="0" hangingPunct="1">
+              <a:lnSpc>
+                <a:spcPct val="100000"/>
+              </a:lnSpc>
+              <a:spcBef>
+                <a:spcPts val="0"/>
+              </a:spcBef>
+              <a:spcAft>
+                <a:spcPts val="0"/>
+              </a:spcAft>
+              <a:buClrTx/>
+              <a:buSzTx/>
+              <a:buFontTx/>
+              <a:buChar char="-"/>
+              <a:tabLst/>
+              <a:defRPr/>
+            </a:pPr>
+            <a:r>
+              <a:rPr lang="en-US" baseline="0" dirty="0" smtClean="0"/>
+              <a:t>So in comes </a:t>
+            </a:r>
+            <a:r>
+              <a:rPr lang="en-US" baseline="0" dirty="0" err="1" smtClean="0"/>
+              <a:t>RabbitMQ</a:t>
+            </a:r>
+            <a:endParaRPr lang="en-US" baseline="0" dirty="0" smtClean="0"/>
+          </a:p>
+          <a:p>
+            <a:pPr marL="628650" marR="0" lvl="1" indent="-171450" algn="l" defTabSz="914400" rtl="0" eaLnBrk="1" fontAlgn="auto" latinLnBrk="0" hangingPunct="1">
+              <a:lnSpc>
+                <a:spcPct val="100000"/>
+              </a:lnSpc>
+              <a:spcBef>
+                <a:spcPts val="0"/>
+              </a:spcBef>
+              <a:spcAft>
+                <a:spcPts val="0"/>
+              </a:spcAft>
+              <a:buClrTx/>
+              <a:buSzTx/>
+              <a:buFontTx/>
+              <a:buChar char="-"/>
+              <a:tabLst/>
+              <a:defRPr/>
+            </a:pPr>
+            <a:r>
+              <a:rPr lang="en-US" baseline="0" dirty="0" smtClean="0"/>
+              <a:t>We are using it as an in-store enterprise service bus</a:t>
+            </a:r>
+          </a:p>
+          <a:p>
             <a:pPr marL="171450" indent="-171450">
               <a:buFontTx/>
               <a:buChar char="-"/>
             </a:pPr>
             <a:r>
+              <a:rPr lang="en-US" dirty="0" smtClean="0"/>
+              <a:t>Central</a:t>
+            </a:r>
+            <a:r>
               <a:rPr lang="en-US" baseline="0" dirty="0" smtClean="0"/>
-              <a:t>This one image encapsulates the model as a whole</a:t>
+              <a:t> middleware for connecting different applications</a:t>
+            </a:r>
+            <a:endParaRPr lang="en-US" dirty="0" smtClean="0"/>
+          </a:p>
+          <a:p>
+            <a:pPr marL="171450" indent="-171450">
+              <a:buFontTx/>
+              <a:buChar char="-"/>
+            </a:pPr>
+            <a:r>
+              <a:rPr lang="en-US" dirty="0" smtClean="0"/>
+              <a:t>It uses a producer / consumer model</a:t>
+            </a:r>
+            <a:r>
+              <a:rPr lang="en-US" baseline="0" dirty="0" smtClean="0"/>
+              <a:t> </a:t>
             </a:r>
           </a:p>
           <a:p>
@@ -1389,16 +2213,32 @@
               <a:buChar char="-"/>
             </a:pPr>
             <a:r>
+              <a:rPr lang="en-US" dirty="0" smtClean="0"/>
+              <a:t>AKA a publish and subscribe</a:t>
+            </a:r>
+            <a:r>
               <a:rPr lang="en-US" baseline="0" dirty="0" smtClean="0"/>
-              <a:t>The key members of </a:t>
-            </a:r>
-            <a:r>
-              <a:rPr lang="en-US" baseline="0" dirty="0" err="1" smtClean="0"/>
-              <a:t>Rabbmq</a:t>
-            </a:r>
+              <a:t> model</a:t>
+            </a:r>
+          </a:p>
+          <a:p>
+            <a:pPr marL="628650" lvl="1" indent="-171450">
+              <a:buFontTx/>
+              <a:buChar char="-"/>
+            </a:pPr>
             <a:r>
               <a:rPr lang="en-US" baseline="0" dirty="0" smtClean="0"/>
-              <a:t> message broker are the exchanges and queues</a:t>
+              <a:t>Say, POS produce orders and KDS will consume it.</a:t>
+            </a:r>
+          </a:p>
+          <a:p>
+            <a:pPr marL="628650" lvl="1" indent="-171450">
+              <a:buFontTx/>
+              <a:buChar char="-"/>
+            </a:pPr>
+            <a:r>
+              <a:rPr lang="en-US" baseline="0" dirty="0" smtClean="0"/>
+              <a:t>Typically, this benefits systems where many applications will consume the same message from one producer</a:t>
             </a:r>
           </a:p>
         </p:txBody>
@@ -1420,7 +2260,7 @@
           <a:p>
             <a:fld id="{5206DCD0-0D67-4BF5-951B-363C0E1A0885}" type="slidenum">
               <a:rPr lang="en-US" smtClean="0"/>
-              <a:t>6</a:t>
+              <a:t>5</a:t>
             </a:fld>
             <a:endParaRPr lang="en-US"/>
           </a:p>
@@ -1429,7 +2269,7 @@
     </p:spTree>
     <p:extLst>
       <p:ext uri="{BB962C8B-B14F-4D97-AF65-F5344CB8AC3E}">
-        <p14:creationId xmlns:p14="http://schemas.microsoft.com/office/powerpoint/2010/main" val="937479220"/>
+        <p14:creationId xmlns:p14="http://schemas.microsoft.com/office/powerpoint/2010/main" val="2789245086"/>
       </p:ext>
     </p:extLst>
   </p:cSld>
@@ -1488,35 +2328,27 @@
               <a:buChar char="-"/>
             </a:pPr>
             <a:r>
-              <a:rPr lang="en-US" dirty="0" smtClean="0"/>
-              <a:t>This philosophy is rather</a:t>
-            </a:r>
-            <a:r>
               <a:rPr lang="en-US" baseline="0" dirty="0" smtClean="0"/>
-              <a:t> important</a:t>
-            </a:r>
-            <a:endParaRPr lang="en-US" dirty="0" smtClean="0"/>
-          </a:p>
-          <a:p>
-            <a:pPr marL="171450" indent="-171450">
+              <a:t>This one image encapsulates the model as a whole</a:t>
+            </a:r>
+          </a:p>
+          <a:p>
+            <a:pPr marL="628650" lvl="1" indent="-171450">
               <a:buFontTx/>
               <a:buChar char="-"/>
             </a:pPr>
             <a:r>
-              <a:rPr lang="en-US" dirty="0" smtClean="0"/>
-              <a:t>Exchange are configured with a type that </a:t>
-            </a:r>
-            <a:r>
               <a:rPr lang="en-US" baseline="0" dirty="0" smtClean="0"/>
-              <a:t>determines how messages are forwarded from the exchange to a queue</a:t>
-            </a:r>
-          </a:p>
-          <a:p>
-            <a:pPr marL="171450" indent="-171450">
-              <a:buFontTx/>
-              <a:buChar char="-"/>
-            </a:pPr>
-            <a:endParaRPr lang="en-US" dirty="0"/>
+              <a:t>The key members of </a:t>
+            </a:r>
+            <a:r>
+              <a:rPr lang="en-US" baseline="0" dirty="0" err="1" smtClean="0"/>
+              <a:t>Rabbmq</a:t>
+            </a:r>
+            <a:r>
+              <a:rPr lang="en-US" baseline="0" dirty="0" smtClean="0"/>
+              <a:t> message broker are the exchanges and queues</a:t>
+            </a:r>
           </a:p>
         </p:txBody>
       </p:sp>
@@ -1537,7 +2369,7 @@
           <a:p>
             <a:fld id="{5206DCD0-0D67-4BF5-951B-363C0E1A0885}" type="slidenum">
               <a:rPr lang="en-US" smtClean="0"/>
-              <a:t>7</a:t>
+              <a:t>6</a:t>
             </a:fld>
             <a:endParaRPr lang="en-US"/>
           </a:p>
@@ -1546,7 +2378,7 @@
     </p:spTree>
     <p:extLst>
       <p:ext uri="{BB962C8B-B14F-4D97-AF65-F5344CB8AC3E}">
-        <p14:creationId xmlns:p14="http://schemas.microsoft.com/office/powerpoint/2010/main" val="1553423175"/>
+        <p14:creationId xmlns:p14="http://schemas.microsoft.com/office/powerpoint/2010/main" val="937479220"/>
       </p:ext>
     </p:extLst>
   </p:cSld>
@@ -1606,6 +2438,21 @@
             </a:pPr>
             <a:r>
               <a:rPr lang="en-US" dirty="0" smtClean="0"/>
+              <a:t>This philosophy is rather</a:t>
+            </a:r>
+            <a:r>
+              <a:rPr lang="en-US" baseline="0" dirty="0" smtClean="0"/>
+              <a:t> important</a:t>
+            </a:r>
+            <a:endParaRPr lang="en-US" dirty="0" smtClean="0"/>
+          </a:p>
+          <a:p>
+            <a:pPr marL="171450" indent="-171450">
+              <a:buFontTx/>
+              <a:buChar char="-"/>
+            </a:pPr>
+            <a:r>
+              <a:rPr lang="en-US" dirty="0" smtClean="0"/>
               <a:t>Exchange are configured with a type that </a:t>
             </a:r>
             <a:r>
@@ -1639,7 +2486,7 @@
           <a:p>
             <a:fld id="{5206DCD0-0D67-4BF5-951B-363C0E1A0885}" type="slidenum">
               <a:rPr lang="en-US" smtClean="0"/>
-              <a:t>8</a:t>
+              <a:t>7</a:t>
             </a:fld>
             <a:endParaRPr lang="en-US"/>
           </a:p>
@@ -1648,7 +2495,7 @@
     </p:spTree>
     <p:extLst>
       <p:ext uri="{BB962C8B-B14F-4D97-AF65-F5344CB8AC3E}">
-        <p14:creationId xmlns:p14="http://schemas.microsoft.com/office/powerpoint/2010/main" val="379737894"/>
+        <p14:creationId xmlns:p14="http://schemas.microsoft.com/office/powerpoint/2010/main" val="1553423175"/>
       </p:ext>
     </p:extLst>
   </p:cSld>
@@ -1702,14 +2549,24 @@
           <a:bodyPr/>
           <a:lstStyle/>
           <a:p>
+            <a:pPr marL="171450" indent="-171450">
+              <a:buFontTx/>
+              <a:buChar char="-"/>
+            </a:pPr>
             <a:r>
               <a:rPr lang="en-US" dirty="0" smtClean="0"/>
-              <a:t>- Like</a:t>
+              <a:t>Exchange are configured with a type that </a:t>
             </a:r>
             <a:r>
               <a:rPr lang="en-US" baseline="0" dirty="0" smtClean="0"/>
-              <a:t> sending a message to Brent</a:t>
-            </a:r>
+              <a:t>determines how messages are forwarded from the exchange to a queue</a:t>
+            </a:r>
+          </a:p>
+          <a:p>
+            <a:pPr marL="171450" indent="-171450">
+              <a:buFontTx/>
+              <a:buChar char="-"/>
+            </a:pPr>
             <a:endParaRPr lang="en-US" dirty="0"/>
           </a:p>
         </p:txBody>
@@ -1731,7 +2588,7 @@
           <a:p>
             <a:fld id="{5206DCD0-0D67-4BF5-951B-363C0E1A0885}" type="slidenum">
               <a:rPr lang="en-US" smtClean="0"/>
-              <a:t>9</a:t>
+              <a:t>8</a:t>
             </a:fld>
             <a:endParaRPr lang="en-US"/>
           </a:p>
@@ -1740,7 +2597,7 @@
     </p:spTree>
     <p:extLst>
       <p:ext uri="{BB962C8B-B14F-4D97-AF65-F5344CB8AC3E}">
-        <p14:creationId xmlns:p14="http://schemas.microsoft.com/office/powerpoint/2010/main" val="2550538675"/>
+        <p14:creationId xmlns:p14="http://schemas.microsoft.com/office/powerpoint/2010/main" val="379737894"/>
       </p:ext>
     </p:extLst>
   </p:cSld>
@@ -1796,15 +2653,11 @@
           <a:p>
             <a:r>
               <a:rPr lang="en-US" dirty="0" smtClean="0"/>
-              <a:t>- Sending a message to Front of House, or anyone that’s on 3</a:t>
-            </a:r>
-            <a:r>
-              <a:rPr lang="en-US" baseline="30000" dirty="0" smtClean="0"/>
-              <a:t>rd</a:t>
-            </a:r>
-            <a:r>
-              <a:rPr lang="en-US" dirty="0" smtClean="0"/>
-              <a:t> Floor</a:t>
+              <a:t>- Like</a:t>
+            </a:r>
+            <a:r>
+              <a:rPr lang="en-US" baseline="0" dirty="0" smtClean="0"/>
+              <a:t> sending a message to Brent</a:t>
             </a:r>
             <a:endParaRPr lang="en-US" dirty="0"/>
           </a:p>
@@ -1827,7 +2680,7 @@
           <a:p>
             <a:fld id="{5206DCD0-0D67-4BF5-951B-363C0E1A0885}" type="slidenum">
               <a:rPr lang="en-US" smtClean="0"/>
-              <a:t>10</a:t>
+              <a:t>9</a:t>
             </a:fld>
             <a:endParaRPr lang="en-US"/>
           </a:p>
@@ -1836,7 +2689,7 @@
     </p:spTree>
     <p:extLst>
       <p:ext uri="{BB962C8B-B14F-4D97-AF65-F5344CB8AC3E}">
-        <p14:creationId xmlns:p14="http://schemas.microsoft.com/office/powerpoint/2010/main" val="1229780848"/>
+        <p14:creationId xmlns:p14="http://schemas.microsoft.com/office/powerpoint/2010/main" val="2550538675"/>
       </p:ext>
     </p:extLst>
   </p:cSld>
@@ -1892,7 +2745,15 @@
           <a:p>
             <a:r>
               <a:rPr lang="en-US" dirty="0" smtClean="0"/>
-              <a:t>- Sending a message to everyone at taco bell</a:t>
+              <a:t>- Sending a message to Front of House, or anyone that’s on 3</a:t>
+            </a:r>
+            <a:r>
+              <a:rPr lang="en-US" baseline="30000" dirty="0" smtClean="0"/>
+              <a:t>rd</a:t>
+            </a:r>
+            <a:r>
+              <a:rPr lang="en-US" dirty="0" smtClean="0"/>
+              <a:t> Floor</a:t>
             </a:r>
             <a:endParaRPr lang="en-US" dirty="0"/>
           </a:p>
@@ -1915,7 +2776,7 @@
           <a:p>
             <a:fld id="{5206DCD0-0D67-4BF5-951B-363C0E1A0885}" type="slidenum">
               <a:rPr lang="en-US" smtClean="0"/>
-              <a:t>11</a:t>
+              <a:t>10</a:t>
             </a:fld>
             <a:endParaRPr lang="en-US"/>
           </a:p>
@@ -1924,7 +2785,7 @@
     </p:spTree>
     <p:extLst>
       <p:ext uri="{BB962C8B-B14F-4D97-AF65-F5344CB8AC3E}">
-        <p14:creationId xmlns:p14="http://schemas.microsoft.com/office/powerpoint/2010/main" val="3383549619"/>
+        <p14:creationId xmlns:p14="http://schemas.microsoft.com/office/powerpoint/2010/main" val="1229780848"/>
       </p:ext>
     </p:extLst>
   </p:cSld>
@@ -1978,37 +2839,9 @@
           <a:bodyPr/>
           <a:lstStyle/>
           <a:p>
-            <a:pPr marL="171450" indent="-171450">
-              <a:buFontTx/>
-              <a:buChar char="-"/>
-            </a:pPr>
             <a:r>
               <a:rPr lang="en-US" dirty="0" smtClean="0"/>
-              <a:t>Queue has to be bound to an</a:t>
-            </a:r>
-            <a:r>
-              <a:rPr lang="en-US" baseline="0" dirty="0" smtClean="0"/>
-              <a:t> exchange </a:t>
-            </a:r>
-          </a:p>
-          <a:p>
-            <a:pPr marL="628650" lvl="1" indent="-171450">
-              <a:buFontTx/>
-              <a:buChar char="-"/>
-            </a:pPr>
-            <a:r>
-              <a:rPr lang="en-US" baseline="0" dirty="0" smtClean="0"/>
-              <a:t>has binding key if direct</a:t>
-            </a:r>
-          </a:p>
-          <a:p>
-            <a:pPr marL="628650" lvl="1" indent="-171450">
-              <a:buFontTx/>
-              <a:buChar char="-"/>
-            </a:pPr>
-            <a:r>
-              <a:rPr lang="en-US" baseline="0" dirty="0" smtClean="0"/>
-              <a:t>Has binding pattern if topics</a:t>
+              <a:t>- Sending a message to everyone at taco bell</a:t>
             </a:r>
             <a:endParaRPr lang="en-US" dirty="0"/>
           </a:p>
@@ -2031,7 +2864,7 @@
           <a:p>
             <a:fld id="{5206DCD0-0D67-4BF5-951B-363C0E1A0885}" type="slidenum">
               <a:rPr lang="en-US" smtClean="0"/>
-              <a:t>21</a:t>
+              <a:t>11</a:t>
             </a:fld>
             <a:endParaRPr lang="en-US"/>
           </a:p>
@@ -2040,7 +2873,7 @@
     </p:spTree>
     <p:extLst>
       <p:ext uri="{BB962C8B-B14F-4D97-AF65-F5344CB8AC3E}">
-        <p14:creationId xmlns:p14="http://schemas.microsoft.com/office/powerpoint/2010/main" val="3492285254"/>
+        <p14:creationId xmlns:p14="http://schemas.microsoft.com/office/powerpoint/2010/main" val="3383549619"/>
       </p:ext>
     </p:extLst>
   </p:cSld>
@@ -7979,7 +8812,7 @@
     <p:bg>
       <p:bgPr>
         <a:blipFill dpi="0" rotWithShape="1">
-          <a:blip r:embed="rId2">
+          <a:blip r:embed="rId3">
             <a:duotone>
               <a:schemeClr val="bg2">
                 <a:shade val="69000"/>
@@ -8084,17 +8917,7 @@
                   </a:schemeClr>
                 </a:solidFill>
               </a:rPr>
-              <a:t>Randy </a:t>
-            </a:r>
-            <a:r>
-              <a:rPr lang="en-US" smtClean="0">
-                <a:solidFill>
-                  <a:schemeClr val="tx1">
-                    <a:lumMod val="95000"/>
-                  </a:schemeClr>
-                </a:solidFill>
-              </a:rPr>
-              <a:t>Van</a:t>
+              <a:t>Randy Van</a:t>
             </a:r>
             <a:endParaRPr lang="en-US" dirty="0">
               <a:solidFill>
@@ -8175,7 +8998,7 @@
           <p:nvPr>
             <p:extLst>
               <p:ext uri="{D42A27DB-BD31-4B8C-83A1-F6EECF244321}">
-                <p14:modId xmlns:p14="http://schemas.microsoft.com/office/powerpoint/2010/main" val="2164699429"/>
+                <p14:modId xmlns:p14="http://schemas.microsoft.com/office/powerpoint/2010/main" val="2374414509"/>
               </p:ext>
             </p:extLst>
           </p:nvPr>
@@ -8413,15 +9236,7 @@
                       </a:r>
                       <a:r>
                         <a:rPr lang="en-US" dirty="0" smtClean="0"/>
-                        <a:t> = ‘</a:t>
-                      </a:r>
-                      <a:r>
-                        <a:rPr lang="en-US" dirty="0" err="1" smtClean="0"/>
-                        <a:t>brent</a:t>
-                      </a:r>
-                      <a:r>
-                        <a:rPr lang="en-US" dirty="0" smtClean="0"/>
-                        <a:t>’</a:t>
+                        <a:t> = ‘order’</a:t>
                       </a:r>
                     </a:p>
                   </a:txBody>
@@ -8505,21 +9320,9 @@
                       </a:r>
                       <a:r>
                         <a:rPr lang="en-US" baseline="0" dirty="0" smtClean="0"/>
-                        <a:t> = ‘</a:t>
-                      </a:r>
-                      <a:r>
-                        <a:rPr lang="en-US" baseline="0" dirty="0" err="1" smtClean="0"/>
-                        <a:t>brent</a:t>
-                      </a:r>
-                      <a:r>
-                        <a:rPr lang="en-US" baseline="0" dirty="0" smtClean="0"/>
-                        <a:t>’</a:t>
+                        <a:t> = ‘order’</a:t>
                       </a:r>
                       <a:endParaRPr lang="en-US" dirty="0" smtClean="0"/>
-                    </a:p>
-                    <a:p>
-                      <a:pPr algn="ctr"/>
-                      <a:endParaRPr lang="en-US" dirty="0"/>
                     </a:p>
                   </a:txBody>
                   <a:tcPr anchor="ctr"/>
@@ -8691,7 +9494,7 @@
           <p:nvPr>
             <p:extLst>
               <p:ext uri="{D42A27DB-BD31-4B8C-83A1-F6EECF244321}">
-                <p14:modId xmlns:p14="http://schemas.microsoft.com/office/powerpoint/2010/main" val="238855055"/>
+                <p14:modId xmlns:p14="http://schemas.microsoft.com/office/powerpoint/2010/main" val="3177375338"/>
               </p:ext>
             </p:extLst>
           </p:nvPr>
@@ -8988,15 +9791,7 @@
                       </a:r>
                       <a:r>
                         <a:rPr lang="en-US" dirty="0" smtClean="0"/>
-                        <a:t> = ‘</a:t>
-                      </a:r>
-                      <a:r>
-                        <a:rPr lang="en-US" dirty="0" err="1" smtClean="0"/>
-                        <a:t>brent</a:t>
-                      </a:r>
-                      <a:r>
-                        <a:rPr lang="en-US" dirty="0" smtClean="0"/>
-                        <a:t>’</a:t>
+                        <a:t> = ‘order’</a:t>
                       </a:r>
                     </a:p>
                   </a:txBody>
@@ -9095,15 +9890,7 @@
                       </a:r>
                       <a:r>
                         <a:rPr lang="en-US" baseline="0" dirty="0" smtClean="0"/>
-                        <a:t> = ‘</a:t>
-                      </a:r>
-                      <a:r>
-                        <a:rPr lang="en-US" baseline="0" dirty="0" err="1" smtClean="0"/>
-                        <a:t>brent</a:t>
-                      </a:r>
-                      <a:r>
-                        <a:rPr lang="en-US" baseline="0" dirty="0" smtClean="0"/>
-                        <a:t>’</a:t>
+                        <a:t> = ‘order’</a:t>
                       </a:r>
                       <a:endParaRPr lang="en-US" dirty="0" smtClean="0"/>
                     </a:p>
@@ -9293,6 +10080,13 @@
   <p:clrMapOvr>
     <a:masterClrMapping/>
   </p:clrMapOvr>
+  <p:timing>
+    <p:tnLst>
+      <p:par>
+        <p:cTn id="1" dur="indefinite" restart="never" nodeType="tmRoot"/>
+      </p:par>
+    </p:tnLst>
+  </p:timing>
 </p:sld>
 </file>
 
@@ -9338,7 +10132,7 @@
       </p:sp>
       <p:pic>
         <p:nvPicPr>
-          <p:cNvPr id="3" name="Picture 2"/>
+          <p:cNvPr id="4" name="Picture 3"/>
           <p:cNvPicPr>
             <a:picLocks noChangeAspect="1"/>
           </p:cNvPicPr>
@@ -9352,13 +10146,13 @@
               </a:ext>
             </a:extLst>
           </a:blip>
-          <a:srcRect l="538" t="46599" r="63783" b="34007"/>
+          <a:srcRect l="1998" t="44855" r="70211" b="39775"/>
           <a:stretch/>
         </p:blipFill>
         <p:spPr>
           <a:xfrm>
-            <a:off x="646111" y="1403927"/>
-            <a:ext cx="10802157" cy="4845831"/>
+            <a:off x="646111" y="1371600"/>
+            <a:ext cx="10841669" cy="4864100"/>
           </a:xfrm>
           <a:prstGeom prst="rect">
             <a:avLst/>
@@ -9368,7 +10162,7 @@
     </p:spTree>
     <p:extLst>
       <p:ext uri="{BB962C8B-B14F-4D97-AF65-F5344CB8AC3E}">
-        <p14:creationId xmlns:p14="http://schemas.microsoft.com/office/powerpoint/2010/main" val="2318409084"/>
+        <p14:creationId xmlns:p14="http://schemas.microsoft.com/office/powerpoint/2010/main" val="409859789"/>
       </p:ext>
     </p:extLst>
   </p:cSld>
@@ -9427,7 +10221,7 @@
       </p:sp>
       <p:pic>
         <p:nvPicPr>
-          <p:cNvPr id="3" name="Picture 2"/>
+          <p:cNvPr id="4" name="Picture 3"/>
           <p:cNvPicPr>
             <a:picLocks noChangeAspect="1"/>
           </p:cNvPicPr>
@@ -9441,13 +10235,13 @@
               </a:ext>
             </a:extLst>
           </a:blip>
-          <a:srcRect l="49175" t="48314" r="15146" b="32292"/>
+          <a:srcRect l="46431" t="45944" r="25778" b="38686"/>
           <a:stretch/>
         </p:blipFill>
         <p:spPr>
           <a:xfrm>
-            <a:off x="646111" y="1403927"/>
-            <a:ext cx="10802157" cy="4845831"/>
+            <a:off x="646111" y="1371600"/>
+            <a:ext cx="10841669" cy="4864100"/>
           </a:xfrm>
           <a:prstGeom prst="rect">
             <a:avLst/>
@@ -9457,7 +10251,7 @@
     </p:spTree>
     <p:extLst>
       <p:ext uri="{BB962C8B-B14F-4D97-AF65-F5344CB8AC3E}">
-        <p14:creationId xmlns:p14="http://schemas.microsoft.com/office/powerpoint/2010/main" val="409859789"/>
+        <p14:creationId xmlns:p14="http://schemas.microsoft.com/office/powerpoint/2010/main" val="2318409084"/>
       </p:ext>
     </p:extLst>
   </p:cSld>
@@ -9519,7 +10313,7 @@
       </p:sp>
       <p:pic>
         <p:nvPicPr>
-          <p:cNvPr id="4" name="Picture 3"/>
+          <p:cNvPr id="7" name="Picture 6"/>
           <p:cNvPicPr>
             <a:picLocks noChangeAspect="1"/>
           </p:cNvPicPr>
@@ -9533,13 +10327,13 @@
               </a:ext>
             </a:extLst>
           </a:blip>
-          <a:srcRect l="86" t="17690" r="66013" b="54837"/>
+          <a:srcRect t="17592" r="68928" b="60169"/>
           <a:stretch/>
         </p:blipFill>
         <p:spPr>
           <a:xfrm>
-            <a:off x="1930400" y="1226854"/>
-            <a:ext cx="7943273" cy="5312492"/>
+            <a:off x="1454802" y="1270000"/>
+            <a:ext cx="9161290" cy="5318539"/>
           </a:xfrm>
           <a:prstGeom prst="rect">
             <a:avLst/>
@@ -9556,6 +10350,13 @@
   <p:clrMapOvr>
     <a:masterClrMapping/>
   </p:clrMapOvr>
+  <p:timing>
+    <p:tnLst>
+      <p:par>
+        <p:cTn id="1" dur="indefinite" restart="never" nodeType="tmRoot"/>
+      </p:par>
+    </p:tnLst>
+  </p:timing>
 </p:sld>
 </file>
 
@@ -9604,7 +10405,7 @@
       </p:sp>
       <p:pic>
         <p:nvPicPr>
-          <p:cNvPr id="4" name="Picture 3"/>
+          <p:cNvPr id="5" name="Picture 4"/>
           <p:cNvPicPr>
             <a:picLocks noChangeAspect="1"/>
           </p:cNvPicPr>
@@ -9618,13 +10419,13 @@
               </a:ext>
             </a:extLst>
           </a:blip>
-          <a:srcRect l="48299" t="18773" r="17800" b="53754"/>
+          <a:srcRect l="42250" t="17038" r="26678" b="60723"/>
           <a:stretch/>
         </p:blipFill>
         <p:spPr>
           <a:xfrm>
-            <a:off x="1930400" y="1226854"/>
-            <a:ext cx="7943273" cy="5312492"/>
+            <a:off x="1454802" y="1270000"/>
+            <a:ext cx="9161290" cy="5318539"/>
           </a:xfrm>
           <a:prstGeom prst="rect">
             <a:avLst/>
@@ -9641,6 +10442,13 @@
   <p:clrMapOvr>
     <a:masterClrMapping/>
   </p:clrMapOvr>
+  <p:timing>
+    <p:tnLst>
+      <p:par>
+        <p:cTn id="1" dur="indefinite" restart="never" nodeType="tmRoot"/>
+      </p:par>
+    </p:tnLst>
+  </p:timing>
 </p:sld>
 </file>
 
@@ -9686,7 +10494,7 @@
       </p:sp>
       <p:pic>
         <p:nvPicPr>
-          <p:cNvPr id="5" name="Picture 4"/>
+          <p:cNvPr id="4" name="Picture 3"/>
           <p:cNvPicPr>
             <a:picLocks noChangeAspect="1"/>
           </p:cNvPicPr>
@@ -9700,13 +10508,13 @@
               </a:ext>
             </a:extLst>
           </a:blip>
-          <a:srcRect t="67071" r="50594"/>
+          <a:srcRect l="-300" t="62592" r="57060" b="8889"/>
           <a:stretch/>
         </p:blipFill>
         <p:spPr>
           <a:xfrm>
-            <a:off x="1069755" y="1225960"/>
-            <a:ext cx="9903045" cy="5447313"/>
+            <a:off x="1056805" y="1152983"/>
+            <a:ext cx="10278779" cy="5499100"/>
           </a:xfrm>
           <a:prstGeom prst="rect">
             <a:avLst/>
@@ -9775,7 +10583,7 @@
       </p:sp>
       <p:pic>
         <p:nvPicPr>
-          <p:cNvPr id="5" name="Picture 4"/>
+          <p:cNvPr id="6" name="Picture 5"/>
           <p:cNvPicPr>
             <a:picLocks noChangeAspect="1"/>
           </p:cNvPicPr>
@@ -9789,13 +10597,13 @@
               </a:ext>
             </a:extLst>
           </a:blip>
-          <a:srcRect l="53290" t="69827" r="-2064" b="123"/>
+          <a:srcRect l="48314" t="64380" r="8446" b="7101"/>
           <a:stretch/>
         </p:blipFill>
         <p:spPr>
           <a:xfrm>
-            <a:off x="1338838" y="1376218"/>
-            <a:ext cx="9776402" cy="4970896"/>
+            <a:off x="1056805" y="1152983"/>
+            <a:ext cx="10278779" cy="5499100"/>
           </a:xfrm>
           <a:prstGeom prst="rect">
             <a:avLst/>
@@ -10042,22 +10850,18 @@
             </a:r>
             <a:r>
               <a:rPr lang="en-US" sz="1800" dirty="0" smtClean="0"/>
-              <a:t>default) </a:t>
-            </a:r>
+              <a:t>default) not MQTT / STOMP </a:t>
+            </a:r>
+          </a:p>
+          <a:p>
+            <a:pPr lvl="4"/>
             <a:r>
               <a:rPr lang="en-US" sz="1800" dirty="0" smtClean="0"/>
-              <a:t>not MQTT / STOMP </a:t>
-            </a:r>
-          </a:p>
-          <a:p>
-            <a:pPr lvl="4"/>
+              <a:t>General overview, some things </a:t>
+            </a:r>
             <a:r>
               <a:rPr lang="en-US" sz="1800" dirty="0" smtClean="0"/>
-              <a:t>General </a:t>
-            </a:r>
-            <a:r>
-              <a:rPr lang="en-US" sz="1800" dirty="0" smtClean="0"/>
-              <a:t>overview, some things may be obvious</a:t>
+              <a:t>are skimmed</a:t>
             </a:r>
             <a:endParaRPr lang="en-US" sz="1800" dirty="0"/>
           </a:p>
@@ -10480,7 +11284,6 @@
               <a:rPr lang="en-US" sz="2400" dirty="0" smtClean="0"/>
               <a:t>Consuming is destructive</a:t>
             </a:r>
-            <a:endParaRPr lang="en-US" sz="2400" dirty="0" smtClean="0"/>
           </a:p>
           <a:p>
             <a:pPr lvl="1"/>
@@ -10707,16 +11510,11 @@
               <a:rPr lang="en-US" sz="2400" dirty="0" smtClean="0"/>
               <a:t>Consuming is destructive</a:t>
             </a:r>
-            <a:endParaRPr lang="en-US" sz="2400" dirty="0" smtClean="0"/>
           </a:p>
           <a:p>
             <a:r>
               <a:rPr lang="en-US" sz="2400" b="1" i="1" dirty="0" smtClean="0"/>
-              <a:t>No </a:t>
-            </a:r>
-            <a:r>
-              <a:rPr lang="en-US" sz="2400" b="1" i="1" dirty="0" smtClean="0"/>
-              <a:t>message replay</a:t>
+              <a:t>No message replay</a:t>
             </a:r>
           </a:p>
           <a:p>
@@ -10874,7 +11672,7 @@
           <p:nvPr/>
         </p:nvPicPr>
         <p:blipFill rotWithShape="1">
-          <a:blip r:embed="rId2">
+          <a:blip r:embed="rId3">
             <a:extLst>
               <a:ext uri="{28A0092B-C50C-407E-A947-70E740481C1C}">
                 <a14:useLocalDpi xmlns:a14="http://schemas.microsoft.com/office/drawing/2010/main" val="0"/>
@@ -10964,7 +11762,12 @@
             <p:ph idx="1"/>
           </p:nvPr>
         </p:nvSpPr>
-        <p:spPr/>
+        <p:spPr>
+          <a:xfrm>
+            <a:off x="1104293" y="1524000"/>
+            <a:ext cx="8946541" cy="4195481"/>
+          </a:xfrm>
+        </p:spPr>
         <p:txBody>
           <a:bodyPr/>
           <a:lstStyle/>
@@ -10977,53 +11780,17 @@
           <a:p>
             <a:r>
               <a:rPr lang="en-US" dirty="0" smtClean="0"/>
-              <a:t>Cannot query for previous </a:t>
-            </a:r>
-            <a:r>
-              <a:rPr lang="en-US" dirty="0" smtClean="0"/>
-              <a:t>messages*</a:t>
-            </a:r>
+              <a:t>Cannot query for previous messages*</a:t>
+            </a:r>
+          </a:p>
+          <a:p>
             <a:endParaRPr lang="en-US" dirty="0" smtClean="0"/>
           </a:p>
           <a:p>
+            <a:pPr marL="0" indent="0">
+              <a:buNone/>
+            </a:pPr>
             <a:endParaRPr lang="en-US" dirty="0" smtClean="0"/>
-          </a:p>
-          <a:p>
-            <a:r>
-              <a:rPr lang="en-US" sz="2800" dirty="0" smtClean="0"/>
-              <a:t>Producer </a:t>
-            </a:r>
-            <a:r>
-              <a:rPr lang="en-US" sz="2800" dirty="0" smtClean="0"/>
-              <a:t>Pre-Queueing</a:t>
-            </a:r>
-            <a:endParaRPr lang="en-US" sz="2800" dirty="0" smtClean="0"/>
-          </a:p>
-          <a:p>
-            <a:pPr lvl="1"/>
-            <a:r>
-              <a:rPr lang="en-US" sz="2000" dirty="0" smtClean="0"/>
-              <a:t>Consumer has less flexibility</a:t>
-            </a:r>
-          </a:p>
-          <a:p>
-            <a:pPr lvl="1"/>
-            <a:r>
-              <a:rPr lang="en-US" sz="2000" dirty="0" smtClean="0"/>
-              <a:t>No failure tolerance</a:t>
-            </a:r>
-          </a:p>
-          <a:p>
-            <a:pPr lvl="1"/>
-            <a:r>
-              <a:rPr lang="en-US" sz="2000" dirty="0" smtClean="0"/>
-              <a:t>Against the design principal of </a:t>
-            </a:r>
-            <a:r>
-              <a:rPr lang="en-US" sz="2000" dirty="0" err="1" smtClean="0"/>
-              <a:t>RabbitMQ</a:t>
-            </a:r>
-            <a:endParaRPr lang="en-US" sz="2000" dirty="0" smtClean="0"/>
           </a:p>
           <a:p>
             <a:pPr marL="0" indent="0">
@@ -11035,9 +11802,39 @@
             <a:pPr marL="0" indent="0">
               <a:buNone/>
             </a:pPr>
+            <a:endParaRPr lang="en-US" dirty="0" smtClean="0"/>
+          </a:p>
+          <a:p>
+            <a:pPr marL="0" indent="0">
+              <a:buNone/>
+            </a:pPr>
+            <a:endParaRPr lang="en-US" dirty="0"/>
+          </a:p>
+          <a:p>
+            <a:pPr marL="0" indent="0">
+              <a:buNone/>
+            </a:pPr>
+            <a:endParaRPr lang="en-US" dirty="0"/>
+          </a:p>
+          <a:p>
+            <a:pPr marL="0" indent="0">
+              <a:buNone/>
+            </a:pPr>
             <a:r>
               <a:rPr lang="en-US" sz="1600" dirty="0" smtClean="0"/>
-              <a:t>*May be limitation of AMPQ, not </a:t>
+              <a:t>*May be limitation of </a:t>
+            </a:r>
+            <a:r>
+              <a:rPr lang="en-US" sz="1600" dirty="0" smtClean="0"/>
+              <a:t>AMPQ protocol, </a:t>
+            </a:r>
+            <a:r>
+              <a:rPr lang="en-US" sz="1600" dirty="0" smtClean="0"/>
+              <a:t>not </a:t>
+            </a:r>
+            <a:r>
+              <a:rPr lang="en-US" sz="1600" dirty="0" smtClean="0"/>
+              <a:t>necessarily </a:t>
             </a:r>
             <a:r>
               <a:rPr lang="en-US" sz="1600" dirty="0" err="1" smtClean="0"/>
@@ -11078,7 +11875,7 @@
     </p:spTree>
     <p:extLst>
       <p:ext uri="{BB962C8B-B14F-4D97-AF65-F5344CB8AC3E}">
-        <p14:creationId xmlns:p14="http://schemas.microsoft.com/office/powerpoint/2010/main" val="1302362522"/>
+        <p14:creationId xmlns:p14="http://schemas.microsoft.com/office/powerpoint/2010/main" val="2554381653"/>
       </p:ext>
     </p:extLst>
   </p:cSld>
@@ -11128,47 +11925,138 @@
           <a:lstStyle/>
           <a:p>
             <a:r>
-              <a:rPr lang="en-US" dirty="0" err="1" smtClean="0"/>
+              <a:rPr lang="en-US" dirty="0" smtClean="0"/>
+              <a:t>No Message Replay? </a:t>
+            </a:r>
+            <a:endParaRPr lang="en-US" dirty="0"/>
+          </a:p>
+        </p:txBody>
+      </p:sp>
+      <p:sp>
+        <p:nvSpPr>
+          <p:cNvPr id="3" name="Content Placeholder 2"/>
+          <p:cNvSpPr>
+            <a:spLocks noGrp="1"/>
+          </p:cNvSpPr>
+          <p:nvPr>
+            <p:ph idx="1"/>
+          </p:nvPr>
+        </p:nvSpPr>
+        <p:spPr>
+          <a:xfrm>
+            <a:off x="1104293" y="1524000"/>
+            <a:ext cx="8946541" cy="4195481"/>
+          </a:xfrm>
+        </p:spPr>
+        <p:txBody>
+          <a:bodyPr/>
+          <a:lstStyle/>
+          <a:p>
+            <a:r>
+              <a:rPr lang="en-US" dirty="0" smtClean="0"/>
+              <a:t>Consumer-made queues only get new messages</a:t>
+            </a:r>
+          </a:p>
+          <a:p>
+            <a:r>
+              <a:rPr lang="en-US" dirty="0" smtClean="0"/>
+              <a:t>Cannot query for previous messages*</a:t>
+            </a:r>
+          </a:p>
+          <a:p>
+            <a:endParaRPr lang="en-US" dirty="0" smtClean="0"/>
+          </a:p>
+          <a:p>
+            <a:r>
+              <a:rPr lang="en-US" sz="2800" dirty="0" smtClean="0"/>
+              <a:t>Pre-Queueing</a:t>
+            </a:r>
+            <a:endParaRPr lang="en-US" sz="2800" dirty="0" smtClean="0"/>
+          </a:p>
+          <a:p>
+            <a:pPr lvl="1"/>
+            <a:r>
+              <a:rPr lang="en-US" sz="2000" dirty="0" smtClean="0"/>
+              <a:t>Consumer has less flexibility</a:t>
+            </a:r>
+          </a:p>
+          <a:p>
+            <a:pPr lvl="1"/>
+            <a:r>
+              <a:rPr lang="en-US" sz="2000" dirty="0" smtClean="0"/>
+              <a:t>No failure tolerance</a:t>
+            </a:r>
+          </a:p>
+          <a:p>
+            <a:pPr lvl="1"/>
+            <a:r>
+              <a:rPr lang="en-US" sz="2000" dirty="0" smtClean="0"/>
+              <a:t>Against the design principal of </a:t>
+            </a:r>
+            <a:r>
+              <a:rPr lang="en-US" sz="2000" dirty="0" err="1" smtClean="0"/>
               <a:t>RabbitMQ</a:t>
             </a:r>
-            <a:r>
-              <a:rPr lang="en-US" dirty="0" smtClean="0"/>
-              <a:t> vs. Kafka</a:t>
-            </a:r>
+            <a:endParaRPr lang="en-US" sz="2000" dirty="0" smtClean="0"/>
+          </a:p>
+          <a:p>
+            <a:pPr marL="0" indent="0">
+              <a:buNone/>
+            </a:pPr>
             <a:endParaRPr lang="en-US" dirty="0"/>
           </a:p>
-        </p:txBody>
-      </p:sp>
-      <p:sp>
-        <p:nvSpPr>
-          <p:cNvPr id="3" name="Content Placeholder 2"/>
-          <p:cNvSpPr>
-            <a:spLocks noGrp="1"/>
-          </p:cNvSpPr>
-          <p:nvPr>
-            <p:ph idx="1"/>
-          </p:nvPr>
-        </p:nvSpPr>
-        <p:spPr/>
-        <p:txBody>
-          <a:bodyPr/>
-          <a:lstStyle/>
-          <a:p>
-            <a:r>
-              <a:rPr lang="en-US" dirty="0"/>
-              <a:t>Easier to start</a:t>
-            </a:r>
-          </a:p>
-          <a:p>
-            <a:r>
-              <a:rPr lang="en-US" dirty="0"/>
-              <a:t>Flexibility in apps making queues / exchanges, not centralized</a:t>
-            </a:r>
-          </a:p>
           <a:p>
             <a:pPr marL="0" indent="0">
               <a:buNone/>
             </a:pPr>
+            <a:r>
+              <a:rPr lang="en-US" sz="1600" dirty="0" smtClean="0"/>
+              <a:t>*May be limitation of </a:t>
+            </a:r>
+            <a:r>
+              <a:rPr lang="en-US" sz="1600" dirty="0" smtClean="0"/>
+              <a:t>AMPQ protocol, </a:t>
+            </a:r>
+            <a:r>
+              <a:rPr lang="en-US" sz="1600" dirty="0" smtClean="0"/>
+              <a:t>not </a:t>
+            </a:r>
+            <a:r>
+              <a:rPr lang="en-US" sz="1600" dirty="0" smtClean="0"/>
+              <a:t>necessarily </a:t>
+            </a:r>
+            <a:r>
+              <a:rPr lang="en-US" sz="1600" dirty="0" err="1" smtClean="0"/>
+              <a:t>RabbitMQ</a:t>
+            </a:r>
+            <a:r>
+              <a:rPr lang="en-US" sz="1600" dirty="0" smtClean="0"/>
+              <a:t> </a:t>
+            </a:r>
+            <a:endParaRPr lang="en-US" sz="1600" dirty="0" smtClean="0"/>
+          </a:p>
+          <a:p>
+            <a:pPr lvl="1"/>
+            <a:endParaRPr lang="en-US" dirty="0" smtClean="0"/>
+          </a:p>
+          <a:p>
+            <a:pPr lvl="1"/>
+            <a:endParaRPr lang="en-US" dirty="0" smtClean="0"/>
+          </a:p>
+          <a:p>
+            <a:pPr lvl="1"/>
+            <a:endParaRPr lang="en-US" dirty="0" smtClean="0"/>
+          </a:p>
+          <a:p>
+            <a:pPr lvl="1"/>
+            <a:endParaRPr lang="en-US" dirty="0" smtClean="0"/>
+          </a:p>
+          <a:p>
+            <a:pPr lvl="1"/>
+            <a:endParaRPr lang="en-US" dirty="0" smtClean="0"/>
+          </a:p>
+          <a:p>
+            <a:pPr lvl="1"/>
             <a:endParaRPr lang="en-US" dirty="0"/>
           </a:p>
         </p:txBody>
@@ -11176,7 +12064,7 @@
     </p:spTree>
     <p:extLst>
       <p:ext uri="{BB962C8B-B14F-4D97-AF65-F5344CB8AC3E}">
-        <p14:creationId xmlns:p14="http://schemas.microsoft.com/office/powerpoint/2010/main" val="2585628577"/>
+        <p14:creationId xmlns:p14="http://schemas.microsoft.com/office/powerpoint/2010/main" val="1302362522"/>
       </p:ext>
     </p:extLst>
   </p:cSld>
@@ -11226,91 +12114,278 @@
           <a:lstStyle/>
           <a:p>
             <a:r>
-              <a:rPr lang="en-US" dirty="0" smtClean="0"/>
-              <a:t>Lessons Learned</a:t>
-            </a:r>
-            <a:endParaRPr lang="en-US" dirty="0"/>
-          </a:p>
-        </p:txBody>
-      </p:sp>
-      <p:sp>
-        <p:nvSpPr>
-          <p:cNvPr id="3" name="Content Placeholder 2"/>
-          <p:cNvSpPr>
-            <a:spLocks noGrp="1"/>
-          </p:cNvSpPr>
-          <p:nvPr>
-            <p:ph idx="1"/>
-          </p:nvPr>
-        </p:nvSpPr>
-        <p:spPr/>
-        <p:txBody>
-          <a:bodyPr/>
-          <a:lstStyle/>
-          <a:p>
-            <a:r>
-              <a:rPr lang="en-US" dirty="0" smtClean="0"/>
-              <a:t>Use exchanges with limited scope</a:t>
-            </a:r>
-          </a:p>
-          <a:p>
-            <a:r>
-              <a:rPr lang="en-US" dirty="0" smtClean="0"/>
-              <a:t>Use more exchanges instead of complex </a:t>
-            </a:r>
-            <a:r>
-              <a:rPr lang="en-US" dirty="0"/>
-              <a:t>topics / direct </a:t>
-            </a:r>
-            <a:r>
-              <a:rPr lang="en-US" dirty="0" smtClean="0"/>
-              <a:t>messages</a:t>
-            </a:r>
-          </a:p>
-          <a:p>
-            <a:r>
-              <a:rPr lang="en-US" dirty="0" err="1" smtClean="0"/>
-              <a:t>Fanout</a:t>
-            </a:r>
-            <a:r>
-              <a:rPr lang="en-US" dirty="0" smtClean="0"/>
-              <a:t> is a lot easier to configure</a:t>
-            </a:r>
-          </a:p>
-          <a:p>
-            <a:r>
-              <a:rPr lang="en-US" dirty="0" smtClean="0"/>
-              <a:t>Boot order can matter without pre-queueing</a:t>
-            </a:r>
-          </a:p>
-          <a:p>
-            <a:r>
-              <a:rPr lang="en-US" dirty="0" smtClean="0"/>
-              <a:t>Architecture matters, but </a:t>
-            </a:r>
-            <a:r>
               <a:rPr lang="en-US" dirty="0" err="1" smtClean="0"/>
               <a:t>RabbitMQ</a:t>
             </a:r>
             <a:r>
               <a:rPr lang="en-US" dirty="0" smtClean="0"/>
-              <a:t> can only do so much</a:t>
-            </a:r>
-          </a:p>
-          <a:p>
-            <a:pPr lvl="1"/>
-            <a:r>
-              <a:rPr lang="en-US" sz="2000" dirty="0" smtClean="0"/>
-              <a:t>What it does, it does well. </a:t>
-            </a:r>
-            <a:endParaRPr lang="en-US" sz="2000" dirty="0"/>
+              <a:t> vs. Kafka</a:t>
+            </a:r>
+            <a:endParaRPr lang="en-US" dirty="0"/>
+          </a:p>
+        </p:txBody>
+      </p:sp>
+      <p:graphicFrame>
+        <p:nvGraphicFramePr>
+          <p:cNvPr id="5" name="Table 4"/>
+          <p:cNvGraphicFramePr>
+            <a:graphicFrameLocks noGrp="1"/>
+          </p:cNvGraphicFramePr>
+          <p:nvPr>
+            <p:extLst>
+              <p:ext uri="{D42A27DB-BD31-4B8C-83A1-F6EECF244321}">
+                <p14:modId xmlns:p14="http://schemas.microsoft.com/office/powerpoint/2010/main" val="710464429"/>
+              </p:ext>
+            </p:extLst>
+          </p:nvPr>
+        </p:nvGraphicFramePr>
+        <p:xfrm>
+          <a:off x="981390" y="1766888"/>
+          <a:ext cx="10113330" cy="3022600"/>
+        </p:xfrm>
+        <a:graphic>
+          <a:graphicData uri="http://schemas.openxmlformats.org/drawingml/2006/table">
+            <a:tbl>
+              <a:tblPr firstRow="1" bandRow="1">
+                <a:tableStyleId>{5C22544A-7EE6-4342-B048-85BDC9FD1C3A}</a:tableStyleId>
+              </a:tblPr>
+              <a:tblGrid>
+                <a:gridCol w="5056665"/>
+                <a:gridCol w="5056665"/>
+              </a:tblGrid>
+              <a:tr h="370840">
+                <a:tc>
+                  <a:txBody>
+                    <a:bodyPr/>
+                    <a:lstStyle/>
+                    <a:p>
+                      <a:pPr algn="ctr"/>
+                      <a:r>
+                        <a:rPr lang="en-US" dirty="0" err="1" smtClean="0"/>
+                        <a:t>RabbitMQ</a:t>
+                      </a:r>
+                      <a:endParaRPr lang="en-US" dirty="0"/>
+                    </a:p>
+                  </a:txBody>
+                  <a:tcPr/>
+                </a:tc>
+                <a:tc>
+                  <a:txBody>
+                    <a:bodyPr/>
+                    <a:lstStyle/>
+                    <a:p>
+                      <a:pPr algn="ctr"/>
+                      <a:r>
+                        <a:rPr lang="en-US" dirty="0" smtClean="0"/>
+                        <a:t>Kafka</a:t>
+                      </a:r>
+                      <a:endParaRPr lang="en-US" dirty="0"/>
+                    </a:p>
+                  </a:txBody>
+                  <a:tcPr/>
+                </a:tc>
+              </a:tr>
+              <a:tr h="370840">
+                <a:tc>
+                  <a:txBody>
+                    <a:bodyPr/>
+                    <a:lstStyle/>
+                    <a:p>
+                      <a:pPr marL="285750" indent="-285750">
+                        <a:buFontTx/>
+                        <a:buChar char="-"/>
+                      </a:pPr>
+                      <a:r>
+                        <a:rPr lang="en-US" sz="2400" dirty="0" smtClean="0"/>
+                        <a:t>Grea</a:t>
+                      </a:r>
+                      <a:r>
+                        <a:rPr lang="en-US" sz="2400" baseline="0" dirty="0" smtClean="0"/>
+                        <a:t>t support for </a:t>
+                      </a:r>
+                      <a:r>
+                        <a:rPr lang="en-US" sz="2400" baseline="0" dirty="0" err="1" smtClean="0"/>
+                        <a:t>devs</a:t>
+                      </a:r>
+                      <a:endParaRPr lang="en-US" sz="2400" baseline="0" dirty="0" smtClean="0"/>
+                    </a:p>
+                    <a:p>
+                      <a:pPr marL="285750" indent="-285750">
+                        <a:buFontTx/>
+                        <a:buChar char="-"/>
+                      </a:pPr>
+                      <a:r>
+                        <a:rPr lang="en-US" sz="2400" dirty="0" smtClean="0"/>
+                        <a:t>Plugins</a:t>
+                      </a:r>
+                      <a:r>
+                        <a:rPr lang="en-US" sz="2400" baseline="0" dirty="0" smtClean="0"/>
+                        <a:t> for existing protocols</a:t>
+                      </a:r>
+                      <a:endParaRPr lang="en-US" sz="2400" dirty="0" smtClean="0"/>
+                    </a:p>
+                    <a:p>
+                      <a:pPr marL="285750" indent="-285750">
+                        <a:buFontTx/>
+                        <a:buChar char="-"/>
+                      </a:pPr>
+                      <a:r>
+                        <a:rPr lang="en-US" sz="2400" dirty="0" smtClean="0"/>
+                        <a:t>Open-source</a:t>
+                      </a:r>
+                    </a:p>
+                    <a:p>
+                      <a:pPr marL="285750" indent="-285750">
+                        <a:buFontTx/>
+                        <a:buChar char="-"/>
+                      </a:pPr>
+                      <a:r>
+                        <a:rPr lang="en-US" sz="2400" dirty="0" smtClean="0"/>
+                        <a:t>Lightweight</a:t>
+                      </a:r>
+                      <a:r>
+                        <a:rPr lang="en-US" sz="2400" baseline="0" dirty="0" smtClean="0"/>
+                        <a:t> </a:t>
+                      </a:r>
+                    </a:p>
+                    <a:p>
+                      <a:pPr marL="285750" indent="-285750">
+                        <a:buFontTx/>
+                        <a:buChar char="-"/>
+                      </a:pPr>
+                      <a:r>
+                        <a:rPr lang="en-US" sz="2400" baseline="0" dirty="0" smtClean="0"/>
+                        <a:t>Exchange / Queue</a:t>
+                      </a:r>
+                    </a:p>
+                    <a:p>
+                      <a:pPr marL="285750" indent="-285750">
+                        <a:buFontTx/>
+                        <a:buChar char="-"/>
+                      </a:pPr>
+                      <a:r>
+                        <a:rPr lang="en-US" sz="2400" baseline="0" dirty="0" smtClean="0"/>
+                        <a:t>Complex routing</a:t>
+                      </a:r>
+                    </a:p>
+                    <a:p>
+                      <a:pPr marL="285750" indent="-285750">
+                        <a:buFontTx/>
+                        <a:buChar char="-"/>
+                      </a:pPr>
+                      <a:r>
+                        <a:rPr lang="en-US" sz="2400" baseline="0" dirty="0" smtClean="0"/>
+                        <a:t>Control per-message</a:t>
+                      </a:r>
+                    </a:p>
+                  </a:txBody>
+                  <a:tcPr/>
+                </a:tc>
+                <a:tc>
+                  <a:txBody>
+                    <a:bodyPr/>
+                    <a:lstStyle/>
+                    <a:p>
+                      <a:pPr marL="285750" indent="-285750">
+                        <a:buFontTx/>
+                        <a:buChar char="-"/>
+                      </a:pPr>
+                      <a:r>
+                        <a:rPr lang="en-US" sz="2400" dirty="0" smtClean="0"/>
+                        <a:t>More built</a:t>
+                      </a:r>
+                      <a:r>
+                        <a:rPr lang="en-US" sz="2400" baseline="0" dirty="0" smtClean="0"/>
+                        <a:t>-in features</a:t>
+                      </a:r>
+                    </a:p>
+                    <a:p>
+                      <a:pPr marL="285750" indent="-285750">
+                        <a:buFontTx/>
+                        <a:buChar char="-"/>
+                      </a:pPr>
+                      <a:r>
+                        <a:rPr lang="en-US" sz="2400" dirty="0" smtClean="0"/>
+                        <a:t>Topics</a:t>
+                      </a:r>
+                    </a:p>
+                    <a:p>
+                      <a:pPr marL="285750" indent="-285750">
+                        <a:buFontTx/>
+                        <a:buChar char="-"/>
+                      </a:pPr>
+                      <a:r>
+                        <a:rPr lang="en-US" sz="2400" dirty="0" smtClean="0"/>
+                        <a:t>Persistent</a:t>
+                      </a:r>
+                      <a:r>
+                        <a:rPr lang="en-US" sz="2400" baseline="0" dirty="0" smtClean="0"/>
+                        <a:t> data</a:t>
+                      </a:r>
+                    </a:p>
+                    <a:p>
+                      <a:pPr marL="285750" indent="-285750">
+                        <a:buFontTx/>
+                        <a:buChar char="-"/>
+                      </a:pPr>
+                      <a:r>
+                        <a:rPr lang="en-US" sz="2400" baseline="0" dirty="0" smtClean="0"/>
+                        <a:t>.properties files for </a:t>
+                      </a:r>
+                      <a:r>
+                        <a:rPr lang="en-US" sz="2400" baseline="0" dirty="0" err="1" smtClean="0"/>
+                        <a:t>config</a:t>
+                      </a:r>
+                      <a:endParaRPr lang="en-US" sz="2400" baseline="0" dirty="0" smtClean="0"/>
+                    </a:p>
+                    <a:p>
+                      <a:pPr marL="285750" indent="-285750">
+                        <a:buFontTx/>
+                        <a:buChar char="-"/>
+                      </a:pPr>
+                      <a:endParaRPr lang="en-US" sz="2400" dirty="0"/>
+                    </a:p>
+                  </a:txBody>
+                  <a:tcPr/>
+                </a:tc>
+              </a:tr>
+            </a:tbl>
+          </a:graphicData>
+        </a:graphic>
+      </p:graphicFrame>
+      <p:sp>
+        <p:nvSpPr>
+          <p:cNvPr id="6" name="Rectangle 5"/>
+          <p:cNvSpPr/>
+          <p:nvPr/>
+        </p:nvSpPr>
+        <p:spPr>
+          <a:xfrm>
+            <a:off x="5053693" y="6511232"/>
+            <a:ext cx="7034893" cy="261610"/>
+          </a:xfrm>
+          <a:prstGeom prst="rect">
+            <a:avLst/>
+          </a:prstGeom>
+        </p:spPr>
+        <p:txBody>
+          <a:bodyPr wrap="square">
+            <a:spAutoFit/>
+          </a:bodyPr>
+          <a:lstStyle/>
+          <a:p>
+            <a:pPr algn="r"/>
+            <a:r>
+              <a:rPr lang="en-US" sz="1100" i="1" dirty="0"/>
+              <a:t>https://content.pivotal.io/blog/understanding-when-to-use-rabbitmq-or-apache-kafka</a:t>
+            </a:r>
           </a:p>
         </p:txBody>
       </p:sp>
     </p:spTree>
     <p:extLst>
       <p:ext uri="{BB962C8B-B14F-4D97-AF65-F5344CB8AC3E}">
-        <p14:creationId xmlns:p14="http://schemas.microsoft.com/office/powerpoint/2010/main" val="1676916155"/>
+        <p14:creationId xmlns:p14="http://schemas.microsoft.com/office/powerpoint/2010/main" val="2585628577"/>
       </p:ext>
     </p:extLst>
   </p:cSld>
@@ -11361,7 +12436,7 @@
           <a:p>
             <a:r>
               <a:rPr lang="en-US" dirty="0" smtClean="0"/>
-              <a:t>Further Learning</a:t>
+              <a:t>Lessons Learned</a:t>
             </a:r>
             <a:endParaRPr lang="en-US" dirty="0"/>
           </a:p>
@@ -11377,121 +12452,29 @@
             <p:ph idx="1"/>
           </p:nvPr>
         </p:nvSpPr>
-        <p:spPr/>
-        <p:txBody>
-          <a:bodyPr/>
-          <a:lstStyle/>
-          <a:p>
-            <a:pPr marL="0" indent="0">
-              <a:buNone/>
-            </a:pPr>
-            <a:r>
-              <a:rPr lang="en-US" dirty="0" smtClean="0">
-                <a:solidFill>
-                  <a:schemeClr val="accent5">
-                    <a:lumMod val="75000"/>
-                  </a:schemeClr>
-                </a:solidFill>
-                <a:hlinkClick r:id="rId2"/>
-              </a:rPr>
-              <a:t>https://jack-vanlightly.com/blog/2017/12/5/rabbitmq-vs-kafka-part-2-rabbitmq-messaging-patterns-and-topologies</a:t>
-            </a:r>
-            <a:endParaRPr lang="en-US" dirty="0" smtClean="0">
-              <a:solidFill>
-                <a:schemeClr val="accent5">
-                  <a:lumMod val="75000"/>
-                </a:schemeClr>
-              </a:solidFill>
-            </a:endParaRPr>
-          </a:p>
-          <a:p>
-            <a:pPr marL="0" indent="0">
-              <a:buNone/>
-            </a:pPr>
-            <a:endParaRPr lang="en-US" dirty="0" smtClean="0">
-              <a:solidFill>
-                <a:schemeClr val="accent5">
-                  <a:lumMod val="75000"/>
-                </a:schemeClr>
-              </a:solidFill>
-            </a:endParaRPr>
-          </a:p>
-          <a:p>
-            <a:pPr marL="0" indent="0">
-              <a:buNone/>
-            </a:pPr>
-            <a:r>
-              <a:rPr lang="en-US" dirty="0" smtClean="0">
-                <a:solidFill>
-                  <a:schemeClr val="accent5">
-                    <a:lumMod val="75000"/>
-                  </a:schemeClr>
-                </a:solidFill>
-                <a:hlinkClick r:id="rId3"/>
-              </a:rPr>
-              <a:t>https://www.cloudamqp.com/blog/2017-12-29-part1-rabbitmq-best-practice.html</a:t>
-            </a:r>
-            <a:endParaRPr lang="en-US" dirty="0" smtClean="0">
-              <a:solidFill>
-                <a:schemeClr val="accent5">
-                  <a:lumMod val="75000"/>
-                </a:schemeClr>
-              </a:solidFill>
-            </a:endParaRPr>
-          </a:p>
-          <a:p>
-            <a:pPr marL="0" indent="0">
-              <a:buNone/>
-            </a:pPr>
-            <a:endParaRPr lang="en-US" dirty="0">
-              <a:solidFill>
-                <a:schemeClr val="accent5">
-                  <a:lumMod val="75000"/>
-                </a:schemeClr>
-              </a:solidFill>
-            </a:endParaRPr>
-          </a:p>
-          <a:p>
-            <a:pPr marL="0" indent="0">
-              <a:buNone/>
-            </a:pPr>
-            <a:r>
-              <a:rPr lang="en-US" dirty="0" smtClean="0">
-                <a:solidFill>
-                  <a:schemeClr val="accent5">
-                    <a:lumMod val="75000"/>
-                  </a:schemeClr>
-                </a:solidFill>
-                <a:hlinkClick r:id="rId4"/>
-              </a:rPr>
-              <a:t>https://www.cloudamqp.com/blog/2018-01-19-part4-rabbitmq-13-common-errors.html</a:t>
-            </a:r>
-            <a:endParaRPr lang="en-US" dirty="0" smtClean="0">
-              <a:solidFill>
-                <a:schemeClr val="accent5">
-                  <a:lumMod val="75000"/>
-                </a:schemeClr>
-              </a:solidFill>
-            </a:endParaRPr>
-          </a:p>
-          <a:p>
-            <a:pPr marL="0" indent="0">
-              <a:buNone/>
-            </a:pPr>
-            <a:endParaRPr lang="en-US" dirty="0"/>
-          </a:p>
-          <a:p>
-            <a:pPr marL="0" indent="0">
-              <a:buNone/>
-            </a:pPr>
-            <a:endParaRPr lang="en-US" dirty="0"/>
+        <p:spPr>
+          <a:xfrm>
+            <a:off x="1103312" y="2052918"/>
+            <a:ext cx="9706928" cy="4195481"/>
+          </a:xfrm>
+        </p:spPr>
+        <p:txBody>
+          <a:bodyPr>
+            <a:normAutofit/>
+          </a:bodyPr>
+          <a:lstStyle/>
+          <a:p>
+            <a:r>
+              <a:rPr lang="en-US" sz="2400" dirty="0" smtClean="0"/>
+              <a:t>Use exchanges with limited scope</a:t>
+            </a:r>
           </a:p>
         </p:txBody>
       </p:sp>
     </p:spTree>
     <p:extLst>
       <p:ext uri="{BB962C8B-B14F-4D97-AF65-F5344CB8AC3E}">
-        <p14:creationId xmlns:p14="http://schemas.microsoft.com/office/powerpoint/2010/main" val="2982117526"/>
+        <p14:creationId xmlns:p14="http://schemas.microsoft.com/office/powerpoint/2010/main" val="1676916155"/>
       </p:ext>
     </p:extLst>
   </p:cSld>
@@ -11535,28 +12518,66 @@
             <p:ph type="title"/>
           </p:nvPr>
         </p:nvSpPr>
+        <p:spPr/>
+        <p:txBody>
+          <a:bodyPr/>
+          <a:lstStyle/>
+          <a:p>
+            <a:r>
+              <a:rPr lang="en-US" dirty="0" smtClean="0"/>
+              <a:t>Lessons Learned</a:t>
+            </a:r>
+            <a:endParaRPr lang="en-US" dirty="0"/>
+          </a:p>
+        </p:txBody>
+      </p:sp>
+      <p:sp>
+        <p:nvSpPr>
+          <p:cNvPr id="3" name="Content Placeholder 2"/>
+          <p:cNvSpPr>
+            <a:spLocks noGrp="1"/>
+          </p:cNvSpPr>
+          <p:nvPr>
+            <p:ph idx="1"/>
+          </p:nvPr>
+        </p:nvSpPr>
         <p:spPr>
           <a:xfrm>
-            <a:off x="4720529" y="2688304"/>
-            <a:ext cx="2523552" cy="1400530"/>
+            <a:off x="1103312" y="2052918"/>
+            <a:ext cx="9706928" cy="4195481"/>
           </a:xfrm>
         </p:spPr>
         <p:txBody>
-          <a:bodyPr/>
-          <a:lstStyle/>
-          <a:p>
-            <a:r>
-              <a:rPr lang="en-US" sz="8000" dirty="0" smtClean="0"/>
-              <a:t>Q/A</a:t>
-            </a:r>
-            <a:endParaRPr lang="en-US" sz="8000" dirty="0"/>
+          <a:bodyPr>
+            <a:normAutofit/>
+          </a:bodyPr>
+          <a:lstStyle/>
+          <a:p>
+            <a:r>
+              <a:rPr lang="en-US" sz="2400" dirty="0" smtClean="0"/>
+              <a:t>Use exchanges with limited scope</a:t>
+            </a:r>
+          </a:p>
+          <a:p>
+            <a:r>
+              <a:rPr lang="en-US" sz="2400" dirty="0" smtClean="0"/>
+              <a:t>Use more exchanges instead of complex </a:t>
+            </a:r>
+            <a:r>
+              <a:rPr lang="en-US" sz="2400" dirty="0"/>
+              <a:t>topics / direct </a:t>
+            </a:r>
+            <a:r>
+              <a:rPr lang="en-US" sz="2400" dirty="0" smtClean="0"/>
+              <a:t>messages</a:t>
+            </a:r>
           </a:p>
         </p:txBody>
       </p:sp>
     </p:spTree>
     <p:extLst>
       <p:ext uri="{BB962C8B-B14F-4D97-AF65-F5344CB8AC3E}">
-        <p14:creationId xmlns:p14="http://schemas.microsoft.com/office/powerpoint/2010/main" val="946314006"/>
+        <p14:creationId xmlns:p14="http://schemas.microsoft.com/office/powerpoint/2010/main" val="2567930904"/>
       </p:ext>
     </p:extLst>
   </p:cSld>
@@ -11736,6 +12757,29 @@
       </p:grpSpPr>
       <p:sp>
         <p:nvSpPr>
+          <p:cNvPr id="2" name="Title 1"/>
+          <p:cNvSpPr>
+            <a:spLocks noGrp="1"/>
+          </p:cNvSpPr>
+          <p:nvPr>
+            <p:ph type="title"/>
+          </p:nvPr>
+        </p:nvSpPr>
+        <p:spPr/>
+        <p:txBody>
+          <a:bodyPr/>
+          <a:lstStyle/>
+          <a:p>
+            <a:r>
+              <a:rPr lang="en-US" dirty="0" smtClean="0"/>
+              <a:t>Lessons Learned</a:t>
+            </a:r>
+            <a:endParaRPr lang="en-US" dirty="0"/>
+          </a:p>
+        </p:txBody>
+      </p:sp>
+      <p:sp>
+        <p:nvSpPr>
           <p:cNvPr id="3" name="Content Placeholder 2"/>
           <p:cNvSpPr>
             <a:spLocks noGrp="1"/>
@@ -11746,29 +12790,51 @@
         </p:nvSpPr>
         <p:spPr>
           <a:xfrm>
-            <a:off x="838200" y="1025525"/>
-            <a:ext cx="10515600" cy="4351338"/>
+            <a:off x="1103312" y="2052918"/>
+            <a:ext cx="9706928" cy="4195481"/>
           </a:xfrm>
         </p:spPr>
         <p:txBody>
-          <a:bodyPr anchor="ctr"/>
-          <a:lstStyle/>
-          <a:p>
-            <a:pPr marL="0" indent="0" algn="ctr">
-              <a:buNone/>
-            </a:pPr>
-            <a:r>
-              <a:rPr lang="en-US" sz="7200" dirty="0" smtClean="0"/>
-              <a:t>CODING</a:t>
-            </a:r>
-            <a:endParaRPr lang="en-US" sz="7200" dirty="0"/>
+          <a:bodyPr>
+            <a:normAutofit/>
+          </a:bodyPr>
+          <a:lstStyle/>
+          <a:p>
+            <a:r>
+              <a:rPr lang="en-US" sz="2400" dirty="0" smtClean="0"/>
+              <a:t>Use exchanges with limited scope</a:t>
+            </a:r>
+          </a:p>
+          <a:p>
+            <a:r>
+              <a:rPr lang="en-US" sz="2400" dirty="0" smtClean="0"/>
+              <a:t>Use more exchanges instead of complex </a:t>
+            </a:r>
+            <a:r>
+              <a:rPr lang="en-US" sz="2400" dirty="0"/>
+              <a:t>topics / direct </a:t>
+            </a:r>
+            <a:r>
+              <a:rPr lang="en-US" sz="2400" dirty="0" smtClean="0"/>
+              <a:t>messages</a:t>
+            </a:r>
+          </a:p>
+          <a:p>
+            <a:r>
+              <a:rPr lang="en-US" sz="2400" dirty="0" err="1" smtClean="0"/>
+              <a:t>Fanout</a:t>
+            </a:r>
+            <a:r>
+              <a:rPr lang="en-US" sz="2400" dirty="0" smtClean="0"/>
+              <a:t> is a lot easier to configure</a:t>
+            </a:r>
           </a:p>
         </p:txBody>
       </p:sp>
     </p:spTree>
     <p:extLst>
       <p:ext uri="{BB962C8B-B14F-4D97-AF65-F5344CB8AC3E}">
-        <p14:creationId xmlns:p14="http://schemas.microsoft.com/office/powerpoint/2010/main" val="364976418"/>
+        <p14:creationId xmlns:p14="http://schemas.microsoft.com/office/powerpoint/2010/main" val="3891610737"/>
       </p:ext>
     </p:extLst>
   </p:cSld>
@@ -11819,15 +12885,7 @@
           <a:p>
             <a:r>
               <a:rPr lang="en-US" dirty="0" smtClean="0"/>
-              <a:t>Docker and </a:t>
-            </a:r>
-            <a:r>
-              <a:rPr lang="en-US" dirty="0" err="1" smtClean="0"/>
-              <a:t>RabbitMQ</a:t>
-            </a:r>
-            <a:r>
-              <a:rPr lang="en-US" dirty="0" smtClean="0"/>
-              <a:t> Setup</a:t>
+              <a:t>Lessons Learned</a:t>
             </a:r>
             <a:endParaRPr lang="en-US" dirty="0"/>
           </a:p>
@@ -11843,89 +12901,51 @@
             <p:ph idx="1"/>
           </p:nvPr>
         </p:nvSpPr>
-        <p:spPr/>
-        <p:txBody>
-          <a:bodyPr/>
-          <a:lstStyle/>
-          <a:p>
-            <a:r>
-              <a:rPr lang="en-US" dirty="0" smtClean="0"/>
-              <a:t>Docker: </a:t>
-            </a:r>
-          </a:p>
-          <a:p>
-            <a:pPr lvl="1"/>
-            <a:r>
-              <a:rPr lang="en-US" dirty="0">
-                <a:hlinkClick r:id="rId2"/>
-              </a:rPr>
-              <a:t>https://</a:t>
-            </a:r>
-            <a:r>
-              <a:rPr lang="en-US" dirty="0" smtClean="0">
-                <a:hlinkClick r:id="rId2"/>
-              </a:rPr>
-              <a:t>www.docker.com/products/docker-desktop</a:t>
-            </a:r>
-            <a:endParaRPr lang="en-US" dirty="0" smtClean="0"/>
-          </a:p>
-          <a:p>
-            <a:pPr lvl="1"/>
-            <a:r>
-              <a:rPr lang="en-US" dirty="0">
-                <a:hlinkClick r:id="rId3"/>
-              </a:rPr>
-              <a:t>https://hub.docker.com/_/</a:t>
-            </a:r>
-            <a:r>
-              <a:rPr lang="en-US" dirty="0" smtClean="0">
-                <a:hlinkClick r:id="rId3"/>
-              </a:rPr>
-              <a:t>rabbitmq</a:t>
-            </a:r>
-            <a:endParaRPr lang="en-US" dirty="0" smtClean="0"/>
-          </a:p>
-          <a:p>
-            <a:r>
-              <a:rPr lang="en-US" dirty="0" smtClean="0"/>
-              <a:t>Visual Studio Code</a:t>
-            </a:r>
-          </a:p>
-          <a:p>
-            <a:pPr lvl="1"/>
-            <a:r>
-              <a:rPr lang="en-US" dirty="0">
-                <a:hlinkClick r:id="rId4"/>
-              </a:rPr>
-              <a:t>https://code.visualstudio.com</a:t>
-            </a:r>
-            <a:r>
-              <a:rPr lang="en-US" dirty="0" smtClean="0">
-                <a:hlinkClick r:id="rId4"/>
-              </a:rPr>
-              <a:t>/</a:t>
-            </a:r>
-            <a:endParaRPr lang="en-US" dirty="0" smtClean="0"/>
-          </a:p>
-          <a:p>
-            <a:endParaRPr lang="en-US" dirty="0"/>
-          </a:p>
-          <a:p>
-            <a:r>
-              <a:rPr lang="en-US" dirty="0" smtClean="0"/>
-              <a:t>Docker-</a:t>
-            </a:r>
-            <a:r>
-              <a:rPr lang="en-US" dirty="0" err="1" smtClean="0"/>
-              <a:t>compose.yml</a:t>
-            </a:r>
-            <a:endParaRPr lang="en-US" dirty="0" smtClean="0"/>
-          </a:p>
-          <a:p>
-            <a:pPr lvl="1"/>
-            <a:r>
-              <a:rPr lang="en-US" dirty="0" smtClean="0"/>
-              <a:t>Combined service</a:t>
+        <p:spPr>
+          <a:xfrm>
+            <a:off x="1103312" y="2052918"/>
+            <a:ext cx="9706928" cy="4195481"/>
+          </a:xfrm>
+        </p:spPr>
+        <p:txBody>
+          <a:bodyPr>
+            <a:normAutofit/>
+          </a:bodyPr>
+          <a:lstStyle/>
+          <a:p>
+            <a:r>
+              <a:rPr lang="en-US" sz="2400" dirty="0" smtClean="0"/>
+              <a:t>Use exchanges with limited scope</a:t>
+            </a:r>
+          </a:p>
+          <a:p>
+            <a:r>
+              <a:rPr lang="en-US" sz="2400" dirty="0" smtClean="0"/>
+              <a:t>Use more exchanges instead of complex </a:t>
+            </a:r>
+            <a:r>
+              <a:rPr lang="en-US" sz="2400" dirty="0"/>
+              <a:t>topics / direct </a:t>
+            </a:r>
+            <a:r>
+              <a:rPr lang="en-US" sz="2400" dirty="0" smtClean="0"/>
+              <a:t>messages</a:t>
+            </a:r>
+          </a:p>
+          <a:p>
+            <a:r>
+              <a:rPr lang="en-US" sz="2400" dirty="0" err="1" smtClean="0"/>
+              <a:t>Fanout</a:t>
+            </a:r>
+            <a:r>
+              <a:rPr lang="en-US" sz="2400" dirty="0" smtClean="0"/>
+              <a:t> is a lot easier to configure</a:t>
+            </a:r>
+          </a:p>
+          <a:p>
+            <a:r>
+              <a:rPr lang="en-US" sz="2400" dirty="0" smtClean="0"/>
+              <a:t>Boot order can matter without pre-queueing</a:t>
             </a:r>
           </a:p>
         </p:txBody>
@@ -11933,7 +12953,7 @@
     </p:spTree>
     <p:extLst>
       <p:ext uri="{BB962C8B-B14F-4D97-AF65-F5344CB8AC3E}">
-        <p14:creationId xmlns:p14="http://schemas.microsoft.com/office/powerpoint/2010/main" val="2089456189"/>
+        <p14:creationId xmlns:p14="http://schemas.microsoft.com/office/powerpoint/2010/main" val="4160583122"/>
       </p:ext>
     </p:extLst>
   </p:cSld>
@@ -11984,7 +13004,7 @@
           <a:p>
             <a:r>
               <a:rPr lang="en-US" dirty="0" smtClean="0"/>
-              <a:t>Coding Example 1</a:t>
+              <a:t>Lessons Learned</a:t>
             </a:r>
             <a:endParaRPr lang="en-US" dirty="0"/>
           </a:p>
@@ -12000,19 +13020,81 @@
             <p:ph idx="1"/>
           </p:nvPr>
         </p:nvSpPr>
-        <p:spPr/>
-        <p:txBody>
-          <a:bodyPr/>
-          <a:lstStyle/>
-          <a:p>
-            <a:endParaRPr lang="en-US" dirty="0"/>
+        <p:spPr>
+          <a:xfrm>
+            <a:off x="1103312" y="2052918"/>
+            <a:ext cx="9706928" cy="4195481"/>
+          </a:xfrm>
+        </p:spPr>
+        <p:txBody>
+          <a:bodyPr>
+            <a:normAutofit/>
+          </a:bodyPr>
+          <a:lstStyle/>
+          <a:p>
+            <a:r>
+              <a:rPr lang="en-US" sz="2400" dirty="0" smtClean="0"/>
+              <a:t>Use exchanges with limited scope</a:t>
+            </a:r>
+          </a:p>
+          <a:p>
+            <a:r>
+              <a:rPr lang="en-US" sz="2400" dirty="0" smtClean="0"/>
+              <a:t>Use more exchanges instead of complex </a:t>
+            </a:r>
+            <a:r>
+              <a:rPr lang="en-US" sz="2400" dirty="0"/>
+              <a:t>topics / direct </a:t>
+            </a:r>
+            <a:r>
+              <a:rPr lang="en-US" sz="2400" dirty="0" smtClean="0"/>
+              <a:t>messages</a:t>
+            </a:r>
+          </a:p>
+          <a:p>
+            <a:r>
+              <a:rPr lang="en-US" sz="2400" dirty="0" err="1" smtClean="0"/>
+              <a:t>Fanout</a:t>
+            </a:r>
+            <a:r>
+              <a:rPr lang="en-US" sz="2400" dirty="0" smtClean="0"/>
+              <a:t> is a lot easier to configure</a:t>
+            </a:r>
+          </a:p>
+          <a:p>
+            <a:r>
+              <a:rPr lang="en-US" sz="2400" dirty="0" smtClean="0"/>
+              <a:t>Boot order can matter without pre-queueing</a:t>
+            </a:r>
+          </a:p>
+          <a:p>
+            <a:r>
+              <a:rPr lang="en-US" sz="2400" dirty="0" smtClean="0"/>
+              <a:t>Architecture matters, but </a:t>
+            </a:r>
+            <a:r>
+              <a:rPr lang="en-US" sz="2400" dirty="0" err="1" smtClean="0"/>
+              <a:t>RabbitMQ</a:t>
+            </a:r>
+            <a:r>
+              <a:rPr lang="en-US" sz="2400" dirty="0" smtClean="0"/>
+              <a:t> can only do so much</a:t>
+            </a:r>
+          </a:p>
+          <a:p>
+            <a:pPr lvl="1"/>
+            <a:r>
+              <a:rPr lang="en-US" sz="2400" dirty="0" smtClean="0"/>
+              <a:t>Don’t make it do something it’s not meant for</a:t>
+            </a:r>
+            <a:endParaRPr lang="en-US" sz="2400" dirty="0"/>
           </a:p>
         </p:txBody>
       </p:sp>
     </p:spTree>
     <p:extLst>
       <p:ext uri="{BB962C8B-B14F-4D97-AF65-F5344CB8AC3E}">
-        <p14:creationId xmlns:p14="http://schemas.microsoft.com/office/powerpoint/2010/main" val="3271044931"/>
+        <p14:creationId xmlns:p14="http://schemas.microsoft.com/office/powerpoint/2010/main" val="2285736872"/>
       </p:ext>
     </p:extLst>
   </p:cSld>
@@ -12063,7 +13145,7 @@
           <a:p>
             <a:r>
               <a:rPr lang="en-US" dirty="0" smtClean="0"/>
-              <a:t>Management Console</a:t>
+              <a:t>Further Learning</a:t>
             </a:r>
             <a:endParaRPr lang="en-US" dirty="0"/>
           </a:p>
@@ -12084,14 +13166,116 @@
           <a:bodyPr/>
           <a:lstStyle/>
           <a:p>
-            <a:endParaRPr lang="en-US"/>
+            <a:pPr marL="0" indent="0">
+              <a:buNone/>
+            </a:pPr>
+            <a:r>
+              <a:rPr lang="en-US" dirty="0" smtClean="0">
+                <a:solidFill>
+                  <a:schemeClr val="accent5">
+                    <a:lumMod val="75000"/>
+                  </a:schemeClr>
+                </a:solidFill>
+                <a:hlinkClick r:id="rId2"/>
+              </a:rPr>
+              <a:t>https://jack-vanlightly.com/blog/2017/12/5/rabbitmq-vs-kafka-part-2-rabbitmq-messaging-patterns-and-topologies</a:t>
+            </a:r>
+            <a:endParaRPr lang="en-US" dirty="0" smtClean="0">
+              <a:solidFill>
+                <a:schemeClr val="accent5">
+                  <a:lumMod val="75000"/>
+                </a:schemeClr>
+              </a:solidFill>
+            </a:endParaRPr>
+          </a:p>
+          <a:p>
+            <a:pPr marL="0" indent="0">
+              <a:buNone/>
+            </a:pPr>
+            <a:endParaRPr lang="en-US" dirty="0" smtClean="0">
+              <a:solidFill>
+                <a:schemeClr val="accent5">
+                  <a:lumMod val="75000"/>
+                </a:schemeClr>
+              </a:solidFill>
+            </a:endParaRPr>
+          </a:p>
+          <a:p>
+            <a:pPr marL="0" indent="0">
+              <a:buNone/>
+            </a:pPr>
+            <a:r>
+              <a:rPr lang="en-US" dirty="0" smtClean="0">
+                <a:solidFill>
+                  <a:schemeClr val="accent5">
+                    <a:lumMod val="75000"/>
+                  </a:schemeClr>
+                </a:solidFill>
+                <a:hlinkClick r:id="rId3"/>
+              </a:rPr>
+              <a:t>https://www.cloudamqp.com/blog/2017-12-29-part1-rabbitmq-best-practice.html</a:t>
+            </a:r>
+            <a:endParaRPr lang="en-US" dirty="0" smtClean="0">
+              <a:solidFill>
+                <a:schemeClr val="accent5">
+                  <a:lumMod val="75000"/>
+                </a:schemeClr>
+              </a:solidFill>
+            </a:endParaRPr>
+          </a:p>
+          <a:p>
+            <a:pPr marL="0" indent="0">
+              <a:buNone/>
+            </a:pPr>
+            <a:endParaRPr lang="en-US" dirty="0">
+              <a:solidFill>
+                <a:schemeClr val="accent5">
+                  <a:lumMod val="75000"/>
+                </a:schemeClr>
+              </a:solidFill>
+            </a:endParaRPr>
+          </a:p>
+          <a:p>
+            <a:pPr marL="0" indent="0">
+              <a:buNone/>
+            </a:pPr>
+            <a:r>
+              <a:rPr lang="en-US" dirty="0" smtClean="0">
+                <a:solidFill>
+                  <a:schemeClr val="accent5">
+                    <a:lumMod val="75000"/>
+                  </a:schemeClr>
+                </a:solidFill>
+                <a:hlinkClick r:id="rId4"/>
+              </a:rPr>
+              <a:t>https://www.cloudamqp.com/blog/2018-01-19-part4-rabbitmq-13-common-errors.html</a:t>
+            </a:r>
+            <a:endParaRPr lang="en-US" dirty="0" smtClean="0">
+              <a:solidFill>
+                <a:schemeClr val="accent5">
+                  <a:lumMod val="75000"/>
+                </a:schemeClr>
+              </a:solidFill>
+            </a:endParaRPr>
+          </a:p>
+          <a:p>
+            <a:pPr marL="0" indent="0">
+              <a:buNone/>
+            </a:pPr>
+            <a:endParaRPr lang="en-US" dirty="0"/>
+          </a:p>
+          <a:p>
+            <a:pPr marL="0" indent="0">
+              <a:buNone/>
+            </a:pPr>
+            <a:endParaRPr lang="en-US" dirty="0"/>
           </a:p>
         </p:txBody>
       </p:sp>
     </p:spTree>
     <p:extLst>
       <p:ext uri="{BB962C8B-B14F-4D97-AF65-F5344CB8AC3E}">
-        <p14:creationId xmlns:p14="http://schemas.microsoft.com/office/powerpoint/2010/main" val="3345745992"/>
+        <p14:creationId xmlns:p14="http://schemas.microsoft.com/office/powerpoint/2010/main" val="2982117526"/>
       </p:ext>
     </p:extLst>
   </p:cSld>
@@ -12135,42 +13319,28 @@
             <p:ph type="title"/>
           </p:nvPr>
         </p:nvSpPr>
-        <p:spPr/>
+        <p:spPr>
+          <a:xfrm>
+            <a:off x="4720529" y="2688304"/>
+            <a:ext cx="2523552" cy="1400530"/>
+          </a:xfrm>
+        </p:spPr>
         <p:txBody>
           <a:bodyPr/>
           <a:lstStyle/>
           <a:p>
             <a:r>
-              <a:rPr lang="en-US" dirty="0" smtClean="0"/>
-              <a:t>Coding Example 2</a:t>
-            </a:r>
-            <a:endParaRPr lang="en-US" dirty="0"/>
-          </a:p>
-        </p:txBody>
-      </p:sp>
-      <p:sp>
-        <p:nvSpPr>
-          <p:cNvPr id="3" name="Content Placeholder 2"/>
-          <p:cNvSpPr>
-            <a:spLocks noGrp="1"/>
-          </p:cNvSpPr>
-          <p:nvPr>
-            <p:ph idx="1"/>
-          </p:nvPr>
-        </p:nvSpPr>
-        <p:spPr/>
-        <p:txBody>
-          <a:bodyPr/>
-          <a:lstStyle/>
-          <a:p>
-            <a:endParaRPr lang="en-US"/>
+              <a:rPr lang="en-US" sz="8000" dirty="0" smtClean="0"/>
+              <a:t>Q/A</a:t>
+            </a:r>
+            <a:endParaRPr lang="en-US" sz="8000" dirty="0"/>
           </a:p>
         </p:txBody>
       </p:sp>
     </p:spTree>
     <p:extLst>
       <p:ext uri="{BB962C8B-B14F-4D97-AF65-F5344CB8AC3E}">
-        <p14:creationId xmlns:p14="http://schemas.microsoft.com/office/powerpoint/2010/main" val="4165332422"/>
+        <p14:creationId xmlns:p14="http://schemas.microsoft.com/office/powerpoint/2010/main" val="946314006"/>
       </p:ext>
     </p:extLst>
   </p:cSld>
@@ -12206,29 +13376,6 @@
       </p:grpSpPr>
       <p:sp>
         <p:nvSpPr>
-          <p:cNvPr id="2" name="Title 1"/>
-          <p:cNvSpPr>
-            <a:spLocks noGrp="1"/>
-          </p:cNvSpPr>
-          <p:nvPr>
-            <p:ph type="title"/>
-          </p:nvPr>
-        </p:nvSpPr>
-        <p:spPr/>
-        <p:txBody>
-          <a:bodyPr/>
-          <a:lstStyle/>
-          <a:p>
-            <a:r>
-              <a:rPr lang="en-US" dirty="0" smtClean="0"/>
-              <a:t>Coding Example 3</a:t>
-            </a:r>
-            <a:endParaRPr lang="en-US" dirty="0"/>
-          </a:p>
-        </p:txBody>
-      </p:sp>
-      <p:sp>
-        <p:nvSpPr>
           <p:cNvPr id="3" name="Content Placeholder 2"/>
           <p:cNvSpPr>
             <a:spLocks noGrp="1"/>
@@ -12237,19 +13384,31 @@
             <p:ph idx="1"/>
           </p:nvPr>
         </p:nvSpPr>
-        <p:spPr/>
-        <p:txBody>
-          <a:bodyPr/>
-          <a:lstStyle/>
-          <a:p>
-            <a:endParaRPr lang="en-US"/>
+        <p:spPr>
+          <a:xfrm>
+            <a:off x="838200" y="1025525"/>
+            <a:ext cx="10515600" cy="4351338"/>
+          </a:xfrm>
+        </p:spPr>
+        <p:txBody>
+          <a:bodyPr anchor="ctr"/>
+          <a:lstStyle/>
+          <a:p>
+            <a:pPr marL="0" indent="0" algn="ctr">
+              <a:buNone/>
+            </a:pPr>
+            <a:r>
+              <a:rPr lang="en-US" sz="7200" dirty="0" smtClean="0"/>
+              <a:t>CODING</a:t>
+            </a:r>
+            <a:endParaRPr lang="en-US" sz="7200" dirty="0"/>
           </a:p>
         </p:txBody>
       </p:sp>
     </p:spTree>
     <p:extLst>
       <p:ext uri="{BB962C8B-B14F-4D97-AF65-F5344CB8AC3E}">
-        <p14:creationId xmlns:p14="http://schemas.microsoft.com/office/powerpoint/2010/main" val="2069127843"/>
+        <p14:creationId xmlns:p14="http://schemas.microsoft.com/office/powerpoint/2010/main" val="364976418"/>
       </p:ext>
     </p:extLst>
   </p:cSld>
@@ -12300,11 +13459,15 @@
           <a:p>
             <a:r>
               <a:rPr lang="en-US" dirty="0" smtClean="0"/>
-              <a:t>Configuring </a:t>
+              <a:t>Docker and </a:t>
             </a:r>
             <a:r>
               <a:rPr lang="en-US" dirty="0" err="1" smtClean="0"/>
-              <a:t>Rabbitmq</a:t>
+              <a:t>RabbitMQ</a:t>
+            </a:r>
+            <a:r>
+              <a:rPr lang="en-US" dirty="0" smtClean="0"/>
+              <a:t> Setup</a:t>
             </a:r>
             <a:endParaRPr lang="en-US" dirty="0"/>
           </a:p>
@@ -12326,76 +13489,100 @@
           <a:lstStyle/>
           <a:p>
             <a:r>
+              <a:rPr lang="en-US" dirty="0" smtClean="0"/>
+              <a:t>Docker: </a:t>
+            </a:r>
+          </a:p>
+          <a:p>
+            <a:pPr lvl="1"/>
+            <a:r>
+              <a:rPr lang="en-US" dirty="0">
+                <a:hlinkClick r:id="rId2"/>
+              </a:rPr>
+              <a:t>https://</a:t>
+            </a:r>
+            <a:r>
+              <a:rPr lang="en-US" dirty="0" smtClean="0">
+                <a:hlinkClick r:id="rId2"/>
+              </a:rPr>
+              <a:t>www.docker.com/products/docker-desktop</a:t>
+            </a:r>
+            <a:endParaRPr lang="en-US" dirty="0" smtClean="0"/>
+          </a:p>
+          <a:p>
+            <a:pPr lvl="1"/>
+            <a:r>
+              <a:rPr lang="en-US" dirty="0">
+                <a:hlinkClick r:id="rId3"/>
+              </a:rPr>
+              <a:t>https://hub.docker.com/_/</a:t>
+            </a:r>
+            <a:r>
+              <a:rPr lang="en-US" dirty="0" smtClean="0">
+                <a:hlinkClick r:id="rId3"/>
+              </a:rPr>
+              <a:t>rabbitmq</a:t>
+            </a:r>
+            <a:endParaRPr lang="en-US" dirty="0" smtClean="0"/>
+          </a:p>
+          <a:p>
+            <a:r>
+              <a:rPr lang="en-US" dirty="0" smtClean="0"/>
+              <a:t>Visual Studio Code</a:t>
+            </a:r>
+          </a:p>
+          <a:p>
+            <a:pPr lvl="1"/>
+            <a:r>
+              <a:rPr lang="en-US" dirty="0">
+                <a:hlinkClick r:id="rId4"/>
+              </a:rPr>
+              <a:t>https://code.visualstudio.com</a:t>
+            </a:r>
+            <a:r>
+              <a:rPr lang="en-US" dirty="0" smtClean="0">
+                <a:hlinkClick r:id="rId4"/>
+              </a:rPr>
+              <a:t>/</a:t>
+            </a:r>
+            <a:endParaRPr lang="en-US" dirty="0" smtClean="0"/>
+          </a:p>
+          <a:p>
+            <a:endParaRPr lang="en-US" dirty="0"/>
+          </a:p>
+          <a:p>
+            <a:r>
+              <a:rPr lang="en-US" dirty="0" smtClean="0"/>
+              <a:t>Docker-</a:t>
+            </a:r>
+            <a:r>
               <a:rPr lang="en-US" dirty="0" err="1" smtClean="0"/>
-              <a:t>Vhost</a:t>
-            </a:r>
+              <a:t>compose.yml</a:t>
+            </a:r>
+            <a:endParaRPr lang="en-US" dirty="0" smtClean="0"/>
+          </a:p>
+          <a:p>
+            <a:pPr lvl="1"/>
             <a:r>
               <a:rPr lang="en-US" dirty="0" smtClean="0"/>
-              <a:t> – contain exchanges and queues</a:t>
-            </a:r>
+              <a:t>Combined service</a:t>
+            </a:r>
+          </a:p>
+          <a:p>
+            <a:endParaRPr lang="en-US" dirty="0"/>
           </a:p>
           <a:p>
             <a:r>
               <a:rPr lang="en-US" dirty="0" smtClean="0"/>
-              <a:t>Reliability / failure</a:t>
-            </a:r>
-          </a:p>
-          <a:p>
-            <a:r>
-              <a:rPr lang="en-US" dirty="0" err="1" smtClean="0"/>
-              <a:t>Prefetch</a:t>
-            </a:r>
-            <a:r>
-              <a:rPr lang="en-US" dirty="0" smtClean="0"/>
-              <a:t> – number of messages consumer can take at once</a:t>
-            </a:r>
-          </a:p>
-          <a:p>
-            <a:r>
-              <a:rPr lang="en-US" dirty="0" smtClean="0"/>
-              <a:t>One connection, many channels</a:t>
-            </a:r>
-          </a:p>
-          <a:p>
-            <a:pPr lvl="1"/>
-            <a:r>
-              <a:rPr lang="en-US" dirty="0" smtClean="0"/>
-              <a:t>Connections take up a TCP/IP port</a:t>
-            </a:r>
-          </a:p>
-          <a:p>
-            <a:r>
-              <a:rPr lang="en-US" dirty="0" smtClean="0"/>
-              <a:t>Queue:</a:t>
-            </a:r>
-            <a:endParaRPr lang="en-US" dirty="0"/>
-          </a:p>
-          <a:p>
-            <a:pPr lvl="1"/>
-            <a:r>
-              <a:rPr lang="en-US" dirty="0"/>
-              <a:t>Depth limits</a:t>
-            </a:r>
-          </a:p>
-          <a:p>
-            <a:pPr lvl="1"/>
-            <a:r>
-              <a:rPr lang="en-US" dirty="0"/>
-              <a:t>Priority queues: high priority message</a:t>
-            </a:r>
-          </a:p>
-          <a:p>
-            <a:endParaRPr lang="en-US" dirty="0" smtClean="0"/>
-          </a:p>
-          <a:p>
-            <a:endParaRPr lang="en-US" dirty="0"/>
+              <a:t>5 min break</a:t>
+            </a:r>
           </a:p>
         </p:txBody>
       </p:sp>
     </p:spTree>
     <p:extLst>
       <p:ext uri="{BB962C8B-B14F-4D97-AF65-F5344CB8AC3E}">
-        <p14:creationId xmlns:p14="http://schemas.microsoft.com/office/powerpoint/2010/main" val="4122487529"/>
+        <p14:creationId xmlns:p14="http://schemas.microsoft.com/office/powerpoint/2010/main" val="2089456189"/>
       </p:ext>
     </p:extLst>
   </p:cSld>
@@ -12446,7 +13633,7 @@
           <a:p>
             <a:r>
               <a:rPr lang="en-US" dirty="0" smtClean="0"/>
-              <a:t>Reliability / Failure</a:t>
+              <a:t>Coding Example 1</a:t>
             </a:r>
             <a:endParaRPr lang="en-US" dirty="0"/>
           </a:p>
@@ -12464,45 +13651,302 @@
         </p:nvSpPr>
         <p:spPr/>
         <p:txBody>
-          <a:bodyPr/>
+          <a:bodyPr>
+            <a:normAutofit fontScale="92500" lnSpcReduction="20000"/>
+          </a:bodyPr>
           <a:lstStyle/>
           <a:p>
             <a:r>
               <a:rPr lang="en-US" dirty="0" smtClean="0"/>
-              <a:t>What can fail</a:t>
-            </a:r>
-          </a:p>
-          <a:p>
-            <a:r>
-              <a:rPr lang="en-US" dirty="0" smtClean="0"/>
-              <a:t>Durability</a:t>
-            </a:r>
-          </a:p>
-          <a:p>
-            <a:r>
-              <a:rPr lang="en-US" dirty="0" err="1" smtClean="0"/>
-              <a:t>Ack</a:t>
-            </a:r>
-            <a:r>
-              <a:rPr lang="en-US" dirty="0" smtClean="0"/>
-              <a:t> / Confirmations</a:t>
-            </a:r>
-          </a:p>
-          <a:p>
-            <a:r>
-              <a:rPr lang="en-US" dirty="0" smtClean="0"/>
-              <a:t>Clustering and high availability</a:t>
-            </a:r>
-          </a:p>
-          <a:p>
-            <a:endParaRPr lang="en-US" dirty="0"/>
+              <a:t>API: </a:t>
+            </a:r>
+          </a:p>
+          <a:p>
+            <a:pPr lvl="1"/>
+            <a:r>
+              <a:rPr lang="en-US" dirty="0" smtClean="0">
+                <a:hlinkClick r:id="rId3"/>
+              </a:rPr>
+              <a:t>http</a:t>
+            </a:r>
+            <a:r>
+              <a:rPr lang="en-US" dirty="0">
+                <a:hlinkClick r:id="rId3"/>
+              </a:rPr>
+              <a:t>://</a:t>
+            </a:r>
+            <a:r>
+              <a:rPr lang="en-US" dirty="0" smtClean="0">
+                <a:hlinkClick r:id="rId3"/>
+              </a:rPr>
+              <a:t>www.squaremobius.net/amqp.node/channel_api.html</a:t>
+            </a:r>
+            <a:endParaRPr lang="en-US" dirty="0" smtClean="0"/>
+          </a:p>
+          <a:p>
+            <a:r>
+              <a:rPr lang="en-US" sz="1900" dirty="0" smtClean="0"/>
+              <a:t>Steps:</a:t>
+            </a:r>
+          </a:p>
+          <a:p>
+            <a:pPr marL="457200" lvl="1" indent="0">
+              <a:buNone/>
+            </a:pPr>
+            <a:r>
+              <a:rPr lang="en-US" sz="1900" dirty="0" smtClean="0"/>
+              <a:t>1. Open connection to </a:t>
+            </a:r>
+            <a:r>
+              <a:rPr lang="en-US" sz="1900" dirty="0" err="1" smtClean="0"/>
+              <a:t>RabbitMQ</a:t>
+            </a:r>
+            <a:endParaRPr lang="en-US" sz="1900" dirty="0" smtClean="0"/>
+          </a:p>
+          <a:p>
+            <a:pPr marL="457200" lvl="1" indent="0">
+              <a:buNone/>
+            </a:pPr>
+            <a:r>
+              <a:rPr lang="en-US" sz="1900" dirty="0" smtClean="0"/>
+              <a:t>2. Create Channel </a:t>
+            </a:r>
+          </a:p>
+          <a:p>
+            <a:pPr lvl="2"/>
+            <a:r>
+              <a:rPr lang="en-US" sz="1900" dirty="0" smtClean="0"/>
+              <a:t>Create Exchange</a:t>
+            </a:r>
+          </a:p>
+          <a:p>
+            <a:pPr marL="457200" lvl="1" indent="0">
+              <a:buNone/>
+            </a:pPr>
+            <a:r>
+              <a:rPr lang="en-US" sz="1900" dirty="0" smtClean="0"/>
+              <a:t>3. Create </a:t>
+            </a:r>
+            <a:r>
+              <a:rPr lang="en-US" sz="1900" dirty="0"/>
+              <a:t>Consumer </a:t>
+            </a:r>
+            <a:r>
+              <a:rPr lang="en-US" sz="1900" dirty="0" smtClean="0"/>
+              <a:t>Channel</a:t>
+            </a:r>
+          </a:p>
+          <a:p>
+            <a:pPr lvl="2"/>
+            <a:r>
+              <a:rPr lang="en-US" sz="1900" dirty="0" smtClean="0"/>
+              <a:t>Create Queue</a:t>
+            </a:r>
+          </a:p>
+          <a:p>
+            <a:pPr lvl="2"/>
+            <a:r>
+              <a:rPr lang="en-US" sz="1900" dirty="0" smtClean="0"/>
+              <a:t>Bind queue</a:t>
+            </a:r>
+          </a:p>
+          <a:p>
+            <a:pPr lvl="2"/>
+            <a:r>
+              <a:rPr lang="en-US" sz="1900" dirty="0" err="1" smtClean="0"/>
+              <a:t>cosume</a:t>
+            </a:r>
+            <a:endParaRPr lang="en-US" sz="1900" dirty="0"/>
+          </a:p>
+          <a:p>
+            <a:pPr marL="457200" lvl="1" indent="0">
+              <a:buNone/>
+            </a:pPr>
+            <a:r>
+              <a:rPr lang="en-US" sz="1900" dirty="0" smtClean="0"/>
+              <a:t>4. Create </a:t>
+            </a:r>
+            <a:r>
+              <a:rPr lang="en-US" sz="1900" dirty="0"/>
+              <a:t>Producer Channel</a:t>
+            </a:r>
+          </a:p>
+          <a:p>
+            <a:pPr lvl="2"/>
+            <a:r>
+              <a:rPr lang="en-US" sz="1900" dirty="0"/>
+              <a:t>Send </a:t>
+            </a:r>
+            <a:r>
+              <a:rPr lang="en-US" sz="1900" dirty="0" smtClean="0"/>
+              <a:t>Message</a:t>
+            </a:r>
+            <a:endParaRPr lang="en-US" sz="1900" dirty="0"/>
           </a:p>
         </p:txBody>
       </p:sp>
     </p:spTree>
     <p:extLst>
       <p:ext uri="{BB962C8B-B14F-4D97-AF65-F5344CB8AC3E}">
-        <p14:creationId xmlns:p14="http://schemas.microsoft.com/office/powerpoint/2010/main" val="3124295657"/>
+        <p14:creationId xmlns:p14="http://schemas.microsoft.com/office/powerpoint/2010/main" val="3271044931"/>
+      </p:ext>
+    </p:extLst>
+  </p:cSld>
+  <p:clrMapOvr>
+    <a:masterClrMapping/>
+  </p:clrMapOvr>
+  <p:timing>
+    <p:tnLst>
+      <p:par>
+        <p:cTn id="1" dur="indefinite" restart="never" nodeType="tmRoot"/>
+      </p:par>
+    </p:tnLst>
+  </p:timing>
+</p:sld>
+</file>
+
+<file path=ppt/slides/slide38.xml><?xml version="1.0" encoding="utf-8"?>
+<p:sld xmlns:a="http://schemas.openxmlformats.org/drawingml/2006/main" xmlns:r="http://schemas.openxmlformats.org/officeDocument/2006/relationships" xmlns:p="http://schemas.openxmlformats.org/presentationml/2006/main">
+  <p:cSld>
+    <p:spTree>
+      <p:nvGrpSpPr>
+        <p:cNvPr id="1" name=""/>
+        <p:cNvGrpSpPr/>
+        <p:nvPr/>
+      </p:nvGrpSpPr>
+      <p:grpSpPr>
+        <a:xfrm>
+          <a:off x="0" y="0"/>
+          <a:ext cx="0" cy="0"/>
+          <a:chOff x="0" y="0"/>
+          <a:chExt cx="0" cy="0"/>
+        </a:xfrm>
+      </p:grpSpPr>
+      <p:sp>
+        <p:nvSpPr>
+          <p:cNvPr id="2" name="Title 1"/>
+          <p:cNvSpPr>
+            <a:spLocks noGrp="1"/>
+          </p:cNvSpPr>
+          <p:nvPr>
+            <p:ph type="title"/>
+          </p:nvPr>
+        </p:nvSpPr>
+        <p:spPr/>
+        <p:txBody>
+          <a:bodyPr/>
+          <a:lstStyle/>
+          <a:p>
+            <a:r>
+              <a:rPr lang="en-US" dirty="0" smtClean="0"/>
+              <a:t>Management Console</a:t>
+            </a:r>
+            <a:endParaRPr lang="en-US" dirty="0"/>
+          </a:p>
+        </p:txBody>
+      </p:sp>
+      <p:sp>
+        <p:nvSpPr>
+          <p:cNvPr id="3" name="Content Placeholder 2"/>
+          <p:cNvSpPr>
+            <a:spLocks noGrp="1"/>
+          </p:cNvSpPr>
+          <p:nvPr>
+            <p:ph idx="1"/>
+          </p:nvPr>
+        </p:nvSpPr>
+        <p:spPr/>
+        <p:txBody>
+          <a:bodyPr/>
+          <a:lstStyle/>
+          <a:p>
+            <a:endParaRPr lang="en-US" dirty="0"/>
+          </a:p>
+        </p:txBody>
+      </p:sp>
+    </p:spTree>
+    <p:extLst>
+      <p:ext uri="{BB962C8B-B14F-4D97-AF65-F5344CB8AC3E}">
+        <p14:creationId xmlns:p14="http://schemas.microsoft.com/office/powerpoint/2010/main" val="3345745992"/>
+      </p:ext>
+    </p:extLst>
+  </p:cSld>
+  <p:clrMapOvr>
+    <a:masterClrMapping/>
+  </p:clrMapOvr>
+  <p:timing>
+    <p:tnLst>
+      <p:par>
+        <p:cTn id="1" dur="indefinite" restart="never" nodeType="tmRoot"/>
+      </p:par>
+    </p:tnLst>
+  </p:timing>
+</p:sld>
+</file>
+
+<file path=ppt/slides/slide39.xml><?xml version="1.0" encoding="utf-8"?>
+<p:sld xmlns:a="http://schemas.openxmlformats.org/drawingml/2006/main" xmlns:r="http://schemas.openxmlformats.org/officeDocument/2006/relationships" xmlns:p="http://schemas.openxmlformats.org/presentationml/2006/main">
+  <p:cSld>
+    <p:spTree>
+      <p:nvGrpSpPr>
+        <p:cNvPr id="1" name=""/>
+        <p:cNvGrpSpPr/>
+        <p:nvPr/>
+      </p:nvGrpSpPr>
+      <p:grpSpPr>
+        <a:xfrm>
+          <a:off x="0" y="0"/>
+          <a:ext cx="0" cy="0"/>
+          <a:chOff x="0" y="0"/>
+          <a:chExt cx="0" cy="0"/>
+        </a:xfrm>
+      </p:grpSpPr>
+      <p:sp>
+        <p:nvSpPr>
+          <p:cNvPr id="2" name="Title 1"/>
+          <p:cNvSpPr>
+            <a:spLocks noGrp="1"/>
+          </p:cNvSpPr>
+          <p:nvPr>
+            <p:ph type="title"/>
+          </p:nvPr>
+        </p:nvSpPr>
+        <p:spPr/>
+        <p:txBody>
+          <a:bodyPr/>
+          <a:lstStyle/>
+          <a:p>
+            <a:r>
+              <a:rPr lang="en-US" dirty="0" smtClean="0"/>
+              <a:t>Coding Example 2</a:t>
+            </a:r>
+            <a:endParaRPr lang="en-US" dirty="0"/>
+          </a:p>
+        </p:txBody>
+      </p:sp>
+      <p:sp>
+        <p:nvSpPr>
+          <p:cNvPr id="3" name="Content Placeholder 2"/>
+          <p:cNvSpPr>
+            <a:spLocks noGrp="1"/>
+          </p:cNvSpPr>
+          <p:nvPr>
+            <p:ph idx="1"/>
+          </p:nvPr>
+        </p:nvSpPr>
+        <p:spPr/>
+        <p:txBody>
+          <a:bodyPr/>
+          <a:lstStyle/>
+          <a:p>
+            <a:endParaRPr lang="en-US"/>
+          </a:p>
+        </p:txBody>
+      </p:sp>
+    </p:spTree>
+    <p:extLst>
+      <p:ext uri="{BB962C8B-B14F-4D97-AF65-F5344CB8AC3E}">
+        <p14:creationId xmlns:p14="http://schemas.microsoft.com/office/powerpoint/2010/main" val="4165332422"/>
       </p:ext>
     </p:extLst>
   </p:cSld>
@@ -12593,6 +14037,299 @@
     <p:extLst>
       <p:ext uri="{BB962C8B-B14F-4D97-AF65-F5344CB8AC3E}">
         <p14:creationId xmlns:p14="http://schemas.microsoft.com/office/powerpoint/2010/main" val="265128262"/>
+      </p:ext>
+    </p:extLst>
+  </p:cSld>
+  <p:clrMapOvr>
+    <a:masterClrMapping/>
+  </p:clrMapOvr>
+  <p:timing>
+    <p:tnLst>
+      <p:par>
+        <p:cTn id="1" dur="indefinite" restart="never" nodeType="tmRoot"/>
+      </p:par>
+    </p:tnLst>
+  </p:timing>
+</p:sld>
+</file>
+
+<file path=ppt/slides/slide40.xml><?xml version="1.0" encoding="utf-8"?>
+<p:sld xmlns:a="http://schemas.openxmlformats.org/drawingml/2006/main" xmlns:r="http://schemas.openxmlformats.org/officeDocument/2006/relationships" xmlns:p="http://schemas.openxmlformats.org/presentationml/2006/main">
+  <p:cSld>
+    <p:spTree>
+      <p:nvGrpSpPr>
+        <p:cNvPr id="1" name=""/>
+        <p:cNvGrpSpPr/>
+        <p:nvPr/>
+      </p:nvGrpSpPr>
+      <p:grpSpPr>
+        <a:xfrm>
+          <a:off x="0" y="0"/>
+          <a:ext cx="0" cy="0"/>
+          <a:chOff x="0" y="0"/>
+          <a:chExt cx="0" cy="0"/>
+        </a:xfrm>
+      </p:grpSpPr>
+      <p:sp>
+        <p:nvSpPr>
+          <p:cNvPr id="2" name="Title 1"/>
+          <p:cNvSpPr>
+            <a:spLocks noGrp="1"/>
+          </p:cNvSpPr>
+          <p:nvPr>
+            <p:ph type="title"/>
+          </p:nvPr>
+        </p:nvSpPr>
+        <p:spPr/>
+        <p:txBody>
+          <a:bodyPr/>
+          <a:lstStyle/>
+          <a:p>
+            <a:r>
+              <a:rPr lang="en-US" dirty="0" smtClean="0"/>
+              <a:t>Coding Example 3</a:t>
+            </a:r>
+            <a:endParaRPr lang="en-US" dirty="0"/>
+          </a:p>
+        </p:txBody>
+      </p:sp>
+      <p:sp>
+        <p:nvSpPr>
+          <p:cNvPr id="3" name="Content Placeholder 2"/>
+          <p:cNvSpPr>
+            <a:spLocks noGrp="1"/>
+          </p:cNvSpPr>
+          <p:nvPr>
+            <p:ph idx="1"/>
+          </p:nvPr>
+        </p:nvSpPr>
+        <p:spPr/>
+        <p:txBody>
+          <a:bodyPr/>
+          <a:lstStyle/>
+          <a:p>
+            <a:endParaRPr lang="en-US"/>
+          </a:p>
+        </p:txBody>
+      </p:sp>
+    </p:spTree>
+    <p:extLst>
+      <p:ext uri="{BB962C8B-B14F-4D97-AF65-F5344CB8AC3E}">
+        <p14:creationId xmlns:p14="http://schemas.microsoft.com/office/powerpoint/2010/main" val="2069127843"/>
+      </p:ext>
+    </p:extLst>
+  </p:cSld>
+  <p:clrMapOvr>
+    <a:masterClrMapping/>
+  </p:clrMapOvr>
+  <p:timing>
+    <p:tnLst>
+      <p:par>
+        <p:cTn id="1" dur="indefinite" restart="never" nodeType="tmRoot"/>
+      </p:par>
+    </p:tnLst>
+  </p:timing>
+</p:sld>
+</file>
+
+<file path=ppt/slides/slide41.xml><?xml version="1.0" encoding="utf-8"?>
+<p:sld xmlns:a="http://schemas.openxmlformats.org/drawingml/2006/main" xmlns:r="http://schemas.openxmlformats.org/officeDocument/2006/relationships" xmlns:p="http://schemas.openxmlformats.org/presentationml/2006/main">
+  <p:cSld>
+    <p:spTree>
+      <p:nvGrpSpPr>
+        <p:cNvPr id="1" name=""/>
+        <p:cNvGrpSpPr/>
+        <p:nvPr/>
+      </p:nvGrpSpPr>
+      <p:grpSpPr>
+        <a:xfrm>
+          <a:off x="0" y="0"/>
+          <a:ext cx="0" cy="0"/>
+          <a:chOff x="0" y="0"/>
+          <a:chExt cx="0" cy="0"/>
+        </a:xfrm>
+      </p:grpSpPr>
+      <p:sp>
+        <p:nvSpPr>
+          <p:cNvPr id="2" name="Title 1"/>
+          <p:cNvSpPr>
+            <a:spLocks noGrp="1"/>
+          </p:cNvSpPr>
+          <p:nvPr>
+            <p:ph type="title"/>
+          </p:nvPr>
+        </p:nvSpPr>
+        <p:spPr/>
+        <p:txBody>
+          <a:bodyPr/>
+          <a:lstStyle/>
+          <a:p>
+            <a:r>
+              <a:rPr lang="en-US" dirty="0" smtClean="0"/>
+              <a:t>Configuring </a:t>
+            </a:r>
+            <a:r>
+              <a:rPr lang="en-US" dirty="0" err="1" smtClean="0"/>
+              <a:t>Rabbitmq</a:t>
+            </a:r>
+            <a:endParaRPr lang="en-US" dirty="0"/>
+          </a:p>
+        </p:txBody>
+      </p:sp>
+      <p:sp>
+        <p:nvSpPr>
+          <p:cNvPr id="3" name="Content Placeholder 2"/>
+          <p:cNvSpPr>
+            <a:spLocks noGrp="1"/>
+          </p:cNvSpPr>
+          <p:nvPr>
+            <p:ph idx="1"/>
+          </p:nvPr>
+        </p:nvSpPr>
+        <p:spPr>
+          <a:xfrm>
+            <a:off x="1103312" y="2052918"/>
+            <a:ext cx="9773795" cy="4195481"/>
+          </a:xfrm>
+        </p:spPr>
+        <p:txBody>
+          <a:bodyPr/>
+          <a:lstStyle/>
+          <a:p>
+            <a:r>
+              <a:rPr lang="en-US" dirty="0" err="1" smtClean="0"/>
+              <a:t>Vhost</a:t>
+            </a:r>
+            <a:r>
+              <a:rPr lang="en-US" dirty="0" smtClean="0"/>
+              <a:t> – </a:t>
+            </a:r>
+            <a:r>
+              <a:rPr lang="en-US" dirty="0" smtClean="0"/>
+              <a:t>container for </a:t>
+            </a:r>
+            <a:r>
+              <a:rPr lang="en-US" dirty="0" smtClean="0"/>
+              <a:t>exchanges and queues</a:t>
+            </a:r>
+          </a:p>
+          <a:p>
+            <a:r>
+              <a:rPr lang="en-US" dirty="0" smtClean="0"/>
+              <a:t>Reliability / </a:t>
+            </a:r>
+            <a:r>
+              <a:rPr lang="en-US" dirty="0"/>
+              <a:t>failure – clustering, </a:t>
+            </a:r>
+            <a:r>
+              <a:rPr lang="en-US" dirty="0" smtClean="0"/>
+              <a:t>high-availability, heartbeats</a:t>
+            </a:r>
+            <a:endParaRPr lang="en-US" dirty="0"/>
+          </a:p>
+          <a:p>
+            <a:pPr lvl="1"/>
+            <a:r>
+              <a:rPr lang="en-US" sz="2000" dirty="0" smtClean="0">
+                <a:hlinkClick r:id="rId2"/>
+              </a:rPr>
+              <a:t>https</a:t>
+            </a:r>
+            <a:r>
+              <a:rPr lang="en-US" sz="2000" dirty="0">
+                <a:hlinkClick r:id="rId2"/>
+              </a:rPr>
+              <a:t>://</a:t>
+            </a:r>
+            <a:r>
+              <a:rPr lang="en-US" sz="2000" dirty="0" smtClean="0">
+                <a:hlinkClick r:id="rId2"/>
+              </a:rPr>
+              <a:t>www.rabbitmq.com/reliability.html</a:t>
+            </a:r>
+            <a:endParaRPr lang="en-US" sz="2000" dirty="0" smtClean="0"/>
+          </a:p>
+          <a:p>
+            <a:r>
+              <a:rPr lang="en-US" dirty="0" err="1" smtClean="0"/>
+              <a:t>Prefetch</a:t>
+            </a:r>
+            <a:r>
+              <a:rPr lang="en-US" dirty="0" smtClean="0"/>
+              <a:t> – number of </a:t>
+            </a:r>
+            <a:r>
+              <a:rPr lang="en-US" dirty="0" err="1" smtClean="0"/>
+              <a:t>unack</a:t>
+            </a:r>
+            <a:r>
+              <a:rPr lang="en-US" dirty="0" smtClean="0"/>
+              <a:t> messages </a:t>
+            </a:r>
+            <a:r>
+              <a:rPr lang="en-US" dirty="0" smtClean="0"/>
+              <a:t>consumer can take at once</a:t>
+            </a:r>
+          </a:p>
+          <a:p>
+            <a:r>
+              <a:rPr lang="en-US" dirty="0" smtClean="0"/>
+              <a:t>One connection, many channels</a:t>
+            </a:r>
+          </a:p>
+          <a:p>
+            <a:pPr lvl="1"/>
+            <a:r>
+              <a:rPr lang="en-US" dirty="0" smtClean="0"/>
+              <a:t>Connections take up a TCP/IP </a:t>
+            </a:r>
+            <a:r>
+              <a:rPr lang="en-US" dirty="0" smtClean="0"/>
+              <a:t>port</a:t>
+            </a:r>
+          </a:p>
+          <a:p>
+            <a:pPr lvl="1"/>
+            <a:r>
+              <a:rPr lang="en-US" dirty="0" smtClean="0"/>
+              <a:t>Don’t open and close channels / connections repeatedly</a:t>
+            </a:r>
+            <a:endParaRPr lang="en-US" dirty="0" smtClean="0"/>
+          </a:p>
+          <a:p>
+            <a:r>
+              <a:rPr lang="en-US" dirty="0" smtClean="0"/>
+              <a:t>Queue:</a:t>
+            </a:r>
+            <a:endParaRPr lang="en-US" dirty="0"/>
+          </a:p>
+          <a:p>
+            <a:pPr lvl="1"/>
+            <a:r>
+              <a:rPr lang="en-US" dirty="0"/>
+              <a:t>Depth limits</a:t>
+            </a:r>
+          </a:p>
+          <a:p>
+            <a:pPr lvl="1"/>
+            <a:r>
+              <a:rPr lang="en-US" dirty="0"/>
+              <a:t>Priority queues: high priority message</a:t>
+            </a:r>
+          </a:p>
+          <a:p>
+            <a:endParaRPr lang="en-US" dirty="0" smtClean="0"/>
+          </a:p>
+          <a:p>
+            <a:endParaRPr lang="en-US" dirty="0"/>
+          </a:p>
+        </p:txBody>
+      </p:sp>
+    </p:spTree>
+    <p:extLst>
+      <p:ext uri="{BB962C8B-B14F-4D97-AF65-F5344CB8AC3E}">
+        <p14:creationId xmlns:p14="http://schemas.microsoft.com/office/powerpoint/2010/main" val="4122487529"/>
       </p:ext>
     </p:extLst>
   </p:cSld>
@@ -12975,30 +14712,63 @@
           </a:p>
         </p:txBody>
       </p:sp>
-      <p:pic>
-        <p:nvPicPr>
-          <p:cNvPr id="9" name="Picture 8"/>
-          <p:cNvPicPr>
-            <a:picLocks noChangeAspect="1"/>
-          </p:cNvPicPr>
-          <p:nvPr/>
-        </p:nvPicPr>
-        <p:blipFill>
-          <a:blip r:embed="rId3"/>
-          <a:stretch>
-            <a:fillRect/>
-          </a:stretch>
-        </p:blipFill>
+      <p:sp>
+        <p:nvSpPr>
+          <p:cNvPr id="5" name="Content Placeholder 2"/>
+          <p:cNvSpPr>
+            <a:spLocks noGrp="1"/>
+          </p:cNvSpPr>
+          <p:nvPr>
+            <p:ph idx="1"/>
+          </p:nvPr>
+        </p:nvSpPr>
         <p:spPr>
           <a:xfrm>
-            <a:off x="1293603" y="1416473"/>
-            <a:ext cx="10091548" cy="1211918"/>
+            <a:off x="850218" y="1559575"/>
+            <a:ext cx="10416495" cy="1028503"/>
           </a:xfrm>
-          <a:prstGeom prst="rect">
-            <a:avLst/>
-          </a:prstGeom>
         </p:spPr>
-      </p:pic>
+        <p:txBody>
+          <a:bodyPr>
+            <a:noAutofit/>
+          </a:bodyPr>
+          <a:lstStyle/>
+          <a:p>
+            <a:pPr marL="0" indent="0">
+              <a:buNone/>
+            </a:pPr>
+            <a:r>
+              <a:rPr lang="en-US" i="1" dirty="0" smtClean="0"/>
+              <a:t>“The core idea in the messaging model in </a:t>
+            </a:r>
+            <a:r>
+              <a:rPr lang="en-US" i="1" dirty="0" err="1" smtClean="0"/>
+              <a:t>RabbitMQ</a:t>
+            </a:r>
+            <a:r>
+              <a:rPr lang="en-US" i="1" dirty="0" smtClean="0"/>
+              <a:t> is that the </a:t>
+            </a:r>
+            <a:r>
+              <a:rPr lang="en-US" i="1" u="sng" dirty="0" smtClean="0"/>
+              <a:t>producer never sends any messages directly to a queue</a:t>
+            </a:r>
+            <a:r>
+              <a:rPr lang="en-US" i="1" dirty="0" smtClean="0"/>
+              <a:t>. Actually, quite often the producer doesn’t even know if a message will be delivered to any queue at all.” </a:t>
+            </a:r>
+            <a:r>
+              <a:rPr lang="en-US" dirty="0" smtClean="0"/>
+              <a:t>- </a:t>
+            </a:r>
+            <a:r>
+              <a:rPr lang="en-US" dirty="0" err="1" smtClean="0"/>
+              <a:t>RabbitMQ</a:t>
+            </a:r>
+            <a:endParaRPr lang="en-US" dirty="0" smtClean="0"/>
+          </a:p>
+        </p:txBody>
+      </p:sp>
     </p:spTree>
     <p:extLst>
       <p:ext uri="{BB962C8B-B14F-4D97-AF65-F5344CB8AC3E}">
@@ -13189,30 +14959,6 @@
           </a:p>
         </p:txBody>
       </p:sp>
-      <p:pic>
-        <p:nvPicPr>
-          <p:cNvPr id="8" name="Picture 7"/>
-          <p:cNvPicPr>
-            <a:picLocks noChangeAspect="1"/>
-          </p:cNvPicPr>
-          <p:nvPr/>
-        </p:nvPicPr>
-        <p:blipFill>
-          <a:blip r:embed="rId4"/>
-          <a:stretch>
-            <a:fillRect/>
-          </a:stretch>
-        </p:blipFill>
-        <p:spPr>
-          <a:xfrm>
-            <a:off x="1293603" y="1416473"/>
-            <a:ext cx="10091548" cy="1211918"/>
-          </a:xfrm>
-          <a:prstGeom prst="rect">
-            <a:avLst/>
-          </a:prstGeom>
-        </p:spPr>
-      </p:pic>
       <p:sp>
         <p:nvSpPr>
           <p:cNvPr id="10" name="Rectangle 9"/>
@@ -13239,6 +14985,279 @@
               <a:rPr lang="en-US" sz="1100" i="1" dirty="0"/>
               <a:t>https://www.rabbitmq.com/tutorials/tutorial-three-javascript.html</a:t>
             </a:r>
+          </a:p>
+        </p:txBody>
+      </p:sp>
+      <p:sp>
+        <p:nvSpPr>
+          <p:cNvPr id="11" name="Content Placeholder 2"/>
+          <p:cNvSpPr txBox="1">
+            <a:spLocks/>
+          </p:cNvSpPr>
+          <p:nvPr/>
+        </p:nvSpPr>
+        <p:spPr>
+          <a:xfrm>
+            <a:off x="850218" y="1559575"/>
+            <a:ext cx="10416495" cy="1028503"/>
+          </a:xfrm>
+          <a:prstGeom prst="rect">
+            <a:avLst/>
+          </a:prstGeom>
+        </p:spPr>
+        <p:txBody>
+          <a:bodyPr vert="horz" lIns="91440" tIns="45720" rIns="91440" bIns="45720" rtlCol="0">
+            <a:noAutofit/>
+          </a:bodyPr>
+          <a:lstStyle>
+            <a:lvl1pPr marL="342900" indent="-342900" algn="l" defTabSz="457200" rtl="0" eaLnBrk="1" latinLnBrk="0" hangingPunct="1">
+              <a:spcBef>
+                <a:spcPts val="1000"/>
+              </a:spcBef>
+              <a:spcAft>
+                <a:spcPts val="0"/>
+              </a:spcAft>
+              <a:buClr>
+                <a:schemeClr val="accent1">
+                  <a:lumMod val="60000"/>
+                  <a:lumOff val="40000"/>
+                </a:schemeClr>
+              </a:buClr>
+              <a:buSzPct val="80000"/>
+              <a:buFont typeface="Wingdings 3" charset="2"/>
+              <a:buChar char=""/>
+              <a:defRPr sz="2000" b="0" i="0" kern="1200">
+                <a:solidFill>
+                  <a:schemeClr val="tx1"/>
+                </a:solidFill>
+                <a:latin typeface="+mj-lt"/>
+                <a:ea typeface="+mj-ea"/>
+                <a:cs typeface="+mj-cs"/>
+              </a:defRPr>
+            </a:lvl1pPr>
+            <a:lvl2pPr marL="742950" indent="-285750" algn="l" defTabSz="457200" rtl="0" eaLnBrk="1" latinLnBrk="0" hangingPunct="1">
+              <a:spcBef>
+                <a:spcPts val="1000"/>
+              </a:spcBef>
+              <a:spcAft>
+                <a:spcPts val="0"/>
+              </a:spcAft>
+              <a:buClr>
+                <a:schemeClr val="accent1">
+                  <a:lumMod val="60000"/>
+                  <a:lumOff val="40000"/>
+                </a:schemeClr>
+              </a:buClr>
+              <a:buSzPct val="80000"/>
+              <a:buFont typeface="Wingdings 3" charset="2"/>
+              <a:buChar char=""/>
+              <a:defRPr sz="1800" b="0" i="0" kern="1200">
+                <a:solidFill>
+                  <a:schemeClr val="tx1"/>
+                </a:solidFill>
+                <a:latin typeface="+mj-lt"/>
+                <a:ea typeface="+mj-ea"/>
+                <a:cs typeface="+mj-cs"/>
+              </a:defRPr>
+            </a:lvl2pPr>
+            <a:lvl3pPr marL="1143000" indent="-228600" algn="l" defTabSz="457200" rtl="0" eaLnBrk="1" latinLnBrk="0" hangingPunct="1">
+              <a:spcBef>
+                <a:spcPts val="1000"/>
+              </a:spcBef>
+              <a:spcAft>
+                <a:spcPts val="0"/>
+              </a:spcAft>
+              <a:buClr>
+                <a:schemeClr val="accent1">
+                  <a:lumMod val="60000"/>
+                  <a:lumOff val="40000"/>
+                </a:schemeClr>
+              </a:buClr>
+              <a:buSzPct val="80000"/>
+              <a:buFont typeface="Wingdings 3" charset="2"/>
+              <a:buChar char=""/>
+              <a:defRPr sz="1600" b="0" i="0" kern="1200">
+                <a:solidFill>
+                  <a:schemeClr val="tx1"/>
+                </a:solidFill>
+                <a:latin typeface="+mj-lt"/>
+                <a:ea typeface="+mj-ea"/>
+                <a:cs typeface="+mj-cs"/>
+              </a:defRPr>
+            </a:lvl3pPr>
+            <a:lvl4pPr marL="1600200" indent="-228600" algn="l" defTabSz="457200" rtl="0" eaLnBrk="1" latinLnBrk="0" hangingPunct="1">
+              <a:spcBef>
+                <a:spcPts val="1000"/>
+              </a:spcBef>
+              <a:spcAft>
+                <a:spcPts val="0"/>
+              </a:spcAft>
+              <a:buClr>
+                <a:schemeClr val="accent1">
+                  <a:lumMod val="60000"/>
+                  <a:lumOff val="40000"/>
+                </a:schemeClr>
+              </a:buClr>
+              <a:buSzPct val="80000"/>
+              <a:buFont typeface="Wingdings 3" charset="2"/>
+              <a:buChar char=""/>
+              <a:defRPr sz="1400" b="0" i="0" kern="1200">
+                <a:solidFill>
+                  <a:schemeClr val="tx1"/>
+                </a:solidFill>
+                <a:latin typeface="+mj-lt"/>
+                <a:ea typeface="+mj-ea"/>
+                <a:cs typeface="+mj-cs"/>
+              </a:defRPr>
+            </a:lvl4pPr>
+            <a:lvl5pPr marL="2057400" indent="-228600" algn="l" defTabSz="457200" rtl="0" eaLnBrk="1" latinLnBrk="0" hangingPunct="1">
+              <a:spcBef>
+                <a:spcPts val="1000"/>
+              </a:spcBef>
+              <a:spcAft>
+                <a:spcPts val="0"/>
+              </a:spcAft>
+              <a:buClr>
+                <a:schemeClr val="accent1">
+                  <a:lumMod val="60000"/>
+                  <a:lumOff val="40000"/>
+                </a:schemeClr>
+              </a:buClr>
+              <a:buSzPct val="80000"/>
+              <a:buFont typeface="Wingdings 3" charset="2"/>
+              <a:buChar char=""/>
+              <a:defRPr sz="1400" b="0" i="0" kern="1200">
+                <a:solidFill>
+                  <a:schemeClr val="tx1"/>
+                </a:solidFill>
+                <a:latin typeface="+mj-lt"/>
+                <a:ea typeface="+mj-ea"/>
+                <a:cs typeface="+mj-cs"/>
+              </a:defRPr>
+            </a:lvl5pPr>
+            <a:lvl6pPr marL="2514600" indent="-228600" algn="l" defTabSz="457200" rtl="0" eaLnBrk="1" latinLnBrk="0" hangingPunct="1">
+              <a:spcBef>
+                <a:spcPts val="1000"/>
+              </a:spcBef>
+              <a:spcAft>
+                <a:spcPts val="0"/>
+              </a:spcAft>
+              <a:buClr>
+                <a:schemeClr val="accent1">
+                  <a:lumMod val="60000"/>
+                  <a:lumOff val="40000"/>
+                </a:schemeClr>
+              </a:buClr>
+              <a:buSzPct val="80000"/>
+              <a:buFont typeface="Wingdings 3" charset="2"/>
+              <a:buChar char=""/>
+              <a:defRPr sz="1400" b="0" i="0" kern="1200">
+                <a:solidFill>
+                  <a:schemeClr val="tx1"/>
+                </a:solidFill>
+                <a:latin typeface="+mj-lt"/>
+                <a:ea typeface="+mj-ea"/>
+                <a:cs typeface="+mj-cs"/>
+              </a:defRPr>
+            </a:lvl6pPr>
+            <a:lvl7pPr marL="2971800" indent="-228600" algn="l" defTabSz="457200" rtl="0" eaLnBrk="1" latinLnBrk="0" hangingPunct="1">
+              <a:spcBef>
+                <a:spcPts val="1000"/>
+              </a:spcBef>
+              <a:spcAft>
+                <a:spcPts val="0"/>
+              </a:spcAft>
+              <a:buClr>
+                <a:schemeClr val="accent1">
+                  <a:lumMod val="60000"/>
+                  <a:lumOff val="40000"/>
+                </a:schemeClr>
+              </a:buClr>
+              <a:buSzPct val="80000"/>
+              <a:buFont typeface="Wingdings 3" charset="2"/>
+              <a:buChar char=""/>
+              <a:defRPr sz="1400" b="0" i="0" kern="1200">
+                <a:solidFill>
+                  <a:schemeClr val="tx1"/>
+                </a:solidFill>
+                <a:latin typeface="+mj-lt"/>
+                <a:ea typeface="+mj-ea"/>
+                <a:cs typeface="+mj-cs"/>
+              </a:defRPr>
+            </a:lvl7pPr>
+            <a:lvl8pPr marL="3429000" indent="-228600" algn="l" defTabSz="457200" rtl="0" eaLnBrk="1" latinLnBrk="0" hangingPunct="1">
+              <a:spcBef>
+                <a:spcPts val="1000"/>
+              </a:spcBef>
+              <a:spcAft>
+                <a:spcPts val="0"/>
+              </a:spcAft>
+              <a:buClr>
+                <a:schemeClr val="accent1">
+                  <a:lumMod val="60000"/>
+                  <a:lumOff val="40000"/>
+                </a:schemeClr>
+              </a:buClr>
+              <a:buSzPct val="80000"/>
+              <a:buFont typeface="Wingdings 3" charset="2"/>
+              <a:buChar char=""/>
+              <a:defRPr sz="1400" b="0" i="0" kern="1200">
+                <a:solidFill>
+                  <a:schemeClr val="tx1"/>
+                </a:solidFill>
+                <a:latin typeface="+mj-lt"/>
+                <a:ea typeface="+mj-ea"/>
+                <a:cs typeface="+mj-cs"/>
+              </a:defRPr>
+            </a:lvl8pPr>
+            <a:lvl9pPr marL="3886200" indent="-228600" algn="l" defTabSz="457200" rtl="0" eaLnBrk="1" latinLnBrk="0" hangingPunct="1">
+              <a:spcBef>
+                <a:spcPts val="1000"/>
+              </a:spcBef>
+              <a:spcAft>
+                <a:spcPts val="0"/>
+              </a:spcAft>
+              <a:buClr>
+                <a:schemeClr val="accent1">
+                  <a:lumMod val="60000"/>
+                  <a:lumOff val="40000"/>
+                </a:schemeClr>
+              </a:buClr>
+              <a:buSzPct val="80000"/>
+              <a:buFont typeface="Wingdings 3" charset="2"/>
+              <a:buChar char=""/>
+              <a:defRPr sz="1400" b="0" i="0" kern="1200">
+                <a:solidFill>
+                  <a:schemeClr val="tx1"/>
+                </a:solidFill>
+                <a:latin typeface="+mj-lt"/>
+                <a:ea typeface="+mj-ea"/>
+                <a:cs typeface="+mj-cs"/>
+              </a:defRPr>
+            </a:lvl9pPr>
+          </a:lstStyle>
+          <a:p>
+            <a:pPr marL="0" indent="0">
+              <a:buFont typeface="Wingdings 3" charset="2"/>
+              <a:buNone/>
+            </a:pPr>
+            <a:r>
+              <a:rPr lang="en-US" i="1" smtClean="0"/>
+              <a:t>“The core idea in the messaging model in RabbitMQ is that the </a:t>
+            </a:r>
+            <a:r>
+              <a:rPr lang="en-US" i="1" u="sng" smtClean="0"/>
+              <a:t>producer never sends any messages directly to a queue</a:t>
+            </a:r>
+            <a:r>
+              <a:rPr lang="en-US" i="1" smtClean="0"/>
+              <a:t>. Actually, quite often the producer doesn’t even know if a message will be delivered to any queue at all.” </a:t>
+            </a:r>
+            <a:r>
+              <a:rPr lang="en-US" smtClean="0"/>
+              <a:t>- RabbitMQ</a:t>
+            </a:r>
+            <a:endParaRPr lang="en-US" dirty="0" smtClean="0"/>
           </a:p>
         </p:txBody>
       </p:sp>
@@ -13311,7 +15330,7 @@
           <p:nvPr>
             <p:extLst>
               <p:ext uri="{D42A27DB-BD31-4B8C-83A1-F6EECF244321}">
-                <p14:modId xmlns:p14="http://schemas.microsoft.com/office/powerpoint/2010/main" val="550616023"/>
+                <p14:modId xmlns:p14="http://schemas.microsoft.com/office/powerpoint/2010/main" val="1851393660"/>
               </p:ext>
             </p:extLst>
           </p:nvPr>
@@ -13495,16 +15514,13 @@
                       </a:r>
                       <a:r>
                         <a:rPr lang="en-US" dirty="0" smtClean="0"/>
-                        <a:t> = ‘</a:t>
-                      </a:r>
-                      <a:r>
-                        <a:rPr lang="en-US" dirty="0" err="1" smtClean="0"/>
-                        <a:t>brent</a:t>
+                        <a:t> = </a:t>
                       </a:r>
                       <a:r>
                         <a:rPr lang="en-US" dirty="0" smtClean="0"/>
-                        <a:t>’</a:t>
+                        <a:t>‘order’</a:t>
                       </a:r>
+                      <a:endParaRPr lang="en-US" dirty="0" smtClean="0"/>
                     </a:p>
                   </a:txBody>
                   <a:tcPr anchor="ctr"/>
@@ -13569,15 +15585,11 @@
                       </a:r>
                       <a:r>
                         <a:rPr lang="en-US" baseline="0" dirty="0" smtClean="0"/>
-                        <a:t> = ‘</a:t>
-                      </a:r>
-                      <a:r>
-                        <a:rPr lang="en-US" baseline="0" dirty="0" err="1" smtClean="0"/>
-                        <a:t>brent</a:t>
+                        <a:t> = </a:t>
                       </a:r>
                       <a:r>
                         <a:rPr lang="en-US" baseline="0" dirty="0" smtClean="0"/>
-                        <a:t>’</a:t>
+                        <a:t>‘order’</a:t>
                       </a:r>
                       <a:endParaRPr lang="en-US" dirty="0" smtClean="0"/>
                     </a:p>

--- a/Rabbitmq lecture.pptx
+++ b/Rabbitmq lecture.pptx
@@ -5,7 +5,7 @@
     <p:sldMasterId id="2147483702" r:id="rId1"/>
   </p:sldMasterIdLst>
   <p:notesMasterIdLst>
-    <p:notesMasterId r:id="rId43"/>
+    <p:notesMasterId r:id="rId42"/>
   </p:notesMasterIdLst>
   <p:sldIdLst>
     <p:sldId id="256" r:id="rId2"/>
@@ -47,8 +47,7 @@
     <p:sldId id="266" r:id="rId38"/>
     <p:sldId id="285" r:id="rId39"/>
     <p:sldId id="267" r:id="rId40"/>
-    <p:sldId id="268" r:id="rId41"/>
-    <p:sldId id="272" r:id="rId42"/>
+    <p:sldId id="272" r:id="rId41"/>
   </p:sldIdLst>
   <p:sldSz cx="12192000" cy="6858000"/>
   <p:notesSz cx="6858000" cy="9144000"/>
@@ -237,7 +236,7 @@
           <a:p>
             <a:fld id="{8B0400A7-9789-452B-BC01-AD390C398DAD}" type="datetimeFigureOut">
               <a:rPr lang="en-US" smtClean="0"/>
-              <a:t>2/5/2019</a:t>
+              <a:t>2/6/2019</a:t>
             </a:fld>
             <a:endParaRPr lang="en-US"/>
           </a:p>
@@ -2084,6 +2083,90 @@
 </p:notes>
 </file>
 
+<file path=ppt/notesSlides/notesSlide22.xml><?xml version="1.0" encoding="utf-8"?>
+<p:notes xmlns:a="http://schemas.openxmlformats.org/drawingml/2006/main" xmlns:r="http://schemas.openxmlformats.org/officeDocument/2006/relationships" xmlns:p="http://schemas.openxmlformats.org/presentationml/2006/main">
+  <p:cSld>
+    <p:spTree>
+      <p:nvGrpSpPr>
+        <p:cNvPr id="1" name=""/>
+        <p:cNvGrpSpPr/>
+        <p:nvPr/>
+      </p:nvGrpSpPr>
+      <p:grpSpPr>
+        <a:xfrm>
+          <a:off x="0" y="0"/>
+          <a:ext cx="0" cy="0"/>
+          <a:chOff x="0" y="0"/>
+          <a:chExt cx="0" cy="0"/>
+        </a:xfrm>
+      </p:grpSpPr>
+      <p:sp>
+        <p:nvSpPr>
+          <p:cNvPr id="2" name="Slide Image Placeholder 1"/>
+          <p:cNvSpPr>
+            <a:spLocks noGrp="1" noRot="1" noChangeAspect="1"/>
+          </p:cNvSpPr>
+          <p:nvPr>
+            <p:ph type="sldImg"/>
+          </p:nvPr>
+        </p:nvSpPr>
+        <p:spPr/>
+      </p:sp>
+      <p:sp>
+        <p:nvSpPr>
+          <p:cNvPr id="3" name="Notes Placeholder 2"/>
+          <p:cNvSpPr>
+            <a:spLocks noGrp="1"/>
+          </p:cNvSpPr>
+          <p:nvPr>
+            <p:ph type="body" idx="1"/>
+          </p:nvPr>
+        </p:nvSpPr>
+        <p:spPr/>
+        <p:txBody>
+          <a:bodyPr/>
+          <a:lstStyle/>
+          <a:p>
+            <a:endParaRPr lang="en-US" dirty="0"/>
+          </a:p>
+        </p:txBody>
+      </p:sp>
+      <p:sp>
+        <p:nvSpPr>
+          <p:cNvPr id="4" name="Slide Number Placeholder 3"/>
+          <p:cNvSpPr>
+            <a:spLocks noGrp="1"/>
+          </p:cNvSpPr>
+          <p:nvPr>
+            <p:ph type="sldNum" sz="quarter" idx="10"/>
+          </p:nvPr>
+        </p:nvSpPr>
+        <p:spPr/>
+        <p:txBody>
+          <a:bodyPr/>
+          <a:lstStyle/>
+          <a:p>
+            <a:fld id="{5206DCD0-0D67-4BF5-951B-363C0E1A0885}" type="slidenum">
+              <a:rPr lang="en-US" smtClean="0"/>
+              <a:t>38</a:t>
+            </a:fld>
+            <a:endParaRPr lang="en-US"/>
+          </a:p>
+        </p:txBody>
+      </p:sp>
+    </p:spTree>
+    <p:extLst>
+      <p:ext uri="{BB962C8B-B14F-4D97-AF65-F5344CB8AC3E}">
+        <p14:creationId xmlns:p14="http://schemas.microsoft.com/office/powerpoint/2010/main" val="4077857641"/>
+      </p:ext>
+    </p:extLst>
+  </p:cSld>
+  <p:clrMapOvr>
+    <a:masterClrMapping/>
+  </p:clrMapOvr>
+</p:notes>
+</file>
+
 <file path=ppt/notesSlides/notesSlide3.xml><?xml version="1.0" encoding="utf-8"?>
 <p:notes xmlns:a="http://schemas.openxmlformats.org/drawingml/2006/main" xmlns:r="http://schemas.openxmlformats.org/officeDocument/2006/relationships" xmlns:p="http://schemas.openxmlformats.org/presentationml/2006/main">
   <p:cSld>
@@ -3069,7 +3152,7 @@
           <a:p>
             <a:fld id="{E170E938-8157-4FE8-A5D6-416C20B9A92B}" type="datetimeFigureOut">
               <a:rPr lang="en-US" smtClean="0"/>
-              <a:t>2/5/2019</a:t>
+              <a:t>2/6/2019</a:t>
             </a:fld>
             <a:endParaRPr lang="en-US"/>
           </a:p>
@@ -3344,7 +3427,7 @@
           <a:p>
             <a:fld id="{E170E938-8157-4FE8-A5D6-416C20B9A92B}" type="datetimeFigureOut">
               <a:rPr lang="en-US" smtClean="0"/>
-              <a:t>2/5/2019</a:t>
+              <a:t>2/6/2019</a:t>
             </a:fld>
             <a:endParaRPr lang="en-US"/>
           </a:p>
@@ -3538,7 +3621,7 @@
           <a:p>
             <a:fld id="{E170E938-8157-4FE8-A5D6-416C20B9A92B}" type="datetimeFigureOut">
               <a:rPr lang="en-US" smtClean="0"/>
-              <a:t>2/5/2019</a:t>
+              <a:t>2/6/2019</a:t>
             </a:fld>
             <a:endParaRPr lang="en-US"/>
           </a:p>
@@ -3809,7 +3892,7 @@
           <a:p>
             <a:fld id="{E170E938-8157-4FE8-A5D6-416C20B9A92B}" type="datetimeFigureOut">
               <a:rPr lang="en-US" smtClean="0"/>
-              <a:t>2/5/2019</a:t>
+              <a:t>2/6/2019</a:t>
             </a:fld>
             <a:endParaRPr lang="en-US"/>
           </a:p>
@@ -4136,7 +4219,7 @@
           <a:p>
             <a:fld id="{E170E938-8157-4FE8-A5D6-416C20B9A92B}" type="datetimeFigureOut">
               <a:rPr lang="en-US" smtClean="0"/>
-              <a:t>2/5/2019</a:t>
+              <a:t>2/6/2019</a:t>
             </a:fld>
             <a:endParaRPr lang="en-US"/>
           </a:p>
@@ -4755,7 +4838,7 @@
           <a:p>
             <a:fld id="{E170E938-8157-4FE8-A5D6-416C20B9A92B}" type="datetimeFigureOut">
               <a:rPr lang="en-US" smtClean="0"/>
-              <a:t>2/5/2019</a:t>
+              <a:t>2/6/2019</a:t>
             </a:fld>
             <a:endParaRPr lang="en-US"/>
           </a:p>
@@ -5602,7 +5685,7 @@
           <a:p>
             <a:fld id="{E170E938-8157-4FE8-A5D6-416C20B9A92B}" type="datetimeFigureOut">
               <a:rPr lang="en-US" smtClean="0"/>
-              <a:t>2/5/2019</a:t>
+              <a:t>2/6/2019</a:t>
             </a:fld>
             <a:endParaRPr lang="en-US"/>
           </a:p>
@@ -5772,7 +5855,7 @@
           <a:p>
             <a:fld id="{E170E938-8157-4FE8-A5D6-416C20B9A92B}" type="datetimeFigureOut">
               <a:rPr lang="en-US" smtClean="0"/>
-              <a:t>2/5/2019</a:t>
+              <a:t>2/6/2019</a:t>
             </a:fld>
             <a:endParaRPr lang="en-US"/>
           </a:p>
@@ -5952,7 +6035,7 @@
           <a:p>
             <a:fld id="{E170E938-8157-4FE8-A5D6-416C20B9A92B}" type="datetimeFigureOut">
               <a:rPr lang="en-US" smtClean="0"/>
-              <a:t>2/5/2019</a:t>
+              <a:t>2/6/2019</a:t>
             </a:fld>
             <a:endParaRPr lang="en-US"/>
           </a:p>
@@ -6122,7 +6205,7 @@
           <a:p>
             <a:fld id="{E170E938-8157-4FE8-A5D6-416C20B9A92B}" type="datetimeFigureOut">
               <a:rPr lang="en-US" smtClean="0"/>
-              <a:t>2/5/2019</a:t>
+              <a:t>2/6/2019</a:t>
             </a:fld>
             <a:endParaRPr lang="en-US"/>
           </a:p>
@@ -6369,7 +6452,7 @@
           <a:p>
             <a:fld id="{E170E938-8157-4FE8-A5D6-416C20B9A92B}" type="datetimeFigureOut">
               <a:rPr lang="en-US" smtClean="0"/>
-              <a:t>2/5/2019</a:t>
+              <a:t>2/6/2019</a:t>
             </a:fld>
             <a:endParaRPr lang="en-US"/>
           </a:p>
@@ -6661,7 +6744,7 @@
           <a:p>
             <a:fld id="{E170E938-8157-4FE8-A5D6-416C20B9A92B}" type="datetimeFigureOut">
               <a:rPr lang="en-US" smtClean="0"/>
-              <a:t>2/5/2019</a:t>
+              <a:t>2/6/2019</a:t>
             </a:fld>
             <a:endParaRPr lang="en-US"/>
           </a:p>
@@ -7105,7 +7188,7 @@
           <a:p>
             <a:fld id="{E170E938-8157-4FE8-A5D6-416C20B9A92B}" type="datetimeFigureOut">
               <a:rPr lang="en-US" smtClean="0"/>
-              <a:t>2/5/2019</a:t>
+              <a:t>2/6/2019</a:t>
             </a:fld>
             <a:endParaRPr lang="en-US"/>
           </a:p>
@@ -7223,7 +7306,7 @@
           <a:p>
             <a:fld id="{E170E938-8157-4FE8-A5D6-416C20B9A92B}" type="datetimeFigureOut">
               <a:rPr lang="en-US" smtClean="0"/>
-              <a:t>2/5/2019</a:t>
+              <a:t>2/6/2019</a:t>
             </a:fld>
             <a:endParaRPr lang="en-US"/>
           </a:p>
@@ -7318,7 +7401,7 @@
           <a:p>
             <a:fld id="{E170E938-8157-4FE8-A5D6-416C20B9A92B}" type="datetimeFigureOut">
               <a:rPr lang="en-US" smtClean="0"/>
-              <a:t>2/5/2019</a:t>
+              <a:t>2/6/2019</a:t>
             </a:fld>
             <a:endParaRPr lang="en-US"/>
           </a:p>
@@ -7597,7 +7680,7 @@
           <a:p>
             <a:fld id="{E170E938-8157-4FE8-A5D6-416C20B9A92B}" type="datetimeFigureOut">
               <a:rPr lang="en-US" smtClean="0"/>
-              <a:t>2/5/2019</a:t>
+              <a:t>2/6/2019</a:t>
             </a:fld>
             <a:endParaRPr lang="en-US"/>
           </a:p>
@@ -7872,7 +7955,7 @@
           <a:p>
             <a:fld id="{E170E938-8157-4FE8-A5D6-416C20B9A92B}" type="datetimeFigureOut">
               <a:rPr lang="en-US" smtClean="0"/>
-              <a:t>2/5/2019</a:t>
+              <a:t>2/6/2019</a:t>
             </a:fld>
             <a:endParaRPr lang="en-US"/>
           </a:p>
@@ -8295,7 +8378,7 @@
           <a:p>
             <a:fld id="{E170E938-8157-4FE8-A5D6-416C20B9A92B}" type="datetimeFigureOut">
               <a:rPr lang="en-US" smtClean="0"/>
-              <a:t>2/5/2019</a:t>
+              <a:t>2/6/2019</a:t>
             </a:fld>
             <a:endParaRPr lang="en-US"/>
           </a:p>
@@ -10857,11 +10940,7 @@
             <a:pPr lvl="4"/>
             <a:r>
               <a:rPr lang="en-US" sz="1800" dirty="0" smtClean="0"/>
-              <a:t>General overview, some things </a:t>
-            </a:r>
-            <a:r>
-              <a:rPr lang="en-US" sz="1800" dirty="0" smtClean="0"/>
-              <a:t>are skimmed</a:t>
+              <a:t>General overview, some things are skimmed</a:t>
             </a:r>
             <a:endParaRPr lang="en-US" sz="1800" dirty="0"/>
           </a:p>
@@ -11822,19 +11901,7 @@
             </a:pPr>
             <a:r>
               <a:rPr lang="en-US" sz="1600" dirty="0" smtClean="0"/>
-              <a:t>*May be limitation of </a:t>
-            </a:r>
-            <a:r>
-              <a:rPr lang="en-US" sz="1600" dirty="0" smtClean="0"/>
-              <a:t>AMPQ protocol, </a:t>
-            </a:r>
-            <a:r>
-              <a:rPr lang="en-US" sz="1600" dirty="0" smtClean="0"/>
-              <a:t>not </a:t>
-            </a:r>
-            <a:r>
-              <a:rPr lang="en-US" sz="1600" dirty="0" smtClean="0"/>
-              <a:t>necessarily </a:t>
+              <a:t>*May be limitation of AMPQ protocol, not necessarily </a:t>
             </a:r>
             <a:r>
               <a:rPr lang="en-US" sz="1600" dirty="0" err="1" smtClean="0"/>
@@ -11844,7 +11911,6 @@
               <a:rPr lang="en-US" sz="1600" dirty="0" smtClean="0"/>
               <a:t> </a:t>
             </a:r>
-            <a:endParaRPr lang="en-US" sz="1600" dirty="0" smtClean="0"/>
           </a:p>
           <a:p>
             <a:pPr lvl="1"/>
@@ -11971,7 +12037,6 @@
               <a:rPr lang="en-US" sz="2800" dirty="0" smtClean="0"/>
               <a:t>Pre-Queueing</a:t>
             </a:r>
-            <a:endParaRPr lang="en-US" sz="2800" dirty="0" smtClean="0"/>
           </a:p>
           <a:p>
             <a:pPr lvl="1"/>
@@ -12011,19 +12076,7 @@
             </a:pPr>
             <a:r>
               <a:rPr lang="en-US" sz="1600" dirty="0" smtClean="0"/>
-              <a:t>*May be limitation of </a:t>
-            </a:r>
-            <a:r>
-              <a:rPr lang="en-US" sz="1600" dirty="0" smtClean="0"/>
-              <a:t>AMPQ protocol, </a:t>
-            </a:r>
-            <a:r>
-              <a:rPr lang="en-US" sz="1600" dirty="0" smtClean="0"/>
-              <a:t>not </a:t>
-            </a:r>
-            <a:r>
-              <a:rPr lang="en-US" sz="1600" dirty="0" smtClean="0"/>
-              <a:t>necessarily </a:t>
+              <a:t>*May be limitation of AMPQ protocol, not necessarily </a:t>
             </a:r>
             <a:r>
               <a:rPr lang="en-US" sz="1600" dirty="0" err="1" smtClean="0"/>
@@ -12033,7 +12086,6 @@
               <a:rPr lang="en-US" sz="1600" dirty="0" smtClean="0"/>
               <a:t> </a:t>
             </a:r>
-            <a:endParaRPr lang="en-US" sz="1600" dirty="0" smtClean="0"/>
           </a:p>
           <a:p>
             <a:pPr lvl="1"/>
@@ -13483,9 +13535,16 @@
             <p:ph idx="1"/>
           </p:nvPr>
         </p:nvSpPr>
-        <p:spPr/>
-        <p:txBody>
-          <a:bodyPr/>
+        <p:spPr>
+          <a:xfrm>
+            <a:off x="1104293" y="1361802"/>
+            <a:ext cx="8946541" cy="5102793"/>
+          </a:xfrm>
+        </p:spPr>
+        <p:txBody>
+          <a:bodyPr>
+            <a:normAutofit/>
+          </a:bodyPr>
           <a:lstStyle/>
           <a:p>
             <a:r>
@@ -13548,33 +13607,67 @@
             <a:endParaRPr lang="en-US" dirty="0" smtClean="0"/>
           </a:p>
           <a:p>
+            <a:r>
+              <a:rPr lang="en-US" dirty="0" err="1" smtClean="0"/>
+              <a:t>NodeJS</a:t>
+            </a:r>
+            <a:endParaRPr lang="en-US" dirty="0" smtClean="0"/>
+          </a:p>
+          <a:p>
+            <a:pPr lvl="1"/>
+            <a:r>
+              <a:rPr lang="en-US" dirty="0" smtClean="0">
+                <a:hlinkClick r:id="rId5"/>
+              </a:rPr>
+              <a:t>https</a:t>
+            </a:r>
+            <a:r>
+              <a:rPr lang="en-US" dirty="0">
+                <a:hlinkClick r:id="rId5"/>
+              </a:rPr>
+              <a:t>://nodejs.org/en</a:t>
+            </a:r>
+            <a:r>
+              <a:rPr lang="en-US" dirty="0" smtClean="0">
+                <a:hlinkClick r:id="rId5"/>
+              </a:rPr>
+              <a:t>/</a:t>
+            </a:r>
+            <a:endParaRPr lang="en-US" dirty="0" smtClean="0"/>
+          </a:p>
+          <a:p>
+            <a:r>
+              <a:rPr lang="en-US" dirty="0" smtClean="0"/>
+              <a:t>Code</a:t>
+            </a:r>
+          </a:p>
+          <a:p>
+            <a:pPr lvl="1"/>
+            <a:r>
+              <a:rPr lang="en-US" dirty="0">
+                <a:hlinkClick r:id="rId6"/>
+              </a:rPr>
+              <a:t>https://</a:t>
+            </a:r>
+            <a:r>
+              <a:rPr lang="en-US" dirty="0" smtClean="0">
+                <a:hlinkClick r:id="rId6"/>
+              </a:rPr>
+              <a:t>github.com/ryaovan/rabbitmq-tutorial</a:t>
+            </a:r>
             <a:endParaRPr lang="en-US" dirty="0"/>
           </a:p>
           <a:p>
+            <a:endParaRPr lang="en-US" dirty="0" smtClean="0"/>
+          </a:p>
+          <a:p>
             <a:r>
               <a:rPr lang="en-US" dirty="0" smtClean="0"/>
-              <a:t>Docker-</a:t>
-            </a:r>
-            <a:r>
-              <a:rPr lang="en-US" dirty="0" err="1" smtClean="0"/>
-              <a:t>compose.yml</a:t>
-            </a:r>
-            <a:endParaRPr lang="en-US" dirty="0" smtClean="0"/>
-          </a:p>
-          <a:p>
-            <a:pPr lvl="1"/>
+              <a:t>5 </a:t>
+            </a:r>
             <a:r>
               <a:rPr lang="en-US" dirty="0" smtClean="0"/>
-              <a:t>Combined service</a:t>
-            </a:r>
-          </a:p>
-          <a:p>
-            <a:endParaRPr lang="en-US" dirty="0"/>
-          </a:p>
-          <a:p>
-            <a:r>
-              <a:rPr lang="en-US" dirty="0" smtClean="0"/>
-              <a:t>5 min break</a:t>
+              <a:t>min break</a:t>
             </a:r>
           </a:p>
         </p:txBody>
@@ -13649,10 +13742,15 @@
             <p:ph idx="1"/>
           </p:nvPr>
         </p:nvSpPr>
-        <p:spPr/>
+        <p:spPr>
+          <a:xfrm>
+            <a:off x="1104293" y="1553188"/>
+            <a:ext cx="8946541" cy="4195481"/>
+          </a:xfrm>
+        </p:spPr>
         <p:txBody>
           <a:bodyPr>
-            <a:normAutofit fontScale="92500" lnSpcReduction="20000"/>
+            <a:normAutofit fontScale="85000" lnSpcReduction="20000"/>
           </a:bodyPr>
           <a:lstStyle/>
           <a:p>
@@ -13684,9 +13782,16 @@
             <a:endParaRPr lang="en-US" dirty="0" smtClean="0"/>
           </a:p>
           <a:p>
+            <a:endParaRPr lang="en-US" sz="1900" dirty="0" smtClean="0"/>
+          </a:p>
+          <a:p>
             <a:r>
               <a:rPr lang="en-US" sz="1900" dirty="0" smtClean="0"/>
-              <a:t>Steps:</a:t>
+              <a:t>Steps</a:t>
+            </a:r>
+            <a:r>
+              <a:rPr lang="en-US" sz="1900" dirty="0" smtClean="0"/>
+              <a:t>:</a:t>
             </a:r>
           </a:p>
           <a:p>
@@ -13716,8 +13821,17 @@
             <a:pPr lvl="2"/>
             <a:r>
               <a:rPr lang="en-US" sz="1900" dirty="0" smtClean="0"/>
-              <a:t>Create Exchange</a:t>
-            </a:r>
+              <a:t>Create </a:t>
+            </a:r>
+            <a:r>
+              <a:rPr lang="en-US" sz="1900" dirty="0" smtClean="0"/>
+              <a:t>Direct </a:t>
+            </a:r>
+            <a:r>
+              <a:rPr lang="en-US" sz="1900" dirty="0" smtClean="0"/>
+              <a:t>Exchange</a:t>
+            </a:r>
+            <a:endParaRPr lang="en-US" sz="1900" dirty="0" smtClean="0"/>
           </a:p>
           <a:p>
             <a:pPr marL="457200" lvl="1" indent="0">
@@ -13728,7 +13842,7 @@
               <a:t>3. Create </a:t>
             </a:r>
             <a:r>
-              <a:rPr lang="en-US" sz="1900" dirty="0"/>
+              <a:rPr lang="en-US" sz="1900" dirty="0" smtClean="0"/>
               <a:t>Consumer </a:t>
             </a:r>
             <a:r>
@@ -13753,8 +13867,12 @@
           <a:p>
             <a:pPr lvl="2"/>
             <a:r>
-              <a:rPr lang="en-US" sz="1900" dirty="0" err="1" smtClean="0"/>
-              <a:t>cosume</a:t>
+              <a:rPr lang="en-US" sz="1900" dirty="0" smtClean="0"/>
+              <a:t>C</a:t>
+            </a:r>
+            <a:r>
+              <a:rPr lang="en-US" sz="1900" dirty="0" smtClean="0"/>
+              <a:t>onsume</a:t>
             </a:r>
             <a:endParaRPr lang="en-US" sz="1900" dirty="0"/>
           </a:p>
@@ -13845,25 +13963,30 @@
           </a:p>
         </p:txBody>
       </p:sp>
-      <p:sp>
-        <p:nvSpPr>
-          <p:cNvPr id="3" name="Content Placeholder 2"/>
-          <p:cNvSpPr>
-            <a:spLocks noGrp="1"/>
-          </p:cNvSpPr>
-          <p:nvPr>
-            <p:ph idx="1"/>
-          </p:nvPr>
-        </p:nvSpPr>
-        <p:spPr/>
-        <p:txBody>
-          <a:bodyPr/>
-          <a:lstStyle/>
-          <a:p>
-            <a:endParaRPr lang="en-US" dirty="0"/>
-          </a:p>
-        </p:txBody>
-      </p:sp>
+      <p:pic>
+        <p:nvPicPr>
+          <p:cNvPr id="4" name="Picture 3"/>
+          <p:cNvPicPr>
+            <a:picLocks noChangeAspect="1"/>
+          </p:cNvPicPr>
+          <p:nvPr/>
+        </p:nvPicPr>
+        <p:blipFill>
+          <a:blip r:embed="rId3"/>
+          <a:stretch>
+            <a:fillRect/>
+          </a:stretch>
+        </p:blipFill>
+        <p:spPr>
+          <a:xfrm>
+            <a:off x="1613673" y="1233379"/>
+            <a:ext cx="9213337" cy="5513378"/>
+          </a:xfrm>
+          <a:prstGeom prst="rect">
+            <a:avLst/>
+          </a:prstGeom>
+        </p:spPr>
+      </p:pic>
     </p:spTree>
     <p:extLst>
       <p:ext uri="{BB962C8B-B14F-4D97-AF65-F5344CB8AC3E}">
@@ -13926,20 +14049,358 @@
       </p:sp>
       <p:sp>
         <p:nvSpPr>
-          <p:cNvPr id="3" name="Content Placeholder 2"/>
-          <p:cNvSpPr>
-            <a:spLocks noGrp="1"/>
-          </p:cNvSpPr>
-          <p:nvPr>
-            <p:ph idx="1"/>
-          </p:nvPr>
-        </p:nvSpPr>
-        <p:spPr/>
-        <p:txBody>
-          <a:bodyPr/>
-          <a:lstStyle/>
-          <a:p>
-            <a:endParaRPr lang="en-US"/>
+          <p:cNvPr id="4" name="Content Placeholder 2"/>
+          <p:cNvSpPr txBox="1">
+            <a:spLocks/>
+          </p:cNvSpPr>
+          <p:nvPr/>
+        </p:nvSpPr>
+        <p:spPr>
+          <a:xfrm>
+            <a:off x="1104293" y="1553188"/>
+            <a:ext cx="8946541" cy="4195481"/>
+          </a:xfrm>
+          <a:prstGeom prst="rect">
+            <a:avLst/>
+          </a:prstGeom>
+        </p:spPr>
+        <p:txBody>
+          <a:bodyPr vert="horz" lIns="91440" tIns="45720" rIns="91440" bIns="45720" rtlCol="0">
+            <a:normAutofit fontScale="85000" lnSpcReduction="20000"/>
+          </a:bodyPr>
+          <a:lstStyle>
+            <a:lvl1pPr marL="342900" indent="-342900" algn="l" defTabSz="457200" rtl="0" eaLnBrk="1" latinLnBrk="0" hangingPunct="1">
+              <a:spcBef>
+                <a:spcPts val="1000"/>
+              </a:spcBef>
+              <a:spcAft>
+                <a:spcPts val="0"/>
+              </a:spcAft>
+              <a:buClr>
+                <a:schemeClr val="accent1">
+                  <a:lumMod val="60000"/>
+                  <a:lumOff val="40000"/>
+                </a:schemeClr>
+              </a:buClr>
+              <a:buSzPct val="80000"/>
+              <a:buFont typeface="Wingdings 3" charset="2"/>
+              <a:buChar char=""/>
+              <a:defRPr sz="2000" b="0" i="0" kern="1200">
+                <a:solidFill>
+                  <a:schemeClr val="tx1"/>
+                </a:solidFill>
+                <a:latin typeface="+mj-lt"/>
+                <a:ea typeface="+mj-ea"/>
+                <a:cs typeface="+mj-cs"/>
+              </a:defRPr>
+            </a:lvl1pPr>
+            <a:lvl2pPr marL="742950" indent="-285750" algn="l" defTabSz="457200" rtl="0" eaLnBrk="1" latinLnBrk="0" hangingPunct="1">
+              <a:spcBef>
+                <a:spcPts val="1000"/>
+              </a:spcBef>
+              <a:spcAft>
+                <a:spcPts val="0"/>
+              </a:spcAft>
+              <a:buClr>
+                <a:schemeClr val="accent1">
+                  <a:lumMod val="60000"/>
+                  <a:lumOff val="40000"/>
+                </a:schemeClr>
+              </a:buClr>
+              <a:buSzPct val="80000"/>
+              <a:buFont typeface="Wingdings 3" charset="2"/>
+              <a:buChar char=""/>
+              <a:defRPr sz="1800" b="0" i="0" kern="1200">
+                <a:solidFill>
+                  <a:schemeClr val="tx1"/>
+                </a:solidFill>
+                <a:latin typeface="+mj-lt"/>
+                <a:ea typeface="+mj-ea"/>
+                <a:cs typeface="+mj-cs"/>
+              </a:defRPr>
+            </a:lvl2pPr>
+            <a:lvl3pPr marL="1143000" indent="-228600" algn="l" defTabSz="457200" rtl="0" eaLnBrk="1" latinLnBrk="0" hangingPunct="1">
+              <a:spcBef>
+                <a:spcPts val="1000"/>
+              </a:spcBef>
+              <a:spcAft>
+                <a:spcPts val="0"/>
+              </a:spcAft>
+              <a:buClr>
+                <a:schemeClr val="accent1">
+                  <a:lumMod val="60000"/>
+                  <a:lumOff val="40000"/>
+                </a:schemeClr>
+              </a:buClr>
+              <a:buSzPct val="80000"/>
+              <a:buFont typeface="Wingdings 3" charset="2"/>
+              <a:buChar char=""/>
+              <a:defRPr sz="1600" b="0" i="0" kern="1200">
+                <a:solidFill>
+                  <a:schemeClr val="tx1"/>
+                </a:solidFill>
+                <a:latin typeface="+mj-lt"/>
+                <a:ea typeface="+mj-ea"/>
+                <a:cs typeface="+mj-cs"/>
+              </a:defRPr>
+            </a:lvl3pPr>
+            <a:lvl4pPr marL="1600200" indent="-228600" algn="l" defTabSz="457200" rtl="0" eaLnBrk="1" latinLnBrk="0" hangingPunct="1">
+              <a:spcBef>
+                <a:spcPts val="1000"/>
+              </a:spcBef>
+              <a:spcAft>
+                <a:spcPts val="0"/>
+              </a:spcAft>
+              <a:buClr>
+                <a:schemeClr val="accent1">
+                  <a:lumMod val="60000"/>
+                  <a:lumOff val="40000"/>
+                </a:schemeClr>
+              </a:buClr>
+              <a:buSzPct val="80000"/>
+              <a:buFont typeface="Wingdings 3" charset="2"/>
+              <a:buChar char=""/>
+              <a:defRPr sz="1400" b="0" i="0" kern="1200">
+                <a:solidFill>
+                  <a:schemeClr val="tx1"/>
+                </a:solidFill>
+                <a:latin typeface="+mj-lt"/>
+                <a:ea typeface="+mj-ea"/>
+                <a:cs typeface="+mj-cs"/>
+              </a:defRPr>
+            </a:lvl4pPr>
+            <a:lvl5pPr marL="2057400" indent="-228600" algn="l" defTabSz="457200" rtl="0" eaLnBrk="1" latinLnBrk="0" hangingPunct="1">
+              <a:spcBef>
+                <a:spcPts val="1000"/>
+              </a:spcBef>
+              <a:spcAft>
+                <a:spcPts val="0"/>
+              </a:spcAft>
+              <a:buClr>
+                <a:schemeClr val="accent1">
+                  <a:lumMod val="60000"/>
+                  <a:lumOff val="40000"/>
+                </a:schemeClr>
+              </a:buClr>
+              <a:buSzPct val="80000"/>
+              <a:buFont typeface="Wingdings 3" charset="2"/>
+              <a:buChar char=""/>
+              <a:defRPr sz="1400" b="0" i="0" kern="1200">
+                <a:solidFill>
+                  <a:schemeClr val="tx1"/>
+                </a:solidFill>
+                <a:latin typeface="+mj-lt"/>
+                <a:ea typeface="+mj-ea"/>
+                <a:cs typeface="+mj-cs"/>
+              </a:defRPr>
+            </a:lvl5pPr>
+            <a:lvl6pPr marL="2514600" indent="-228600" algn="l" defTabSz="457200" rtl="0" eaLnBrk="1" latinLnBrk="0" hangingPunct="1">
+              <a:spcBef>
+                <a:spcPts val="1000"/>
+              </a:spcBef>
+              <a:spcAft>
+                <a:spcPts val="0"/>
+              </a:spcAft>
+              <a:buClr>
+                <a:schemeClr val="accent1">
+                  <a:lumMod val="60000"/>
+                  <a:lumOff val="40000"/>
+                </a:schemeClr>
+              </a:buClr>
+              <a:buSzPct val="80000"/>
+              <a:buFont typeface="Wingdings 3" charset="2"/>
+              <a:buChar char=""/>
+              <a:defRPr sz="1400" b="0" i="0" kern="1200">
+                <a:solidFill>
+                  <a:schemeClr val="tx1"/>
+                </a:solidFill>
+                <a:latin typeface="+mj-lt"/>
+                <a:ea typeface="+mj-ea"/>
+                <a:cs typeface="+mj-cs"/>
+              </a:defRPr>
+            </a:lvl6pPr>
+            <a:lvl7pPr marL="2971800" indent="-228600" algn="l" defTabSz="457200" rtl="0" eaLnBrk="1" latinLnBrk="0" hangingPunct="1">
+              <a:spcBef>
+                <a:spcPts val="1000"/>
+              </a:spcBef>
+              <a:spcAft>
+                <a:spcPts val="0"/>
+              </a:spcAft>
+              <a:buClr>
+                <a:schemeClr val="accent1">
+                  <a:lumMod val="60000"/>
+                  <a:lumOff val="40000"/>
+                </a:schemeClr>
+              </a:buClr>
+              <a:buSzPct val="80000"/>
+              <a:buFont typeface="Wingdings 3" charset="2"/>
+              <a:buChar char=""/>
+              <a:defRPr sz="1400" b="0" i="0" kern="1200">
+                <a:solidFill>
+                  <a:schemeClr val="tx1"/>
+                </a:solidFill>
+                <a:latin typeface="+mj-lt"/>
+                <a:ea typeface="+mj-ea"/>
+                <a:cs typeface="+mj-cs"/>
+              </a:defRPr>
+            </a:lvl7pPr>
+            <a:lvl8pPr marL="3429000" indent="-228600" algn="l" defTabSz="457200" rtl="0" eaLnBrk="1" latinLnBrk="0" hangingPunct="1">
+              <a:spcBef>
+                <a:spcPts val="1000"/>
+              </a:spcBef>
+              <a:spcAft>
+                <a:spcPts val="0"/>
+              </a:spcAft>
+              <a:buClr>
+                <a:schemeClr val="accent1">
+                  <a:lumMod val="60000"/>
+                  <a:lumOff val="40000"/>
+                </a:schemeClr>
+              </a:buClr>
+              <a:buSzPct val="80000"/>
+              <a:buFont typeface="Wingdings 3" charset="2"/>
+              <a:buChar char=""/>
+              <a:defRPr sz="1400" b="0" i="0" kern="1200">
+                <a:solidFill>
+                  <a:schemeClr val="tx1"/>
+                </a:solidFill>
+                <a:latin typeface="+mj-lt"/>
+                <a:ea typeface="+mj-ea"/>
+                <a:cs typeface="+mj-cs"/>
+              </a:defRPr>
+            </a:lvl8pPr>
+            <a:lvl9pPr marL="3886200" indent="-228600" algn="l" defTabSz="457200" rtl="0" eaLnBrk="1" latinLnBrk="0" hangingPunct="1">
+              <a:spcBef>
+                <a:spcPts val="1000"/>
+              </a:spcBef>
+              <a:spcAft>
+                <a:spcPts val="0"/>
+              </a:spcAft>
+              <a:buClr>
+                <a:schemeClr val="accent1">
+                  <a:lumMod val="60000"/>
+                  <a:lumOff val="40000"/>
+                </a:schemeClr>
+              </a:buClr>
+              <a:buSzPct val="80000"/>
+              <a:buFont typeface="Wingdings 3" charset="2"/>
+              <a:buChar char=""/>
+              <a:defRPr sz="1400" b="0" i="0" kern="1200">
+                <a:solidFill>
+                  <a:schemeClr val="tx1"/>
+                </a:solidFill>
+                <a:latin typeface="+mj-lt"/>
+                <a:ea typeface="+mj-ea"/>
+                <a:cs typeface="+mj-cs"/>
+              </a:defRPr>
+            </a:lvl9pPr>
+          </a:lstStyle>
+          <a:p>
+            <a:r>
+              <a:rPr lang="en-US" dirty="0" smtClean="0"/>
+              <a:t>API: </a:t>
+            </a:r>
+          </a:p>
+          <a:p>
+            <a:pPr lvl="1"/>
+            <a:r>
+              <a:rPr lang="en-US" dirty="0" smtClean="0">
+                <a:hlinkClick r:id="rId2"/>
+              </a:rPr>
+              <a:t>http://www.squaremobius.net/amqp.node/channel_api.html</a:t>
+            </a:r>
+            <a:endParaRPr lang="en-US" dirty="0" smtClean="0"/>
+          </a:p>
+          <a:p>
+            <a:endParaRPr lang="en-US" sz="1900" dirty="0" smtClean="0"/>
+          </a:p>
+          <a:p>
+            <a:r>
+              <a:rPr lang="en-US" sz="1900" dirty="0" smtClean="0"/>
+              <a:t>Steps:</a:t>
+            </a:r>
+          </a:p>
+          <a:p>
+            <a:pPr marL="457200" lvl="1" indent="0">
+              <a:buFont typeface="Wingdings 3" charset="2"/>
+              <a:buNone/>
+            </a:pPr>
+            <a:r>
+              <a:rPr lang="en-US" sz="1900" dirty="0" smtClean="0"/>
+              <a:t>1. Open connection to </a:t>
+            </a:r>
+            <a:r>
+              <a:rPr lang="en-US" sz="1900" dirty="0" err="1" smtClean="0"/>
+              <a:t>RabbitMQ</a:t>
+            </a:r>
+            <a:endParaRPr lang="en-US" sz="1900" dirty="0" smtClean="0"/>
+          </a:p>
+          <a:p>
+            <a:pPr marL="457200" lvl="1" indent="0">
+              <a:buFont typeface="Wingdings 3" charset="2"/>
+              <a:buNone/>
+            </a:pPr>
+            <a:r>
+              <a:rPr lang="en-US" sz="1900" dirty="0" smtClean="0"/>
+              <a:t>2. Create Channel </a:t>
+            </a:r>
+          </a:p>
+          <a:p>
+            <a:pPr lvl="2"/>
+            <a:r>
+              <a:rPr lang="en-US" sz="1900" dirty="0" smtClean="0"/>
+              <a:t>Create Exchange</a:t>
+            </a:r>
+          </a:p>
+          <a:p>
+            <a:pPr marL="457200" lvl="1" indent="0">
+              <a:buFont typeface="Wingdings 3" charset="2"/>
+              <a:buNone/>
+            </a:pPr>
+            <a:r>
+              <a:rPr lang="en-US" sz="1900" dirty="0" smtClean="0"/>
+              <a:t>3. Create Consumer Channel</a:t>
+            </a:r>
+          </a:p>
+          <a:p>
+            <a:pPr lvl="2"/>
+            <a:r>
+              <a:rPr lang="en-US" sz="1900" dirty="0" smtClean="0"/>
+              <a:t>Create Queue</a:t>
+            </a:r>
+          </a:p>
+          <a:p>
+            <a:pPr lvl="2"/>
+            <a:r>
+              <a:rPr lang="en-US" sz="1900" dirty="0" smtClean="0"/>
+              <a:t>Bind queue</a:t>
+            </a:r>
+          </a:p>
+          <a:p>
+            <a:pPr lvl="2"/>
+            <a:r>
+              <a:rPr lang="en-US" sz="1900" dirty="0" err="1" smtClean="0"/>
+              <a:t>cosume</a:t>
+            </a:r>
+            <a:endParaRPr lang="en-US" sz="1900" dirty="0" smtClean="0"/>
+          </a:p>
+          <a:p>
+            <a:pPr marL="457200" lvl="1" indent="0">
+              <a:buFont typeface="Wingdings 3" charset="2"/>
+              <a:buNone/>
+            </a:pPr>
+            <a:r>
+              <a:rPr lang="en-US" sz="1900" dirty="0" smtClean="0"/>
+              <a:t>4. Create Producer Channel</a:t>
+            </a:r>
+          </a:p>
+          <a:p>
+            <a:pPr lvl="2"/>
+            <a:r>
+              <a:rPr lang="en-US" sz="1900" dirty="0" smtClean="0"/>
+              <a:t>Send Message</a:t>
+            </a:r>
+            <a:endParaRPr lang="en-US" sz="1900" dirty="0"/>
           </a:p>
         </p:txBody>
       </p:sp>
@@ -14087,85 +14548,6 @@
           <a:p>
             <a:r>
               <a:rPr lang="en-US" dirty="0" smtClean="0"/>
-              <a:t>Coding Example 3</a:t>
-            </a:r>
-            <a:endParaRPr lang="en-US" dirty="0"/>
-          </a:p>
-        </p:txBody>
-      </p:sp>
-      <p:sp>
-        <p:nvSpPr>
-          <p:cNvPr id="3" name="Content Placeholder 2"/>
-          <p:cNvSpPr>
-            <a:spLocks noGrp="1"/>
-          </p:cNvSpPr>
-          <p:nvPr>
-            <p:ph idx="1"/>
-          </p:nvPr>
-        </p:nvSpPr>
-        <p:spPr/>
-        <p:txBody>
-          <a:bodyPr/>
-          <a:lstStyle/>
-          <a:p>
-            <a:endParaRPr lang="en-US"/>
-          </a:p>
-        </p:txBody>
-      </p:sp>
-    </p:spTree>
-    <p:extLst>
-      <p:ext uri="{BB962C8B-B14F-4D97-AF65-F5344CB8AC3E}">
-        <p14:creationId xmlns:p14="http://schemas.microsoft.com/office/powerpoint/2010/main" val="2069127843"/>
-      </p:ext>
-    </p:extLst>
-  </p:cSld>
-  <p:clrMapOvr>
-    <a:masterClrMapping/>
-  </p:clrMapOvr>
-  <p:timing>
-    <p:tnLst>
-      <p:par>
-        <p:cTn id="1" dur="indefinite" restart="never" nodeType="tmRoot"/>
-      </p:par>
-    </p:tnLst>
-  </p:timing>
-</p:sld>
-</file>
-
-<file path=ppt/slides/slide41.xml><?xml version="1.0" encoding="utf-8"?>
-<p:sld xmlns:a="http://schemas.openxmlformats.org/drawingml/2006/main" xmlns:r="http://schemas.openxmlformats.org/officeDocument/2006/relationships" xmlns:p="http://schemas.openxmlformats.org/presentationml/2006/main">
-  <p:cSld>
-    <p:spTree>
-      <p:nvGrpSpPr>
-        <p:cNvPr id="1" name=""/>
-        <p:cNvGrpSpPr/>
-        <p:nvPr/>
-      </p:nvGrpSpPr>
-      <p:grpSpPr>
-        <a:xfrm>
-          <a:off x="0" y="0"/>
-          <a:ext cx="0" cy="0"/>
-          <a:chOff x="0" y="0"/>
-          <a:chExt cx="0" cy="0"/>
-        </a:xfrm>
-      </p:grpSpPr>
-      <p:sp>
-        <p:nvSpPr>
-          <p:cNvPr id="2" name="Title 1"/>
-          <p:cNvSpPr>
-            <a:spLocks noGrp="1"/>
-          </p:cNvSpPr>
-          <p:nvPr>
-            <p:ph type="title"/>
-          </p:nvPr>
-        </p:nvSpPr>
-        <p:spPr/>
-        <p:txBody>
-          <a:bodyPr/>
-          <a:lstStyle/>
-          <a:p>
-            <a:r>
-              <a:rPr lang="en-US" dirty="0" smtClean="0"/>
               <a:t>Configuring </a:t>
             </a:r>
             <a:r>
@@ -14202,15 +14584,7 @@
             </a:r>
             <a:r>
               <a:rPr lang="en-US" dirty="0" smtClean="0"/>
-              <a:t> – </a:t>
-            </a:r>
-            <a:r>
-              <a:rPr lang="en-US" dirty="0" smtClean="0"/>
-              <a:t>container for </a:t>
-            </a:r>
-            <a:r>
-              <a:rPr lang="en-US" dirty="0" smtClean="0"/>
-              <a:t>exchanges and queues</a:t>
+              <a:t> – container for exchanges and queues</a:t>
             </a:r>
           </a:p>
           <a:p>
@@ -14265,11 +14639,7 @@
             </a:r>
             <a:r>
               <a:rPr lang="en-US" dirty="0" smtClean="0"/>
-              <a:t> messages </a:t>
-            </a:r>
-            <a:r>
-              <a:rPr lang="en-US" dirty="0" smtClean="0"/>
-              <a:t>consumer can take at once</a:t>
+              <a:t> messages consumer can take at once</a:t>
             </a:r>
           </a:p>
           <a:p>
@@ -14282,11 +14652,7 @@
             <a:pPr lvl="1"/>
             <a:r>
               <a:rPr lang="en-US" dirty="0" smtClean="0"/>
-              <a:t>Connections take up a TCP/IP </a:t>
-            </a:r>
-            <a:r>
-              <a:rPr lang="en-US" dirty="0" smtClean="0"/>
-              <a:t>port</a:t>
+              <a:t>Connections take up a TCP/IP port</a:t>
             </a:r>
           </a:p>
           <a:p>
@@ -14295,7 +14661,6 @@
               <a:rPr lang="en-US" dirty="0" smtClean="0"/>
               <a:t>Don’t open and close channels / connections repeatedly</a:t>
             </a:r>
-            <a:endParaRPr lang="en-US" dirty="0" smtClean="0"/>
           </a:p>
           <a:p>
             <a:r>
@@ -15514,13 +15879,8 @@
                       </a:r>
                       <a:r>
                         <a:rPr lang="en-US" dirty="0" smtClean="0"/>
-                        <a:t> = </a:t>
+                        <a:t> = ‘order’</a:t>
                       </a:r>
-                      <a:r>
-                        <a:rPr lang="en-US" dirty="0" smtClean="0"/>
-                        <a:t>‘order’</a:t>
-                      </a:r>
-                      <a:endParaRPr lang="en-US" dirty="0" smtClean="0"/>
                     </a:p>
                   </a:txBody>
                   <a:tcPr anchor="ctr"/>
@@ -15585,11 +15945,7 @@
                       </a:r>
                       <a:r>
                         <a:rPr lang="en-US" baseline="0" dirty="0" smtClean="0"/>
-                        <a:t> = </a:t>
-                      </a:r>
-                      <a:r>
-                        <a:rPr lang="en-US" baseline="0" dirty="0" smtClean="0"/>
-                        <a:t>‘order’</a:t>
+                        <a:t> = ‘order’</a:t>
                       </a:r>
                       <a:endParaRPr lang="en-US" dirty="0" smtClean="0"/>
                     </a:p>

--- a/Rabbitmq lecture.pptx
+++ b/Rabbitmq lecture.pptx
@@ -5,7 +5,7 @@
     <p:sldMasterId id="2147483702" r:id="rId1"/>
   </p:sldMasterIdLst>
   <p:notesMasterIdLst>
-    <p:notesMasterId r:id="rId42"/>
+    <p:notesMasterId r:id="rId43"/>
   </p:notesMasterIdLst>
   <p:sldIdLst>
     <p:sldId id="256" r:id="rId2"/>
@@ -47,7 +47,8 @@
     <p:sldId id="266" r:id="rId38"/>
     <p:sldId id="285" r:id="rId39"/>
     <p:sldId id="267" r:id="rId40"/>
-    <p:sldId id="272" r:id="rId41"/>
+    <p:sldId id="305" r:id="rId41"/>
+    <p:sldId id="272" r:id="rId42"/>
   </p:sldIdLst>
   <p:sldSz cx="12192000" cy="6858000"/>
   <p:notesSz cx="6858000" cy="9144000"/>
@@ -13663,11 +13664,7 @@
           <a:p>
             <a:r>
               <a:rPr lang="en-US" dirty="0" smtClean="0"/>
-              <a:t>5 </a:t>
-            </a:r>
-            <a:r>
-              <a:rPr lang="en-US" dirty="0" smtClean="0"/>
-              <a:t>min break</a:t>
+              <a:t>5 min break</a:t>
             </a:r>
           </a:p>
         </p:txBody>
@@ -13787,11 +13784,7 @@
           <a:p>
             <a:r>
               <a:rPr lang="en-US" sz="1900" dirty="0" smtClean="0"/>
-              <a:t>Steps</a:t>
-            </a:r>
-            <a:r>
-              <a:rPr lang="en-US" sz="1900" dirty="0" smtClean="0"/>
-              <a:t>:</a:t>
+              <a:t>Steps:</a:t>
             </a:r>
           </a:p>
           <a:p>
@@ -13821,33 +13814,16 @@
             <a:pPr lvl="2"/>
             <a:r>
               <a:rPr lang="en-US" sz="1900" dirty="0" smtClean="0"/>
-              <a:t>Create </a:t>
-            </a:r>
+              <a:t>Create Direct Exchange</a:t>
+            </a:r>
+          </a:p>
+          <a:p>
+            <a:pPr marL="457200" lvl="1" indent="0">
+              <a:buNone/>
+            </a:pPr>
             <a:r>
               <a:rPr lang="en-US" sz="1900" dirty="0" smtClean="0"/>
-              <a:t>Direct </a:t>
-            </a:r>
-            <a:r>
-              <a:rPr lang="en-US" sz="1900" dirty="0" smtClean="0"/>
-              <a:t>Exchange</a:t>
-            </a:r>
-            <a:endParaRPr lang="en-US" sz="1900" dirty="0" smtClean="0"/>
-          </a:p>
-          <a:p>
-            <a:pPr marL="457200" lvl="1" indent="0">
-              <a:buNone/>
-            </a:pPr>
-            <a:r>
-              <a:rPr lang="en-US" sz="1900" dirty="0" smtClean="0"/>
-              <a:t>3. Create </a:t>
-            </a:r>
-            <a:r>
-              <a:rPr lang="en-US" sz="1900" dirty="0" smtClean="0"/>
-              <a:t>Consumer </a:t>
-            </a:r>
-            <a:r>
-              <a:rPr lang="en-US" sz="1900" dirty="0" smtClean="0"/>
-              <a:t>Channel</a:t>
+              <a:t>3. Create Consumer Channel</a:t>
             </a:r>
           </a:p>
           <a:p>
@@ -13868,11 +13844,7 @@
             <a:pPr lvl="2"/>
             <a:r>
               <a:rPr lang="en-US" sz="1900" dirty="0" smtClean="0"/>
-              <a:t>C</a:t>
-            </a:r>
-            <a:r>
-              <a:rPr lang="en-US" sz="1900" dirty="0" smtClean="0"/>
-              <a:t>onsume</a:t>
+              <a:t>Consume</a:t>
             </a:r>
             <a:endParaRPr lang="en-US" sz="1900" dirty="0"/>
           </a:p>
@@ -14041,7 +14013,11 @@
           <a:p>
             <a:r>
               <a:rPr lang="en-US" dirty="0" smtClean="0"/>
-              <a:t>Coding Example 2</a:t>
+              <a:t>Coding Example </a:t>
+            </a:r>
+            <a:r>
+              <a:rPr lang="en-US" dirty="0" smtClean="0"/>
+              <a:t>2A</a:t>
             </a:r>
             <a:endParaRPr lang="en-US" dirty="0"/>
           </a:p>
@@ -14058,15 +14034,15 @@
         <p:spPr>
           <a:xfrm>
             <a:off x="1104293" y="1553188"/>
-            <a:ext cx="8946541" cy="4195481"/>
+            <a:ext cx="10070526" cy="945463"/>
           </a:xfrm>
           <a:prstGeom prst="rect">
             <a:avLst/>
           </a:prstGeom>
         </p:spPr>
         <p:txBody>
-          <a:bodyPr vert="horz" lIns="91440" tIns="45720" rIns="91440" bIns="45720" rtlCol="0">
-            <a:normAutofit fontScale="85000" lnSpcReduction="20000"/>
+          <a:bodyPr vert="horz" lIns="91440" tIns="45720" rIns="91440" bIns="45720" numCol="2" rtlCol="0">
+            <a:noAutofit/>
           </a:bodyPr>
           <a:lstStyle>
             <a:lvl1pPr marL="342900" indent="-342900" algn="l" defTabSz="457200" rtl="0" eaLnBrk="1" latinLnBrk="0" hangingPunct="1">
@@ -14297,113 +14273,103 @@
           </a:lstStyle>
           <a:p>
             <a:r>
+              <a:rPr lang="en-US" sz="1800" dirty="0" smtClean="0"/>
+              <a:t>1 exchange [Router2A] </a:t>
+            </a:r>
+          </a:p>
+          <a:p>
+            <a:pPr lvl="1"/>
+            <a:r>
               <a:rPr lang="en-US" dirty="0" smtClean="0"/>
-              <a:t>API: </a:t>
+              <a:t>Topic </a:t>
             </a:r>
           </a:p>
           <a:p>
             <a:pPr lvl="1"/>
             <a:r>
-              <a:rPr lang="en-US" dirty="0" smtClean="0">
-                <a:hlinkClick r:id="rId2"/>
-              </a:rPr>
-              <a:t>http://www.squaremobius.net/amqp.node/channel_api.html</a:t>
-            </a:r>
-            <a:endParaRPr lang="en-US" dirty="0" smtClean="0"/>
-          </a:p>
-          <a:p>
-            <a:endParaRPr lang="en-US" sz="1900" dirty="0" smtClean="0"/>
-          </a:p>
-          <a:p>
-            <a:r>
-              <a:rPr lang="en-US" sz="1900" dirty="0" smtClean="0"/>
-              <a:t>Steps:</a:t>
-            </a:r>
-          </a:p>
-          <a:p>
-            <a:pPr marL="457200" lvl="1" indent="0">
-              <a:buFont typeface="Wingdings 3" charset="2"/>
-              <a:buNone/>
-            </a:pPr>
-            <a:r>
-              <a:rPr lang="en-US" sz="1900" dirty="0" smtClean="0"/>
-              <a:t>1. Open connection to </a:t>
-            </a:r>
-            <a:r>
-              <a:rPr lang="en-US" sz="1900" dirty="0" err="1" smtClean="0"/>
-              <a:t>RabbitMQ</a:t>
-            </a:r>
-            <a:endParaRPr lang="en-US" sz="1900" dirty="0" smtClean="0"/>
-          </a:p>
-          <a:p>
-            <a:pPr marL="457200" lvl="1" indent="0">
-              <a:buFont typeface="Wingdings 3" charset="2"/>
-              <a:buNone/>
-            </a:pPr>
-            <a:r>
-              <a:rPr lang="en-US" sz="1900" dirty="0" smtClean="0"/>
-              <a:t>2. Create Channel </a:t>
-            </a:r>
-          </a:p>
-          <a:p>
-            <a:pPr lvl="2"/>
-            <a:r>
-              <a:rPr lang="en-US" sz="1900" dirty="0" smtClean="0"/>
-              <a:t>Create Exchange</a:t>
-            </a:r>
-          </a:p>
-          <a:p>
-            <a:pPr marL="457200" lvl="1" indent="0">
-              <a:buFont typeface="Wingdings 3" charset="2"/>
-              <a:buNone/>
-            </a:pPr>
-            <a:r>
-              <a:rPr lang="en-US" sz="1900" dirty="0" smtClean="0"/>
-              <a:t>3. Create Consumer Channel</a:t>
-            </a:r>
-          </a:p>
-          <a:p>
-            <a:pPr lvl="2"/>
-            <a:r>
-              <a:rPr lang="en-US" sz="1900" dirty="0" smtClean="0"/>
-              <a:t>Create Queue</a:t>
-            </a:r>
-          </a:p>
-          <a:p>
-            <a:pPr lvl="2"/>
-            <a:r>
-              <a:rPr lang="en-US" sz="1900" dirty="0" smtClean="0"/>
-              <a:t>Bind queue</a:t>
-            </a:r>
-          </a:p>
-          <a:p>
-            <a:pPr lvl="2"/>
-            <a:r>
-              <a:rPr lang="en-US" sz="1900" dirty="0" err="1" smtClean="0"/>
-              <a:t>cosume</a:t>
-            </a:r>
-            <a:endParaRPr lang="en-US" sz="1900" dirty="0" smtClean="0"/>
-          </a:p>
-          <a:p>
-            <a:pPr marL="457200" lvl="1" indent="0">
-              <a:buFont typeface="Wingdings 3" charset="2"/>
-              <a:buNone/>
-            </a:pPr>
-            <a:r>
-              <a:rPr lang="en-US" sz="1900" dirty="0" smtClean="0"/>
-              <a:t>4. Create Producer Channel</a:t>
-            </a:r>
-          </a:p>
-          <a:p>
-            <a:pPr lvl="2"/>
-            <a:r>
-              <a:rPr lang="en-US" sz="1900" dirty="0" smtClean="0"/>
-              <a:t>Send Message</a:t>
-            </a:r>
-            <a:endParaRPr lang="en-US" sz="1900" dirty="0"/>
-          </a:p>
-        </p:txBody>
-      </p:sp>
+              <a:rPr lang="en-US" dirty="0" smtClean="0"/>
+              <a:t>Pattern = </a:t>
+            </a:r>
+            <a:r>
+              <a:rPr lang="en-US" dirty="0" smtClean="0"/>
+              <a:t>‘</a:t>
+            </a:r>
+            <a:r>
+              <a:rPr lang="en-US" dirty="0" err="1" smtClean="0"/>
+              <a:t>KDS.OQB.Orders</a:t>
+            </a:r>
+            <a:r>
+              <a:rPr lang="en-US" dirty="0" smtClean="0"/>
+              <a:t>’</a:t>
+            </a:r>
+          </a:p>
+          <a:p>
+            <a:endParaRPr lang="en-US" sz="1800" dirty="0" smtClean="0"/>
+          </a:p>
+          <a:p>
+            <a:r>
+              <a:rPr lang="en-US" sz="1800" dirty="0" smtClean="0"/>
+              <a:t>3 Consumers </a:t>
+            </a:r>
+          </a:p>
+          <a:p>
+            <a:pPr lvl="1"/>
+            <a:r>
+              <a:rPr lang="en-US" dirty="0" smtClean="0"/>
+              <a:t>KDS</a:t>
+            </a:r>
+            <a:r>
+              <a:rPr lang="en-US" dirty="0"/>
+              <a:t>, OQB, </a:t>
+            </a:r>
+            <a:r>
+              <a:rPr lang="en-US" dirty="0" smtClean="0"/>
+              <a:t>Orders</a:t>
+            </a:r>
+            <a:endParaRPr lang="en-US" dirty="0"/>
+          </a:p>
+          <a:p>
+            <a:pPr lvl="1"/>
+            <a:r>
+              <a:rPr lang="en-US" dirty="0"/>
+              <a:t>1 for each of pattern</a:t>
+            </a:r>
+          </a:p>
+          <a:p>
+            <a:pPr lvl="1"/>
+            <a:endParaRPr lang="en-US" dirty="0"/>
+          </a:p>
+        </p:txBody>
+      </p:sp>
+      <p:pic>
+        <p:nvPicPr>
+          <p:cNvPr id="5" name="Picture 4"/>
+          <p:cNvPicPr>
+            <a:picLocks noChangeAspect="1"/>
+          </p:cNvPicPr>
+          <p:nvPr/>
+        </p:nvPicPr>
+        <p:blipFill rotWithShape="1">
+          <a:blip r:embed="rId2">
+            <a:extLst>
+              <a:ext uri="{28A0092B-C50C-407E-A947-70E740481C1C}">
+                <a14:useLocalDpi xmlns:a14="http://schemas.microsoft.com/office/drawing/2010/main" val="0"/>
+              </a:ext>
+            </a:extLst>
+          </a:blip>
+          <a:srcRect l="24311" t="38372" r="28742" b="31395"/>
+          <a:stretch/>
+        </p:blipFill>
+        <p:spPr>
+          <a:xfrm>
+            <a:off x="1221251" y="2953718"/>
+            <a:ext cx="9362102" cy="3615070"/>
+          </a:xfrm>
+          <a:prstGeom prst="rect">
+            <a:avLst/>
+          </a:prstGeom>
+        </p:spPr>
+      </p:pic>
     </p:spTree>
     <p:extLst>
       <p:ext uri="{BB962C8B-B14F-4D97-AF65-F5344CB8AC3E}">
@@ -14548,11 +14514,424 @@
           <a:p>
             <a:r>
               <a:rPr lang="en-US" dirty="0" smtClean="0"/>
-              <a:t>Configuring </a:t>
+              <a:t>Coding Example </a:t>
+            </a:r>
+            <a:r>
+              <a:rPr lang="en-US" dirty="0" smtClean="0"/>
+              <a:t>2B</a:t>
+            </a:r>
+            <a:endParaRPr lang="en-US" dirty="0"/>
+          </a:p>
+        </p:txBody>
+      </p:sp>
+      <p:sp>
+        <p:nvSpPr>
+          <p:cNvPr id="4" name="Content Placeholder 2"/>
+          <p:cNvSpPr txBox="1">
+            <a:spLocks/>
+          </p:cNvSpPr>
+          <p:nvPr/>
+        </p:nvSpPr>
+        <p:spPr>
+          <a:xfrm>
+            <a:off x="1104293" y="1553188"/>
+            <a:ext cx="10070526" cy="945463"/>
+          </a:xfrm>
+          <a:prstGeom prst="rect">
+            <a:avLst/>
+          </a:prstGeom>
+        </p:spPr>
+        <p:txBody>
+          <a:bodyPr vert="horz" lIns="91440" tIns="45720" rIns="91440" bIns="45720" numCol="2" rtlCol="0">
+            <a:noAutofit/>
+          </a:bodyPr>
+          <a:lstStyle>
+            <a:lvl1pPr marL="342900" indent="-342900" algn="l" defTabSz="457200" rtl="0" eaLnBrk="1" latinLnBrk="0" hangingPunct="1">
+              <a:spcBef>
+                <a:spcPts val="1000"/>
+              </a:spcBef>
+              <a:spcAft>
+                <a:spcPts val="0"/>
+              </a:spcAft>
+              <a:buClr>
+                <a:schemeClr val="accent1">
+                  <a:lumMod val="60000"/>
+                  <a:lumOff val="40000"/>
+                </a:schemeClr>
+              </a:buClr>
+              <a:buSzPct val="80000"/>
+              <a:buFont typeface="Wingdings 3" charset="2"/>
+              <a:buChar char=""/>
+              <a:defRPr sz="2000" b="0" i="0" kern="1200">
+                <a:solidFill>
+                  <a:schemeClr val="tx1"/>
+                </a:solidFill>
+                <a:latin typeface="+mj-lt"/>
+                <a:ea typeface="+mj-ea"/>
+                <a:cs typeface="+mj-cs"/>
+              </a:defRPr>
+            </a:lvl1pPr>
+            <a:lvl2pPr marL="742950" indent="-285750" algn="l" defTabSz="457200" rtl="0" eaLnBrk="1" latinLnBrk="0" hangingPunct="1">
+              <a:spcBef>
+                <a:spcPts val="1000"/>
+              </a:spcBef>
+              <a:spcAft>
+                <a:spcPts val="0"/>
+              </a:spcAft>
+              <a:buClr>
+                <a:schemeClr val="accent1">
+                  <a:lumMod val="60000"/>
+                  <a:lumOff val="40000"/>
+                </a:schemeClr>
+              </a:buClr>
+              <a:buSzPct val="80000"/>
+              <a:buFont typeface="Wingdings 3" charset="2"/>
+              <a:buChar char=""/>
+              <a:defRPr sz="1800" b="0" i="0" kern="1200">
+                <a:solidFill>
+                  <a:schemeClr val="tx1"/>
+                </a:solidFill>
+                <a:latin typeface="+mj-lt"/>
+                <a:ea typeface="+mj-ea"/>
+                <a:cs typeface="+mj-cs"/>
+              </a:defRPr>
+            </a:lvl2pPr>
+            <a:lvl3pPr marL="1143000" indent="-228600" algn="l" defTabSz="457200" rtl="0" eaLnBrk="1" latinLnBrk="0" hangingPunct="1">
+              <a:spcBef>
+                <a:spcPts val="1000"/>
+              </a:spcBef>
+              <a:spcAft>
+                <a:spcPts val="0"/>
+              </a:spcAft>
+              <a:buClr>
+                <a:schemeClr val="accent1">
+                  <a:lumMod val="60000"/>
+                  <a:lumOff val="40000"/>
+                </a:schemeClr>
+              </a:buClr>
+              <a:buSzPct val="80000"/>
+              <a:buFont typeface="Wingdings 3" charset="2"/>
+              <a:buChar char=""/>
+              <a:defRPr sz="1600" b="0" i="0" kern="1200">
+                <a:solidFill>
+                  <a:schemeClr val="tx1"/>
+                </a:solidFill>
+                <a:latin typeface="+mj-lt"/>
+                <a:ea typeface="+mj-ea"/>
+                <a:cs typeface="+mj-cs"/>
+              </a:defRPr>
+            </a:lvl3pPr>
+            <a:lvl4pPr marL="1600200" indent="-228600" algn="l" defTabSz="457200" rtl="0" eaLnBrk="1" latinLnBrk="0" hangingPunct="1">
+              <a:spcBef>
+                <a:spcPts val="1000"/>
+              </a:spcBef>
+              <a:spcAft>
+                <a:spcPts val="0"/>
+              </a:spcAft>
+              <a:buClr>
+                <a:schemeClr val="accent1">
+                  <a:lumMod val="60000"/>
+                  <a:lumOff val="40000"/>
+                </a:schemeClr>
+              </a:buClr>
+              <a:buSzPct val="80000"/>
+              <a:buFont typeface="Wingdings 3" charset="2"/>
+              <a:buChar char=""/>
+              <a:defRPr sz="1400" b="0" i="0" kern="1200">
+                <a:solidFill>
+                  <a:schemeClr val="tx1"/>
+                </a:solidFill>
+                <a:latin typeface="+mj-lt"/>
+                <a:ea typeface="+mj-ea"/>
+                <a:cs typeface="+mj-cs"/>
+              </a:defRPr>
+            </a:lvl4pPr>
+            <a:lvl5pPr marL="2057400" indent="-228600" algn="l" defTabSz="457200" rtl="0" eaLnBrk="1" latinLnBrk="0" hangingPunct="1">
+              <a:spcBef>
+                <a:spcPts val="1000"/>
+              </a:spcBef>
+              <a:spcAft>
+                <a:spcPts val="0"/>
+              </a:spcAft>
+              <a:buClr>
+                <a:schemeClr val="accent1">
+                  <a:lumMod val="60000"/>
+                  <a:lumOff val="40000"/>
+                </a:schemeClr>
+              </a:buClr>
+              <a:buSzPct val="80000"/>
+              <a:buFont typeface="Wingdings 3" charset="2"/>
+              <a:buChar char=""/>
+              <a:defRPr sz="1400" b="0" i="0" kern="1200">
+                <a:solidFill>
+                  <a:schemeClr val="tx1"/>
+                </a:solidFill>
+                <a:latin typeface="+mj-lt"/>
+                <a:ea typeface="+mj-ea"/>
+                <a:cs typeface="+mj-cs"/>
+              </a:defRPr>
+            </a:lvl5pPr>
+            <a:lvl6pPr marL="2514600" indent="-228600" algn="l" defTabSz="457200" rtl="0" eaLnBrk="1" latinLnBrk="0" hangingPunct="1">
+              <a:spcBef>
+                <a:spcPts val="1000"/>
+              </a:spcBef>
+              <a:spcAft>
+                <a:spcPts val="0"/>
+              </a:spcAft>
+              <a:buClr>
+                <a:schemeClr val="accent1">
+                  <a:lumMod val="60000"/>
+                  <a:lumOff val="40000"/>
+                </a:schemeClr>
+              </a:buClr>
+              <a:buSzPct val="80000"/>
+              <a:buFont typeface="Wingdings 3" charset="2"/>
+              <a:buChar char=""/>
+              <a:defRPr sz="1400" b="0" i="0" kern="1200">
+                <a:solidFill>
+                  <a:schemeClr val="tx1"/>
+                </a:solidFill>
+                <a:latin typeface="+mj-lt"/>
+                <a:ea typeface="+mj-ea"/>
+                <a:cs typeface="+mj-cs"/>
+              </a:defRPr>
+            </a:lvl6pPr>
+            <a:lvl7pPr marL="2971800" indent="-228600" algn="l" defTabSz="457200" rtl="0" eaLnBrk="1" latinLnBrk="0" hangingPunct="1">
+              <a:spcBef>
+                <a:spcPts val="1000"/>
+              </a:spcBef>
+              <a:spcAft>
+                <a:spcPts val="0"/>
+              </a:spcAft>
+              <a:buClr>
+                <a:schemeClr val="accent1">
+                  <a:lumMod val="60000"/>
+                  <a:lumOff val="40000"/>
+                </a:schemeClr>
+              </a:buClr>
+              <a:buSzPct val="80000"/>
+              <a:buFont typeface="Wingdings 3" charset="2"/>
+              <a:buChar char=""/>
+              <a:defRPr sz="1400" b="0" i="0" kern="1200">
+                <a:solidFill>
+                  <a:schemeClr val="tx1"/>
+                </a:solidFill>
+                <a:latin typeface="+mj-lt"/>
+                <a:ea typeface="+mj-ea"/>
+                <a:cs typeface="+mj-cs"/>
+              </a:defRPr>
+            </a:lvl7pPr>
+            <a:lvl8pPr marL="3429000" indent="-228600" algn="l" defTabSz="457200" rtl="0" eaLnBrk="1" latinLnBrk="0" hangingPunct="1">
+              <a:spcBef>
+                <a:spcPts val="1000"/>
+              </a:spcBef>
+              <a:spcAft>
+                <a:spcPts val="0"/>
+              </a:spcAft>
+              <a:buClr>
+                <a:schemeClr val="accent1">
+                  <a:lumMod val="60000"/>
+                  <a:lumOff val="40000"/>
+                </a:schemeClr>
+              </a:buClr>
+              <a:buSzPct val="80000"/>
+              <a:buFont typeface="Wingdings 3" charset="2"/>
+              <a:buChar char=""/>
+              <a:defRPr sz="1400" b="0" i="0" kern="1200">
+                <a:solidFill>
+                  <a:schemeClr val="tx1"/>
+                </a:solidFill>
+                <a:latin typeface="+mj-lt"/>
+                <a:ea typeface="+mj-ea"/>
+                <a:cs typeface="+mj-cs"/>
+              </a:defRPr>
+            </a:lvl8pPr>
+            <a:lvl9pPr marL="3886200" indent="-228600" algn="l" defTabSz="457200" rtl="0" eaLnBrk="1" latinLnBrk="0" hangingPunct="1">
+              <a:spcBef>
+                <a:spcPts val="1000"/>
+              </a:spcBef>
+              <a:spcAft>
+                <a:spcPts val="0"/>
+              </a:spcAft>
+              <a:buClr>
+                <a:schemeClr val="accent1">
+                  <a:lumMod val="60000"/>
+                  <a:lumOff val="40000"/>
+                </a:schemeClr>
+              </a:buClr>
+              <a:buSzPct val="80000"/>
+              <a:buFont typeface="Wingdings 3" charset="2"/>
+              <a:buChar char=""/>
+              <a:defRPr sz="1400" b="0" i="0" kern="1200">
+                <a:solidFill>
+                  <a:schemeClr val="tx1"/>
+                </a:solidFill>
+                <a:latin typeface="+mj-lt"/>
+                <a:ea typeface="+mj-ea"/>
+                <a:cs typeface="+mj-cs"/>
+              </a:defRPr>
+            </a:lvl9pPr>
+          </a:lstStyle>
+          <a:p>
+            <a:r>
+              <a:rPr lang="en-US" sz="1800" dirty="0" smtClean="0"/>
+              <a:t>4 exchange [Router2B, KDS2B, etc.]</a:t>
+            </a:r>
+          </a:p>
+          <a:p>
+            <a:pPr lvl="1"/>
+            <a:r>
+              <a:rPr lang="en-US" dirty="0" smtClean="0"/>
+              <a:t>Topic -&gt; </a:t>
             </a:r>
             <a:r>
               <a:rPr lang="en-US" dirty="0" err="1" smtClean="0"/>
-              <a:t>Rabbitmq</a:t>
+              <a:t>Fanout</a:t>
+            </a:r>
+            <a:endParaRPr lang="en-US" dirty="0" smtClean="0"/>
+          </a:p>
+          <a:p>
+            <a:pPr lvl="1"/>
+            <a:r>
+              <a:rPr lang="en-US" dirty="0" smtClean="0"/>
+              <a:t>Pattern = </a:t>
+            </a:r>
+            <a:r>
+              <a:rPr lang="en-US" dirty="0" smtClean="0"/>
+              <a:t>‘</a:t>
+            </a:r>
+            <a:r>
+              <a:rPr lang="en-US" dirty="0" err="1" smtClean="0"/>
+              <a:t>KDS.OQB.Orders</a:t>
+            </a:r>
+            <a:r>
+              <a:rPr lang="en-US" dirty="0" smtClean="0"/>
+              <a:t>’</a:t>
+            </a:r>
+          </a:p>
+          <a:p>
+            <a:endParaRPr lang="en-US" sz="1800" dirty="0" smtClean="0"/>
+          </a:p>
+          <a:p>
+            <a:r>
+              <a:rPr lang="en-US" sz="1800" dirty="0" smtClean="0"/>
+              <a:t>3 Consumers </a:t>
+            </a:r>
+          </a:p>
+          <a:p>
+            <a:pPr lvl="1"/>
+            <a:r>
+              <a:rPr lang="en-US" dirty="0" smtClean="0"/>
+              <a:t>KDS</a:t>
+            </a:r>
+            <a:r>
+              <a:rPr lang="en-US" dirty="0"/>
+              <a:t>, OQB, </a:t>
+            </a:r>
+            <a:r>
+              <a:rPr lang="en-US" dirty="0" smtClean="0"/>
+              <a:t>Orders</a:t>
+            </a:r>
+            <a:endParaRPr lang="en-US" dirty="0"/>
+          </a:p>
+          <a:p>
+            <a:pPr lvl="1"/>
+            <a:r>
+              <a:rPr lang="en-US" dirty="0" smtClean="0"/>
+              <a:t>FANOUT CONSUMERS</a:t>
+            </a:r>
+            <a:endParaRPr lang="en-US" dirty="0"/>
+          </a:p>
+          <a:p>
+            <a:pPr lvl="1"/>
+            <a:endParaRPr lang="en-US" dirty="0"/>
+          </a:p>
+        </p:txBody>
+      </p:sp>
+      <p:pic>
+        <p:nvPicPr>
+          <p:cNvPr id="3" name="Picture 2"/>
+          <p:cNvPicPr>
+            <a:picLocks noChangeAspect="1"/>
+          </p:cNvPicPr>
+          <p:nvPr/>
+        </p:nvPicPr>
+        <p:blipFill rotWithShape="1">
+          <a:blip r:embed="rId2">
+            <a:extLst>
+              <a:ext uri="{28A0092B-C50C-407E-A947-70E740481C1C}">
+                <a14:useLocalDpi xmlns:a14="http://schemas.microsoft.com/office/drawing/2010/main" val="0"/>
+              </a:ext>
+            </a:extLst>
+          </a:blip>
+          <a:srcRect l="23616" t="32444" r="15222" b="32222"/>
+          <a:stretch/>
+        </p:blipFill>
+        <p:spPr>
+          <a:xfrm>
+            <a:off x="547929" y="2817627"/>
+            <a:ext cx="11024256" cy="3818860"/>
+          </a:xfrm>
+          <a:prstGeom prst="rect">
+            <a:avLst/>
+          </a:prstGeom>
+        </p:spPr>
+      </p:pic>
+    </p:spTree>
+    <p:extLst>
+      <p:ext uri="{BB962C8B-B14F-4D97-AF65-F5344CB8AC3E}">
+        <p14:creationId xmlns:p14="http://schemas.microsoft.com/office/powerpoint/2010/main" val="2160390739"/>
+      </p:ext>
+    </p:extLst>
+  </p:cSld>
+  <p:clrMapOvr>
+    <a:masterClrMapping/>
+  </p:clrMapOvr>
+  <p:timing>
+    <p:tnLst>
+      <p:par>
+        <p:cTn id="1" dur="indefinite" restart="never" nodeType="tmRoot"/>
+      </p:par>
+    </p:tnLst>
+  </p:timing>
+</p:sld>
+</file>
+
+<file path=ppt/slides/slide41.xml><?xml version="1.0" encoding="utf-8"?>
+<p:sld xmlns:a="http://schemas.openxmlformats.org/drawingml/2006/main" xmlns:r="http://schemas.openxmlformats.org/officeDocument/2006/relationships" xmlns:p="http://schemas.openxmlformats.org/presentationml/2006/main">
+  <p:cSld>
+    <p:spTree>
+      <p:nvGrpSpPr>
+        <p:cNvPr id="1" name=""/>
+        <p:cNvGrpSpPr/>
+        <p:nvPr/>
+      </p:nvGrpSpPr>
+      <p:grpSpPr>
+        <a:xfrm>
+          <a:off x="0" y="0"/>
+          <a:ext cx="0" cy="0"/>
+          <a:chOff x="0" y="0"/>
+          <a:chExt cx="0" cy="0"/>
+        </a:xfrm>
+      </p:grpSpPr>
+      <p:sp>
+        <p:nvSpPr>
+          <p:cNvPr id="2" name="Title 1"/>
+          <p:cNvSpPr>
+            <a:spLocks noGrp="1"/>
+          </p:cNvSpPr>
+          <p:nvPr>
+            <p:ph type="title"/>
+          </p:nvPr>
+        </p:nvSpPr>
+        <p:spPr/>
+        <p:txBody>
+          <a:bodyPr/>
+          <a:lstStyle/>
+          <a:p>
+            <a:r>
+              <a:rPr lang="en-US" dirty="0" smtClean="0"/>
+              <a:t>Closing Statements: Configuring</a:t>
             </a:r>
             <a:endParaRPr lang="en-US" dirty="0"/>
           </a:p>

--- a/Rabbitmq lecture.pptx
+++ b/Rabbitmq lecture.pptx
@@ -237,7 +237,7 @@
           <a:p>
             <a:fld id="{8B0400A7-9789-452B-BC01-AD390C398DAD}" type="datetimeFigureOut">
               <a:rPr lang="en-US" smtClean="0"/>
-              <a:t>2/6/2019</a:t>
+              <a:t>2/7/2019</a:t>
             </a:fld>
             <a:endParaRPr lang="en-US"/>
           </a:p>
@@ -3153,7 +3153,7 @@
           <a:p>
             <a:fld id="{E170E938-8157-4FE8-A5D6-416C20B9A92B}" type="datetimeFigureOut">
               <a:rPr lang="en-US" smtClean="0"/>
-              <a:t>2/6/2019</a:t>
+              <a:t>2/7/2019</a:t>
             </a:fld>
             <a:endParaRPr lang="en-US"/>
           </a:p>
@@ -3428,7 +3428,7 @@
           <a:p>
             <a:fld id="{E170E938-8157-4FE8-A5D6-416C20B9A92B}" type="datetimeFigureOut">
               <a:rPr lang="en-US" smtClean="0"/>
-              <a:t>2/6/2019</a:t>
+              <a:t>2/7/2019</a:t>
             </a:fld>
             <a:endParaRPr lang="en-US"/>
           </a:p>
@@ -3622,7 +3622,7 @@
           <a:p>
             <a:fld id="{E170E938-8157-4FE8-A5D6-416C20B9A92B}" type="datetimeFigureOut">
               <a:rPr lang="en-US" smtClean="0"/>
-              <a:t>2/6/2019</a:t>
+              <a:t>2/7/2019</a:t>
             </a:fld>
             <a:endParaRPr lang="en-US"/>
           </a:p>
@@ -3893,7 +3893,7 @@
           <a:p>
             <a:fld id="{E170E938-8157-4FE8-A5D6-416C20B9A92B}" type="datetimeFigureOut">
               <a:rPr lang="en-US" smtClean="0"/>
-              <a:t>2/6/2019</a:t>
+              <a:t>2/7/2019</a:t>
             </a:fld>
             <a:endParaRPr lang="en-US"/>
           </a:p>
@@ -4220,7 +4220,7 @@
           <a:p>
             <a:fld id="{E170E938-8157-4FE8-A5D6-416C20B9A92B}" type="datetimeFigureOut">
               <a:rPr lang="en-US" smtClean="0"/>
-              <a:t>2/6/2019</a:t>
+              <a:t>2/7/2019</a:t>
             </a:fld>
             <a:endParaRPr lang="en-US"/>
           </a:p>
@@ -4839,7 +4839,7 @@
           <a:p>
             <a:fld id="{E170E938-8157-4FE8-A5D6-416C20B9A92B}" type="datetimeFigureOut">
               <a:rPr lang="en-US" smtClean="0"/>
-              <a:t>2/6/2019</a:t>
+              <a:t>2/7/2019</a:t>
             </a:fld>
             <a:endParaRPr lang="en-US"/>
           </a:p>
@@ -5686,7 +5686,7 @@
           <a:p>
             <a:fld id="{E170E938-8157-4FE8-A5D6-416C20B9A92B}" type="datetimeFigureOut">
               <a:rPr lang="en-US" smtClean="0"/>
-              <a:t>2/6/2019</a:t>
+              <a:t>2/7/2019</a:t>
             </a:fld>
             <a:endParaRPr lang="en-US"/>
           </a:p>
@@ -5856,7 +5856,7 @@
           <a:p>
             <a:fld id="{E170E938-8157-4FE8-A5D6-416C20B9A92B}" type="datetimeFigureOut">
               <a:rPr lang="en-US" smtClean="0"/>
-              <a:t>2/6/2019</a:t>
+              <a:t>2/7/2019</a:t>
             </a:fld>
             <a:endParaRPr lang="en-US"/>
           </a:p>
@@ -6036,7 +6036,7 @@
           <a:p>
             <a:fld id="{E170E938-8157-4FE8-A5D6-416C20B9A92B}" type="datetimeFigureOut">
               <a:rPr lang="en-US" smtClean="0"/>
-              <a:t>2/6/2019</a:t>
+              <a:t>2/7/2019</a:t>
             </a:fld>
             <a:endParaRPr lang="en-US"/>
           </a:p>
@@ -6206,7 +6206,7 @@
           <a:p>
             <a:fld id="{E170E938-8157-4FE8-A5D6-416C20B9A92B}" type="datetimeFigureOut">
               <a:rPr lang="en-US" smtClean="0"/>
-              <a:t>2/6/2019</a:t>
+              <a:t>2/7/2019</a:t>
             </a:fld>
             <a:endParaRPr lang="en-US"/>
           </a:p>
@@ -6453,7 +6453,7 @@
           <a:p>
             <a:fld id="{E170E938-8157-4FE8-A5D6-416C20B9A92B}" type="datetimeFigureOut">
               <a:rPr lang="en-US" smtClean="0"/>
-              <a:t>2/6/2019</a:t>
+              <a:t>2/7/2019</a:t>
             </a:fld>
             <a:endParaRPr lang="en-US"/>
           </a:p>
@@ -6745,7 +6745,7 @@
           <a:p>
             <a:fld id="{E170E938-8157-4FE8-A5D6-416C20B9A92B}" type="datetimeFigureOut">
               <a:rPr lang="en-US" smtClean="0"/>
-              <a:t>2/6/2019</a:t>
+              <a:t>2/7/2019</a:t>
             </a:fld>
             <a:endParaRPr lang="en-US"/>
           </a:p>
@@ -7189,7 +7189,7 @@
           <a:p>
             <a:fld id="{E170E938-8157-4FE8-A5D6-416C20B9A92B}" type="datetimeFigureOut">
               <a:rPr lang="en-US" smtClean="0"/>
-              <a:t>2/6/2019</a:t>
+              <a:t>2/7/2019</a:t>
             </a:fld>
             <a:endParaRPr lang="en-US"/>
           </a:p>
@@ -7307,7 +7307,7 @@
           <a:p>
             <a:fld id="{E170E938-8157-4FE8-A5D6-416C20B9A92B}" type="datetimeFigureOut">
               <a:rPr lang="en-US" smtClean="0"/>
-              <a:t>2/6/2019</a:t>
+              <a:t>2/7/2019</a:t>
             </a:fld>
             <a:endParaRPr lang="en-US"/>
           </a:p>
@@ -7402,7 +7402,7 @@
           <a:p>
             <a:fld id="{E170E938-8157-4FE8-A5D6-416C20B9A92B}" type="datetimeFigureOut">
               <a:rPr lang="en-US" smtClean="0"/>
-              <a:t>2/6/2019</a:t>
+              <a:t>2/7/2019</a:t>
             </a:fld>
             <a:endParaRPr lang="en-US"/>
           </a:p>
@@ -7681,7 +7681,7 @@
           <a:p>
             <a:fld id="{E170E938-8157-4FE8-A5D6-416C20B9A92B}" type="datetimeFigureOut">
               <a:rPr lang="en-US" smtClean="0"/>
-              <a:t>2/6/2019</a:t>
+              <a:t>2/7/2019</a:t>
             </a:fld>
             <a:endParaRPr lang="en-US"/>
           </a:p>
@@ -7956,7 +7956,7 @@
           <a:p>
             <a:fld id="{E170E938-8157-4FE8-A5D6-416C20B9A92B}" type="datetimeFigureOut">
               <a:rPr lang="en-US" smtClean="0"/>
-              <a:t>2/6/2019</a:t>
+              <a:t>2/7/2019</a:t>
             </a:fld>
             <a:endParaRPr lang="en-US"/>
           </a:p>
@@ -8379,7 +8379,7 @@
           <a:p>
             <a:fld id="{E170E938-8157-4FE8-A5D6-416C20B9A92B}" type="datetimeFigureOut">
               <a:rPr lang="en-US" smtClean="0"/>
-              <a:t>2/6/2019</a:t>
+              <a:t>2/7/2019</a:t>
             </a:fld>
             <a:endParaRPr lang="en-US"/>
           </a:p>
@@ -10578,7 +10578,7 @@
       </p:sp>
       <p:pic>
         <p:nvPicPr>
-          <p:cNvPr id="4" name="Picture 3"/>
+          <p:cNvPr id="5" name="Picture 4"/>
           <p:cNvPicPr>
             <a:picLocks noChangeAspect="1"/>
           </p:cNvPicPr>
@@ -10592,13 +10592,13 @@
               </a:ext>
             </a:extLst>
           </a:blip>
-          <a:srcRect l="-300" t="62592" r="57060" b="8889"/>
+          <a:srcRect t="62791" r="56963" b="8682"/>
           <a:stretch/>
         </p:blipFill>
         <p:spPr>
           <a:xfrm>
-            <a:off x="1056805" y="1152983"/>
-            <a:ext cx="10278779" cy="5499100"/>
+            <a:off x="1073420" y="1254643"/>
+            <a:ext cx="9902384" cy="5326910"/>
           </a:xfrm>
           <a:prstGeom prst="rect">
             <a:avLst/>
@@ -10667,7 +10667,7 @@
       </p:sp>
       <p:pic>
         <p:nvPicPr>
-          <p:cNvPr id="6" name="Picture 5"/>
+          <p:cNvPr id="3" name="Picture 2"/>
           <p:cNvPicPr>
             <a:picLocks noChangeAspect="1"/>
           </p:cNvPicPr>
@@ -10681,13 +10681,13 @@
               </a:ext>
             </a:extLst>
           </a:blip>
-          <a:srcRect l="48314" t="64380" r="8446" b="7101"/>
+          <a:srcRect l="45945" t="63269" r="11018" b="8204"/>
           <a:stretch/>
         </p:blipFill>
         <p:spPr>
           <a:xfrm>
-            <a:off x="1056805" y="1152983"/>
-            <a:ext cx="10278779" cy="5499100"/>
+            <a:off x="1073420" y="1254643"/>
+            <a:ext cx="9902384" cy="5326910"/>
           </a:xfrm>
           <a:prstGeom prst="rect">
             <a:avLst/>
@@ -14013,11 +14013,7 @@
           <a:p>
             <a:r>
               <a:rPr lang="en-US" dirty="0" smtClean="0"/>
-              <a:t>Coding Example </a:t>
-            </a:r>
-            <a:r>
-              <a:rPr lang="en-US" dirty="0" smtClean="0"/>
-              <a:t>2A</a:t>
+              <a:t>Coding Example 2A</a:t>
             </a:r>
             <a:endParaRPr lang="en-US" dirty="0"/>
           </a:p>
@@ -14288,11 +14284,7 @@
             <a:pPr lvl="1"/>
             <a:r>
               <a:rPr lang="en-US" dirty="0" smtClean="0"/>
-              <a:t>Pattern = </a:t>
-            </a:r>
-            <a:r>
-              <a:rPr lang="en-US" dirty="0" smtClean="0"/>
-              <a:t>‘</a:t>
+              <a:t>Pattern = ‘</a:t>
             </a:r>
             <a:r>
               <a:rPr lang="en-US" dirty="0" err="1" smtClean="0"/>
@@ -14514,11 +14506,7 @@
           <a:p>
             <a:r>
               <a:rPr lang="en-US" dirty="0" smtClean="0"/>
-              <a:t>Coding Example </a:t>
-            </a:r>
-            <a:r>
-              <a:rPr lang="en-US" dirty="0" smtClean="0"/>
-              <a:t>2B</a:t>
+              <a:t>Coding Example 2B</a:t>
             </a:r>
             <a:endParaRPr lang="en-US" dirty="0"/>
           </a:p>
@@ -14794,11 +14782,7 @@
             <a:pPr lvl="1"/>
             <a:r>
               <a:rPr lang="en-US" dirty="0" smtClean="0"/>
-              <a:t>Pattern = </a:t>
-            </a:r>
-            <a:r>
-              <a:rPr lang="en-US" dirty="0" smtClean="0"/>
-              <a:t>‘</a:t>
+              <a:t>Pattern = ‘</a:t>
             </a:r>
             <a:r>
               <a:rPr lang="en-US" dirty="0" err="1" smtClean="0"/>

--- a/Rabbitmq lecture.pptx
+++ b/Rabbitmq lecture.pptx
@@ -5,50 +5,49 @@
     <p:sldMasterId id="2147483702" r:id="rId1"/>
   </p:sldMasterIdLst>
   <p:notesMasterIdLst>
-    <p:notesMasterId r:id="rId43"/>
+    <p:notesMasterId r:id="rId42"/>
   </p:notesMasterIdLst>
   <p:sldIdLst>
     <p:sldId id="256" r:id="rId2"/>
     <p:sldId id="257" r:id="rId3"/>
     <p:sldId id="258" r:id="rId4"/>
-    <p:sldId id="283" r:id="rId5"/>
-    <p:sldId id="281" r:id="rId6"/>
-    <p:sldId id="282" r:id="rId7"/>
-    <p:sldId id="287" r:id="rId8"/>
-    <p:sldId id="262" r:id="rId9"/>
-    <p:sldId id="288" r:id="rId10"/>
-    <p:sldId id="284" r:id="rId11"/>
-    <p:sldId id="289" r:id="rId12"/>
-    <p:sldId id="297" r:id="rId13"/>
-    <p:sldId id="294" r:id="rId14"/>
-    <p:sldId id="273" r:id="rId15"/>
-    <p:sldId id="293" r:id="rId16"/>
-    <p:sldId id="295" r:id="rId17"/>
-    <p:sldId id="274" r:id="rId18"/>
-    <p:sldId id="296" r:id="rId19"/>
-    <p:sldId id="290" r:id="rId20"/>
-    <p:sldId id="291" r:id="rId21"/>
-    <p:sldId id="270" r:id="rId22"/>
-    <p:sldId id="298" r:id="rId23"/>
-    <p:sldId id="299" r:id="rId24"/>
-    <p:sldId id="292" r:id="rId25"/>
-    <p:sldId id="304" r:id="rId26"/>
-    <p:sldId id="286" r:id="rId27"/>
-    <p:sldId id="278" r:id="rId28"/>
-    <p:sldId id="279" r:id="rId29"/>
-    <p:sldId id="300" r:id="rId30"/>
-    <p:sldId id="301" r:id="rId31"/>
-    <p:sldId id="302" r:id="rId32"/>
-    <p:sldId id="303" r:id="rId33"/>
-    <p:sldId id="276" r:id="rId34"/>
-    <p:sldId id="280" r:id="rId35"/>
-    <p:sldId id="277" r:id="rId36"/>
-    <p:sldId id="264" r:id="rId37"/>
-    <p:sldId id="266" r:id="rId38"/>
-    <p:sldId id="285" r:id="rId39"/>
-    <p:sldId id="267" r:id="rId40"/>
-    <p:sldId id="305" r:id="rId41"/>
-    <p:sldId id="272" r:id="rId42"/>
+    <p:sldId id="281" r:id="rId5"/>
+    <p:sldId id="282" r:id="rId6"/>
+    <p:sldId id="287" r:id="rId7"/>
+    <p:sldId id="262" r:id="rId8"/>
+    <p:sldId id="288" r:id="rId9"/>
+    <p:sldId id="284" r:id="rId10"/>
+    <p:sldId id="289" r:id="rId11"/>
+    <p:sldId id="297" r:id="rId12"/>
+    <p:sldId id="294" r:id="rId13"/>
+    <p:sldId id="273" r:id="rId14"/>
+    <p:sldId id="293" r:id="rId15"/>
+    <p:sldId id="295" r:id="rId16"/>
+    <p:sldId id="274" r:id="rId17"/>
+    <p:sldId id="296" r:id="rId18"/>
+    <p:sldId id="290" r:id="rId19"/>
+    <p:sldId id="291" r:id="rId20"/>
+    <p:sldId id="270" r:id="rId21"/>
+    <p:sldId id="298" r:id="rId22"/>
+    <p:sldId id="299" r:id="rId23"/>
+    <p:sldId id="292" r:id="rId24"/>
+    <p:sldId id="304" r:id="rId25"/>
+    <p:sldId id="286" r:id="rId26"/>
+    <p:sldId id="278" r:id="rId27"/>
+    <p:sldId id="279" r:id="rId28"/>
+    <p:sldId id="300" r:id="rId29"/>
+    <p:sldId id="301" r:id="rId30"/>
+    <p:sldId id="302" r:id="rId31"/>
+    <p:sldId id="303" r:id="rId32"/>
+    <p:sldId id="276" r:id="rId33"/>
+    <p:sldId id="280" r:id="rId34"/>
+    <p:sldId id="277" r:id="rId35"/>
+    <p:sldId id="264" r:id="rId36"/>
+    <p:sldId id="266" r:id="rId37"/>
+    <p:sldId id="285" r:id="rId38"/>
+    <p:sldId id="267" r:id="rId39"/>
+    <p:sldId id="305" r:id="rId40"/>
+    <p:sldId id="272" r:id="rId41"/>
   </p:sldIdLst>
   <p:sldSz cx="12192000" cy="6858000"/>
   <p:notesSz cx="6858000" cy="9144000"/>
@@ -237,7 +236,7 @@
           <a:p>
             <a:fld id="{8B0400A7-9789-452B-BC01-AD390C398DAD}" type="datetimeFigureOut">
               <a:rPr lang="en-US" smtClean="0"/>
-              <a:t>2/7/2019</a:t>
+              <a:t>5/15/2019</a:t>
             </a:fld>
             <a:endParaRPr lang="en-US"/>
           </a:p>
@@ -685,11 +684,7 @@
             </a:pPr>
             <a:r>
               <a:rPr lang="en-US" dirty="0" smtClean="0"/>
-              <a:t>Queue has to be bound to an</a:t>
-            </a:r>
-            <a:r>
-              <a:rPr lang="en-US" baseline="0" dirty="0" smtClean="0"/>
-              <a:t> exchange </a:t>
+              <a:t>True to its name, it is queue as a data structure</a:t>
             </a:r>
           </a:p>
           <a:p>
@@ -699,19 +694,24 @@
             </a:pPr>
             <a:r>
               <a:rPr lang="en-US" baseline="0" dirty="0" smtClean="0"/>
-              <a:t>has binding key if direct</a:t>
-            </a:r>
+              <a:t>Once consume a message in queue, it is </a:t>
+            </a:r>
+            <a:r>
+              <a:rPr lang="en-US" baseline="0" dirty="0" err="1" smtClean="0"/>
+              <a:t>ack</a:t>
+            </a:r>
+            <a:r>
+              <a:rPr lang="en-US" baseline="0" dirty="0" smtClean="0"/>
+              <a:t> and is removed from queue</a:t>
+            </a:r>
+            <a:endParaRPr lang="en-US" baseline="0" dirty="0"/>
           </a:p>
           <a:p>
             <a:pPr marL="628650" lvl="1" indent="-171450">
               <a:buFontTx/>
               <a:buChar char="-"/>
             </a:pPr>
-            <a:r>
-              <a:rPr lang="en-US" baseline="0" dirty="0" smtClean="0"/>
-              <a:t>Has binding pattern if topics</a:t>
-            </a:r>
-            <a:endParaRPr lang="en-US" dirty="0"/>
+            <a:endParaRPr lang="en-US" baseline="0" dirty="0" smtClean="0"/>
           </a:p>
         </p:txBody>
       </p:sp>
@@ -741,7 +741,7 @@
     </p:spTree>
     <p:extLst>
       <p:ext uri="{BB962C8B-B14F-4D97-AF65-F5344CB8AC3E}">
-        <p14:creationId xmlns:p14="http://schemas.microsoft.com/office/powerpoint/2010/main" val="3492285254"/>
+        <p14:creationId xmlns:p14="http://schemas.microsoft.com/office/powerpoint/2010/main" val="866921332"/>
       </p:ext>
     </p:extLst>
   </p:cSld>
@@ -801,7 +801,11 @@
             </a:pPr>
             <a:r>
               <a:rPr lang="en-US" dirty="0" smtClean="0"/>
-              <a:t>True to its name, it is queue as a data structure</a:t>
+              <a:t>Queue has to be bound to an</a:t>
+            </a:r>
+            <a:r>
+              <a:rPr lang="en-US" baseline="0" dirty="0" smtClean="0"/>
+              <a:t> exchange </a:t>
             </a:r>
           </a:p>
           <a:p>
@@ -811,24 +815,19 @@
             </a:pPr>
             <a:r>
               <a:rPr lang="en-US" baseline="0" dirty="0" smtClean="0"/>
-              <a:t>Once consume a message in queue, it is </a:t>
-            </a:r>
-            <a:r>
-              <a:rPr lang="en-US" baseline="0" dirty="0" err="1" smtClean="0"/>
-              <a:t>ack</a:t>
-            </a:r>
-            <a:r>
-              <a:rPr lang="en-US" baseline="0" dirty="0" smtClean="0"/>
-              <a:t> and is removed from queue</a:t>
-            </a:r>
-            <a:endParaRPr lang="en-US" baseline="0" dirty="0"/>
+              <a:t>has binding key if direct</a:t>
+            </a:r>
           </a:p>
           <a:p>
             <a:pPr marL="628650" lvl="1" indent="-171450">
               <a:buFontTx/>
               <a:buChar char="-"/>
             </a:pPr>
-            <a:endParaRPr lang="en-US" baseline="0" dirty="0" smtClean="0"/>
+            <a:r>
+              <a:rPr lang="en-US" baseline="0" dirty="0" smtClean="0"/>
+              <a:t>Has binding pattern if topics</a:t>
+            </a:r>
+            <a:endParaRPr lang="en-US" dirty="0"/>
           </a:p>
         </p:txBody>
       </p:sp>
@@ -858,7 +857,7 @@
     </p:spTree>
     <p:extLst>
       <p:ext uri="{BB962C8B-B14F-4D97-AF65-F5344CB8AC3E}">
-        <p14:creationId xmlns:p14="http://schemas.microsoft.com/office/powerpoint/2010/main" val="866921332"/>
+        <p14:creationId xmlns:p14="http://schemas.microsoft.com/office/powerpoint/2010/main" val="81693304"/>
       </p:ext>
     </p:extLst>
   </p:cSld>
@@ -912,37 +911,13 @@
           <a:bodyPr/>
           <a:lstStyle/>
           <a:p>
-            <a:pPr marL="171450" indent="-171450">
-              <a:buFontTx/>
-              <a:buChar char="-"/>
-            </a:pPr>
             <a:r>
               <a:rPr lang="en-US" dirty="0" smtClean="0"/>
-              <a:t>Queue has to be bound to an</a:t>
+              <a:t>- Consuming</a:t>
             </a:r>
             <a:r>
               <a:rPr lang="en-US" baseline="0" dirty="0" smtClean="0"/>
-              <a:t> exchange </a:t>
-            </a:r>
-          </a:p>
-          <a:p>
-            <a:pPr marL="628650" lvl="1" indent="-171450">
-              <a:buFontTx/>
-              <a:buChar char="-"/>
-            </a:pPr>
-            <a:r>
-              <a:rPr lang="en-US" baseline="0" dirty="0" smtClean="0"/>
-              <a:t>has binding key if direct</a:t>
-            </a:r>
-          </a:p>
-          <a:p>
-            <a:pPr marL="628650" lvl="1" indent="-171450">
-              <a:buFontTx/>
-              <a:buChar char="-"/>
-            </a:pPr>
-            <a:r>
-              <a:rPr lang="en-US" baseline="0" dirty="0" smtClean="0"/>
-              <a:t>Has binding pattern if topics</a:t>
+              <a:t> from a shared queue will lead to round-robin auto-load balancing</a:t>
             </a:r>
             <a:endParaRPr lang="en-US" dirty="0"/>
           </a:p>
@@ -974,7 +949,7 @@
     </p:spTree>
     <p:extLst>
       <p:ext uri="{BB962C8B-B14F-4D97-AF65-F5344CB8AC3E}">
-        <p14:creationId xmlns:p14="http://schemas.microsoft.com/office/powerpoint/2010/main" val="81693304"/>
+        <p14:creationId xmlns:p14="http://schemas.microsoft.com/office/powerpoint/2010/main" val="975625670"/>
       </p:ext>
     </p:extLst>
   </p:cSld>
@@ -1028,13 +1003,36 @@
           <a:bodyPr/>
           <a:lstStyle/>
           <a:p>
+            <a:pPr marL="0" marR="0" lvl="0" indent="0" algn="l" defTabSz="914400" rtl="0" eaLnBrk="1" fontAlgn="auto" latinLnBrk="0" hangingPunct="1">
+              <a:lnSpc>
+                <a:spcPct val="100000"/>
+              </a:lnSpc>
+              <a:spcBef>
+                <a:spcPts val="0"/>
+              </a:spcBef>
+              <a:spcAft>
+                <a:spcPts val="0"/>
+              </a:spcAft>
+              <a:buClrTx/>
+              <a:buSzTx/>
+              <a:buFontTx/>
+              <a:buNone/>
+              <a:tabLst/>
+              <a:defRPr/>
+            </a:pPr>
             <a:r>
               <a:rPr lang="en-US" dirty="0" smtClean="0"/>
-              <a:t>- Consuming</a:t>
+              <a:t>- Consumers that make queues will only get newest messages after conception of queue</a:t>
+            </a:r>
+          </a:p>
+          <a:p>
+            <a:r>
+              <a:rPr lang="en-US" dirty="0" smtClean="0"/>
+              <a:t>- Inherently flawed,</a:t>
             </a:r>
             <a:r>
               <a:rPr lang="en-US" baseline="0" dirty="0" smtClean="0"/>
-              <a:t> from a shared queue will lead to round-robin auto-load balancing</a:t>
+              <a:t> as DC will remove any benefits of pre-queueing</a:t>
             </a:r>
             <a:endParaRPr lang="en-US" dirty="0"/>
           </a:p>
@@ -1066,7 +1064,7 @@
     </p:spTree>
     <p:extLst>
       <p:ext uri="{BB962C8B-B14F-4D97-AF65-F5344CB8AC3E}">
-        <p14:creationId xmlns:p14="http://schemas.microsoft.com/office/powerpoint/2010/main" val="975625670"/>
+        <p14:creationId xmlns:p14="http://schemas.microsoft.com/office/powerpoint/2010/main" val="3602183842"/>
       </p:ext>
     </p:extLst>
   </p:cSld>
@@ -1181,7 +1179,7 @@
     </p:spTree>
     <p:extLst>
       <p:ext uri="{BB962C8B-B14F-4D97-AF65-F5344CB8AC3E}">
-        <p14:creationId xmlns:p14="http://schemas.microsoft.com/office/powerpoint/2010/main" val="3602183842"/>
+        <p14:creationId xmlns:p14="http://schemas.microsoft.com/office/powerpoint/2010/main" val="3029668924"/>
       </p:ext>
     </p:extLst>
   </p:cSld>
@@ -1235,37 +1233,24 @@
           <a:bodyPr/>
           <a:lstStyle/>
           <a:p>
-            <a:pPr marL="0" marR="0" lvl="0" indent="0" algn="l" defTabSz="914400" rtl="0" eaLnBrk="1" fontAlgn="auto" latinLnBrk="0" hangingPunct="1">
-              <a:lnSpc>
-                <a:spcPct val="100000"/>
-              </a:lnSpc>
-              <a:spcBef>
-                <a:spcPts val="0"/>
-              </a:spcBef>
-              <a:spcAft>
-                <a:spcPts val="0"/>
-              </a:spcAft>
-              <a:buClrTx/>
-              <a:buSzTx/>
+            <a:pPr marL="171450" indent="-171450">
               <a:buFontTx/>
-              <a:buNone/>
-              <a:tabLst/>
-              <a:defRPr/>
+              <a:buChar char="-"/>
             </a:pPr>
             <a:r>
               <a:rPr lang="en-US" dirty="0" smtClean="0"/>
-              <a:t>- Consumers that make queues will only get newest messages after conception of queue</a:t>
-            </a:r>
-          </a:p>
-          <a:p>
-            <a:r>
-              <a:rPr lang="en-US" dirty="0" smtClean="0"/>
-              <a:t>- Inherently flawed,</a:t>
+              <a:t>Hard</a:t>
             </a:r>
             <a:r>
               <a:rPr lang="en-US" baseline="0" dirty="0" smtClean="0"/>
-              <a:t> as DC will remove any benefits of pre-queueing</a:t>
-            </a:r>
+              <a:t> to keep track of exchanges that do too much </a:t>
+            </a:r>
+          </a:p>
+          <a:p>
+            <a:pPr marL="171450" indent="-171450">
+              <a:buFontTx/>
+              <a:buChar char="-"/>
+            </a:pPr>
             <a:endParaRPr lang="en-US" dirty="0"/>
           </a:p>
         </p:txBody>
@@ -1287,7 +1272,7 @@
           <a:p>
             <a:fld id="{5206DCD0-0D67-4BF5-951B-363C0E1A0885}" type="slidenum">
               <a:rPr lang="en-US" smtClean="0"/>
-              <a:t>26</a:t>
+              <a:t>27</a:t>
             </a:fld>
             <a:endParaRPr lang="en-US"/>
           </a:p>
@@ -1296,7 +1281,7 @@
     </p:spTree>
     <p:extLst>
       <p:ext uri="{BB962C8B-B14F-4D97-AF65-F5344CB8AC3E}">
-        <p14:creationId xmlns:p14="http://schemas.microsoft.com/office/powerpoint/2010/main" val="3029668924"/>
+        <p14:creationId xmlns:p14="http://schemas.microsoft.com/office/powerpoint/2010/main" val="1646147798"/>
       </p:ext>
     </p:extLst>
   </p:cSld>
@@ -1398,7 +1383,7 @@
     </p:spTree>
     <p:extLst>
       <p:ext uri="{BB962C8B-B14F-4D97-AF65-F5344CB8AC3E}">
-        <p14:creationId xmlns:p14="http://schemas.microsoft.com/office/powerpoint/2010/main" val="1646147798"/>
+        <p14:creationId xmlns:p14="http://schemas.microsoft.com/office/powerpoint/2010/main" val="2150195106"/>
       </p:ext>
     </p:extLst>
   </p:cSld>
@@ -1500,7 +1485,7 @@
     </p:spTree>
     <p:extLst>
       <p:ext uri="{BB962C8B-B14F-4D97-AF65-F5344CB8AC3E}">
-        <p14:creationId xmlns:p14="http://schemas.microsoft.com/office/powerpoint/2010/main" val="2150195106"/>
+        <p14:creationId xmlns:p14="http://schemas.microsoft.com/office/powerpoint/2010/main" val="3542460465"/>
       </p:ext>
     </p:extLst>
   </p:cSld>
@@ -1602,7 +1587,7 @@
     </p:spTree>
     <p:extLst>
       <p:ext uri="{BB962C8B-B14F-4D97-AF65-F5344CB8AC3E}">
-        <p14:creationId xmlns:p14="http://schemas.microsoft.com/office/powerpoint/2010/main" val="3542460465"/>
+        <p14:creationId xmlns:p14="http://schemas.microsoft.com/office/powerpoint/2010/main" val="574184407"/>
       </p:ext>
     </p:extLst>
   </p:cSld>
@@ -1661,12 +1646,8 @@
               <a:buChar char="-"/>
             </a:pPr>
             <a:r>
-              <a:rPr lang="en-US" dirty="0" smtClean="0"/>
-              <a:t>Hard</a:t>
-            </a:r>
-            <a:r>
               <a:rPr lang="en-US" baseline="0" dirty="0" smtClean="0"/>
-              <a:t> to keep track of exchanges that do too much </a:t>
+              <a:t>If need prior data, best to use a server than making lots of pre-queues or backup queues</a:t>
             </a:r>
           </a:p>
           <a:p>
@@ -1704,7 +1685,7 @@
     </p:spTree>
     <p:extLst>
       <p:ext uri="{BB962C8B-B14F-4D97-AF65-F5344CB8AC3E}">
-        <p14:creationId xmlns:p14="http://schemas.microsoft.com/office/powerpoint/2010/main" val="574184407"/>
+        <p14:creationId xmlns:p14="http://schemas.microsoft.com/office/powerpoint/2010/main" val="3463581249"/>
       </p:ext>
     </p:extLst>
   </p:cSld>
@@ -1758,18 +1739,70 @@
           <a:bodyPr/>
           <a:lstStyle/>
           <a:p>
+            <a:pPr marL="171450" marR="0" lvl="0" indent="-171450" algn="l" defTabSz="914400" rtl="0" eaLnBrk="1" fontAlgn="auto" latinLnBrk="0" hangingPunct="1">
+              <a:lnSpc>
+                <a:spcPct val="100000"/>
+              </a:lnSpc>
+              <a:spcBef>
+                <a:spcPts val="0"/>
+              </a:spcBef>
+              <a:spcAft>
+                <a:spcPts val="0"/>
+              </a:spcAft>
+              <a:buClrTx/>
+              <a:buSzTx/>
+              <a:buFontTx/>
+              <a:buChar char="-"/>
+              <a:tabLst/>
+              <a:defRPr/>
+            </a:pPr>
+            <a:r>
+              <a:rPr lang="en-US" baseline="0" dirty="0" smtClean="0"/>
+              <a:t>So in comes </a:t>
+            </a:r>
+            <a:r>
+              <a:rPr lang="en-US" baseline="0" dirty="0" err="1" smtClean="0"/>
+              <a:t>RabbitMQ</a:t>
+            </a:r>
+            <a:endParaRPr lang="en-US" baseline="0" dirty="0" smtClean="0"/>
+          </a:p>
+          <a:p>
+            <a:pPr marL="628650" marR="0" lvl="1" indent="-171450" algn="l" defTabSz="914400" rtl="0" eaLnBrk="1" fontAlgn="auto" latinLnBrk="0" hangingPunct="1">
+              <a:lnSpc>
+                <a:spcPct val="100000"/>
+              </a:lnSpc>
+              <a:spcBef>
+                <a:spcPts val="0"/>
+              </a:spcBef>
+              <a:spcAft>
+                <a:spcPts val="0"/>
+              </a:spcAft>
+              <a:buClrTx/>
+              <a:buSzTx/>
+              <a:buFontTx/>
+              <a:buChar char="-"/>
+              <a:tabLst/>
+              <a:defRPr/>
+            </a:pPr>
+            <a:r>
+              <a:rPr lang="en-US" baseline="0" dirty="0" smtClean="0"/>
+              <a:t>We are using it as an in-store enterprise service bus</a:t>
+            </a:r>
+          </a:p>
+          <a:p>
             <a:pPr marL="171450" indent="-171450">
               <a:buFontTx/>
               <a:buChar char="-"/>
             </a:pPr>
             <a:r>
               <a:rPr lang="en-US" dirty="0" smtClean="0"/>
-              <a:t>Why are we having this conversation</a:t>
+              <a:t>Central</a:t>
             </a:r>
             <a:r>
               <a:rPr lang="en-US" baseline="0" dirty="0" smtClean="0"/>
-              <a:t> in the first place</a:t>
-            </a:r>
+              <a:t> middleware for connecting different applications</a:t>
+            </a:r>
+            <a:endParaRPr lang="en-US" dirty="0" smtClean="0"/>
           </a:p>
           <a:p>
             <a:pPr marL="171450" indent="-171450">
@@ -1777,8 +1810,12 @@
               <a:buChar char="-"/>
             </a:pPr>
             <a:r>
+              <a:rPr lang="en-US" dirty="0" smtClean="0"/>
+              <a:t>It uses a producer / consumer model</a:t>
+            </a:r>
+            <a:r>
               <a:rPr lang="en-US" baseline="0" dirty="0" smtClean="0"/>
-              <a:t>The existing architecture is somewhat messy</a:t>
+              <a:t> </a:t>
             </a:r>
           </a:p>
           <a:p>
@@ -1787,8 +1824,12 @@
               <a:buChar char="-"/>
             </a:pPr>
             <a:r>
+              <a:rPr lang="en-US" dirty="0" smtClean="0"/>
+              <a:t>AKA a publish and subscribe</a:t>
+            </a:r>
+            <a:r>
               <a:rPr lang="en-US" baseline="0" dirty="0" smtClean="0"/>
-              <a:t>Pre-defined connection points </a:t>
+              <a:t> model</a:t>
             </a:r>
           </a:p>
           <a:p>
@@ -1798,7 +1839,7 @@
             </a:pPr>
             <a:r>
               <a:rPr lang="en-US" baseline="0" dirty="0" smtClean="0"/>
-              <a:t>Memorize who talks to what </a:t>
+              <a:t>Say, POS produce orders and KDS will consume it.</a:t>
             </a:r>
           </a:p>
           <a:p>
@@ -1808,57 +1849,8 @@
             </a:pPr>
             <a:r>
               <a:rPr lang="en-US" baseline="0" dirty="0" smtClean="0"/>
-              <a:t>Debugging nightmare</a:t>
-            </a:r>
-          </a:p>
-          <a:p>
-            <a:pPr marL="171450" indent="-171450">
-              <a:buFontTx/>
-              <a:buChar char="-"/>
-            </a:pPr>
-            <a:r>
-              <a:rPr lang="en-US" baseline="0" dirty="0" smtClean="0"/>
-              <a:t>What we want to do is have a standard for communication between applications that:</a:t>
-            </a:r>
-          </a:p>
-          <a:p>
-            <a:pPr marL="628650" lvl="1" indent="-171450">
-              <a:buFontTx/>
-              <a:buChar char="-"/>
-            </a:pPr>
-            <a:r>
-              <a:rPr lang="en-US" baseline="0" dirty="0" smtClean="0"/>
-              <a:t>provides flexibility in our in-store system</a:t>
-            </a:r>
-          </a:p>
-          <a:p>
-            <a:pPr marL="628650" lvl="1" indent="-171450">
-              <a:buFontTx/>
-              <a:buChar char="-"/>
-            </a:pPr>
-            <a:r>
-              <a:rPr lang="en-US" baseline="0" dirty="0" smtClean="0"/>
-              <a:t>improves app visibility and control </a:t>
-            </a:r>
-          </a:p>
-          <a:p>
-            <a:pPr marL="1085850" lvl="2" indent="-171450">
-              <a:buFontTx/>
-              <a:buChar char="-"/>
-            </a:pPr>
-            <a:r>
-              <a:rPr lang="en-US" baseline="0" dirty="0" smtClean="0"/>
-              <a:t>[identify who sent message, where it goes, make any changes to message, </a:t>
-            </a:r>
-            <a:r>
-              <a:rPr lang="en-US" baseline="0" dirty="0" err="1" smtClean="0"/>
-              <a:t>etc</a:t>
-            </a:r>
-            <a:r>
-              <a:rPr lang="en-US" baseline="0" dirty="0" smtClean="0"/>
-              <a:t>]</a:t>
-            </a:r>
-            <a:endParaRPr lang="en-US" dirty="0"/>
+              <a:t>Typically, this benefits systems where many applications will consume the same message from one producer</a:t>
+            </a:r>
           </a:p>
         </p:txBody>
       </p:sp>
@@ -1888,7 +1880,7 @@
     </p:spTree>
     <p:extLst>
       <p:ext uri="{BB962C8B-B14F-4D97-AF65-F5344CB8AC3E}">
-        <p14:creationId xmlns:p14="http://schemas.microsoft.com/office/powerpoint/2010/main" val="3711007618"/>
+        <p14:creationId xmlns:p14="http://schemas.microsoft.com/office/powerpoint/2010/main" val="2789245086"/>
       </p:ext>
     </p:extLst>
   </p:cSld>
@@ -1942,20 +1934,10 @@
           <a:bodyPr/>
           <a:lstStyle/>
           <a:p>
-            <a:pPr marL="171450" indent="-171450">
-              <a:buFontTx/>
-              <a:buChar char="-"/>
-            </a:pPr>
-            <a:r>
-              <a:rPr lang="en-US" baseline="0" dirty="0" smtClean="0"/>
-              <a:t>If need prior data, best to use a server than making lots of pre-queues or backup queues</a:t>
-            </a:r>
-          </a:p>
-          <a:p>
-            <a:pPr marL="171450" indent="-171450">
-              <a:buFontTx/>
-              <a:buChar char="-"/>
-            </a:pPr>
+            <a:r>
+              <a:rPr lang="en-US" dirty="0" smtClean="0"/>
+              <a:t>One channel per thread</a:t>
+            </a:r>
             <a:endParaRPr lang="en-US" dirty="0"/>
           </a:p>
         </p:txBody>
@@ -1977,7 +1959,7 @@
           <a:p>
             <a:fld id="{5206DCD0-0D67-4BF5-951B-363C0E1A0885}" type="slidenum">
               <a:rPr lang="en-US" smtClean="0"/>
-              <a:t>32</a:t>
+              <a:t>36</a:t>
             </a:fld>
             <a:endParaRPr lang="en-US"/>
           </a:p>
@@ -1986,7 +1968,7 @@
     </p:spTree>
     <p:extLst>
       <p:ext uri="{BB962C8B-B14F-4D97-AF65-F5344CB8AC3E}">
-        <p14:creationId xmlns:p14="http://schemas.microsoft.com/office/powerpoint/2010/main" val="3463581249"/>
+        <p14:creationId xmlns:p14="http://schemas.microsoft.com/office/powerpoint/2010/main" val="1194829173"/>
       </p:ext>
     </p:extLst>
   </p:cSld>
@@ -2040,10 +2022,6 @@
           <a:bodyPr/>
           <a:lstStyle/>
           <a:p>
-            <a:r>
-              <a:rPr lang="en-US" dirty="0" smtClean="0"/>
-              <a:t>One channel per thread</a:t>
-            </a:r>
             <a:endParaRPr lang="en-US" dirty="0"/>
           </a:p>
         </p:txBody>
@@ -2066,90 +2044,6 @@
             <a:fld id="{5206DCD0-0D67-4BF5-951B-363C0E1A0885}" type="slidenum">
               <a:rPr lang="en-US" smtClean="0"/>
               <a:t>37</a:t>
-            </a:fld>
-            <a:endParaRPr lang="en-US"/>
-          </a:p>
-        </p:txBody>
-      </p:sp>
-    </p:spTree>
-    <p:extLst>
-      <p:ext uri="{BB962C8B-B14F-4D97-AF65-F5344CB8AC3E}">
-        <p14:creationId xmlns:p14="http://schemas.microsoft.com/office/powerpoint/2010/main" val="1194829173"/>
-      </p:ext>
-    </p:extLst>
-  </p:cSld>
-  <p:clrMapOvr>
-    <a:masterClrMapping/>
-  </p:clrMapOvr>
-</p:notes>
-</file>
-
-<file path=ppt/notesSlides/notesSlide22.xml><?xml version="1.0" encoding="utf-8"?>
-<p:notes xmlns:a="http://schemas.openxmlformats.org/drawingml/2006/main" xmlns:r="http://schemas.openxmlformats.org/officeDocument/2006/relationships" xmlns:p="http://schemas.openxmlformats.org/presentationml/2006/main">
-  <p:cSld>
-    <p:spTree>
-      <p:nvGrpSpPr>
-        <p:cNvPr id="1" name=""/>
-        <p:cNvGrpSpPr/>
-        <p:nvPr/>
-      </p:nvGrpSpPr>
-      <p:grpSpPr>
-        <a:xfrm>
-          <a:off x="0" y="0"/>
-          <a:ext cx="0" cy="0"/>
-          <a:chOff x="0" y="0"/>
-          <a:chExt cx="0" cy="0"/>
-        </a:xfrm>
-      </p:grpSpPr>
-      <p:sp>
-        <p:nvSpPr>
-          <p:cNvPr id="2" name="Slide Image Placeholder 1"/>
-          <p:cNvSpPr>
-            <a:spLocks noGrp="1" noRot="1" noChangeAspect="1"/>
-          </p:cNvSpPr>
-          <p:nvPr>
-            <p:ph type="sldImg"/>
-          </p:nvPr>
-        </p:nvSpPr>
-        <p:spPr/>
-      </p:sp>
-      <p:sp>
-        <p:nvSpPr>
-          <p:cNvPr id="3" name="Notes Placeholder 2"/>
-          <p:cNvSpPr>
-            <a:spLocks noGrp="1"/>
-          </p:cNvSpPr>
-          <p:nvPr>
-            <p:ph type="body" idx="1"/>
-          </p:nvPr>
-        </p:nvSpPr>
-        <p:spPr/>
-        <p:txBody>
-          <a:bodyPr/>
-          <a:lstStyle/>
-          <a:p>
-            <a:endParaRPr lang="en-US" dirty="0"/>
-          </a:p>
-        </p:txBody>
-      </p:sp>
-      <p:sp>
-        <p:nvSpPr>
-          <p:cNvPr id="4" name="Slide Number Placeholder 3"/>
-          <p:cNvSpPr>
-            <a:spLocks noGrp="1"/>
-          </p:cNvSpPr>
-          <p:nvPr>
-            <p:ph type="sldNum" sz="quarter" idx="10"/>
-          </p:nvPr>
-        </p:nvSpPr>
-        <p:spPr/>
-        <p:txBody>
-          <a:bodyPr/>
-          <a:lstStyle/>
-          <a:p>
-            <a:fld id="{5206DCD0-0D67-4BF5-951B-363C0E1A0885}" type="slidenum">
-              <a:rPr lang="en-US" smtClean="0"/>
-              <a:t>38</a:t>
             </a:fld>
             <a:endParaRPr lang="en-US"/>
           </a:p>
@@ -2212,83 +2106,13 @@
           <a:bodyPr/>
           <a:lstStyle/>
           <a:p>
-            <a:pPr marL="171450" marR="0" lvl="0" indent="-171450" algn="l" defTabSz="914400" rtl="0" eaLnBrk="1" fontAlgn="auto" latinLnBrk="0" hangingPunct="1">
-              <a:lnSpc>
-                <a:spcPct val="100000"/>
-              </a:lnSpc>
-              <a:spcBef>
-                <a:spcPts val="0"/>
-              </a:spcBef>
-              <a:spcAft>
-                <a:spcPts val="0"/>
-              </a:spcAft>
-              <a:buClrTx/>
-              <a:buSzTx/>
-              <a:buFontTx/>
-              <a:buChar char="-"/>
-              <a:tabLst/>
-              <a:defRPr/>
-            </a:pPr>
-            <a:r>
-              <a:rPr lang="en-US" baseline="0" dirty="0" smtClean="0"/>
-              <a:t>So in comes </a:t>
-            </a:r>
-            <a:r>
-              <a:rPr lang="en-US" baseline="0" dirty="0" err="1" smtClean="0"/>
-              <a:t>RabbitMQ</a:t>
-            </a:r>
-            <a:endParaRPr lang="en-US" baseline="0" dirty="0" smtClean="0"/>
-          </a:p>
-          <a:p>
-            <a:pPr marL="628650" marR="0" lvl="1" indent="-171450" algn="l" defTabSz="914400" rtl="0" eaLnBrk="1" fontAlgn="auto" latinLnBrk="0" hangingPunct="1">
-              <a:lnSpc>
-                <a:spcPct val="100000"/>
-              </a:lnSpc>
-              <a:spcBef>
-                <a:spcPts val="0"/>
-              </a:spcBef>
-              <a:spcAft>
-                <a:spcPts val="0"/>
-              </a:spcAft>
-              <a:buClrTx/>
-              <a:buSzTx/>
-              <a:buFontTx/>
-              <a:buChar char="-"/>
-              <a:tabLst/>
-              <a:defRPr/>
-            </a:pPr>
-            <a:r>
-              <a:rPr lang="en-US" baseline="0" dirty="0" smtClean="0"/>
-              <a:t>We are using it as an in-store enterprise service bus</a:t>
-            </a:r>
-          </a:p>
-          <a:p>
             <a:pPr marL="171450" indent="-171450">
               <a:buFontTx/>
               <a:buChar char="-"/>
             </a:pPr>
             <a:r>
-              <a:rPr lang="en-US" dirty="0" smtClean="0"/>
-              <a:t>Central</a:t>
-            </a:r>
-            <a:r>
               <a:rPr lang="en-US" baseline="0" dirty="0" smtClean="0"/>
-              <a:t> middleware for connecting different applications</a:t>
-            </a:r>
-            <a:endParaRPr lang="en-US" dirty="0" smtClean="0"/>
-          </a:p>
-          <a:p>
-            <a:pPr marL="171450" indent="-171450">
-              <a:buFontTx/>
-              <a:buChar char="-"/>
-            </a:pPr>
-            <a:r>
-              <a:rPr lang="en-US" dirty="0" smtClean="0"/>
-              <a:t>It uses a producer / consumer model</a:t>
-            </a:r>
-            <a:r>
-              <a:rPr lang="en-US" baseline="0" dirty="0" smtClean="0"/>
-              <a:t> </a:t>
+              <a:t>This one image encapsulates the model as a whole</a:t>
             </a:r>
           </a:p>
           <a:p>
@@ -2297,32 +2121,16 @@
               <a:buChar char="-"/>
             </a:pPr>
             <a:r>
-              <a:rPr lang="en-US" dirty="0" smtClean="0"/>
-              <a:t>AKA a publish and subscribe</a:t>
-            </a:r>
-            <a:r>
               <a:rPr lang="en-US" baseline="0" dirty="0" smtClean="0"/>
-              <a:t> model</a:t>
-            </a:r>
-          </a:p>
-          <a:p>
-            <a:pPr marL="628650" lvl="1" indent="-171450">
-              <a:buFontTx/>
-              <a:buChar char="-"/>
-            </a:pPr>
+              <a:t>The key members of </a:t>
+            </a:r>
+            <a:r>
+              <a:rPr lang="en-US" baseline="0" dirty="0" err="1" smtClean="0"/>
+              <a:t>Rabbmq</a:t>
+            </a:r>
             <a:r>
               <a:rPr lang="en-US" baseline="0" dirty="0" smtClean="0"/>
-              <a:t>Say, POS produce orders and KDS will consume it.</a:t>
-            </a:r>
-          </a:p>
-          <a:p>
-            <a:pPr marL="628650" lvl="1" indent="-171450">
-              <a:buFontTx/>
-              <a:buChar char="-"/>
-            </a:pPr>
-            <a:r>
-              <a:rPr lang="en-US" baseline="0" dirty="0" smtClean="0"/>
-              <a:t>Typically, this benefits systems where many applications will consume the same message from one producer</a:t>
+              <a:t> message broker are the exchanges and queues</a:t>
             </a:r>
           </a:p>
         </p:txBody>
@@ -2353,7 +2161,7 @@
     </p:spTree>
     <p:extLst>
       <p:ext uri="{BB962C8B-B14F-4D97-AF65-F5344CB8AC3E}">
-        <p14:creationId xmlns:p14="http://schemas.microsoft.com/office/powerpoint/2010/main" val="2789245086"/>
+        <p14:creationId xmlns:p14="http://schemas.microsoft.com/office/powerpoint/2010/main" val="937479220"/>
       </p:ext>
     </p:extLst>
   </p:cSld>
@@ -2412,27 +2220,35 @@
               <a:buChar char="-"/>
             </a:pPr>
             <a:r>
+              <a:rPr lang="en-US" dirty="0" smtClean="0"/>
+              <a:t>This philosophy is rather</a:t>
+            </a:r>
+            <a:r>
               <a:rPr lang="en-US" baseline="0" dirty="0" smtClean="0"/>
-              <a:t>This one image encapsulates the model as a whole</a:t>
-            </a:r>
-          </a:p>
-          <a:p>
-            <a:pPr marL="628650" lvl="1" indent="-171450">
+              <a:t> important</a:t>
+            </a:r>
+            <a:endParaRPr lang="en-US" dirty="0" smtClean="0"/>
+          </a:p>
+          <a:p>
+            <a:pPr marL="171450" indent="-171450">
               <a:buFontTx/>
               <a:buChar char="-"/>
             </a:pPr>
             <a:r>
+              <a:rPr lang="en-US" dirty="0" smtClean="0"/>
+              <a:t>Exchange are configured with a type that </a:t>
+            </a:r>
+            <a:r>
               <a:rPr lang="en-US" baseline="0" dirty="0" smtClean="0"/>
-              <a:t>The key members of </a:t>
-            </a:r>
-            <a:r>
-              <a:rPr lang="en-US" baseline="0" dirty="0" err="1" smtClean="0"/>
-              <a:t>Rabbmq</a:t>
-            </a:r>
-            <a:r>
-              <a:rPr lang="en-US" baseline="0" dirty="0" smtClean="0"/>
-              <a:t> message broker are the exchanges and queues</a:t>
-            </a:r>
+              <a:t>determines how messages are forwarded from the exchange to a queue</a:t>
+            </a:r>
+          </a:p>
+          <a:p>
+            <a:pPr marL="171450" indent="-171450">
+              <a:buFontTx/>
+              <a:buChar char="-"/>
+            </a:pPr>
+            <a:endParaRPr lang="en-US" dirty="0"/>
           </a:p>
         </p:txBody>
       </p:sp>
@@ -2462,7 +2278,7 @@
     </p:spTree>
     <p:extLst>
       <p:ext uri="{BB962C8B-B14F-4D97-AF65-F5344CB8AC3E}">
-        <p14:creationId xmlns:p14="http://schemas.microsoft.com/office/powerpoint/2010/main" val="937479220"/>
+        <p14:creationId xmlns:p14="http://schemas.microsoft.com/office/powerpoint/2010/main" val="1553423175"/>
       </p:ext>
     </p:extLst>
   </p:cSld>
@@ -2522,21 +2338,6 @@
             </a:pPr>
             <a:r>
               <a:rPr lang="en-US" dirty="0" smtClean="0"/>
-              <a:t>This philosophy is rather</a:t>
-            </a:r>
-            <a:r>
-              <a:rPr lang="en-US" baseline="0" dirty="0" smtClean="0"/>
-              <a:t> important</a:t>
-            </a:r>
-            <a:endParaRPr lang="en-US" dirty="0" smtClean="0"/>
-          </a:p>
-          <a:p>
-            <a:pPr marL="171450" indent="-171450">
-              <a:buFontTx/>
-              <a:buChar char="-"/>
-            </a:pPr>
-            <a:r>
-              <a:rPr lang="en-US" dirty="0" smtClean="0"/>
               <a:t>Exchange are configured with a type that </a:t>
             </a:r>
             <a:r>
@@ -2579,7 +2380,7 @@
     </p:spTree>
     <p:extLst>
       <p:ext uri="{BB962C8B-B14F-4D97-AF65-F5344CB8AC3E}">
-        <p14:creationId xmlns:p14="http://schemas.microsoft.com/office/powerpoint/2010/main" val="1553423175"/>
+        <p14:creationId xmlns:p14="http://schemas.microsoft.com/office/powerpoint/2010/main" val="379737894"/>
       </p:ext>
     </p:extLst>
   </p:cSld>
@@ -2633,24 +2434,6 @@
           <a:bodyPr/>
           <a:lstStyle/>
           <a:p>
-            <a:pPr marL="171450" indent="-171450">
-              <a:buFontTx/>
-              <a:buChar char="-"/>
-            </a:pPr>
-            <a:r>
-              <a:rPr lang="en-US" dirty="0" smtClean="0"/>
-              <a:t>Exchange are configured with a type that </a:t>
-            </a:r>
-            <a:r>
-              <a:rPr lang="en-US" baseline="0" dirty="0" smtClean="0"/>
-              <a:t>determines how messages are forwarded from the exchange to a queue</a:t>
-            </a:r>
-          </a:p>
-          <a:p>
-            <a:pPr marL="171450" indent="-171450">
-              <a:buFontTx/>
-              <a:buChar char="-"/>
-            </a:pPr>
             <a:endParaRPr lang="en-US" dirty="0"/>
           </a:p>
         </p:txBody>
@@ -2681,7 +2464,7 @@
     </p:spTree>
     <p:extLst>
       <p:ext uri="{BB962C8B-B14F-4D97-AF65-F5344CB8AC3E}">
-        <p14:creationId xmlns:p14="http://schemas.microsoft.com/office/powerpoint/2010/main" val="379737894"/>
+        <p14:creationId xmlns:p14="http://schemas.microsoft.com/office/powerpoint/2010/main" val="2550538675"/>
       </p:ext>
     </p:extLst>
   </p:cSld>
@@ -2735,14 +2518,6 @@
           <a:bodyPr/>
           <a:lstStyle/>
           <a:p>
-            <a:r>
-              <a:rPr lang="en-US" dirty="0" smtClean="0"/>
-              <a:t>- Like</a:t>
-            </a:r>
-            <a:r>
-              <a:rPr lang="en-US" baseline="0" dirty="0" smtClean="0"/>
-              <a:t> sending a message to Brent</a:t>
-            </a:r>
             <a:endParaRPr lang="en-US" dirty="0"/>
           </a:p>
         </p:txBody>
@@ -2773,7 +2548,7 @@
     </p:spTree>
     <p:extLst>
       <p:ext uri="{BB962C8B-B14F-4D97-AF65-F5344CB8AC3E}">
-        <p14:creationId xmlns:p14="http://schemas.microsoft.com/office/powerpoint/2010/main" val="2550538675"/>
+        <p14:creationId xmlns:p14="http://schemas.microsoft.com/office/powerpoint/2010/main" val="1229780848"/>
       </p:ext>
     </p:extLst>
   </p:cSld>
@@ -2827,18 +2602,6 @@
           <a:bodyPr/>
           <a:lstStyle/>
           <a:p>
-            <a:r>
-              <a:rPr lang="en-US" dirty="0" smtClean="0"/>
-              <a:t>- Sending a message to Front of House, or anyone that’s on 3</a:t>
-            </a:r>
-            <a:r>
-              <a:rPr lang="en-US" baseline="30000" dirty="0" smtClean="0"/>
-              <a:t>rd</a:t>
-            </a:r>
-            <a:r>
-              <a:rPr lang="en-US" dirty="0" smtClean="0"/>
-              <a:t> Floor</a:t>
-            </a:r>
             <a:endParaRPr lang="en-US" dirty="0"/>
           </a:p>
         </p:txBody>
@@ -2869,7 +2632,7 @@
     </p:spTree>
     <p:extLst>
       <p:ext uri="{BB962C8B-B14F-4D97-AF65-F5344CB8AC3E}">
-        <p14:creationId xmlns:p14="http://schemas.microsoft.com/office/powerpoint/2010/main" val="1229780848"/>
+        <p14:creationId xmlns:p14="http://schemas.microsoft.com/office/powerpoint/2010/main" val="3383549619"/>
       </p:ext>
     </p:extLst>
   </p:cSld>
@@ -2923,9 +2686,37 @@
           <a:bodyPr/>
           <a:lstStyle/>
           <a:p>
+            <a:pPr marL="171450" indent="-171450">
+              <a:buFontTx/>
+              <a:buChar char="-"/>
+            </a:pPr>
             <a:r>
               <a:rPr lang="en-US" dirty="0" smtClean="0"/>
-              <a:t>- Sending a message to everyone at taco bell</a:t>
+              <a:t>Queue has to be bound to an</a:t>
+            </a:r>
+            <a:r>
+              <a:rPr lang="en-US" baseline="0" dirty="0" smtClean="0"/>
+              <a:t> exchange </a:t>
+            </a:r>
+          </a:p>
+          <a:p>
+            <a:pPr marL="628650" lvl="1" indent="-171450">
+              <a:buFontTx/>
+              <a:buChar char="-"/>
+            </a:pPr>
+            <a:r>
+              <a:rPr lang="en-US" baseline="0" dirty="0" smtClean="0"/>
+              <a:t>has binding key if direct</a:t>
+            </a:r>
+          </a:p>
+          <a:p>
+            <a:pPr marL="628650" lvl="1" indent="-171450">
+              <a:buFontTx/>
+              <a:buChar char="-"/>
+            </a:pPr>
+            <a:r>
+              <a:rPr lang="en-US" baseline="0" dirty="0" smtClean="0"/>
+              <a:t>Has binding pattern if topics</a:t>
             </a:r>
             <a:endParaRPr lang="en-US" dirty="0"/>
           </a:p>
@@ -2948,7 +2739,7 @@
           <a:p>
             <a:fld id="{5206DCD0-0D67-4BF5-951B-363C0E1A0885}" type="slidenum">
               <a:rPr lang="en-US" smtClean="0"/>
-              <a:t>11</a:t>
+              <a:t>20</a:t>
             </a:fld>
             <a:endParaRPr lang="en-US"/>
           </a:p>
@@ -2957,7 +2748,7 @@
     </p:spTree>
     <p:extLst>
       <p:ext uri="{BB962C8B-B14F-4D97-AF65-F5344CB8AC3E}">
-        <p14:creationId xmlns:p14="http://schemas.microsoft.com/office/powerpoint/2010/main" val="3383549619"/>
+        <p14:creationId xmlns:p14="http://schemas.microsoft.com/office/powerpoint/2010/main" val="3492285254"/>
       </p:ext>
     </p:extLst>
   </p:cSld>
@@ -3153,7 +2944,7 @@
           <a:p>
             <a:fld id="{E170E938-8157-4FE8-A5D6-416C20B9A92B}" type="datetimeFigureOut">
               <a:rPr lang="en-US" smtClean="0"/>
-              <a:t>2/7/2019</a:t>
+              <a:t>5/15/2019</a:t>
             </a:fld>
             <a:endParaRPr lang="en-US"/>
           </a:p>
@@ -3428,7 +3219,7 @@
           <a:p>
             <a:fld id="{E170E938-8157-4FE8-A5D6-416C20B9A92B}" type="datetimeFigureOut">
               <a:rPr lang="en-US" smtClean="0"/>
-              <a:t>2/7/2019</a:t>
+              <a:t>5/15/2019</a:t>
             </a:fld>
             <a:endParaRPr lang="en-US"/>
           </a:p>
@@ -3622,7 +3413,7 @@
           <a:p>
             <a:fld id="{E170E938-8157-4FE8-A5D6-416C20B9A92B}" type="datetimeFigureOut">
               <a:rPr lang="en-US" smtClean="0"/>
-              <a:t>2/7/2019</a:t>
+              <a:t>5/15/2019</a:t>
             </a:fld>
             <a:endParaRPr lang="en-US"/>
           </a:p>
@@ -3893,7 +3684,7 @@
           <a:p>
             <a:fld id="{E170E938-8157-4FE8-A5D6-416C20B9A92B}" type="datetimeFigureOut">
               <a:rPr lang="en-US" smtClean="0"/>
-              <a:t>2/7/2019</a:t>
+              <a:t>5/15/2019</a:t>
             </a:fld>
             <a:endParaRPr lang="en-US"/>
           </a:p>
@@ -4220,7 +4011,7 @@
           <a:p>
             <a:fld id="{E170E938-8157-4FE8-A5D6-416C20B9A92B}" type="datetimeFigureOut">
               <a:rPr lang="en-US" smtClean="0"/>
-              <a:t>2/7/2019</a:t>
+              <a:t>5/15/2019</a:t>
             </a:fld>
             <a:endParaRPr lang="en-US"/>
           </a:p>
@@ -4839,7 +4630,7 @@
           <a:p>
             <a:fld id="{E170E938-8157-4FE8-A5D6-416C20B9A92B}" type="datetimeFigureOut">
               <a:rPr lang="en-US" smtClean="0"/>
-              <a:t>2/7/2019</a:t>
+              <a:t>5/15/2019</a:t>
             </a:fld>
             <a:endParaRPr lang="en-US"/>
           </a:p>
@@ -5686,7 +5477,7 @@
           <a:p>
             <a:fld id="{E170E938-8157-4FE8-A5D6-416C20B9A92B}" type="datetimeFigureOut">
               <a:rPr lang="en-US" smtClean="0"/>
-              <a:t>2/7/2019</a:t>
+              <a:t>5/15/2019</a:t>
             </a:fld>
             <a:endParaRPr lang="en-US"/>
           </a:p>
@@ -5856,7 +5647,7 @@
           <a:p>
             <a:fld id="{E170E938-8157-4FE8-A5D6-416C20B9A92B}" type="datetimeFigureOut">
               <a:rPr lang="en-US" smtClean="0"/>
-              <a:t>2/7/2019</a:t>
+              <a:t>5/15/2019</a:t>
             </a:fld>
             <a:endParaRPr lang="en-US"/>
           </a:p>
@@ -6036,7 +5827,7 @@
           <a:p>
             <a:fld id="{E170E938-8157-4FE8-A5D6-416C20B9A92B}" type="datetimeFigureOut">
               <a:rPr lang="en-US" smtClean="0"/>
-              <a:t>2/7/2019</a:t>
+              <a:t>5/15/2019</a:t>
             </a:fld>
             <a:endParaRPr lang="en-US"/>
           </a:p>
@@ -6206,7 +5997,7 @@
           <a:p>
             <a:fld id="{E170E938-8157-4FE8-A5D6-416C20B9A92B}" type="datetimeFigureOut">
               <a:rPr lang="en-US" smtClean="0"/>
-              <a:t>2/7/2019</a:t>
+              <a:t>5/15/2019</a:t>
             </a:fld>
             <a:endParaRPr lang="en-US"/>
           </a:p>
@@ -6453,7 +6244,7 @@
           <a:p>
             <a:fld id="{E170E938-8157-4FE8-A5D6-416C20B9A92B}" type="datetimeFigureOut">
               <a:rPr lang="en-US" smtClean="0"/>
-              <a:t>2/7/2019</a:t>
+              <a:t>5/15/2019</a:t>
             </a:fld>
             <a:endParaRPr lang="en-US"/>
           </a:p>
@@ -6745,7 +6536,7 @@
           <a:p>
             <a:fld id="{E170E938-8157-4FE8-A5D6-416C20B9A92B}" type="datetimeFigureOut">
               <a:rPr lang="en-US" smtClean="0"/>
-              <a:t>2/7/2019</a:t>
+              <a:t>5/15/2019</a:t>
             </a:fld>
             <a:endParaRPr lang="en-US"/>
           </a:p>
@@ -7189,7 +6980,7 @@
           <a:p>
             <a:fld id="{E170E938-8157-4FE8-A5D6-416C20B9A92B}" type="datetimeFigureOut">
               <a:rPr lang="en-US" smtClean="0"/>
-              <a:t>2/7/2019</a:t>
+              <a:t>5/15/2019</a:t>
             </a:fld>
             <a:endParaRPr lang="en-US"/>
           </a:p>
@@ -7307,7 +7098,7 @@
           <a:p>
             <a:fld id="{E170E938-8157-4FE8-A5D6-416C20B9A92B}" type="datetimeFigureOut">
               <a:rPr lang="en-US" smtClean="0"/>
-              <a:t>2/7/2019</a:t>
+              <a:t>5/15/2019</a:t>
             </a:fld>
             <a:endParaRPr lang="en-US"/>
           </a:p>
@@ -7402,7 +7193,7 @@
           <a:p>
             <a:fld id="{E170E938-8157-4FE8-A5D6-416C20B9A92B}" type="datetimeFigureOut">
               <a:rPr lang="en-US" smtClean="0"/>
-              <a:t>2/7/2019</a:t>
+              <a:t>5/15/2019</a:t>
             </a:fld>
             <a:endParaRPr lang="en-US"/>
           </a:p>
@@ -7681,7 +7472,7 @@
           <a:p>
             <a:fld id="{E170E938-8157-4FE8-A5D6-416C20B9A92B}" type="datetimeFigureOut">
               <a:rPr lang="en-US" smtClean="0"/>
-              <a:t>2/7/2019</a:t>
+              <a:t>5/15/2019</a:t>
             </a:fld>
             <a:endParaRPr lang="en-US"/>
           </a:p>
@@ -7956,7 +7747,7 @@
           <a:p>
             <a:fld id="{E170E938-8157-4FE8-A5D6-416C20B9A92B}" type="datetimeFigureOut">
               <a:rPr lang="en-US" smtClean="0"/>
-              <a:t>2/7/2019</a:t>
+              <a:t>5/15/2019</a:t>
             </a:fld>
             <a:endParaRPr lang="en-US"/>
           </a:p>
@@ -8379,7 +8170,7 @@
           <a:p>
             <a:fld id="{E170E938-8157-4FE8-A5D6-416C20B9A92B}" type="datetimeFigureOut">
               <a:rPr lang="en-US" smtClean="0"/>
-              <a:t>2/7/2019</a:t>
+              <a:t>5/15/2019</a:t>
             </a:fld>
             <a:endParaRPr lang="en-US"/>
           </a:p>
@@ -9034,502 +8825,6 @@
 </file>
 
 <file path=ppt/slides/slide10.xml><?xml version="1.0" encoding="utf-8"?>
-<p:sld xmlns:a="http://schemas.openxmlformats.org/drawingml/2006/main" xmlns:r="http://schemas.openxmlformats.org/officeDocument/2006/relationships" xmlns:p="http://schemas.openxmlformats.org/presentationml/2006/main">
-  <p:cSld>
-    <p:spTree>
-      <p:nvGrpSpPr>
-        <p:cNvPr id="1" name=""/>
-        <p:cNvGrpSpPr/>
-        <p:nvPr/>
-      </p:nvGrpSpPr>
-      <p:grpSpPr>
-        <a:xfrm>
-          <a:off x="0" y="0"/>
-          <a:ext cx="0" cy="0"/>
-          <a:chOff x="0" y="0"/>
-          <a:chExt cx="0" cy="0"/>
-        </a:xfrm>
-      </p:grpSpPr>
-      <p:sp>
-        <p:nvSpPr>
-          <p:cNvPr id="2" name="Title 1"/>
-          <p:cNvSpPr>
-            <a:spLocks noGrp="1"/>
-          </p:cNvSpPr>
-          <p:nvPr>
-            <p:ph type="title"/>
-          </p:nvPr>
-        </p:nvSpPr>
-        <p:spPr/>
-        <p:txBody>
-          <a:bodyPr/>
-          <a:lstStyle/>
-          <a:p>
-            <a:r>
-              <a:rPr lang="en-US" dirty="0" smtClean="0"/>
-              <a:t>Exchange Types</a:t>
-            </a:r>
-            <a:endParaRPr lang="en-US" dirty="0"/>
-          </a:p>
-        </p:txBody>
-      </p:sp>
-      <p:graphicFrame>
-        <p:nvGraphicFramePr>
-          <p:cNvPr id="4" name="Table 3"/>
-          <p:cNvGraphicFramePr>
-            <a:graphicFrameLocks noGrp="1"/>
-          </p:cNvGraphicFramePr>
-          <p:nvPr>
-            <p:extLst>
-              <p:ext uri="{D42A27DB-BD31-4B8C-83A1-F6EECF244321}">
-                <p14:modId xmlns:p14="http://schemas.microsoft.com/office/powerpoint/2010/main" val="2374414509"/>
-              </p:ext>
-            </p:extLst>
-          </p:nvPr>
-        </p:nvGraphicFramePr>
-        <p:xfrm>
-          <a:off x="289366" y="1332387"/>
-          <a:ext cx="8576841" cy="5288116"/>
-        </p:xfrm>
-        <a:graphic>
-          <a:graphicData uri="http://schemas.openxmlformats.org/drawingml/2006/table">
-            <a:tbl>
-              <a:tblPr firstRow="1" bandRow="1">
-                <a:tableStyleId>{5C22544A-7EE6-4342-B048-85BDC9FD1C3A}</a:tableStyleId>
-              </a:tblPr>
-              <a:tblGrid>
-                <a:gridCol w="1914971"/>
-                <a:gridCol w="3085293"/>
-                <a:gridCol w="3576577"/>
-              </a:tblGrid>
-              <a:tr h="533236">
-                <a:tc>
-                  <a:txBody>
-                    <a:bodyPr/>
-                    <a:lstStyle/>
-                    <a:p>
-                      <a:endParaRPr lang="en-US" dirty="0"/>
-                    </a:p>
-                  </a:txBody>
-                  <a:tcPr/>
-                </a:tc>
-                <a:tc>
-                  <a:txBody>
-                    <a:bodyPr/>
-                    <a:lstStyle/>
-                    <a:p>
-                      <a:pPr algn="ctr"/>
-                      <a:r>
-                        <a:rPr lang="en-US" dirty="0" smtClean="0"/>
-                        <a:t>Direct</a:t>
-                      </a:r>
-                      <a:endParaRPr lang="en-US" dirty="0"/>
-                    </a:p>
-                  </a:txBody>
-                  <a:tcPr anchor="ctr"/>
-                </a:tc>
-                <a:tc>
-                  <a:txBody>
-                    <a:bodyPr/>
-                    <a:lstStyle/>
-                    <a:p>
-                      <a:pPr algn="ctr"/>
-                      <a:r>
-                        <a:rPr lang="en-US" dirty="0" smtClean="0"/>
-                        <a:t>Topic</a:t>
-                      </a:r>
-                      <a:endParaRPr lang="en-US" dirty="0"/>
-                    </a:p>
-                  </a:txBody>
-                  <a:tcPr anchor="ctr"/>
-                </a:tc>
-              </a:tr>
-              <a:tr h="1114485">
-                <a:tc>
-                  <a:txBody>
-                    <a:bodyPr/>
-                    <a:lstStyle/>
-                    <a:p>
-                      <a:pPr algn="ctr"/>
-                      <a:r>
-                        <a:rPr lang="en-US" dirty="0" smtClean="0"/>
-                        <a:t>Message</a:t>
-                      </a:r>
-                      <a:r>
-                        <a:rPr lang="en-US" baseline="0" dirty="0" smtClean="0"/>
-                        <a:t> Forwarding </a:t>
-                      </a:r>
-                      <a:r>
-                        <a:rPr lang="en-US" dirty="0" smtClean="0"/>
-                        <a:t>Description</a:t>
-                      </a:r>
-                      <a:endParaRPr lang="en-US" dirty="0"/>
-                    </a:p>
-                  </a:txBody>
-                  <a:tcPr anchor="ctr">
-                    <a:solidFill>
-                      <a:schemeClr val="accent4">
-                        <a:lumMod val="40000"/>
-                        <a:lumOff val="60000"/>
-                      </a:schemeClr>
-                    </a:solidFill>
-                  </a:tcPr>
-                </a:tc>
-                <a:tc>
-                  <a:txBody>
-                    <a:bodyPr/>
-                    <a:lstStyle/>
-                    <a:p>
-                      <a:r>
-                        <a:rPr lang="en-US" baseline="0" dirty="0" smtClean="0"/>
-                        <a:t>Queue binding key matches the message routing key.</a:t>
-                      </a:r>
-                    </a:p>
-                    <a:p>
-                      <a:r>
-                        <a:rPr lang="en-US" b="1" baseline="0" dirty="0" err="1" smtClean="0"/>
-                        <a:t>routingKey</a:t>
-                      </a:r>
-                      <a:r>
-                        <a:rPr lang="en-US" b="1" baseline="0" dirty="0" smtClean="0"/>
-                        <a:t> = </a:t>
-                      </a:r>
-                      <a:r>
-                        <a:rPr lang="en-US" b="1" baseline="0" dirty="0" err="1" smtClean="0"/>
-                        <a:t>bindingKey</a:t>
-                      </a:r>
-                      <a:endParaRPr lang="en-US" b="1" dirty="0"/>
-                    </a:p>
-                  </a:txBody>
-                  <a:tcPr anchor="ctr"/>
-                </a:tc>
-                <a:tc>
-                  <a:txBody>
-                    <a:bodyPr/>
-                    <a:lstStyle/>
-                    <a:p>
-                      <a:pPr algn="ctr"/>
-                      <a:r>
-                        <a:rPr lang="en-US" dirty="0" smtClean="0"/>
-                        <a:t>Queue</a:t>
-                      </a:r>
-                      <a:r>
-                        <a:rPr lang="en-US" baseline="0" dirty="0" smtClean="0"/>
-                        <a:t> filtering, queues with matching routing patterns</a:t>
-                      </a:r>
-                      <a:endParaRPr lang="en-US" dirty="0"/>
-                    </a:p>
-                  </a:txBody>
-                  <a:tcPr anchor="ctr"/>
-                </a:tc>
-              </a:tr>
-              <a:tr h="591682">
-                <a:tc>
-                  <a:txBody>
-                    <a:bodyPr/>
-                    <a:lstStyle/>
-                    <a:p>
-                      <a:pPr algn="ctr"/>
-                      <a:r>
-                        <a:rPr lang="en-US" dirty="0" smtClean="0"/>
-                        <a:t>Where</a:t>
-                      </a:r>
-                      <a:r>
-                        <a:rPr lang="en-US" baseline="0" dirty="0" smtClean="0"/>
-                        <a:t> Configured</a:t>
-                      </a:r>
-                      <a:endParaRPr lang="en-US" dirty="0"/>
-                    </a:p>
-                  </a:txBody>
-                  <a:tcPr anchor="ctr">
-                    <a:solidFill>
-                      <a:schemeClr val="accent4">
-                        <a:lumMod val="40000"/>
-                        <a:lumOff val="60000"/>
-                      </a:schemeClr>
-                    </a:solidFill>
-                  </a:tcPr>
-                </a:tc>
-                <a:tc>
-                  <a:txBody>
-                    <a:bodyPr/>
-                    <a:lstStyle/>
-                    <a:p>
-                      <a:pPr algn="ctr"/>
-                      <a:r>
-                        <a:rPr lang="en-US" dirty="0" smtClean="0"/>
-                        <a:t>Producer, Exchange, Queue</a:t>
-                      </a:r>
-                      <a:endParaRPr lang="en-US" dirty="0"/>
-                    </a:p>
-                  </a:txBody>
-                  <a:tcPr anchor="ctr"/>
-                </a:tc>
-                <a:tc>
-                  <a:txBody>
-                    <a:bodyPr/>
-                    <a:lstStyle/>
-                    <a:p>
-                      <a:pPr algn="ctr"/>
-                      <a:r>
-                        <a:rPr lang="en-US" dirty="0" smtClean="0"/>
-                        <a:t>Producer, Exchange,</a:t>
-                      </a:r>
-                      <a:r>
-                        <a:rPr lang="en-US" baseline="0" dirty="0" smtClean="0"/>
-                        <a:t> Queue</a:t>
-                      </a:r>
-                      <a:endParaRPr lang="en-US" dirty="0"/>
-                    </a:p>
-                  </a:txBody>
-                  <a:tcPr anchor="ctr"/>
-                </a:tc>
-              </a:tr>
-              <a:tr h="631815">
-                <a:tc>
-                  <a:txBody>
-                    <a:bodyPr/>
-                    <a:lstStyle/>
-                    <a:p>
-                      <a:pPr algn="ctr"/>
-                      <a:r>
-                        <a:rPr lang="en-US" dirty="0" smtClean="0"/>
-                        <a:t>Example routing key</a:t>
-                      </a:r>
-                      <a:endParaRPr lang="en-US" dirty="0"/>
-                    </a:p>
-                  </a:txBody>
-                  <a:tcPr anchor="ctr">
-                    <a:solidFill>
-                      <a:schemeClr val="accent4">
-                        <a:lumMod val="40000"/>
-                        <a:lumOff val="60000"/>
-                      </a:schemeClr>
-                    </a:solidFill>
-                  </a:tcPr>
-                </a:tc>
-                <a:tc>
-                  <a:txBody>
-                    <a:bodyPr/>
-                    <a:lstStyle/>
-                    <a:p>
-                      <a:pPr algn="ctr"/>
-                      <a:r>
-                        <a:rPr lang="en-US" dirty="0" err="1" smtClean="0"/>
-                        <a:t>routingKey</a:t>
-                      </a:r>
-                      <a:r>
-                        <a:rPr lang="en-US" dirty="0" smtClean="0"/>
-                        <a:t> = ‘order’</a:t>
-                      </a:r>
-                    </a:p>
-                  </a:txBody>
-                  <a:tcPr anchor="ctr"/>
-                </a:tc>
-                <a:tc>
-                  <a:txBody>
-                    <a:bodyPr/>
-                    <a:lstStyle/>
-                    <a:p>
-                      <a:pPr algn="ctr"/>
-                      <a:r>
-                        <a:rPr lang="en-US" dirty="0" err="1" smtClean="0"/>
-                        <a:t>routingPattern</a:t>
-                      </a:r>
-                      <a:r>
-                        <a:rPr lang="en-US" baseline="0" dirty="0" smtClean="0"/>
-                        <a:t> =  FOH.3rd</a:t>
-                      </a:r>
-                    </a:p>
-                  </a:txBody>
-                  <a:tcPr anchor="ctr"/>
-                </a:tc>
-              </a:tr>
-              <a:tr h="1886051">
-                <a:tc>
-                  <a:txBody>
-                    <a:bodyPr/>
-                    <a:lstStyle/>
-                    <a:p>
-                      <a:pPr algn="ctr"/>
-                      <a:r>
-                        <a:rPr lang="en-US" dirty="0" smtClean="0"/>
-                        <a:t>Example binding</a:t>
-                      </a:r>
-                      <a:r>
-                        <a:rPr lang="en-US" baseline="0" dirty="0" smtClean="0"/>
-                        <a:t> k</a:t>
-                      </a:r>
-                      <a:r>
-                        <a:rPr lang="en-US" dirty="0" smtClean="0"/>
-                        <a:t>ey</a:t>
-                      </a:r>
-                      <a:endParaRPr lang="en-US" dirty="0"/>
-                    </a:p>
-                  </a:txBody>
-                  <a:tcPr anchor="ctr">
-                    <a:solidFill>
-                      <a:schemeClr val="accent4">
-                        <a:lumMod val="40000"/>
-                        <a:lumOff val="60000"/>
-                      </a:schemeClr>
-                    </a:solidFill>
-                  </a:tcPr>
-                </a:tc>
-                <a:tc>
-                  <a:txBody>
-                    <a:bodyPr/>
-                    <a:lstStyle/>
-                    <a:p>
-                      <a:pPr marL="0" marR="0" lvl="0" indent="0" algn="ctr" defTabSz="457200" rtl="0" eaLnBrk="1" fontAlgn="auto" latinLnBrk="0" hangingPunct="1">
-                        <a:lnSpc>
-                          <a:spcPct val="100000"/>
-                        </a:lnSpc>
-                        <a:spcBef>
-                          <a:spcPts val="0"/>
-                        </a:spcBef>
-                        <a:spcAft>
-                          <a:spcPts val="0"/>
-                        </a:spcAft>
-                        <a:buClrTx/>
-                        <a:buSzTx/>
-                        <a:buFontTx/>
-                        <a:buNone/>
-                        <a:tabLst/>
-                        <a:defRPr/>
-                      </a:pPr>
-                      <a:r>
-                        <a:rPr lang="en-US" dirty="0" err="1" smtClean="0"/>
-                        <a:t>bindingKey</a:t>
-                      </a:r>
-                      <a:r>
-                        <a:rPr lang="en-US" baseline="0" dirty="0" smtClean="0"/>
-                        <a:t> = ‘order’</a:t>
-                      </a:r>
-                      <a:endParaRPr lang="en-US" dirty="0" smtClean="0"/>
-                    </a:p>
-                  </a:txBody>
-                  <a:tcPr anchor="ctr"/>
-                </a:tc>
-                <a:tc>
-                  <a:txBody>
-                    <a:bodyPr/>
-                    <a:lstStyle/>
-                    <a:p>
-                      <a:r>
-                        <a:rPr lang="en-US" baseline="0" dirty="0" err="1" smtClean="0"/>
-                        <a:t>bindingPattern</a:t>
-                      </a:r>
-                      <a:r>
-                        <a:rPr lang="en-US" baseline="0" dirty="0" smtClean="0"/>
-                        <a:t> = FOH.3rd</a:t>
-                      </a:r>
-                    </a:p>
-                    <a:p>
-                      <a:r>
-                        <a:rPr lang="en-US" baseline="0" dirty="0" err="1" smtClean="0"/>
-                        <a:t>bindingPattern</a:t>
-                      </a:r>
-                      <a:r>
-                        <a:rPr lang="en-US" baseline="0" dirty="0" smtClean="0"/>
-                        <a:t> =  *.3rd</a:t>
-                      </a:r>
-                    </a:p>
-                    <a:p>
-                      <a:r>
-                        <a:rPr lang="en-US" baseline="0" dirty="0" err="1" smtClean="0"/>
-                        <a:t>bindingPattern</a:t>
-                      </a:r>
-                      <a:r>
-                        <a:rPr lang="en-US" baseline="0" dirty="0" smtClean="0"/>
-                        <a:t> = FOH.*</a:t>
-                      </a:r>
-                    </a:p>
-                    <a:p>
-                      <a:r>
-                        <a:rPr lang="en-US" baseline="0" dirty="0" err="1" smtClean="0"/>
-                        <a:t>bindingPattern</a:t>
-                      </a:r>
-                      <a:r>
-                        <a:rPr lang="en-US" baseline="0" dirty="0" smtClean="0"/>
-                        <a:t> = #.3rd</a:t>
-                      </a:r>
-                    </a:p>
-                    <a:p>
-                      <a:r>
-                        <a:rPr lang="en-US" baseline="0" dirty="0" err="1" smtClean="0"/>
-                        <a:t>bindingPattern</a:t>
-                      </a:r>
-                      <a:r>
-                        <a:rPr lang="en-US" baseline="0" dirty="0" smtClean="0"/>
-                        <a:t> = FOH.#</a:t>
-                      </a:r>
-                    </a:p>
-                    <a:p>
-                      <a:endParaRPr lang="en-US" dirty="0" smtClean="0"/>
-                    </a:p>
-                    <a:p>
-                      <a:pPr marL="0" indent="0">
-                        <a:buFont typeface="Arial" panose="020B0604020202020204" pitchFamily="34" charset="0"/>
-                        <a:buNone/>
-                      </a:pPr>
-                      <a:r>
-                        <a:rPr lang="en-US" baseline="0" dirty="0" smtClean="0"/>
-                        <a:t>* - one word placeholder</a:t>
-                      </a:r>
-                    </a:p>
-                    <a:p>
-                      <a:pPr marL="0" indent="0">
-                        <a:buFont typeface="Arial" panose="020B0604020202020204" pitchFamily="34" charset="0"/>
-                        <a:buNone/>
-                      </a:pPr>
-                      <a:r>
-                        <a:rPr lang="en-US" dirty="0" smtClean="0"/>
-                        <a:t># - an</a:t>
-                      </a:r>
-                      <a:r>
-                        <a:rPr lang="en-US" baseline="0" dirty="0" smtClean="0"/>
-                        <a:t>y </a:t>
-                      </a:r>
-                      <a:r>
-                        <a:rPr lang="en-US" baseline="0" dirty="0" err="1" smtClean="0"/>
-                        <a:t>num</a:t>
-                      </a:r>
-                      <a:r>
-                        <a:rPr lang="en-US" baseline="0" dirty="0" smtClean="0"/>
-                        <a:t> placeholders</a:t>
-                      </a:r>
-                      <a:endParaRPr lang="en-US" dirty="0"/>
-                    </a:p>
-                  </a:txBody>
-                  <a:tcPr anchor="ctr"/>
-                </a:tc>
-              </a:tr>
-            </a:tbl>
-          </a:graphicData>
-        </a:graphic>
-      </p:graphicFrame>
-    </p:spTree>
-    <p:extLst>
-      <p:ext uri="{BB962C8B-B14F-4D97-AF65-F5344CB8AC3E}">
-        <p14:creationId xmlns:p14="http://schemas.microsoft.com/office/powerpoint/2010/main" val="1077005521"/>
-      </p:ext>
-    </p:extLst>
-  </p:cSld>
-  <p:clrMapOvr>
-    <a:masterClrMapping/>
-  </p:clrMapOvr>
-  <p:timing>
-    <p:tnLst>
-      <p:par>
-        <p:cTn id="1" dur="indefinite" restart="never" nodeType="tmRoot"/>
-      </p:par>
-    </p:tnLst>
-  </p:timing>
-</p:sld>
-</file>
-
-<file path=ppt/slides/slide11.xml><?xml version="1.0" encoding="utf-8"?>
 <p:sld xmlns:a="http://schemas.openxmlformats.org/drawingml/2006/main" xmlns:r="http://schemas.openxmlformats.org/officeDocument/2006/relationships" xmlns:p="http://schemas.openxmlformats.org/presentationml/2006/main">
   <p:cSld>
     <p:spTree>
@@ -10114,7 +9409,7 @@
 </p:sld>
 </file>
 
-<file path=ppt/slides/slide12.xml><?xml version="1.0" encoding="utf-8"?>
+<file path=ppt/slides/slide11.xml><?xml version="1.0" encoding="utf-8"?>
 <p:sld xmlns:a="http://schemas.openxmlformats.org/drawingml/2006/main" xmlns:r="http://schemas.openxmlformats.org/officeDocument/2006/relationships" xmlns:p="http://schemas.openxmlformats.org/presentationml/2006/main">
   <p:cSld>
     <p:spTree>
@@ -10174,7 +9469,7 @@
 </p:sld>
 </file>
 
-<file path=ppt/slides/slide13.xml><?xml version="1.0" encoding="utf-8"?>
+<file path=ppt/slides/slide12.xml><?xml version="1.0" encoding="utf-8"?>
 <p:sld xmlns:a="http://schemas.openxmlformats.org/drawingml/2006/main" xmlns:r="http://schemas.openxmlformats.org/officeDocument/2006/relationships" xmlns:p="http://schemas.openxmlformats.org/presentationml/2006/main">
   <p:cSld>
     <p:spTree>
@@ -10263,7 +9558,7 @@
 </p:sld>
 </file>
 
-<file path=ppt/slides/slide14.xml><?xml version="1.0" encoding="utf-8"?>
+<file path=ppt/slides/slide13.xml><?xml version="1.0" encoding="utf-8"?>
 <p:sld xmlns:a="http://schemas.openxmlformats.org/drawingml/2006/main" xmlns:r="http://schemas.openxmlformats.org/officeDocument/2006/relationships" xmlns:p="http://schemas.openxmlformats.org/presentationml/2006/main">
   <p:cSld>
     <p:spTree>
@@ -10352,7 +9647,7 @@
 </p:sld>
 </file>
 
-<file path=ppt/slides/slide15.xml><?xml version="1.0" encoding="utf-8"?>
+<file path=ppt/slides/slide14.xml><?xml version="1.0" encoding="utf-8"?>
 <p:sld xmlns:a="http://schemas.openxmlformats.org/drawingml/2006/main" xmlns:r="http://schemas.openxmlformats.org/officeDocument/2006/relationships" xmlns:p="http://schemas.openxmlformats.org/presentationml/2006/main">
   <p:cSld>
     <p:spTree>
@@ -10444,7 +9739,7 @@
 </p:sld>
 </file>
 
-<file path=ppt/slides/slide16.xml><?xml version="1.0" encoding="utf-8"?>
+<file path=ppt/slides/slide15.xml><?xml version="1.0" encoding="utf-8"?>
 <p:sld xmlns:a="http://schemas.openxmlformats.org/drawingml/2006/main" xmlns:r="http://schemas.openxmlformats.org/officeDocument/2006/relationships" xmlns:p="http://schemas.openxmlformats.org/presentationml/2006/main">
   <p:cSld>
     <p:spTree>
@@ -10536,7 +9831,7 @@
 </p:sld>
 </file>
 
-<file path=ppt/slides/slide17.xml><?xml version="1.0" encoding="utf-8"?>
+<file path=ppt/slides/slide16.xml><?xml version="1.0" encoding="utf-8"?>
 <p:sld xmlns:a="http://schemas.openxmlformats.org/drawingml/2006/main" xmlns:r="http://schemas.openxmlformats.org/officeDocument/2006/relationships" xmlns:p="http://schemas.openxmlformats.org/presentationml/2006/main">
   <p:cSld>
     <p:spTree>
@@ -10625,7 +9920,7 @@
 </p:sld>
 </file>
 
-<file path=ppt/slides/slide18.xml><?xml version="1.0" encoding="utf-8"?>
+<file path=ppt/slides/slide17.xml><?xml version="1.0" encoding="utf-8"?>
 <p:sld xmlns:a="http://schemas.openxmlformats.org/drawingml/2006/main" xmlns:r="http://schemas.openxmlformats.org/officeDocument/2006/relationships" xmlns:p="http://schemas.openxmlformats.org/presentationml/2006/main">
   <p:cSld>
     <p:spTree>
@@ -10714,7 +10009,7 @@
 </p:sld>
 </file>
 
-<file path=ppt/slides/slide19.xml><?xml version="1.0" encoding="utf-8"?>
+<file path=ppt/slides/slide18.xml><?xml version="1.0" encoding="utf-8"?>
 <p:sld xmlns:a="http://schemas.openxmlformats.org/drawingml/2006/main" xmlns:r="http://schemas.openxmlformats.org/officeDocument/2006/relationships" xmlns:p="http://schemas.openxmlformats.org/presentationml/2006/main">
   <p:cSld>
     <p:spTree>
@@ -10862,112 +10157,7 @@
 </p:sld>
 </file>
 
-<file path=ppt/slides/slide2.xml><?xml version="1.0" encoding="utf-8"?>
-<p:sld xmlns:a="http://schemas.openxmlformats.org/drawingml/2006/main" xmlns:r="http://schemas.openxmlformats.org/officeDocument/2006/relationships" xmlns:p="http://schemas.openxmlformats.org/presentationml/2006/main">
-  <p:cSld>
-    <p:spTree>
-      <p:nvGrpSpPr>
-        <p:cNvPr id="1" name=""/>
-        <p:cNvGrpSpPr/>
-        <p:nvPr/>
-      </p:nvGrpSpPr>
-      <p:grpSpPr>
-        <a:xfrm>
-          <a:off x="0" y="0"/>
-          <a:ext cx="0" cy="0"/>
-          <a:chOff x="0" y="0"/>
-          <a:chExt cx="0" cy="0"/>
-        </a:xfrm>
-      </p:grpSpPr>
-      <p:sp>
-        <p:nvSpPr>
-          <p:cNvPr id="3" name="Content Placeholder 2"/>
-          <p:cNvSpPr>
-            <a:spLocks noGrp="1"/>
-          </p:cNvSpPr>
-          <p:nvPr>
-            <p:ph idx="1"/>
-          </p:nvPr>
-        </p:nvSpPr>
-        <p:spPr/>
-        <p:txBody>
-          <a:bodyPr/>
-          <a:lstStyle/>
-          <a:p>
-            <a:pPr marL="0" indent="0">
-              <a:buNone/>
-            </a:pPr>
-            <a:endParaRPr lang="en-US" dirty="0" smtClean="0"/>
-          </a:p>
-          <a:p>
-            <a:pPr marL="0" indent="0" algn="ctr">
-              <a:buNone/>
-            </a:pPr>
-            <a:r>
-              <a:rPr lang="en-US" sz="7200" b="1" dirty="0"/>
-              <a:t>Disclaimer</a:t>
-            </a:r>
-            <a:endParaRPr lang="en-US" dirty="0" smtClean="0"/>
-          </a:p>
-          <a:p>
-            <a:pPr marL="2171700" lvl="5" indent="0">
-              <a:buNone/>
-            </a:pPr>
-            <a:endParaRPr lang="en-US" dirty="0" smtClean="0"/>
-          </a:p>
-          <a:p>
-            <a:pPr lvl="4"/>
-            <a:r>
-              <a:rPr lang="en-US" sz="1800" dirty="0" smtClean="0"/>
-              <a:t>~ 1 month of experience</a:t>
-            </a:r>
-          </a:p>
-          <a:p>
-            <a:pPr lvl="4"/>
-            <a:r>
-              <a:rPr lang="en-US" sz="1800" dirty="0" smtClean="0"/>
-              <a:t>Using AMPQ </a:t>
-            </a:r>
-            <a:r>
-              <a:rPr lang="en-US" sz="1800" dirty="0"/>
-              <a:t>(</a:t>
-            </a:r>
-            <a:r>
-              <a:rPr lang="en-US" sz="1800" dirty="0" smtClean="0"/>
-              <a:t>default) not MQTT / STOMP </a:t>
-            </a:r>
-          </a:p>
-          <a:p>
-            <a:pPr lvl="4"/>
-            <a:r>
-              <a:rPr lang="en-US" sz="1800" dirty="0" smtClean="0"/>
-              <a:t>General overview, some things are skimmed</a:t>
-            </a:r>
-            <a:endParaRPr lang="en-US" sz="1800" dirty="0"/>
-          </a:p>
-        </p:txBody>
-      </p:sp>
-    </p:spTree>
-    <p:extLst>
-      <p:ext uri="{BB962C8B-B14F-4D97-AF65-F5344CB8AC3E}">
-        <p14:creationId xmlns:p14="http://schemas.microsoft.com/office/powerpoint/2010/main" val="2040239641"/>
-      </p:ext>
-    </p:extLst>
-  </p:cSld>
-  <p:clrMapOvr>
-    <a:masterClrMapping/>
-  </p:clrMapOvr>
-  <p:timing>
-    <p:tnLst>
-      <p:par>
-        <p:cTn id="1" dur="indefinite" restart="never" nodeType="tmRoot"/>
-      </p:par>
-    </p:tnLst>
-  </p:timing>
-</p:sld>
-</file>
-
-<file path=ppt/slides/slide20.xml><?xml version="1.0" encoding="utf-8"?>
+<file path=ppt/slides/slide19.xml><?xml version="1.0" encoding="utf-8"?>
 <p:sld xmlns:a="http://schemas.openxmlformats.org/drawingml/2006/main" xmlns:r="http://schemas.openxmlformats.org/officeDocument/2006/relationships" xmlns:p="http://schemas.openxmlformats.org/presentationml/2006/main">
   <p:cSld>
     <p:spTree>
@@ -11050,7 +10240,112 @@
 </p:sld>
 </file>
 
-<file path=ppt/slides/slide21.xml><?xml version="1.0" encoding="utf-8"?>
+<file path=ppt/slides/slide2.xml><?xml version="1.0" encoding="utf-8"?>
+<p:sld xmlns:a="http://schemas.openxmlformats.org/drawingml/2006/main" xmlns:r="http://schemas.openxmlformats.org/officeDocument/2006/relationships" xmlns:p="http://schemas.openxmlformats.org/presentationml/2006/main">
+  <p:cSld>
+    <p:spTree>
+      <p:nvGrpSpPr>
+        <p:cNvPr id="1" name=""/>
+        <p:cNvGrpSpPr/>
+        <p:nvPr/>
+      </p:nvGrpSpPr>
+      <p:grpSpPr>
+        <a:xfrm>
+          <a:off x="0" y="0"/>
+          <a:ext cx="0" cy="0"/>
+          <a:chOff x="0" y="0"/>
+          <a:chExt cx="0" cy="0"/>
+        </a:xfrm>
+      </p:grpSpPr>
+      <p:sp>
+        <p:nvSpPr>
+          <p:cNvPr id="3" name="Content Placeholder 2"/>
+          <p:cNvSpPr>
+            <a:spLocks noGrp="1"/>
+          </p:cNvSpPr>
+          <p:nvPr>
+            <p:ph idx="1"/>
+          </p:nvPr>
+        </p:nvSpPr>
+        <p:spPr/>
+        <p:txBody>
+          <a:bodyPr/>
+          <a:lstStyle/>
+          <a:p>
+            <a:pPr marL="0" indent="0">
+              <a:buNone/>
+            </a:pPr>
+            <a:endParaRPr lang="en-US" dirty="0" smtClean="0"/>
+          </a:p>
+          <a:p>
+            <a:pPr marL="0" indent="0" algn="ctr">
+              <a:buNone/>
+            </a:pPr>
+            <a:r>
+              <a:rPr lang="en-US" sz="7200" b="1" dirty="0"/>
+              <a:t>Disclaimer</a:t>
+            </a:r>
+            <a:endParaRPr lang="en-US" dirty="0" smtClean="0"/>
+          </a:p>
+          <a:p>
+            <a:pPr marL="2171700" lvl="5" indent="0">
+              <a:buNone/>
+            </a:pPr>
+            <a:endParaRPr lang="en-US" dirty="0" smtClean="0"/>
+          </a:p>
+          <a:p>
+            <a:pPr lvl="4"/>
+            <a:r>
+              <a:rPr lang="en-US" sz="1800" dirty="0" smtClean="0"/>
+              <a:t>~ 1 month of experience</a:t>
+            </a:r>
+          </a:p>
+          <a:p>
+            <a:pPr lvl="4"/>
+            <a:r>
+              <a:rPr lang="en-US" sz="1800" dirty="0" smtClean="0"/>
+              <a:t>Using AMPQ </a:t>
+            </a:r>
+            <a:r>
+              <a:rPr lang="en-US" sz="1800" dirty="0"/>
+              <a:t>(</a:t>
+            </a:r>
+            <a:r>
+              <a:rPr lang="en-US" sz="1800" dirty="0" smtClean="0"/>
+              <a:t>default) not MQTT / STOMP </a:t>
+            </a:r>
+          </a:p>
+          <a:p>
+            <a:pPr lvl="4"/>
+            <a:r>
+              <a:rPr lang="en-US" sz="1800" dirty="0" smtClean="0"/>
+              <a:t>General overview, some things are skimmed</a:t>
+            </a:r>
+            <a:endParaRPr lang="en-US" sz="1800" dirty="0"/>
+          </a:p>
+        </p:txBody>
+      </p:sp>
+    </p:spTree>
+    <p:extLst>
+      <p:ext uri="{BB962C8B-B14F-4D97-AF65-F5344CB8AC3E}">
+        <p14:creationId xmlns:p14="http://schemas.microsoft.com/office/powerpoint/2010/main" val="2040239641"/>
+      </p:ext>
+    </p:extLst>
+  </p:cSld>
+  <p:clrMapOvr>
+    <a:masterClrMapping/>
+  </p:clrMapOvr>
+  <p:timing>
+    <p:tnLst>
+      <p:par>
+        <p:cTn id="1" dur="indefinite" restart="never" nodeType="tmRoot"/>
+      </p:par>
+    </p:tnLst>
+  </p:timing>
+</p:sld>
+</file>
+
+<file path=ppt/slides/slide20.xml><?xml version="1.0" encoding="utf-8"?>
 <p:sld xmlns:a="http://schemas.openxmlformats.org/drawingml/2006/main" xmlns:r="http://schemas.openxmlformats.org/officeDocument/2006/relationships" xmlns:p="http://schemas.openxmlformats.org/presentationml/2006/main">
   <p:cSld>
     <p:spTree>
@@ -11222,6 +10517,232 @@
     <p:extLst>
       <p:ext uri="{BB962C8B-B14F-4D97-AF65-F5344CB8AC3E}">
         <p14:creationId xmlns:p14="http://schemas.microsoft.com/office/powerpoint/2010/main" val="2062890046"/>
+      </p:ext>
+    </p:extLst>
+  </p:cSld>
+  <p:clrMapOvr>
+    <a:masterClrMapping/>
+  </p:clrMapOvr>
+  <p:timing>
+    <p:tnLst>
+      <p:par>
+        <p:cTn id="1" dur="indefinite" restart="never" nodeType="tmRoot"/>
+      </p:par>
+    </p:tnLst>
+  </p:timing>
+</p:sld>
+</file>
+
+<file path=ppt/slides/slide21.xml><?xml version="1.0" encoding="utf-8"?>
+<p:sld xmlns:a="http://schemas.openxmlformats.org/drawingml/2006/main" xmlns:r="http://schemas.openxmlformats.org/officeDocument/2006/relationships" xmlns:p="http://schemas.openxmlformats.org/presentationml/2006/main">
+  <p:cSld>
+    <p:spTree>
+      <p:nvGrpSpPr>
+        <p:cNvPr id="1" name=""/>
+        <p:cNvGrpSpPr/>
+        <p:nvPr/>
+      </p:nvGrpSpPr>
+      <p:grpSpPr>
+        <a:xfrm>
+          <a:off x="0" y="0"/>
+          <a:ext cx="0" cy="0"/>
+          <a:chOff x="0" y="0"/>
+          <a:chExt cx="0" cy="0"/>
+        </a:xfrm>
+      </p:grpSpPr>
+      <p:sp>
+        <p:nvSpPr>
+          <p:cNvPr id="2" name="Title 1"/>
+          <p:cNvSpPr>
+            <a:spLocks noGrp="1"/>
+          </p:cNvSpPr>
+          <p:nvPr>
+            <p:ph type="title"/>
+          </p:nvPr>
+        </p:nvSpPr>
+        <p:spPr/>
+        <p:txBody>
+          <a:bodyPr/>
+          <a:lstStyle/>
+          <a:p>
+            <a:r>
+              <a:rPr lang="en-US" dirty="0" smtClean="0"/>
+              <a:t>Queue</a:t>
+            </a:r>
+            <a:endParaRPr lang="en-US" dirty="0"/>
+          </a:p>
+        </p:txBody>
+      </p:sp>
+      <p:sp>
+        <p:nvSpPr>
+          <p:cNvPr id="3" name="Content Placeholder 2"/>
+          <p:cNvSpPr>
+            <a:spLocks noGrp="1"/>
+          </p:cNvSpPr>
+          <p:nvPr>
+            <p:ph idx="1"/>
+          </p:nvPr>
+        </p:nvSpPr>
+        <p:spPr>
+          <a:xfrm>
+            <a:off x="741680" y="1544320"/>
+            <a:ext cx="9044013" cy="4693919"/>
+          </a:xfrm>
+        </p:spPr>
+        <p:txBody>
+          <a:bodyPr>
+            <a:normAutofit/>
+          </a:bodyPr>
+          <a:lstStyle/>
+          <a:p>
+            <a:r>
+              <a:rPr lang="en-US" sz="2400" dirty="0"/>
+              <a:t>Bind queue to exchange</a:t>
+            </a:r>
+          </a:p>
+          <a:p>
+            <a:pPr lvl="1"/>
+            <a:r>
+              <a:rPr lang="en-US" sz="2200" dirty="0"/>
+              <a:t>1 (ex) to many (q) relationship</a:t>
+            </a:r>
+          </a:p>
+          <a:p>
+            <a:pPr lvl="1"/>
+            <a:r>
+              <a:rPr lang="en-US" sz="2400" dirty="0" smtClean="0"/>
+              <a:t>Follows </a:t>
+            </a:r>
+            <a:r>
+              <a:rPr lang="en-US" sz="2400" dirty="0"/>
+              <a:t>exchange type</a:t>
+            </a:r>
+          </a:p>
+          <a:p>
+            <a:pPr lvl="1"/>
+            <a:r>
+              <a:rPr lang="en-US" sz="2400" dirty="0"/>
+              <a:t>Often Consumer-side</a:t>
+            </a:r>
+          </a:p>
+          <a:p>
+            <a:r>
+              <a:rPr lang="en-US" sz="2400" b="1" i="1" dirty="0" smtClean="0"/>
+              <a:t>One </a:t>
+            </a:r>
+            <a:r>
+              <a:rPr lang="en-US" sz="2400" b="1" i="1" dirty="0"/>
+              <a:t>Consumer per queue </a:t>
+            </a:r>
+          </a:p>
+          <a:p>
+            <a:pPr lvl="1"/>
+            <a:r>
+              <a:rPr lang="en-US" sz="2400" dirty="0"/>
+              <a:t>FIFO</a:t>
+            </a:r>
+          </a:p>
+          <a:p>
+            <a:pPr lvl="1"/>
+            <a:r>
+              <a:rPr lang="en-US" sz="2400" dirty="0"/>
+              <a:t>Auto-load </a:t>
+            </a:r>
+            <a:r>
+              <a:rPr lang="en-US" sz="2400" dirty="0" smtClean="0"/>
+              <a:t>balancing</a:t>
+            </a:r>
+          </a:p>
+          <a:p>
+            <a:pPr lvl="1"/>
+            <a:r>
+              <a:rPr lang="en-US" sz="2400" dirty="0" smtClean="0"/>
+              <a:t>Consuming is destructive</a:t>
+            </a:r>
+          </a:p>
+          <a:p>
+            <a:pPr lvl="1"/>
+            <a:endParaRPr lang="en-US" sz="2200" dirty="0" smtClean="0"/>
+          </a:p>
+          <a:p>
+            <a:endParaRPr lang="en-US" b="1" dirty="0"/>
+          </a:p>
+        </p:txBody>
+      </p:sp>
+      <p:pic>
+        <p:nvPicPr>
+          <p:cNvPr id="4" name="Picture 3"/>
+          <p:cNvPicPr>
+            <a:picLocks noChangeAspect="1"/>
+          </p:cNvPicPr>
+          <p:nvPr/>
+        </p:nvPicPr>
+        <p:blipFill rotWithShape="1">
+          <a:blip r:embed="rId3"/>
+          <a:srcRect l="2955" t="3981" r="2796" b="4444"/>
+          <a:stretch/>
+        </p:blipFill>
+        <p:spPr>
+          <a:xfrm>
+            <a:off x="6096000" y="1690688"/>
+            <a:ext cx="5392565" cy="3243966"/>
+          </a:xfrm>
+          <a:prstGeom prst="rect">
+            <a:avLst/>
+          </a:prstGeom>
+        </p:spPr>
+      </p:pic>
+      <p:sp>
+        <p:nvSpPr>
+          <p:cNvPr id="6" name="Rectangle 5"/>
+          <p:cNvSpPr/>
+          <p:nvPr/>
+        </p:nvSpPr>
+        <p:spPr>
+          <a:xfrm>
+            <a:off x="5971521" y="3322864"/>
+            <a:ext cx="5641521" cy="1811460"/>
+          </a:xfrm>
+          <a:prstGeom prst="rect">
+            <a:avLst/>
+          </a:prstGeom>
+          <a:noFill/>
+          <a:ln w="76200">
+            <a:solidFill>
+              <a:srgbClr val="FF0000"/>
+            </a:solidFill>
+            <a:prstDash val="lgDash"/>
+          </a:ln>
+        </p:spPr>
+        <p:style>
+          <a:lnRef idx="2">
+            <a:schemeClr val="accent1">
+              <a:shade val="50000"/>
+            </a:schemeClr>
+          </a:lnRef>
+          <a:fillRef idx="1">
+            <a:schemeClr val="accent1"/>
+          </a:fillRef>
+          <a:effectRef idx="0">
+            <a:schemeClr val="accent1"/>
+          </a:effectRef>
+          <a:fontRef idx="minor">
+            <a:schemeClr val="lt1"/>
+          </a:fontRef>
+        </p:style>
+        <p:txBody>
+          <a:bodyPr rtlCol="0" anchor="ctr"/>
+          <a:lstStyle/>
+          <a:p>
+            <a:pPr algn="ctr"/>
+            <a:endParaRPr lang="en-US"/>
+          </a:p>
+        </p:txBody>
+      </p:sp>
+    </p:spTree>
+    <p:extLst>
+      <p:ext uri="{BB962C8B-B14F-4D97-AF65-F5344CB8AC3E}">
+        <p14:creationId xmlns:p14="http://schemas.microsoft.com/office/powerpoint/2010/main" val="3966625548"/>
       </p:ext>
     </p:extLst>
   </p:cSld>
@@ -11296,7 +10817,7 @@
         </p:spPr>
         <p:txBody>
           <a:bodyPr>
-            <a:normAutofit/>
+            <a:normAutofit lnSpcReduction="10000"/>
           </a:bodyPr>
           <a:lstStyle/>
           <a:p>
@@ -11363,6 +10884,19 @@
             <a:r>
               <a:rPr lang="en-US" sz="2400" dirty="0" smtClean="0"/>
               <a:t>Consuming is destructive</a:t>
+            </a:r>
+          </a:p>
+          <a:p>
+            <a:r>
+              <a:rPr lang="en-US" sz="2400" b="1" i="1" dirty="0" smtClean="0"/>
+              <a:t>No message replay</a:t>
+            </a:r>
+          </a:p>
+          <a:p>
+            <a:pPr lvl="1"/>
+            <a:r>
+              <a:rPr lang="en-US" sz="2400" dirty="0"/>
+              <a:t>Pre-defined queues</a:t>
             </a:r>
           </a:p>
           <a:p>
@@ -11447,7 +10981,7 @@
     </p:spTree>
     <p:extLst>
       <p:ext uri="{BB962C8B-B14F-4D97-AF65-F5344CB8AC3E}">
-        <p14:creationId xmlns:p14="http://schemas.microsoft.com/office/powerpoint/2010/main" val="3966625548"/>
+        <p14:creationId xmlns:p14="http://schemas.microsoft.com/office/powerpoint/2010/main" val="2222110082"/>
       </p:ext>
     </p:extLst>
   </p:cSld>
@@ -11465,245 +10999,6 @@
 </file>
 
 <file path=ppt/slides/slide23.xml><?xml version="1.0" encoding="utf-8"?>
-<p:sld xmlns:a="http://schemas.openxmlformats.org/drawingml/2006/main" xmlns:r="http://schemas.openxmlformats.org/officeDocument/2006/relationships" xmlns:p="http://schemas.openxmlformats.org/presentationml/2006/main">
-  <p:cSld>
-    <p:spTree>
-      <p:nvGrpSpPr>
-        <p:cNvPr id="1" name=""/>
-        <p:cNvGrpSpPr/>
-        <p:nvPr/>
-      </p:nvGrpSpPr>
-      <p:grpSpPr>
-        <a:xfrm>
-          <a:off x="0" y="0"/>
-          <a:ext cx="0" cy="0"/>
-          <a:chOff x="0" y="0"/>
-          <a:chExt cx="0" cy="0"/>
-        </a:xfrm>
-      </p:grpSpPr>
-      <p:sp>
-        <p:nvSpPr>
-          <p:cNvPr id="2" name="Title 1"/>
-          <p:cNvSpPr>
-            <a:spLocks noGrp="1"/>
-          </p:cNvSpPr>
-          <p:nvPr>
-            <p:ph type="title"/>
-          </p:nvPr>
-        </p:nvSpPr>
-        <p:spPr/>
-        <p:txBody>
-          <a:bodyPr/>
-          <a:lstStyle/>
-          <a:p>
-            <a:r>
-              <a:rPr lang="en-US" dirty="0" smtClean="0"/>
-              <a:t>Queue</a:t>
-            </a:r>
-            <a:endParaRPr lang="en-US" dirty="0"/>
-          </a:p>
-        </p:txBody>
-      </p:sp>
-      <p:sp>
-        <p:nvSpPr>
-          <p:cNvPr id="3" name="Content Placeholder 2"/>
-          <p:cNvSpPr>
-            <a:spLocks noGrp="1"/>
-          </p:cNvSpPr>
-          <p:nvPr>
-            <p:ph idx="1"/>
-          </p:nvPr>
-        </p:nvSpPr>
-        <p:spPr>
-          <a:xfrm>
-            <a:off x="741680" y="1544320"/>
-            <a:ext cx="9044013" cy="4693919"/>
-          </a:xfrm>
-        </p:spPr>
-        <p:txBody>
-          <a:bodyPr>
-            <a:normAutofit lnSpcReduction="10000"/>
-          </a:bodyPr>
-          <a:lstStyle/>
-          <a:p>
-            <a:r>
-              <a:rPr lang="en-US" sz="2400" dirty="0"/>
-              <a:t>Bind queue to exchange</a:t>
-            </a:r>
-          </a:p>
-          <a:p>
-            <a:pPr lvl="1"/>
-            <a:r>
-              <a:rPr lang="en-US" sz="2200" dirty="0"/>
-              <a:t>1 (ex) to many (q) relationship</a:t>
-            </a:r>
-          </a:p>
-          <a:p>
-            <a:pPr lvl="1"/>
-            <a:r>
-              <a:rPr lang="en-US" sz="2400" dirty="0" smtClean="0"/>
-              <a:t>Follows </a:t>
-            </a:r>
-            <a:r>
-              <a:rPr lang="en-US" sz="2400" dirty="0"/>
-              <a:t>exchange type</a:t>
-            </a:r>
-          </a:p>
-          <a:p>
-            <a:pPr lvl="1"/>
-            <a:r>
-              <a:rPr lang="en-US" sz="2400" dirty="0"/>
-              <a:t>Often Consumer-side</a:t>
-            </a:r>
-          </a:p>
-          <a:p>
-            <a:r>
-              <a:rPr lang="en-US" sz="2400" b="1" i="1" dirty="0" smtClean="0"/>
-              <a:t>One </a:t>
-            </a:r>
-            <a:r>
-              <a:rPr lang="en-US" sz="2400" b="1" i="1" dirty="0"/>
-              <a:t>Consumer per queue </a:t>
-            </a:r>
-          </a:p>
-          <a:p>
-            <a:pPr lvl="1"/>
-            <a:r>
-              <a:rPr lang="en-US" sz="2400" dirty="0"/>
-              <a:t>FIFO</a:t>
-            </a:r>
-          </a:p>
-          <a:p>
-            <a:pPr lvl="1"/>
-            <a:r>
-              <a:rPr lang="en-US" sz="2400" dirty="0"/>
-              <a:t>Auto-load </a:t>
-            </a:r>
-            <a:r>
-              <a:rPr lang="en-US" sz="2400" dirty="0" smtClean="0"/>
-              <a:t>balancing</a:t>
-            </a:r>
-          </a:p>
-          <a:p>
-            <a:pPr lvl="1"/>
-            <a:r>
-              <a:rPr lang="en-US" sz="2400" dirty="0" smtClean="0"/>
-              <a:t>Consuming is destructive</a:t>
-            </a:r>
-          </a:p>
-          <a:p>
-            <a:r>
-              <a:rPr lang="en-US" sz="2400" b="1" i="1" dirty="0" smtClean="0"/>
-              <a:t>No message replay</a:t>
-            </a:r>
-          </a:p>
-          <a:p>
-            <a:pPr lvl="1"/>
-            <a:r>
-              <a:rPr lang="en-US" sz="2400" dirty="0"/>
-              <a:t>Pre-defined queues</a:t>
-            </a:r>
-          </a:p>
-          <a:p>
-            <a:pPr lvl="1"/>
-            <a:endParaRPr lang="en-US" sz="2200" dirty="0" smtClean="0"/>
-          </a:p>
-          <a:p>
-            <a:endParaRPr lang="en-US" b="1" dirty="0"/>
-          </a:p>
-        </p:txBody>
-      </p:sp>
-      <p:pic>
-        <p:nvPicPr>
-          <p:cNvPr id="4" name="Picture 3"/>
-          <p:cNvPicPr>
-            <a:picLocks noChangeAspect="1"/>
-          </p:cNvPicPr>
-          <p:nvPr/>
-        </p:nvPicPr>
-        <p:blipFill rotWithShape="1">
-          <a:blip r:embed="rId3"/>
-          <a:srcRect l="2955" t="3981" r="2796" b="4444"/>
-          <a:stretch/>
-        </p:blipFill>
-        <p:spPr>
-          <a:xfrm>
-            <a:off x="6096000" y="1690688"/>
-            <a:ext cx="5392565" cy="3243966"/>
-          </a:xfrm>
-          <a:prstGeom prst="rect">
-            <a:avLst/>
-          </a:prstGeom>
-        </p:spPr>
-      </p:pic>
-      <p:sp>
-        <p:nvSpPr>
-          <p:cNvPr id="6" name="Rectangle 5"/>
-          <p:cNvSpPr/>
-          <p:nvPr/>
-        </p:nvSpPr>
-        <p:spPr>
-          <a:xfrm>
-            <a:off x="5971521" y="3322864"/>
-            <a:ext cx="5641521" cy="1811460"/>
-          </a:xfrm>
-          <a:prstGeom prst="rect">
-            <a:avLst/>
-          </a:prstGeom>
-          <a:noFill/>
-          <a:ln w="76200">
-            <a:solidFill>
-              <a:srgbClr val="FF0000"/>
-            </a:solidFill>
-            <a:prstDash val="lgDash"/>
-          </a:ln>
-        </p:spPr>
-        <p:style>
-          <a:lnRef idx="2">
-            <a:schemeClr val="accent1">
-              <a:shade val="50000"/>
-            </a:schemeClr>
-          </a:lnRef>
-          <a:fillRef idx="1">
-            <a:schemeClr val="accent1"/>
-          </a:fillRef>
-          <a:effectRef idx="0">
-            <a:schemeClr val="accent1"/>
-          </a:effectRef>
-          <a:fontRef idx="minor">
-            <a:schemeClr val="lt1"/>
-          </a:fontRef>
-        </p:style>
-        <p:txBody>
-          <a:bodyPr rtlCol="0" anchor="ctr"/>
-          <a:lstStyle/>
-          <a:p>
-            <a:pPr algn="ctr"/>
-            <a:endParaRPr lang="en-US"/>
-          </a:p>
-        </p:txBody>
-      </p:sp>
-    </p:spTree>
-    <p:extLst>
-      <p:ext uri="{BB962C8B-B14F-4D97-AF65-F5344CB8AC3E}">
-        <p14:creationId xmlns:p14="http://schemas.microsoft.com/office/powerpoint/2010/main" val="2222110082"/>
-      </p:ext>
-    </p:extLst>
-  </p:cSld>
-  <p:clrMapOvr>
-    <a:masterClrMapping/>
-  </p:clrMapOvr>
-  <p:timing>
-    <p:tnLst>
-      <p:par>
-        <p:cTn id="1" dur="indefinite" restart="never" nodeType="tmRoot"/>
-      </p:par>
-    </p:tnLst>
-  </p:timing>
-</p:sld>
-</file>
-
-<file path=ppt/slides/slide24.xml><?xml version="1.0" encoding="utf-8"?>
 <p:sld xmlns:a="http://schemas.openxmlformats.org/drawingml/2006/main" xmlns:r="http://schemas.openxmlformats.org/officeDocument/2006/relationships" xmlns:p="http://schemas.openxmlformats.org/presentationml/2006/main">
   <p:cSld>
     <p:spTree>
@@ -11792,7 +11087,7 @@
 </p:sld>
 </file>
 
-<file path=ppt/slides/slide25.xml><?xml version="1.0" encoding="utf-8"?>
+<file path=ppt/slides/slide24.xml><?xml version="1.0" encoding="utf-8"?>
 <p:sld xmlns:a="http://schemas.openxmlformats.org/drawingml/2006/main" xmlns:r="http://schemas.openxmlformats.org/officeDocument/2006/relationships" xmlns:p="http://schemas.openxmlformats.org/presentationml/2006/main">
   <p:cSld>
     <p:spTree>
@@ -11959,7 +11254,7 @@
 </p:sld>
 </file>
 
-<file path=ppt/slides/slide26.xml><?xml version="1.0" encoding="utf-8"?>
+<file path=ppt/slides/slide25.xml><?xml version="1.0" encoding="utf-8"?>
 <p:sld xmlns:a="http://schemas.openxmlformats.org/drawingml/2006/main" xmlns:r="http://schemas.openxmlformats.org/officeDocument/2006/relationships" xmlns:p="http://schemas.openxmlformats.org/presentationml/2006/main">
   <p:cSld>
     <p:spTree>
@@ -12134,7 +11429,7 @@
 </p:sld>
 </file>
 
-<file path=ppt/slides/slide27.xml><?xml version="1.0" encoding="utf-8"?>
+<file path=ppt/slides/slide26.xml><?xml version="1.0" encoding="utf-8"?>
 <p:sld xmlns:a="http://schemas.openxmlformats.org/drawingml/2006/main" xmlns:r="http://schemas.openxmlformats.org/officeDocument/2006/relationships" xmlns:p="http://schemas.openxmlformats.org/presentationml/2006/main">
   <p:cSld>
     <p:spTree>
@@ -12455,6 +11750,95 @@
 </p:sld>
 </file>
 
+<file path=ppt/slides/slide27.xml><?xml version="1.0" encoding="utf-8"?>
+<p:sld xmlns:a="http://schemas.openxmlformats.org/drawingml/2006/main" xmlns:r="http://schemas.openxmlformats.org/officeDocument/2006/relationships" xmlns:p="http://schemas.openxmlformats.org/presentationml/2006/main">
+  <p:cSld>
+    <p:spTree>
+      <p:nvGrpSpPr>
+        <p:cNvPr id="1" name=""/>
+        <p:cNvGrpSpPr/>
+        <p:nvPr/>
+      </p:nvGrpSpPr>
+      <p:grpSpPr>
+        <a:xfrm>
+          <a:off x="0" y="0"/>
+          <a:ext cx="0" cy="0"/>
+          <a:chOff x="0" y="0"/>
+          <a:chExt cx="0" cy="0"/>
+        </a:xfrm>
+      </p:grpSpPr>
+      <p:sp>
+        <p:nvSpPr>
+          <p:cNvPr id="2" name="Title 1"/>
+          <p:cNvSpPr>
+            <a:spLocks noGrp="1"/>
+          </p:cNvSpPr>
+          <p:nvPr>
+            <p:ph type="title"/>
+          </p:nvPr>
+        </p:nvSpPr>
+        <p:spPr/>
+        <p:txBody>
+          <a:bodyPr/>
+          <a:lstStyle/>
+          <a:p>
+            <a:r>
+              <a:rPr lang="en-US" dirty="0" smtClean="0"/>
+              <a:t>Lessons Learned</a:t>
+            </a:r>
+            <a:endParaRPr lang="en-US" dirty="0"/>
+          </a:p>
+        </p:txBody>
+      </p:sp>
+      <p:sp>
+        <p:nvSpPr>
+          <p:cNvPr id="3" name="Content Placeholder 2"/>
+          <p:cNvSpPr>
+            <a:spLocks noGrp="1"/>
+          </p:cNvSpPr>
+          <p:nvPr>
+            <p:ph idx="1"/>
+          </p:nvPr>
+        </p:nvSpPr>
+        <p:spPr>
+          <a:xfrm>
+            <a:off x="1103312" y="2052918"/>
+            <a:ext cx="9706928" cy="4195481"/>
+          </a:xfrm>
+        </p:spPr>
+        <p:txBody>
+          <a:bodyPr>
+            <a:normAutofit/>
+          </a:bodyPr>
+          <a:lstStyle/>
+          <a:p>
+            <a:r>
+              <a:rPr lang="en-US" sz="2400" dirty="0" smtClean="0"/>
+              <a:t>Use exchanges with limited scope</a:t>
+            </a:r>
+          </a:p>
+        </p:txBody>
+      </p:sp>
+    </p:spTree>
+    <p:extLst>
+      <p:ext uri="{BB962C8B-B14F-4D97-AF65-F5344CB8AC3E}">
+        <p14:creationId xmlns:p14="http://schemas.microsoft.com/office/powerpoint/2010/main" val="1676916155"/>
+      </p:ext>
+    </p:extLst>
+  </p:cSld>
+  <p:clrMapOvr>
+    <a:masterClrMapping/>
+  </p:clrMapOvr>
+  <p:timing>
+    <p:tnLst>
+      <p:par>
+        <p:cTn id="1" dur="indefinite" restart="never" nodeType="tmRoot"/>
+      </p:par>
+    </p:tnLst>
+  </p:timing>
+</p:sld>
+</file>
+
 <file path=ppt/slides/slide28.xml><?xml version="1.0" encoding="utf-8"?>
 <p:sld xmlns:a="http://schemas.openxmlformats.org/drawingml/2006/main" xmlns:r="http://schemas.openxmlformats.org/officeDocument/2006/relationships" xmlns:p="http://schemas.openxmlformats.org/presentationml/2006/main">
   <p:cSld>
@@ -12522,12 +11906,26 @@
               <a:t>Use exchanges with limited scope</a:t>
             </a:r>
           </a:p>
+          <a:p>
+            <a:r>
+              <a:rPr lang="en-US" sz="2400" dirty="0" smtClean="0"/>
+              <a:t>Use more exchanges instead of complex </a:t>
+            </a:r>
+            <a:r>
+              <a:rPr lang="en-US" sz="2400" dirty="0"/>
+              <a:t>topics / direct </a:t>
+            </a:r>
+            <a:r>
+              <a:rPr lang="en-US" sz="2400" dirty="0" smtClean="0"/>
+              <a:t>messages</a:t>
+            </a:r>
+          </a:p>
         </p:txBody>
       </p:sp>
     </p:spTree>
     <p:extLst>
       <p:ext uri="{BB962C8B-B14F-4D97-AF65-F5344CB8AC3E}">
-        <p14:creationId xmlns:p14="http://schemas.microsoft.com/office/powerpoint/2010/main" val="1676916155"/>
+        <p14:creationId xmlns:p14="http://schemas.microsoft.com/office/powerpoint/2010/main" val="2567930904"/>
       </p:ext>
     </p:extLst>
   </p:cSld>
@@ -12625,12 +12023,22 @@
               <a:t>messages</a:t>
             </a:r>
           </a:p>
+          <a:p>
+            <a:r>
+              <a:rPr lang="en-US" sz="2400" dirty="0" err="1" smtClean="0"/>
+              <a:t>Fanout</a:t>
+            </a:r>
+            <a:r>
+              <a:rPr lang="en-US" sz="2400" dirty="0" smtClean="0"/>
+              <a:t> is a lot easier to configure</a:t>
+            </a:r>
+          </a:p>
         </p:txBody>
       </p:sp>
     </p:spTree>
     <p:extLst>
       <p:ext uri="{BB962C8B-B14F-4D97-AF65-F5344CB8AC3E}">
-        <p14:creationId xmlns:p14="http://schemas.microsoft.com/office/powerpoint/2010/main" val="2567930904"/>
+        <p14:creationId xmlns:p14="http://schemas.microsoft.com/office/powerpoint/2010/main" val="3891610737"/>
       </p:ext>
     </p:extLst>
   </p:cSld>
@@ -12882,12 +12290,18 @@
               <a:t> is a lot easier to configure</a:t>
             </a:r>
           </a:p>
+          <a:p>
+            <a:r>
+              <a:rPr lang="en-US" sz="2400" dirty="0" smtClean="0"/>
+              <a:t>Boot order can matter without pre-queueing</a:t>
+            </a:r>
+          </a:p>
         </p:txBody>
       </p:sp>
     </p:spTree>
     <p:extLst>
       <p:ext uri="{BB962C8B-B14F-4D97-AF65-F5344CB8AC3E}">
-        <p14:creationId xmlns:p14="http://schemas.microsoft.com/office/powerpoint/2010/main" val="3891610737"/>
+        <p14:creationId xmlns:p14="http://schemas.microsoft.com/office/powerpoint/2010/main" val="4160583122"/>
       </p:ext>
     </p:extLst>
   </p:cSld>
@@ -13001,12 +12415,34 @@
               <a:t>Boot order can matter without pre-queueing</a:t>
             </a:r>
           </a:p>
+          <a:p>
+            <a:r>
+              <a:rPr lang="en-US" sz="2400" dirty="0" smtClean="0"/>
+              <a:t>Architecture matters, but </a:t>
+            </a:r>
+            <a:r>
+              <a:rPr lang="en-US" sz="2400" dirty="0" err="1" smtClean="0"/>
+              <a:t>RabbitMQ</a:t>
+            </a:r>
+            <a:r>
+              <a:rPr lang="en-US" sz="2400" dirty="0" smtClean="0"/>
+              <a:t> can only do so much</a:t>
+            </a:r>
+          </a:p>
+          <a:p>
+            <a:pPr lvl="1"/>
+            <a:r>
+              <a:rPr lang="en-US" sz="2400" dirty="0" smtClean="0"/>
+              <a:t>Don’t make it do something it’s not meant for</a:t>
+            </a:r>
+            <a:endParaRPr lang="en-US" sz="2400" dirty="0"/>
+          </a:p>
         </p:txBody>
       </p:sp>
     </p:spTree>
     <p:extLst>
       <p:ext uri="{BB962C8B-B14F-4D97-AF65-F5344CB8AC3E}">
-        <p14:creationId xmlns:p14="http://schemas.microsoft.com/office/powerpoint/2010/main" val="4160583122"/>
+        <p14:creationId xmlns:p14="http://schemas.microsoft.com/office/powerpoint/2010/main" val="2285736872"/>
       </p:ext>
     </p:extLst>
   </p:cSld>
@@ -13057,7 +12493,7 @@
           <a:p>
             <a:r>
               <a:rPr lang="en-US" dirty="0" smtClean="0"/>
-              <a:t>Lessons Learned</a:t>
+              <a:t>Further Learning</a:t>
             </a:r>
             <a:endParaRPr lang="en-US" dirty="0"/>
           </a:p>
@@ -13073,81 +12509,121 @@
             <p:ph idx="1"/>
           </p:nvPr>
         </p:nvSpPr>
-        <p:spPr>
-          <a:xfrm>
-            <a:off x="1103312" y="2052918"/>
-            <a:ext cx="9706928" cy="4195481"/>
-          </a:xfrm>
-        </p:spPr>
-        <p:txBody>
-          <a:bodyPr>
-            <a:normAutofit/>
-          </a:bodyPr>
-          <a:lstStyle/>
-          <a:p>
-            <a:r>
-              <a:rPr lang="en-US" sz="2400" dirty="0" smtClean="0"/>
-              <a:t>Use exchanges with limited scope</a:t>
-            </a:r>
-          </a:p>
-          <a:p>
-            <a:r>
-              <a:rPr lang="en-US" sz="2400" dirty="0" smtClean="0"/>
-              <a:t>Use more exchanges instead of complex </a:t>
-            </a:r>
-            <a:r>
-              <a:rPr lang="en-US" sz="2400" dirty="0"/>
-              <a:t>topics / direct </a:t>
-            </a:r>
-            <a:r>
-              <a:rPr lang="en-US" sz="2400" dirty="0" smtClean="0"/>
-              <a:t>messages</a:t>
-            </a:r>
-          </a:p>
-          <a:p>
-            <a:r>
-              <a:rPr lang="en-US" sz="2400" dirty="0" err="1" smtClean="0"/>
-              <a:t>Fanout</a:t>
-            </a:r>
-            <a:r>
-              <a:rPr lang="en-US" sz="2400" dirty="0" smtClean="0"/>
-              <a:t> is a lot easier to configure</a:t>
-            </a:r>
-          </a:p>
-          <a:p>
-            <a:r>
-              <a:rPr lang="en-US" sz="2400" dirty="0" smtClean="0"/>
-              <a:t>Boot order can matter without pre-queueing</a:t>
-            </a:r>
-          </a:p>
-          <a:p>
-            <a:r>
-              <a:rPr lang="en-US" sz="2400" dirty="0" smtClean="0"/>
-              <a:t>Architecture matters, but </a:t>
-            </a:r>
-            <a:r>
-              <a:rPr lang="en-US" sz="2400" dirty="0" err="1" smtClean="0"/>
-              <a:t>RabbitMQ</a:t>
-            </a:r>
-            <a:r>
-              <a:rPr lang="en-US" sz="2400" dirty="0" smtClean="0"/>
-              <a:t> can only do so much</a:t>
-            </a:r>
-          </a:p>
-          <a:p>
-            <a:pPr lvl="1"/>
-            <a:r>
-              <a:rPr lang="en-US" sz="2400" dirty="0" smtClean="0"/>
-              <a:t>Don’t make it do something it’s not meant for</a:t>
-            </a:r>
-            <a:endParaRPr lang="en-US" sz="2400" dirty="0"/>
+        <p:spPr/>
+        <p:txBody>
+          <a:bodyPr/>
+          <a:lstStyle/>
+          <a:p>
+            <a:pPr marL="0" indent="0">
+              <a:buNone/>
+            </a:pPr>
+            <a:r>
+              <a:rPr lang="en-US" dirty="0" smtClean="0">
+                <a:solidFill>
+                  <a:schemeClr val="accent5">
+                    <a:lumMod val="75000"/>
+                  </a:schemeClr>
+                </a:solidFill>
+                <a:hlinkClick r:id="rId2"/>
+              </a:rPr>
+              <a:t>https://jack-vanlightly.com/blog/2017/12/5/rabbitmq-vs-kafka-part-2-rabbitmq-messaging-patterns-and-topologies</a:t>
+            </a:r>
+            <a:endParaRPr lang="en-US" dirty="0" smtClean="0">
+              <a:solidFill>
+                <a:schemeClr val="accent5">
+                  <a:lumMod val="75000"/>
+                </a:schemeClr>
+              </a:solidFill>
+            </a:endParaRPr>
+          </a:p>
+          <a:p>
+            <a:pPr marL="0" indent="0">
+              <a:buNone/>
+            </a:pPr>
+            <a:endParaRPr lang="en-US" dirty="0" smtClean="0">
+              <a:solidFill>
+                <a:schemeClr val="accent5">
+                  <a:lumMod val="75000"/>
+                </a:schemeClr>
+              </a:solidFill>
+            </a:endParaRPr>
+          </a:p>
+          <a:p>
+            <a:pPr marL="0" indent="0">
+              <a:buNone/>
+            </a:pPr>
+            <a:r>
+              <a:rPr lang="en-US" dirty="0" smtClean="0">
+                <a:solidFill>
+                  <a:schemeClr val="accent5">
+                    <a:lumMod val="75000"/>
+                  </a:schemeClr>
+                </a:solidFill>
+                <a:hlinkClick r:id="rId3"/>
+              </a:rPr>
+              <a:t>https://www.cloudamqp.com/blog/2017-12-29-part1-rabbitmq-best-practice.html</a:t>
+            </a:r>
+            <a:endParaRPr lang="en-US" dirty="0" smtClean="0">
+              <a:solidFill>
+                <a:schemeClr val="accent5">
+                  <a:lumMod val="75000"/>
+                </a:schemeClr>
+              </a:solidFill>
+            </a:endParaRPr>
+          </a:p>
+          <a:p>
+            <a:pPr marL="0" indent="0">
+              <a:buNone/>
+            </a:pPr>
+            <a:endParaRPr lang="en-US" dirty="0">
+              <a:solidFill>
+                <a:schemeClr val="accent5">
+                  <a:lumMod val="75000"/>
+                </a:schemeClr>
+              </a:solidFill>
+            </a:endParaRPr>
+          </a:p>
+          <a:p>
+            <a:pPr marL="0" indent="0">
+              <a:buNone/>
+            </a:pPr>
+            <a:r>
+              <a:rPr lang="en-US" dirty="0" smtClean="0">
+                <a:solidFill>
+                  <a:schemeClr val="accent5">
+                    <a:lumMod val="75000"/>
+                  </a:schemeClr>
+                </a:solidFill>
+                <a:hlinkClick r:id="rId4"/>
+              </a:rPr>
+              <a:t>https://www.cloudamqp.com/blog/2018-01-19-part4-rabbitmq-13-common-errors.html</a:t>
+            </a:r>
+            <a:endParaRPr lang="en-US" dirty="0" smtClean="0">
+              <a:solidFill>
+                <a:schemeClr val="accent5">
+                  <a:lumMod val="75000"/>
+                </a:schemeClr>
+              </a:solidFill>
+            </a:endParaRPr>
+          </a:p>
+          <a:p>
+            <a:pPr marL="0" indent="0">
+              <a:buNone/>
+            </a:pPr>
+            <a:endParaRPr lang="en-US" dirty="0"/>
+          </a:p>
+          <a:p>
+            <a:pPr marL="0" indent="0">
+              <a:buNone/>
+            </a:pPr>
+            <a:endParaRPr lang="en-US" dirty="0"/>
           </a:p>
         </p:txBody>
       </p:sp>
     </p:spTree>
     <p:extLst>
       <p:ext uri="{BB962C8B-B14F-4D97-AF65-F5344CB8AC3E}">
-        <p14:creationId xmlns:p14="http://schemas.microsoft.com/office/powerpoint/2010/main" val="2285736872"/>
+        <p14:creationId xmlns:p14="http://schemas.microsoft.com/office/powerpoint/2010/main" val="2982117526"/>
       </p:ext>
     </p:extLst>
   </p:cSld>
@@ -13191,144 +12667,28 @@
             <p:ph type="title"/>
           </p:nvPr>
         </p:nvSpPr>
-        <p:spPr/>
+        <p:spPr>
+          <a:xfrm>
+            <a:off x="4720529" y="2688304"/>
+            <a:ext cx="2523552" cy="1400530"/>
+          </a:xfrm>
+        </p:spPr>
         <p:txBody>
           <a:bodyPr/>
           <a:lstStyle/>
           <a:p>
             <a:r>
-              <a:rPr lang="en-US" dirty="0" smtClean="0"/>
-              <a:t>Further Learning</a:t>
-            </a:r>
-            <a:endParaRPr lang="en-US" dirty="0"/>
-          </a:p>
-        </p:txBody>
-      </p:sp>
-      <p:sp>
-        <p:nvSpPr>
-          <p:cNvPr id="3" name="Content Placeholder 2"/>
-          <p:cNvSpPr>
-            <a:spLocks noGrp="1"/>
-          </p:cNvSpPr>
-          <p:nvPr>
-            <p:ph idx="1"/>
-          </p:nvPr>
-        </p:nvSpPr>
-        <p:spPr/>
-        <p:txBody>
-          <a:bodyPr/>
-          <a:lstStyle/>
-          <a:p>
-            <a:pPr marL="0" indent="0">
-              <a:buNone/>
-            </a:pPr>
-            <a:r>
-              <a:rPr lang="en-US" dirty="0" smtClean="0">
-                <a:solidFill>
-                  <a:schemeClr val="accent5">
-                    <a:lumMod val="75000"/>
-                  </a:schemeClr>
-                </a:solidFill>
-                <a:hlinkClick r:id="rId2"/>
-              </a:rPr>
-              <a:t>https://jack-vanlightly.com/blog/2017/12/5/rabbitmq-vs-kafka-part-2-rabbitmq-messaging-patterns-and-topologies</a:t>
-            </a:r>
-            <a:endParaRPr lang="en-US" dirty="0" smtClean="0">
-              <a:solidFill>
-                <a:schemeClr val="accent5">
-                  <a:lumMod val="75000"/>
-                </a:schemeClr>
-              </a:solidFill>
-            </a:endParaRPr>
-          </a:p>
-          <a:p>
-            <a:pPr marL="0" indent="0">
-              <a:buNone/>
-            </a:pPr>
-            <a:endParaRPr lang="en-US" dirty="0" smtClean="0">
-              <a:solidFill>
-                <a:schemeClr val="accent5">
-                  <a:lumMod val="75000"/>
-                </a:schemeClr>
-              </a:solidFill>
-            </a:endParaRPr>
-          </a:p>
-          <a:p>
-            <a:pPr marL="0" indent="0">
-              <a:buNone/>
-            </a:pPr>
-            <a:r>
-              <a:rPr lang="en-US" dirty="0" smtClean="0">
-                <a:solidFill>
-                  <a:schemeClr val="accent5">
-                    <a:lumMod val="75000"/>
-                  </a:schemeClr>
-                </a:solidFill>
-                <a:hlinkClick r:id="rId3"/>
-              </a:rPr>
-              <a:t>https://www.cloudamqp.com/blog/2017-12-29-part1-rabbitmq-best-practice.html</a:t>
-            </a:r>
-            <a:endParaRPr lang="en-US" dirty="0" smtClean="0">
-              <a:solidFill>
-                <a:schemeClr val="accent5">
-                  <a:lumMod val="75000"/>
-                </a:schemeClr>
-              </a:solidFill>
-            </a:endParaRPr>
-          </a:p>
-          <a:p>
-            <a:pPr marL="0" indent="0">
-              <a:buNone/>
-            </a:pPr>
-            <a:endParaRPr lang="en-US" dirty="0">
-              <a:solidFill>
-                <a:schemeClr val="accent5">
-                  <a:lumMod val="75000"/>
-                </a:schemeClr>
-              </a:solidFill>
-            </a:endParaRPr>
-          </a:p>
-          <a:p>
-            <a:pPr marL="0" indent="0">
-              <a:buNone/>
-            </a:pPr>
-            <a:r>
-              <a:rPr lang="en-US" dirty="0" smtClean="0">
-                <a:solidFill>
-                  <a:schemeClr val="accent5">
-                    <a:lumMod val="75000"/>
-                  </a:schemeClr>
-                </a:solidFill>
-                <a:hlinkClick r:id="rId4"/>
-              </a:rPr>
-              <a:t>https://www.cloudamqp.com/blog/2018-01-19-part4-rabbitmq-13-common-errors.html</a:t>
-            </a:r>
-            <a:endParaRPr lang="en-US" dirty="0" smtClean="0">
-              <a:solidFill>
-                <a:schemeClr val="accent5">
-                  <a:lumMod val="75000"/>
-                </a:schemeClr>
-              </a:solidFill>
-            </a:endParaRPr>
-          </a:p>
-          <a:p>
-            <a:pPr marL="0" indent="0">
-              <a:buNone/>
-            </a:pPr>
-            <a:endParaRPr lang="en-US" dirty="0"/>
-          </a:p>
-          <a:p>
-            <a:pPr marL="0" indent="0">
-              <a:buNone/>
-            </a:pPr>
-            <a:endParaRPr lang="en-US" dirty="0"/>
+              <a:rPr lang="en-US" sz="8000" dirty="0" smtClean="0"/>
+              <a:t>Q/A</a:t>
+            </a:r>
+            <a:endParaRPr lang="en-US" sz="8000" dirty="0"/>
           </a:p>
         </p:txBody>
       </p:sp>
     </p:spTree>
     <p:extLst>
       <p:ext uri="{BB962C8B-B14F-4D97-AF65-F5344CB8AC3E}">
-        <p14:creationId xmlns:p14="http://schemas.microsoft.com/office/powerpoint/2010/main" val="2982117526"/>
+        <p14:creationId xmlns:p14="http://schemas.microsoft.com/office/powerpoint/2010/main" val="946314006"/>
       </p:ext>
     </p:extLst>
   </p:cSld>
@@ -13364,36 +12724,39 @@
       </p:grpSpPr>
       <p:sp>
         <p:nvSpPr>
-          <p:cNvPr id="2" name="Title 1"/>
-          <p:cNvSpPr>
-            <a:spLocks noGrp="1"/>
-          </p:cNvSpPr>
-          <p:nvPr>
-            <p:ph type="title"/>
+          <p:cNvPr id="3" name="Content Placeholder 2"/>
+          <p:cNvSpPr>
+            <a:spLocks noGrp="1"/>
+          </p:cNvSpPr>
+          <p:nvPr>
+            <p:ph idx="1"/>
           </p:nvPr>
         </p:nvSpPr>
         <p:spPr>
           <a:xfrm>
-            <a:off x="4720529" y="2688304"/>
-            <a:ext cx="2523552" cy="1400530"/>
+            <a:off x="838200" y="1025525"/>
+            <a:ext cx="10515600" cy="4351338"/>
           </a:xfrm>
         </p:spPr>
         <p:txBody>
-          <a:bodyPr/>
-          <a:lstStyle/>
-          <a:p>
-            <a:r>
-              <a:rPr lang="en-US" sz="8000" dirty="0" smtClean="0"/>
-              <a:t>Q/A</a:t>
-            </a:r>
-            <a:endParaRPr lang="en-US" sz="8000" dirty="0"/>
+          <a:bodyPr anchor="ctr"/>
+          <a:lstStyle/>
+          <a:p>
+            <a:pPr marL="0" indent="0" algn="ctr">
+              <a:buNone/>
+            </a:pPr>
+            <a:r>
+              <a:rPr lang="en-US" sz="7200" dirty="0" smtClean="0"/>
+              <a:t>CODING</a:t>
+            </a:r>
+            <a:endParaRPr lang="en-US" sz="7200" dirty="0"/>
           </a:p>
         </p:txBody>
       </p:sp>
     </p:spTree>
     <p:extLst>
       <p:ext uri="{BB962C8B-B14F-4D97-AF65-F5344CB8AC3E}">
-        <p14:creationId xmlns:p14="http://schemas.microsoft.com/office/powerpoint/2010/main" val="946314006"/>
+        <p14:creationId xmlns:p14="http://schemas.microsoft.com/office/powerpoint/2010/main" val="364976418"/>
       </p:ext>
     </p:extLst>
   </p:cSld>
@@ -13429,6 +12792,37 @@
       </p:grpSpPr>
       <p:sp>
         <p:nvSpPr>
+          <p:cNvPr id="2" name="Title 1"/>
+          <p:cNvSpPr>
+            <a:spLocks noGrp="1"/>
+          </p:cNvSpPr>
+          <p:nvPr>
+            <p:ph type="title"/>
+          </p:nvPr>
+        </p:nvSpPr>
+        <p:spPr/>
+        <p:txBody>
+          <a:bodyPr/>
+          <a:lstStyle/>
+          <a:p>
+            <a:r>
+              <a:rPr lang="en-US" dirty="0" smtClean="0"/>
+              <a:t>Docker and </a:t>
+            </a:r>
+            <a:r>
+              <a:rPr lang="en-US" dirty="0" err="1" smtClean="0"/>
+              <a:t>RabbitMQ</a:t>
+            </a:r>
+            <a:r>
+              <a:rPr lang="en-US" dirty="0" smtClean="0"/>
+              <a:t> Setup</a:t>
+            </a:r>
+            <a:endParaRPr lang="en-US" dirty="0"/>
+          </a:p>
+        </p:txBody>
+      </p:sp>
+      <p:sp>
+        <p:nvSpPr>
           <p:cNvPr id="3" name="Content Placeholder 2"/>
           <p:cNvSpPr>
             <a:spLocks noGrp="1"/>
@@ -13439,29 +12833,141 @@
         </p:nvSpPr>
         <p:spPr>
           <a:xfrm>
-            <a:off x="838200" y="1025525"/>
-            <a:ext cx="10515600" cy="4351338"/>
+            <a:off x="1104293" y="1361802"/>
+            <a:ext cx="8946541" cy="5102793"/>
           </a:xfrm>
         </p:spPr>
         <p:txBody>
-          <a:bodyPr anchor="ctr"/>
-          <a:lstStyle/>
-          <a:p>
-            <a:pPr marL="0" indent="0" algn="ctr">
-              <a:buNone/>
-            </a:pPr>
-            <a:r>
-              <a:rPr lang="en-US" sz="7200" dirty="0" smtClean="0"/>
-              <a:t>CODING</a:t>
-            </a:r>
-            <a:endParaRPr lang="en-US" sz="7200" dirty="0"/>
+          <a:bodyPr>
+            <a:normAutofit/>
+          </a:bodyPr>
+          <a:lstStyle/>
+          <a:p>
+            <a:r>
+              <a:rPr lang="en-US" dirty="0" smtClean="0"/>
+              <a:t>Docker: </a:t>
+            </a:r>
+          </a:p>
+          <a:p>
+            <a:pPr lvl="1"/>
+            <a:r>
+              <a:rPr lang="en-US" dirty="0">
+                <a:hlinkClick r:id="rId2"/>
+              </a:rPr>
+              <a:t>https://</a:t>
+            </a:r>
+            <a:r>
+              <a:rPr lang="en-US" dirty="0" smtClean="0">
+                <a:hlinkClick r:id="rId2"/>
+              </a:rPr>
+              <a:t>www.docker.com/products/docker-desktop</a:t>
+            </a:r>
+            <a:endParaRPr lang="en-US" dirty="0" smtClean="0"/>
+          </a:p>
+          <a:p>
+            <a:pPr lvl="1"/>
+            <a:r>
+              <a:rPr lang="en-US" dirty="0">
+                <a:hlinkClick r:id="rId3"/>
+              </a:rPr>
+              <a:t>https://hub.docker.com/_/</a:t>
+            </a:r>
+            <a:r>
+              <a:rPr lang="en-US" dirty="0" smtClean="0">
+                <a:hlinkClick r:id="rId3"/>
+              </a:rPr>
+              <a:t>rabbitmq</a:t>
+            </a:r>
+            <a:endParaRPr lang="en-US" dirty="0" smtClean="0"/>
+          </a:p>
+          <a:p>
+            <a:r>
+              <a:rPr lang="en-US" dirty="0" smtClean="0"/>
+              <a:t>Visual Studio Code</a:t>
+            </a:r>
+          </a:p>
+          <a:p>
+            <a:pPr lvl="1"/>
+            <a:r>
+              <a:rPr lang="en-US" dirty="0">
+                <a:hlinkClick r:id="rId4"/>
+              </a:rPr>
+              <a:t>https://code.visualstudio.com</a:t>
+            </a:r>
+            <a:r>
+              <a:rPr lang="en-US" dirty="0" smtClean="0">
+                <a:hlinkClick r:id="rId4"/>
+              </a:rPr>
+              <a:t>/</a:t>
+            </a:r>
+            <a:endParaRPr lang="en-US" dirty="0" smtClean="0"/>
+          </a:p>
+          <a:p>
+            <a:r>
+              <a:rPr lang="en-US" dirty="0" err="1" smtClean="0"/>
+              <a:t>NodeJS</a:t>
+            </a:r>
+            <a:endParaRPr lang="en-US" dirty="0" smtClean="0"/>
+          </a:p>
+          <a:p>
+            <a:pPr lvl="1"/>
+            <a:r>
+              <a:rPr lang="en-US" dirty="0" smtClean="0">
+                <a:hlinkClick r:id="rId5"/>
+              </a:rPr>
+              <a:t>https</a:t>
+            </a:r>
+            <a:r>
+              <a:rPr lang="en-US" dirty="0">
+                <a:hlinkClick r:id="rId5"/>
+              </a:rPr>
+              <a:t>://nodejs.org/en</a:t>
+            </a:r>
+            <a:r>
+              <a:rPr lang="en-US" dirty="0" smtClean="0">
+                <a:hlinkClick r:id="rId5"/>
+              </a:rPr>
+              <a:t>/</a:t>
+            </a:r>
+            <a:endParaRPr lang="en-US" dirty="0" smtClean="0"/>
+          </a:p>
+          <a:p>
+            <a:r>
+              <a:rPr lang="en-US" dirty="0" smtClean="0"/>
+              <a:t>Code</a:t>
+            </a:r>
+          </a:p>
+          <a:p>
+            <a:pPr lvl="1"/>
+            <a:r>
+              <a:rPr lang="en-US" dirty="0">
+                <a:hlinkClick r:id="rId6"/>
+              </a:rPr>
+              <a:t>https://</a:t>
+            </a:r>
+            <a:r>
+              <a:rPr lang="en-US" dirty="0" smtClean="0">
+                <a:hlinkClick r:id="rId6"/>
+              </a:rPr>
+              <a:t>github.com/ryaovan/rabbitmq-tutorial</a:t>
+            </a:r>
+            <a:endParaRPr lang="en-US" dirty="0"/>
+          </a:p>
+          <a:p>
+            <a:endParaRPr lang="en-US" dirty="0" smtClean="0"/>
+          </a:p>
+          <a:p>
+            <a:r>
+              <a:rPr lang="en-US" dirty="0" smtClean="0"/>
+              <a:t>5 min break</a:t>
+            </a:r>
           </a:p>
         </p:txBody>
       </p:sp>
     </p:spTree>
     <p:extLst>
       <p:ext uri="{BB962C8B-B14F-4D97-AF65-F5344CB8AC3E}">
-        <p14:creationId xmlns:p14="http://schemas.microsoft.com/office/powerpoint/2010/main" val="364976418"/>
+        <p14:creationId xmlns:p14="http://schemas.microsoft.com/office/powerpoint/2010/main" val="2089456189"/>
       </p:ext>
     </p:extLst>
   </p:cSld>
@@ -13512,217 +13018,6 @@
           <a:p>
             <a:r>
               <a:rPr lang="en-US" dirty="0" smtClean="0"/>
-              <a:t>Docker and </a:t>
-            </a:r>
-            <a:r>
-              <a:rPr lang="en-US" dirty="0" err="1" smtClean="0"/>
-              <a:t>RabbitMQ</a:t>
-            </a:r>
-            <a:r>
-              <a:rPr lang="en-US" dirty="0" smtClean="0"/>
-              <a:t> Setup</a:t>
-            </a:r>
-            <a:endParaRPr lang="en-US" dirty="0"/>
-          </a:p>
-        </p:txBody>
-      </p:sp>
-      <p:sp>
-        <p:nvSpPr>
-          <p:cNvPr id="3" name="Content Placeholder 2"/>
-          <p:cNvSpPr>
-            <a:spLocks noGrp="1"/>
-          </p:cNvSpPr>
-          <p:nvPr>
-            <p:ph idx="1"/>
-          </p:nvPr>
-        </p:nvSpPr>
-        <p:spPr>
-          <a:xfrm>
-            <a:off x="1104293" y="1361802"/>
-            <a:ext cx="8946541" cy="5102793"/>
-          </a:xfrm>
-        </p:spPr>
-        <p:txBody>
-          <a:bodyPr>
-            <a:normAutofit/>
-          </a:bodyPr>
-          <a:lstStyle/>
-          <a:p>
-            <a:r>
-              <a:rPr lang="en-US" dirty="0" smtClean="0"/>
-              <a:t>Docker: </a:t>
-            </a:r>
-          </a:p>
-          <a:p>
-            <a:pPr lvl="1"/>
-            <a:r>
-              <a:rPr lang="en-US" dirty="0">
-                <a:hlinkClick r:id="rId2"/>
-              </a:rPr>
-              <a:t>https://</a:t>
-            </a:r>
-            <a:r>
-              <a:rPr lang="en-US" dirty="0" smtClean="0">
-                <a:hlinkClick r:id="rId2"/>
-              </a:rPr>
-              <a:t>www.docker.com/products/docker-desktop</a:t>
-            </a:r>
-            <a:endParaRPr lang="en-US" dirty="0" smtClean="0"/>
-          </a:p>
-          <a:p>
-            <a:pPr lvl="1"/>
-            <a:r>
-              <a:rPr lang="en-US" dirty="0">
-                <a:hlinkClick r:id="rId3"/>
-              </a:rPr>
-              <a:t>https://hub.docker.com/_/</a:t>
-            </a:r>
-            <a:r>
-              <a:rPr lang="en-US" dirty="0" smtClean="0">
-                <a:hlinkClick r:id="rId3"/>
-              </a:rPr>
-              <a:t>rabbitmq</a:t>
-            </a:r>
-            <a:endParaRPr lang="en-US" dirty="0" smtClean="0"/>
-          </a:p>
-          <a:p>
-            <a:r>
-              <a:rPr lang="en-US" dirty="0" smtClean="0"/>
-              <a:t>Visual Studio Code</a:t>
-            </a:r>
-          </a:p>
-          <a:p>
-            <a:pPr lvl="1"/>
-            <a:r>
-              <a:rPr lang="en-US" dirty="0">
-                <a:hlinkClick r:id="rId4"/>
-              </a:rPr>
-              <a:t>https://code.visualstudio.com</a:t>
-            </a:r>
-            <a:r>
-              <a:rPr lang="en-US" dirty="0" smtClean="0">
-                <a:hlinkClick r:id="rId4"/>
-              </a:rPr>
-              <a:t>/</a:t>
-            </a:r>
-            <a:endParaRPr lang="en-US" dirty="0" smtClean="0"/>
-          </a:p>
-          <a:p>
-            <a:r>
-              <a:rPr lang="en-US" dirty="0" err="1" smtClean="0"/>
-              <a:t>NodeJS</a:t>
-            </a:r>
-            <a:endParaRPr lang="en-US" dirty="0" smtClean="0"/>
-          </a:p>
-          <a:p>
-            <a:pPr lvl="1"/>
-            <a:r>
-              <a:rPr lang="en-US" dirty="0" smtClean="0">
-                <a:hlinkClick r:id="rId5"/>
-              </a:rPr>
-              <a:t>https</a:t>
-            </a:r>
-            <a:r>
-              <a:rPr lang="en-US" dirty="0">
-                <a:hlinkClick r:id="rId5"/>
-              </a:rPr>
-              <a:t>://nodejs.org/en</a:t>
-            </a:r>
-            <a:r>
-              <a:rPr lang="en-US" dirty="0" smtClean="0">
-                <a:hlinkClick r:id="rId5"/>
-              </a:rPr>
-              <a:t>/</a:t>
-            </a:r>
-            <a:endParaRPr lang="en-US" dirty="0" smtClean="0"/>
-          </a:p>
-          <a:p>
-            <a:r>
-              <a:rPr lang="en-US" dirty="0" smtClean="0"/>
-              <a:t>Code</a:t>
-            </a:r>
-          </a:p>
-          <a:p>
-            <a:pPr lvl="1"/>
-            <a:r>
-              <a:rPr lang="en-US" dirty="0">
-                <a:hlinkClick r:id="rId6"/>
-              </a:rPr>
-              <a:t>https://</a:t>
-            </a:r>
-            <a:r>
-              <a:rPr lang="en-US" dirty="0" smtClean="0">
-                <a:hlinkClick r:id="rId6"/>
-              </a:rPr>
-              <a:t>github.com/ryaovan/rabbitmq-tutorial</a:t>
-            </a:r>
-            <a:endParaRPr lang="en-US" dirty="0"/>
-          </a:p>
-          <a:p>
-            <a:endParaRPr lang="en-US" dirty="0" smtClean="0"/>
-          </a:p>
-          <a:p>
-            <a:r>
-              <a:rPr lang="en-US" dirty="0" smtClean="0"/>
-              <a:t>5 min break</a:t>
-            </a:r>
-          </a:p>
-        </p:txBody>
-      </p:sp>
-    </p:spTree>
-    <p:extLst>
-      <p:ext uri="{BB962C8B-B14F-4D97-AF65-F5344CB8AC3E}">
-        <p14:creationId xmlns:p14="http://schemas.microsoft.com/office/powerpoint/2010/main" val="2089456189"/>
-      </p:ext>
-    </p:extLst>
-  </p:cSld>
-  <p:clrMapOvr>
-    <a:masterClrMapping/>
-  </p:clrMapOvr>
-  <p:timing>
-    <p:tnLst>
-      <p:par>
-        <p:cTn id="1" dur="indefinite" restart="never" nodeType="tmRoot"/>
-      </p:par>
-    </p:tnLst>
-  </p:timing>
-</p:sld>
-</file>
-
-<file path=ppt/slides/slide37.xml><?xml version="1.0" encoding="utf-8"?>
-<p:sld xmlns:a="http://schemas.openxmlformats.org/drawingml/2006/main" xmlns:r="http://schemas.openxmlformats.org/officeDocument/2006/relationships" xmlns:p="http://schemas.openxmlformats.org/presentationml/2006/main">
-  <p:cSld>
-    <p:spTree>
-      <p:nvGrpSpPr>
-        <p:cNvPr id="1" name=""/>
-        <p:cNvGrpSpPr/>
-        <p:nvPr/>
-      </p:nvGrpSpPr>
-      <p:grpSpPr>
-        <a:xfrm>
-          <a:off x="0" y="0"/>
-          <a:ext cx="0" cy="0"/>
-          <a:chOff x="0" y="0"/>
-          <a:chExt cx="0" cy="0"/>
-        </a:xfrm>
-      </p:grpSpPr>
-      <p:sp>
-        <p:nvSpPr>
-          <p:cNvPr id="2" name="Title 1"/>
-          <p:cNvSpPr>
-            <a:spLocks noGrp="1"/>
-          </p:cNvSpPr>
-          <p:nvPr>
-            <p:ph type="title"/>
-          </p:nvPr>
-        </p:nvSpPr>
-        <p:spPr/>
-        <p:txBody>
-          <a:bodyPr/>
-          <a:lstStyle/>
-          <a:p>
-            <a:r>
-              <a:rPr lang="en-US" dirty="0" smtClean="0"/>
               <a:t>Coding Example 1</a:t>
             </a:r>
             <a:endParaRPr lang="en-US" dirty="0"/>
@@ -13895,7 +13190,7 @@
 </p:sld>
 </file>
 
-<file path=ppt/slides/slide38.xml><?xml version="1.0" encoding="utf-8"?>
+<file path=ppt/slides/slide37.xml><?xml version="1.0" encoding="utf-8"?>
 <p:sld xmlns:a="http://schemas.openxmlformats.org/drawingml/2006/main" xmlns:r="http://schemas.openxmlformats.org/officeDocument/2006/relationships" xmlns:p="http://schemas.openxmlformats.org/presentationml/2006/main">
   <p:cSld>
     <p:spTree>
@@ -13979,7 +13274,7 @@
 </p:sld>
 </file>
 
-<file path=ppt/slides/slide39.xml><?xml version="1.0" encoding="utf-8"?>
+<file path=ppt/slides/slide38.xml><?xml version="1.0" encoding="utf-8"?>
 <p:sld xmlns:a="http://schemas.openxmlformats.org/drawingml/2006/main" xmlns:r="http://schemas.openxmlformats.org/officeDocument/2006/relationships" xmlns:p="http://schemas.openxmlformats.org/presentationml/2006/main">
   <p:cSld>
     <p:spTree>
@@ -14382,97 +13677,7 @@
 </p:sld>
 </file>
 
-<file path=ppt/slides/slide4.xml><?xml version="1.0" encoding="utf-8"?>
-<p:sld xmlns:a="http://schemas.openxmlformats.org/drawingml/2006/main" xmlns:r="http://schemas.openxmlformats.org/officeDocument/2006/relationships" xmlns:p="http://schemas.openxmlformats.org/presentationml/2006/main">
-  <p:cSld>
-    <p:spTree>
-      <p:nvGrpSpPr>
-        <p:cNvPr id="1" name=""/>
-        <p:cNvGrpSpPr/>
-        <p:nvPr/>
-      </p:nvGrpSpPr>
-      <p:grpSpPr>
-        <a:xfrm>
-          <a:off x="0" y="0"/>
-          <a:ext cx="0" cy="0"/>
-          <a:chOff x="0" y="0"/>
-          <a:chExt cx="0" cy="0"/>
-        </a:xfrm>
-      </p:grpSpPr>
-      <p:sp>
-        <p:nvSpPr>
-          <p:cNvPr id="2" name="Title 1"/>
-          <p:cNvSpPr>
-            <a:spLocks noGrp="1"/>
-          </p:cNvSpPr>
-          <p:nvPr>
-            <p:ph type="title"/>
-          </p:nvPr>
-        </p:nvSpPr>
-        <p:spPr/>
-        <p:txBody>
-          <a:bodyPr/>
-          <a:lstStyle/>
-          <a:p>
-            <a:r>
-              <a:rPr lang="en-US" dirty="0" smtClean="0"/>
-              <a:t>Context</a:t>
-            </a:r>
-            <a:endParaRPr lang="en-US" dirty="0"/>
-          </a:p>
-        </p:txBody>
-      </p:sp>
-      <p:pic>
-        <p:nvPicPr>
-          <p:cNvPr id="4" name="Picture 3"/>
-          <p:cNvPicPr>
-            <a:picLocks noChangeAspect="1"/>
-          </p:cNvPicPr>
-          <p:nvPr/>
-        </p:nvPicPr>
-        <p:blipFill>
-          <a:blip r:embed="rId3">
-            <a:extLst>
-              <a:ext uri="{28A0092B-C50C-407E-A947-70E740481C1C}">
-                <a14:useLocalDpi xmlns:a14="http://schemas.microsoft.com/office/drawing/2010/main" val="0"/>
-              </a:ext>
-            </a:extLst>
-          </a:blip>
-          <a:stretch>
-            <a:fillRect/>
-          </a:stretch>
-        </p:blipFill>
-        <p:spPr>
-          <a:xfrm>
-            <a:off x="315340" y="1534886"/>
-            <a:ext cx="11561319" cy="4274117"/>
-          </a:xfrm>
-          <a:prstGeom prst="rect">
-            <a:avLst/>
-          </a:prstGeom>
-        </p:spPr>
-      </p:pic>
-    </p:spTree>
-    <p:extLst>
-      <p:ext uri="{BB962C8B-B14F-4D97-AF65-F5344CB8AC3E}">
-        <p14:creationId xmlns:p14="http://schemas.microsoft.com/office/powerpoint/2010/main" val="265128262"/>
-      </p:ext>
-    </p:extLst>
-  </p:cSld>
-  <p:clrMapOvr>
-    <a:masterClrMapping/>
-  </p:clrMapOvr>
-  <p:timing>
-    <p:tnLst>
-      <p:par>
-        <p:cTn id="1" dur="indefinite" restart="never" nodeType="tmRoot"/>
-      </p:par>
-    </p:tnLst>
-  </p:timing>
-</p:sld>
-</file>
-
-<file path=ppt/slides/slide40.xml><?xml version="1.0" encoding="utf-8"?>
+<file path=ppt/slides/slide39.xml><?xml version="1.0" encoding="utf-8"?>
 <p:sld xmlns:a="http://schemas.openxmlformats.org/drawingml/2006/main" xmlns:r="http://schemas.openxmlformats.org/officeDocument/2006/relationships" xmlns:p="http://schemas.openxmlformats.org/presentationml/2006/main">
   <p:cSld>
     <p:spTree>
@@ -14881,200 +14086,7 @@
 </p:sld>
 </file>
 
-<file path=ppt/slides/slide41.xml><?xml version="1.0" encoding="utf-8"?>
-<p:sld xmlns:a="http://schemas.openxmlformats.org/drawingml/2006/main" xmlns:r="http://schemas.openxmlformats.org/officeDocument/2006/relationships" xmlns:p="http://schemas.openxmlformats.org/presentationml/2006/main">
-  <p:cSld>
-    <p:spTree>
-      <p:nvGrpSpPr>
-        <p:cNvPr id="1" name=""/>
-        <p:cNvGrpSpPr/>
-        <p:nvPr/>
-      </p:nvGrpSpPr>
-      <p:grpSpPr>
-        <a:xfrm>
-          <a:off x="0" y="0"/>
-          <a:ext cx="0" cy="0"/>
-          <a:chOff x="0" y="0"/>
-          <a:chExt cx="0" cy="0"/>
-        </a:xfrm>
-      </p:grpSpPr>
-      <p:sp>
-        <p:nvSpPr>
-          <p:cNvPr id="2" name="Title 1"/>
-          <p:cNvSpPr>
-            <a:spLocks noGrp="1"/>
-          </p:cNvSpPr>
-          <p:nvPr>
-            <p:ph type="title"/>
-          </p:nvPr>
-        </p:nvSpPr>
-        <p:spPr/>
-        <p:txBody>
-          <a:bodyPr/>
-          <a:lstStyle/>
-          <a:p>
-            <a:r>
-              <a:rPr lang="en-US" dirty="0" smtClean="0"/>
-              <a:t>Closing Statements: Configuring</a:t>
-            </a:r>
-            <a:endParaRPr lang="en-US" dirty="0"/>
-          </a:p>
-        </p:txBody>
-      </p:sp>
-      <p:sp>
-        <p:nvSpPr>
-          <p:cNvPr id="3" name="Content Placeholder 2"/>
-          <p:cNvSpPr>
-            <a:spLocks noGrp="1"/>
-          </p:cNvSpPr>
-          <p:nvPr>
-            <p:ph idx="1"/>
-          </p:nvPr>
-        </p:nvSpPr>
-        <p:spPr>
-          <a:xfrm>
-            <a:off x="1103312" y="2052918"/>
-            <a:ext cx="9773795" cy="4195481"/>
-          </a:xfrm>
-        </p:spPr>
-        <p:txBody>
-          <a:bodyPr/>
-          <a:lstStyle/>
-          <a:p>
-            <a:r>
-              <a:rPr lang="en-US" dirty="0" err="1" smtClean="0"/>
-              <a:t>Vhost</a:t>
-            </a:r>
-            <a:r>
-              <a:rPr lang="en-US" dirty="0" smtClean="0"/>
-              <a:t> – container for exchanges and queues</a:t>
-            </a:r>
-          </a:p>
-          <a:p>
-            <a:r>
-              <a:rPr lang="en-US" dirty="0" smtClean="0"/>
-              <a:t>Reliability / </a:t>
-            </a:r>
-            <a:r>
-              <a:rPr lang="en-US" dirty="0"/>
-              <a:t>failure – clustering, </a:t>
-            </a:r>
-            <a:r>
-              <a:rPr lang="en-US" dirty="0" smtClean="0"/>
-              <a:t>high-availability, heartbeats</a:t>
-            </a:r>
-            <a:endParaRPr lang="en-US" dirty="0"/>
-          </a:p>
-          <a:p>
-            <a:pPr lvl="1"/>
-            <a:r>
-              <a:rPr lang="en-US" sz="2000" dirty="0" smtClean="0">
-                <a:hlinkClick r:id="rId2"/>
-              </a:rPr>
-              <a:t>https</a:t>
-            </a:r>
-            <a:r>
-              <a:rPr lang="en-US" sz="2000" dirty="0">
-                <a:hlinkClick r:id="rId2"/>
-              </a:rPr>
-              <a:t>://</a:t>
-            </a:r>
-            <a:r>
-              <a:rPr lang="en-US" sz="2000" dirty="0" smtClean="0">
-                <a:hlinkClick r:id="rId2"/>
-              </a:rPr>
-              <a:t>www.rabbitmq.com/reliability.html</a:t>
-            </a:r>
-            <a:endParaRPr lang="en-US" sz="2000" dirty="0" smtClean="0"/>
-          </a:p>
-          <a:p>
-            <a:r>
-              <a:rPr lang="en-US" dirty="0" err="1" smtClean="0"/>
-              <a:t>Prefetch</a:t>
-            </a:r>
-            <a:r>
-              <a:rPr lang="en-US" dirty="0" smtClean="0"/>
-              <a:t> – number of </a:t>
-            </a:r>
-            <a:r>
-              <a:rPr lang="en-US" dirty="0" err="1" smtClean="0"/>
-              <a:t>unack</a:t>
-            </a:r>
-            <a:r>
-              <a:rPr lang="en-US" dirty="0" smtClean="0"/>
-              <a:t> messages consumer can take at once</a:t>
-            </a:r>
-          </a:p>
-          <a:p>
-            <a:r>
-              <a:rPr lang="en-US" dirty="0" smtClean="0"/>
-              <a:t>One connection, many channels</a:t>
-            </a:r>
-          </a:p>
-          <a:p>
-            <a:pPr lvl="1"/>
-            <a:r>
-              <a:rPr lang="en-US" dirty="0" smtClean="0"/>
-              <a:t>Connections take up a TCP/IP port</a:t>
-            </a:r>
-          </a:p>
-          <a:p>
-            <a:pPr lvl="1"/>
-            <a:r>
-              <a:rPr lang="en-US" dirty="0" smtClean="0"/>
-              <a:t>Don’t open and close channels / connections repeatedly</a:t>
-            </a:r>
-          </a:p>
-          <a:p>
-            <a:r>
-              <a:rPr lang="en-US" dirty="0" smtClean="0"/>
-              <a:t>Queue:</a:t>
-            </a:r>
-            <a:endParaRPr lang="en-US" dirty="0"/>
-          </a:p>
-          <a:p>
-            <a:pPr lvl="1"/>
-            <a:r>
-              <a:rPr lang="en-US" dirty="0"/>
-              <a:t>Depth limits</a:t>
-            </a:r>
-          </a:p>
-          <a:p>
-            <a:pPr lvl="1"/>
-            <a:r>
-              <a:rPr lang="en-US" dirty="0"/>
-              <a:t>Priority queues: high priority message</a:t>
-            </a:r>
-          </a:p>
-          <a:p>
-            <a:endParaRPr lang="en-US" dirty="0" smtClean="0"/>
-          </a:p>
-          <a:p>
-            <a:endParaRPr lang="en-US" dirty="0"/>
-          </a:p>
-        </p:txBody>
-      </p:sp>
-    </p:spTree>
-    <p:extLst>
-      <p:ext uri="{BB962C8B-B14F-4D97-AF65-F5344CB8AC3E}">
-        <p14:creationId xmlns:p14="http://schemas.microsoft.com/office/powerpoint/2010/main" val="4122487529"/>
-      </p:ext>
-    </p:extLst>
-  </p:cSld>
-  <p:clrMapOvr>
-    <a:masterClrMapping/>
-  </p:clrMapOvr>
-  <p:timing>
-    <p:tnLst>
-      <p:par>
-        <p:cTn id="1" dur="indefinite" restart="never" nodeType="tmRoot"/>
-      </p:par>
-    </p:tnLst>
-  </p:timing>
-</p:sld>
-</file>
-
-<file path=ppt/slides/slide5.xml><?xml version="1.0" encoding="utf-8"?>
+<file path=ppt/slides/slide4.xml><?xml version="1.0" encoding="utf-8"?>
 <p:sld xmlns:a="http://schemas.openxmlformats.org/drawingml/2006/main" xmlns:r="http://schemas.openxmlformats.org/officeDocument/2006/relationships" xmlns:p="http://schemas.openxmlformats.org/presentationml/2006/main">
   <p:cSld>
     <p:spTree>
@@ -15259,7 +14271,200 @@
 </p:sld>
 </file>
 
-<file path=ppt/slides/slide6.xml><?xml version="1.0" encoding="utf-8"?>
+<file path=ppt/slides/slide40.xml><?xml version="1.0" encoding="utf-8"?>
+<p:sld xmlns:a="http://schemas.openxmlformats.org/drawingml/2006/main" xmlns:r="http://schemas.openxmlformats.org/officeDocument/2006/relationships" xmlns:p="http://schemas.openxmlformats.org/presentationml/2006/main">
+  <p:cSld>
+    <p:spTree>
+      <p:nvGrpSpPr>
+        <p:cNvPr id="1" name=""/>
+        <p:cNvGrpSpPr/>
+        <p:nvPr/>
+      </p:nvGrpSpPr>
+      <p:grpSpPr>
+        <a:xfrm>
+          <a:off x="0" y="0"/>
+          <a:ext cx="0" cy="0"/>
+          <a:chOff x="0" y="0"/>
+          <a:chExt cx="0" cy="0"/>
+        </a:xfrm>
+      </p:grpSpPr>
+      <p:sp>
+        <p:nvSpPr>
+          <p:cNvPr id="2" name="Title 1"/>
+          <p:cNvSpPr>
+            <a:spLocks noGrp="1"/>
+          </p:cNvSpPr>
+          <p:nvPr>
+            <p:ph type="title"/>
+          </p:nvPr>
+        </p:nvSpPr>
+        <p:spPr/>
+        <p:txBody>
+          <a:bodyPr/>
+          <a:lstStyle/>
+          <a:p>
+            <a:r>
+              <a:rPr lang="en-US" dirty="0" smtClean="0"/>
+              <a:t>Closing Statements: Configuring</a:t>
+            </a:r>
+            <a:endParaRPr lang="en-US" dirty="0"/>
+          </a:p>
+        </p:txBody>
+      </p:sp>
+      <p:sp>
+        <p:nvSpPr>
+          <p:cNvPr id="3" name="Content Placeholder 2"/>
+          <p:cNvSpPr>
+            <a:spLocks noGrp="1"/>
+          </p:cNvSpPr>
+          <p:nvPr>
+            <p:ph idx="1"/>
+          </p:nvPr>
+        </p:nvSpPr>
+        <p:spPr>
+          <a:xfrm>
+            <a:off x="1103312" y="2052918"/>
+            <a:ext cx="9773795" cy="4195481"/>
+          </a:xfrm>
+        </p:spPr>
+        <p:txBody>
+          <a:bodyPr/>
+          <a:lstStyle/>
+          <a:p>
+            <a:r>
+              <a:rPr lang="en-US" dirty="0" err="1" smtClean="0"/>
+              <a:t>Vhost</a:t>
+            </a:r>
+            <a:r>
+              <a:rPr lang="en-US" dirty="0" smtClean="0"/>
+              <a:t> – container for exchanges and queues</a:t>
+            </a:r>
+          </a:p>
+          <a:p>
+            <a:r>
+              <a:rPr lang="en-US" dirty="0" smtClean="0"/>
+              <a:t>Reliability / </a:t>
+            </a:r>
+            <a:r>
+              <a:rPr lang="en-US" dirty="0"/>
+              <a:t>failure – clustering, </a:t>
+            </a:r>
+            <a:r>
+              <a:rPr lang="en-US" dirty="0" smtClean="0"/>
+              <a:t>high-availability, heartbeats</a:t>
+            </a:r>
+            <a:endParaRPr lang="en-US" dirty="0"/>
+          </a:p>
+          <a:p>
+            <a:pPr lvl="1"/>
+            <a:r>
+              <a:rPr lang="en-US" sz="2000" dirty="0" smtClean="0">
+                <a:hlinkClick r:id="rId2"/>
+              </a:rPr>
+              <a:t>https</a:t>
+            </a:r>
+            <a:r>
+              <a:rPr lang="en-US" sz="2000" dirty="0">
+                <a:hlinkClick r:id="rId2"/>
+              </a:rPr>
+              <a:t>://</a:t>
+            </a:r>
+            <a:r>
+              <a:rPr lang="en-US" sz="2000" dirty="0" smtClean="0">
+                <a:hlinkClick r:id="rId2"/>
+              </a:rPr>
+              <a:t>www.rabbitmq.com/reliability.html</a:t>
+            </a:r>
+            <a:endParaRPr lang="en-US" sz="2000" dirty="0" smtClean="0"/>
+          </a:p>
+          <a:p>
+            <a:r>
+              <a:rPr lang="en-US" dirty="0" err="1" smtClean="0"/>
+              <a:t>Prefetch</a:t>
+            </a:r>
+            <a:r>
+              <a:rPr lang="en-US" dirty="0" smtClean="0"/>
+              <a:t> – number of </a:t>
+            </a:r>
+            <a:r>
+              <a:rPr lang="en-US" dirty="0" err="1" smtClean="0"/>
+              <a:t>unack</a:t>
+            </a:r>
+            <a:r>
+              <a:rPr lang="en-US" dirty="0" smtClean="0"/>
+              <a:t> messages consumer can take at once</a:t>
+            </a:r>
+          </a:p>
+          <a:p>
+            <a:r>
+              <a:rPr lang="en-US" dirty="0" smtClean="0"/>
+              <a:t>One connection, many channels</a:t>
+            </a:r>
+          </a:p>
+          <a:p>
+            <a:pPr lvl="1"/>
+            <a:r>
+              <a:rPr lang="en-US" dirty="0" smtClean="0"/>
+              <a:t>Connections take up a TCP/IP port</a:t>
+            </a:r>
+          </a:p>
+          <a:p>
+            <a:pPr lvl="1"/>
+            <a:r>
+              <a:rPr lang="en-US" dirty="0" smtClean="0"/>
+              <a:t>Don’t open and close channels / connections repeatedly</a:t>
+            </a:r>
+          </a:p>
+          <a:p>
+            <a:r>
+              <a:rPr lang="en-US" dirty="0" smtClean="0"/>
+              <a:t>Queue:</a:t>
+            </a:r>
+            <a:endParaRPr lang="en-US" dirty="0"/>
+          </a:p>
+          <a:p>
+            <a:pPr lvl="1"/>
+            <a:r>
+              <a:rPr lang="en-US" dirty="0"/>
+              <a:t>Depth limits</a:t>
+            </a:r>
+          </a:p>
+          <a:p>
+            <a:pPr lvl="1"/>
+            <a:r>
+              <a:rPr lang="en-US" dirty="0"/>
+              <a:t>Priority queues: high priority message</a:t>
+            </a:r>
+          </a:p>
+          <a:p>
+            <a:endParaRPr lang="en-US" dirty="0" smtClean="0"/>
+          </a:p>
+          <a:p>
+            <a:endParaRPr lang="en-US" dirty="0"/>
+          </a:p>
+        </p:txBody>
+      </p:sp>
+    </p:spTree>
+    <p:extLst>
+      <p:ext uri="{BB962C8B-B14F-4D97-AF65-F5344CB8AC3E}">
+        <p14:creationId xmlns:p14="http://schemas.microsoft.com/office/powerpoint/2010/main" val="4122487529"/>
+      </p:ext>
+    </p:extLst>
+  </p:cSld>
+  <p:clrMapOvr>
+    <a:masterClrMapping/>
+  </p:clrMapOvr>
+  <p:timing>
+    <p:tnLst>
+      <p:par>
+        <p:cTn id="1" dur="indefinite" restart="never" nodeType="tmRoot"/>
+      </p:par>
+    </p:tnLst>
+  </p:timing>
+</p:sld>
+</file>
+
+<file path=ppt/slides/slide5.xml><?xml version="1.0" encoding="utf-8"?>
 <p:sld xmlns:a="http://schemas.openxmlformats.org/drawingml/2006/main" xmlns:r="http://schemas.openxmlformats.org/officeDocument/2006/relationships" xmlns:p="http://schemas.openxmlformats.org/presentationml/2006/main">
   <p:cSld>
     <p:spTree>
@@ -15371,7 +14576,7 @@
 </p:sld>
 </file>
 
-<file path=ppt/slides/slide7.xml><?xml version="1.0" encoding="utf-8"?>
+<file path=ppt/slides/slide6.xml><?xml version="1.0" encoding="utf-8"?>
 <p:sld xmlns:a="http://schemas.openxmlformats.org/drawingml/2006/main" xmlns:r="http://schemas.openxmlformats.org/officeDocument/2006/relationships" xmlns:p="http://schemas.openxmlformats.org/presentationml/2006/main">
   <p:cSld>
     <p:spTree>
@@ -15517,7 +14722,7 @@
 </p:sld>
 </file>
 
-<file path=ppt/slides/slide8.xml><?xml version="1.0" encoding="utf-8"?>
+<file path=ppt/slides/slide7.xml><?xml version="1.0" encoding="utf-8"?>
 <p:sld xmlns:a="http://schemas.openxmlformats.org/drawingml/2006/main" xmlns:r="http://schemas.openxmlformats.org/officeDocument/2006/relationships" xmlns:p="http://schemas.openxmlformats.org/presentationml/2006/main">
   <p:cSld>
     <p:spTree>
@@ -16009,7 +15214,7 @@
 </p:sld>
 </file>
 
-<file path=ppt/slides/slide9.xml><?xml version="1.0" encoding="utf-8"?>
+<file path=ppt/slides/slide8.xml><?xml version="1.0" encoding="utf-8"?>
 <p:sld xmlns:a="http://schemas.openxmlformats.org/drawingml/2006/main" xmlns:r="http://schemas.openxmlformats.org/officeDocument/2006/relationships" xmlns:p="http://schemas.openxmlformats.org/presentationml/2006/main">
   <p:cSld>
     <p:spTree>
@@ -16328,6 +15533,502 @@
     <p:extLst>
       <p:ext uri="{BB962C8B-B14F-4D97-AF65-F5344CB8AC3E}">
         <p14:creationId xmlns:p14="http://schemas.microsoft.com/office/powerpoint/2010/main" val="4040065388"/>
+      </p:ext>
+    </p:extLst>
+  </p:cSld>
+  <p:clrMapOvr>
+    <a:masterClrMapping/>
+  </p:clrMapOvr>
+  <p:timing>
+    <p:tnLst>
+      <p:par>
+        <p:cTn id="1" dur="indefinite" restart="never" nodeType="tmRoot"/>
+      </p:par>
+    </p:tnLst>
+  </p:timing>
+</p:sld>
+</file>
+
+<file path=ppt/slides/slide9.xml><?xml version="1.0" encoding="utf-8"?>
+<p:sld xmlns:a="http://schemas.openxmlformats.org/drawingml/2006/main" xmlns:r="http://schemas.openxmlformats.org/officeDocument/2006/relationships" xmlns:p="http://schemas.openxmlformats.org/presentationml/2006/main">
+  <p:cSld>
+    <p:spTree>
+      <p:nvGrpSpPr>
+        <p:cNvPr id="1" name=""/>
+        <p:cNvGrpSpPr/>
+        <p:nvPr/>
+      </p:nvGrpSpPr>
+      <p:grpSpPr>
+        <a:xfrm>
+          <a:off x="0" y="0"/>
+          <a:ext cx="0" cy="0"/>
+          <a:chOff x="0" y="0"/>
+          <a:chExt cx="0" cy="0"/>
+        </a:xfrm>
+      </p:grpSpPr>
+      <p:sp>
+        <p:nvSpPr>
+          <p:cNvPr id="2" name="Title 1"/>
+          <p:cNvSpPr>
+            <a:spLocks noGrp="1"/>
+          </p:cNvSpPr>
+          <p:nvPr>
+            <p:ph type="title"/>
+          </p:nvPr>
+        </p:nvSpPr>
+        <p:spPr/>
+        <p:txBody>
+          <a:bodyPr/>
+          <a:lstStyle/>
+          <a:p>
+            <a:r>
+              <a:rPr lang="en-US" dirty="0" smtClean="0"/>
+              <a:t>Exchange Types</a:t>
+            </a:r>
+            <a:endParaRPr lang="en-US" dirty="0"/>
+          </a:p>
+        </p:txBody>
+      </p:sp>
+      <p:graphicFrame>
+        <p:nvGraphicFramePr>
+          <p:cNvPr id="4" name="Table 3"/>
+          <p:cNvGraphicFramePr>
+            <a:graphicFrameLocks noGrp="1"/>
+          </p:cNvGraphicFramePr>
+          <p:nvPr>
+            <p:extLst>
+              <p:ext uri="{D42A27DB-BD31-4B8C-83A1-F6EECF244321}">
+                <p14:modId xmlns:p14="http://schemas.microsoft.com/office/powerpoint/2010/main" val="2374414509"/>
+              </p:ext>
+            </p:extLst>
+          </p:nvPr>
+        </p:nvGraphicFramePr>
+        <p:xfrm>
+          <a:off x="289366" y="1332387"/>
+          <a:ext cx="8576841" cy="5288116"/>
+        </p:xfrm>
+        <a:graphic>
+          <a:graphicData uri="http://schemas.openxmlformats.org/drawingml/2006/table">
+            <a:tbl>
+              <a:tblPr firstRow="1" bandRow="1">
+                <a:tableStyleId>{5C22544A-7EE6-4342-B048-85BDC9FD1C3A}</a:tableStyleId>
+              </a:tblPr>
+              <a:tblGrid>
+                <a:gridCol w="1914971"/>
+                <a:gridCol w="3085293"/>
+                <a:gridCol w="3576577"/>
+              </a:tblGrid>
+              <a:tr h="533236">
+                <a:tc>
+                  <a:txBody>
+                    <a:bodyPr/>
+                    <a:lstStyle/>
+                    <a:p>
+                      <a:endParaRPr lang="en-US" dirty="0"/>
+                    </a:p>
+                  </a:txBody>
+                  <a:tcPr/>
+                </a:tc>
+                <a:tc>
+                  <a:txBody>
+                    <a:bodyPr/>
+                    <a:lstStyle/>
+                    <a:p>
+                      <a:pPr algn="ctr"/>
+                      <a:r>
+                        <a:rPr lang="en-US" dirty="0" smtClean="0"/>
+                        <a:t>Direct</a:t>
+                      </a:r>
+                      <a:endParaRPr lang="en-US" dirty="0"/>
+                    </a:p>
+                  </a:txBody>
+                  <a:tcPr anchor="ctr"/>
+                </a:tc>
+                <a:tc>
+                  <a:txBody>
+                    <a:bodyPr/>
+                    <a:lstStyle/>
+                    <a:p>
+                      <a:pPr algn="ctr"/>
+                      <a:r>
+                        <a:rPr lang="en-US" dirty="0" smtClean="0"/>
+                        <a:t>Topic</a:t>
+                      </a:r>
+                      <a:endParaRPr lang="en-US" dirty="0"/>
+                    </a:p>
+                  </a:txBody>
+                  <a:tcPr anchor="ctr"/>
+                </a:tc>
+              </a:tr>
+              <a:tr h="1114485">
+                <a:tc>
+                  <a:txBody>
+                    <a:bodyPr/>
+                    <a:lstStyle/>
+                    <a:p>
+                      <a:pPr algn="ctr"/>
+                      <a:r>
+                        <a:rPr lang="en-US" dirty="0" smtClean="0"/>
+                        <a:t>Message</a:t>
+                      </a:r>
+                      <a:r>
+                        <a:rPr lang="en-US" baseline="0" dirty="0" smtClean="0"/>
+                        <a:t> Forwarding </a:t>
+                      </a:r>
+                      <a:r>
+                        <a:rPr lang="en-US" dirty="0" smtClean="0"/>
+                        <a:t>Description</a:t>
+                      </a:r>
+                      <a:endParaRPr lang="en-US" dirty="0"/>
+                    </a:p>
+                  </a:txBody>
+                  <a:tcPr anchor="ctr">
+                    <a:solidFill>
+                      <a:schemeClr val="accent4">
+                        <a:lumMod val="40000"/>
+                        <a:lumOff val="60000"/>
+                      </a:schemeClr>
+                    </a:solidFill>
+                  </a:tcPr>
+                </a:tc>
+                <a:tc>
+                  <a:txBody>
+                    <a:bodyPr/>
+                    <a:lstStyle/>
+                    <a:p>
+                      <a:r>
+                        <a:rPr lang="en-US" baseline="0" dirty="0" smtClean="0"/>
+                        <a:t>Queue binding key matches the message routing key.</a:t>
+                      </a:r>
+                    </a:p>
+                    <a:p>
+                      <a:r>
+                        <a:rPr lang="en-US" b="1" baseline="0" dirty="0" err="1" smtClean="0"/>
+                        <a:t>routingKey</a:t>
+                      </a:r>
+                      <a:r>
+                        <a:rPr lang="en-US" b="1" baseline="0" dirty="0" smtClean="0"/>
+                        <a:t> = </a:t>
+                      </a:r>
+                      <a:r>
+                        <a:rPr lang="en-US" b="1" baseline="0" dirty="0" err="1" smtClean="0"/>
+                        <a:t>bindingKey</a:t>
+                      </a:r>
+                      <a:endParaRPr lang="en-US" b="1" dirty="0"/>
+                    </a:p>
+                  </a:txBody>
+                  <a:tcPr anchor="ctr"/>
+                </a:tc>
+                <a:tc>
+                  <a:txBody>
+                    <a:bodyPr/>
+                    <a:lstStyle/>
+                    <a:p>
+                      <a:pPr algn="ctr"/>
+                      <a:r>
+                        <a:rPr lang="en-US" dirty="0" smtClean="0"/>
+                        <a:t>Queue</a:t>
+                      </a:r>
+                      <a:r>
+                        <a:rPr lang="en-US" baseline="0" dirty="0" smtClean="0"/>
+                        <a:t> filtering, queues with matching routing patterns</a:t>
+                      </a:r>
+                      <a:endParaRPr lang="en-US" dirty="0"/>
+                    </a:p>
+                  </a:txBody>
+                  <a:tcPr anchor="ctr"/>
+                </a:tc>
+              </a:tr>
+              <a:tr h="591682">
+                <a:tc>
+                  <a:txBody>
+                    <a:bodyPr/>
+                    <a:lstStyle/>
+                    <a:p>
+                      <a:pPr algn="ctr"/>
+                      <a:r>
+                        <a:rPr lang="en-US" dirty="0" smtClean="0"/>
+                        <a:t>Where</a:t>
+                      </a:r>
+                      <a:r>
+                        <a:rPr lang="en-US" baseline="0" dirty="0" smtClean="0"/>
+                        <a:t> Configured</a:t>
+                      </a:r>
+                      <a:endParaRPr lang="en-US" dirty="0"/>
+                    </a:p>
+                  </a:txBody>
+                  <a:tcPr anchor="ctr">
+                    <a:solidFill>
+                      <a:schemeClr val="accent4">
+                        <a:lumMod val="40000"/>
+                        <a:lumOff val="60000"/>
+                      </a:schemeClr>
+                    </a:solidFill>
+                  </a:tcPr>
+                </a:tc>
+                <a:tc>
+                  <a:txBody>
+                    <a:bodyPr/>
+                    <a:lstStyle/>
+                    <a:p>
+                      <a:pPr algn="ctr"/>
+                      <a:r>
+                        <a:rPr lang="en-US" dirty="0" smtClean="0"/>
+                        <a:t>Producer, Exchange, Queue</a:t>
+                      </a:r>
+                      <a:endParaRPr lang="en-US" dirty="0"/>
+                    </a:p>
+                  </a:txBody>
+                  <a:tcPr anchor="ctr"/>
+                </a:tc>
+                <a:tc>
+                  <a:txBody>
+                    <a:bodyPr/>
+                    <a:lstStyle/>
+                    <a:p>
+                      <a:pPr algn="ctr"/>
+                      <a:r>
+                        <a:rPr lang="en-US" dirty="0" smtClean="0"/>
+                        <a:t>Producer, Exchange,</a:t>
+                      </a:r>
+                      <a:r>
+                        <a:rPr lang="en-US" baseline="0" dirty="0" smtClean="0"/>
+                        <a:t> Queue</a:t>
+                      </a:r>
+                      <a:endParaRPr lang="en-US" dirty="0"/>
+                    </a:p>
+                  </a:txBody>
+                  <a:tcPr anchor="ctr"/>
+                </a:tc>
+              </a:tr>
+              <a:tr h="631815">
+                <a:tc>
+                  <a:txBody>
+                    <a:bodyPr/>
+                    <a:lstStyle/>
+                    <a:p>
+                      <a:pPr algn="ctr"/>
+                      <a:r>
+                        <a:rPr lang="en-US" dirty="0" smtClean="0"/>
+                        <a:t>Example routing key</a:t>
+                      </a:r>
+                      <a:endParaRPr lang="en-US" dirty="0"/>
+                    </a:p>
+                  </a:txBody>
+                  <a:tcPr anchor="ctr">
+                    <a:solidFill>
+                      <a:schemeClr val="accent4">
+                        <a:lumMod val="40000"/>
+                        <a:lumOff val="60000"/>
+                      </a:schemeClr>
+                    </a:solidFill>
+                  </a:tcPr>
+                </a:tc>
+                <a:tc>
+                  <a:txBody>
+                    <a:bodyPr/>
+                    <a:lstStyle/>
+                    <a:p>
+                      <a:pPr algn="ctr"/>
+                      <a:r>
+                        <a:rPr lang="en-US" dirty="0" err="1" smtClean="0"/>
+                        <a:t>routingKey</a:t>
+                      </a:r>
+                      <a:r>
+                        <a:rPr lang="en-US" dirty="0" smtClean="0"/>
+                        <a:t> = ‘order’</a:t>
+                      </a:r>
+                    </a:p>
+                  </a:txBody>
+                  <a:tcPr anchor="ctr"/>
+                </a:tc>
+                <a:tc>
+                  <a:txBody>
+                    <a:bodyPr/>
+                    <a:lstStyle/>
+                    <a:p>
+                      <a:pPr algn="ctr"/>
+                      <a:r>
+                        <a:rPr lang="en-US" dirty="0" err="1" smtClean="0"/>
+                        <a:t>routingPattern</a:t>
+                      </a:r>
+                      <a:r>
+                        <a:rPr lang="en-US" baseline="0" dirty="0" smtClean="0"/>
+                        <a:t> =  FOH.3rd</a:t>
+                      </a:r>
+                    </a:p>
+                  </a:txBody>
+                  <a:tcPr anchor="ctr"/>
+                </a:tc>
+              </a:tr>
+              <a:tr h="1886051">
+                <a:tc>
+                  <a:txBody>
+                    <a:bodyPr/>
+                    <a:lstStyle/>
+                    <a:p>
+                      <a:pPr algn="ctr"/>
+                      <a:r>
+                        <a:rPr lang="en-US" dirty="0" smtClean="0"/>
+                        <a:t>Example binding</a:t>
+                      </a:r>
+                      <a:r>
+                        <a:rPr lang="en-US" baseline="0" dirty="0" smtClean="0"/>
+                        <a:t> k</a:t>
+                      </a:r>
+                      <a:r>
+                        <a:rPr lang="en-US" dirty="0" smtClean="0"/>
+                        <a:t>ey</a:t>
+                      </a:r>
+                      <a:endParaRPr lang="en-US" dirty="0"/>
+                    </a:p>
+                  </a:txBody>
+                  <a:tcPr anchor="ctr">
+                    <a:solidFill>
+                      <a:schemeClr val="accent4">
+                        <a:lumMod val="40000"/>
+                        <a:lumOff val="60000"/>
+                      </a:schemeClr>
+                    </a:solidFill>
+                  </a:tcPr>
+                </a:tc>
+                <a:tc>
+                  <a:txBody>
+                    <a:bodyPr/>
+                    <a:lstStyle/>
+                    <a:p>
+                      <a:pPr marL="0" marR="0" lvl="0" indent="0" algn="ctr" defTabSz="457200" rtl="0" eaLnBrk="1" fontAlgn="auto" latinLnBrk="0" hangingPunct="1">
+                        <a:lnSpc>
+                          <a:spcPct val="100000"/>
+                        </a:lnSpc>
+                        <a:spcBef>
+                          <a:spcPts val="0"/>
+                        </a:spcBef>
+                        <a:spcAft>
+                          <a:spcPts val="0"/>
+                        </a:spcAft>
+                        <a:buClrTx/>
+                        <a:buSzTx/>
+                        <a:buFontTx/>
+                        <a:buNone/>
+                        <a:tabLst/>
+                        <a:defRPr/>
+                      </a:pPr>
+                      <a:r>
+                        <a:rPr lang="en-US" dirty="0" err="1" smtClean="0"/>
+                        <a:t>bindingKey</a:t>
+                      </a:r>
+                      <a:r>
+                        <a:rPr lang="en-US" baseline="0" dirty="0" smtClean="0"/>
+                        <a:t> = ‘order’</a:t>
+                      </a:r>
+                      <a:endParaRPr lang="en-US" dirty="0" smtClean="0"/>
+                    </a:p>
+                  </a:txBody>
+                  <a:tcPr anchor="ctr"/>
+                </a:tc>
+                <a:tc>
+                  <a:txBody>
+                    <a:bodyPr/>
+                    <a:lstStyle/>
+                    <a:p>
+                      <a:r>
+                        <a:rPr lang="en-US" baseline="0" dirty="0" err="1" smtClean="0"/>
+                        <a:t>bindingPattern</a:t>
+                      </a:r>
+                      <a:r>
+                        <a:rPr lang="en-US" baseline="0" dirty="0" smtClean="0"/>
+                        <a:t> = FOH.3rd</a:t>
+                      </a:r>
+                    </a:p>
+                    <a:p>
+                      <a:r>
+                        <a:rPr lang="en-US" baseline="0" dirty="0" err="1" smtClean="0"/>
+                        <a:t>bindingPattern</a:t>
+                      </a:r>
+                      <a:r>
+                        <a:rPr lang="en-US" baseline="0" dirty="0" smtClean="0"/>
+                        <a:t> =  *.3rd</a:t>
+                      </a:r>
+                    </a:p>
+                    <a:p>
+                      <a:r>
+                        <a:rPr lang="en-US" baseline="0" dirty="0" err="1" smtClean="0"/>
+                        <a:t>bindingPattern</a:t>
+                      </a:r>
+                      <a:r>
+                        <a:rPr lang="en-US" baseline="0" dirty="0" smtClean="0"/>
+                        <a:t> = FOH.*</a:t>
+                      </a:r>
+                    </a:p>
+                    <a:p>
+                      <a:r>
+                        <a:rPr lang="en-US" baseline="0" dirty="0" err="1" smtClean="0"/>
+                        <a:t>bindingPattern</a:t>
+                      </a:r>
+                      <a:r>
+                        <a:rPr lang="en-US" baseline="0" dirty="0" smtClean="0"/>
+                        <a:t> = #.3rd</a:t>
+                      </a:r>
+                    </a:p>
+                    <a:p>
+                      <a:r>
+                        <a:rPr lang="en-US" baseline="0" dirty="0" err="1" smtClean="0"/>
+                        <a:t>bindingPattern</a:t>
+                      </a:r>
+                      <a:r>
+                        <a:rPr lang="en-US" baseline="0" dirty="0" smtClean="0"/>
+                        <a:t> = FOH.#</a:t>
+                      </a:r>
+                    </a:p>
+                    <a:p>
+                      <a:endParaRPr lang="en-US" dirty="0" smtClean="0"/>
+                    </a:p>
+                    <a:p>
+                      <a:pPr marL="0" indent="0">
+                        <a:buFont typeface="Arial" panose="020B0604020202020204" pitchFamily="34" charset="0"/>
+                        <a:buNone/>
+                      </a:pPr>
+                      <a:r>
+                        <a:rPr lang="en-US" baseline="0" dirty="0" smtClean="0"/>
+                        <a:t>* - one word placeholder</a:t>
+                      </a:r>
+                    </a:p>
+                    <a:p>
+                      <a:pPr marL="0" indent="0">
+                        <a:buFont typeface="Arial" panose="020B0604020202020204" pitchFamily="34" charset="0"/>
+                        <a:buNone/>
+                      </a:pPr>
+                      <a:r>
+                        <a:rPr lang="en-US" dirty="0" smtClean="0"/>
+                        <a:t># - an</a:t>
+                      </a:r>
+                      <a:r>
+                        <a:rPr lang="en-US" baseline="0" dirty="0" smtClean="0"/>
+                        <a:t>y </a:t>
+                      </a:r>
+                      <a:r>
+                        <a:rPr lang="en-US" baseline="0" dirty="0" err="1" smtClean="0"/>
+                        <a:t>num</a:t>
+                      </a:r>
+                      <a:r>
+                        <a:rPr lang="en-US" baseline="0" dirty="0" smtClean="0"/>
+                        <a:t> placeholders</a:t>
+                      </a:r>
+                      <a:endParaRPr lang="en-US" dirty="0"/>
+                    </a:p>
+                  </a:txBody>
+                  <a:tcPr anchor="ctr"/>
+                </a:tc>
+              </a:tr>
+            </a:tbl>
+          </a:graphicData>
+        </a:graphic>
+      </p:graphicFrame>
+    </p:spTree>
+    <p:extLst>
+      <p:ext uri="{BB962C8B-B14F-4D97-AF65-F5344CB8AC3E}">
+        <p14:creationId xmlns:p14="http://schemas.microsoft.com/office/powerpoint/2010/main" val="1077005521"/>
       </p:ext>
     </p:extLst>
   </p:cSld>
